--- a/GIT HUB Branching & Merging.pptx
+++ b/GIT HUB Branching & Merging.pptx
@@ -5,17 +5,19 @@
     <p:sldMasterId id="2147483648" r:id="rId4"/>
   </p:sldMasterIdLst>
   <p:notesMasterIdLst>
-    <p:notesMasterId r:id="rId10"/>
+    <p:notesMasterId r:id="rId12"/>
   </p:notesMasterIdLst>
   <p:handoutMasterIdLst>
-    <p:handoutMasterId r:id="rId11"/>
+    <p:handoutMasterId r:id="rId13"/>
   </p:handoutMasterIdLst>
   <p:sldIdLst>
     <p:sldId id="256" r:id="rId5"/>
-    <p:sldId id="257" r:id="rId6"/>
-    <p:sldId id="258" r:id="rId7"/>
-    <p:sldId id="259" r:id="rId8"/>
-    <p:sldId id="260" r:id="rId9"/>
+    <p:sldId id="263" r:id="rId6"/>
+    <p:sldId id="257" r:id="rId7"/>
+    <p:sldId id="261" r:id="rId8"/>
+    <p:sldId id="258" r:id="rId9"/>
+    <p:sldId id="259" r:id="rId10"/>
+    <p:sldId id="260" r:id="rId11"/>
   </p:sldIdLst>
   <p:sldSz cx="12192000" cy="6858000"/>
   <p:notesSz cx="6858000" cy="9144000"/>
@@ -218,7 +220,7 @@
           <a:p>
             <a:fld id="{762B48F5-BACC-47D6-A0F7-82FBF9C6BC85}" type="datetimeFigureOut">
               <a:rPr lang="en-US"/>
-              <a:t>9/25/2017</a:t>
+              <a:t>9/26/2017</a:t>
             </a:fld>
             <a:endParaRPr/>
           </a:p>
@@ -383,7 +385,7 @@
           <a:p>
             <a:fld id="{0CB1CD00-5424-4675-AB18-2C419B060449}" type="datetimeFigureOut">
               <a:rPr lang="en-US"/>
-              <a:t>9/25/2017</a:t>
+              <a:t>9/26/2017</a:t>
             </a:fld>
             <a:endParaRPr/>
           </a:p>
@@ -1034,7 +1036,7 @@
           <a:p>
             <a:fld id="{37CC0096-1860-4642-9CD2-0079EA5E7CD1}" type="datetimeFigureOut">
               <a:rPr lang="en-US" smtClean="0"/>
-              <a:t>9/25/2017</a:t>
+              <a:t>9/26/2017</a:t>
             </a:fld>
             <a:endParaRPr lang="en-US"/>
           </a:p>
@@ -1214,7 +1216,7 @@
           <a:p>
             <a:fld id="{37CC0096-1860-4642-9CD2-0079EA5E7CD1}" type="datetimeFigureOut">
               <a:rPr lang="en-US" smtClean="0"/>
-              <a:t>9/25/2017</a:t>
+              <a:t>9/26/2017</a:t>
             </a:fld>
             <a:endParaRPr lang="en-US"/>
           </a:p>
@@ -1388,7 +1390,7 @@
           <a:p>
             <a:fld id="{37CC0096-1860-4642-9CD2-0079EA5E7CD1}" type="datetimeFigureOut">
               <a:rPr lang="en-US" smtClean="0"/>
-              <a:t>9/25/2017</a:t>
+              <a:t>9/26/2017</a:t>
             </a:fld>
             <a:endParaRPr lang="en-US"/>
           </a:p>
@@ -1823,7 +1825,7 @@
           <a:p>
             <a:fld id="{37CC0096-1860-4642-9CD2-0079EA5E7CD1}" type="datetimeFigureOut">
               <a:rPr lang="en-US" smtClean="0"/>
-              <a:t>9/25/2017</a:t>
+              <a:t>9/26/2017</a:t>
             </a:fld>
             <a:endParaRPr lang="en-US"/>
           </a:p>
@@ -2263,7 +2265,7 @@
           <a:p>
             <a:fld id="{37CC0096-1860-4642-9CD2-0079EA5E7CD1}" type="datetimeFigureOut">
               <a:rPr lang="en-US" smtClean="0"/>
-              <a:t>9/25/2017</a:t>
+              <a:t>9/26/2017</a:t>
             </a:fld>
             <a:endParaRPr lang="en-US"/>
           </a:p>
@@ -2381,7 +2383,7 @@
           <a:p>
             <a:fld id="{37CC0096-1860-4642-9CD2-0079EA5E7CD1}" type="datetimeFigureOut">
               <a:rPr lang="en-US" smtClean="0"/>
-              <a:t>9/25/2017</a:t>
+              <a:t>9/26/2017</a:t>
             </a:fld>
             <a:endParaRPr lang="en-US"/>
           </a:p>
@@ -2476,7 +2478,7 @@
           <a:p>
             <a:fld id="{37CC0096-1860-4642-9CD2-0079EA5E7CD1}" type="datetimeFigureOut">
               <a:rPr lang="en-US" smtClean="0"/>
-              <a:t>9/25/2017</a:t>
+              <a:t>9/26/2017</a:t>
             </a:fld>
             <a:endParaRPr lang="en-US"/>
           </a:p>
@@ -2760,7 +2762,7 @@
           <a:p>
             <a:fld id="{37CC0096-1860-4642-9CD2-0079EA5E7CD1}" type="datetimeFigureOut">
               <a:rPr lang="en-US" smtClean="0"/>
-              <a:t>9/25/2017</a:t>
+              <a:t>9/26/2017</a:t>
             </a:fld>
             <a:endParaRPr lang="en-US"/>
           </a:p>
@@ -3073,7 +3075,7 @@
           <a:p>
             <a:fld id="{37CC0096-1860-4642-9CD2-0079EA5E7CD1}" type="datetimeFigureOut">
               <a:rPr lang="en-US" smtClean="0"/>
-              <a:t>9/25/2017</a:t>
+              <a:t>9/26/2017</a:t>
             </a:fld>
             <a:endParaRPr lang="en-US"/>
           </a:p>
@@ -3305,7 +3307,7 @@
             <a:fld id="{37CC0096-1860-4642-9CD2-0079EA5E7CD1}" type="datetimeFigureOut">
               <a:rPr lang="en-US" smtClean="0"/>
               <a:pPr/>
-              <a:t>9/25/2017</a:t>
+              <a:t>9/26/2017</a:t>
             </a:fld>
             <a:endParaRPr lang="en-US"/>
           </a:p>
@@ -3771,12 +3773,28 @@
               <a:t>Presented by </a:t>
             </a:r>
             <a:r>
-              <a:rPr lang="en-US" dirty="0" err="1" smtClean="0"/>
+              <a:rPr lang="en-US" dirty="0" smtClean="0"/>
+              <a:t>Adam</a:t>
+            </a:r>
+            <a:r>
+              <a:rPr lang="en-US" dirty="0" smtClean="0"/>
+              <a:t>, </a:t>
+            </a:r>
+            <a:r>
+              <a:rPr lang="en-US" dirty="0" smtClean="0"/>
+              <a:t>Justin, </a:t>
+            </a:r>
+            <a:r>
+              <a:rPr lang="en-US" dirty="0" smtClean="0"/>
               <a:t>Kalin</a:t>
             </a:r>
             <a:r>
               <a:rPr lang="en-US" dirty="0" smtClean="0"/>
-              <a:t>, Justin, Adam &amp; Ashley</a:t>
+              <a:t> </a:t>
+            </a:r>
+            <a:r>
+              <a:rPr lang="en-US" dirty="0" smtClean="0"/>
+              <a:t>&amp; Ashley</a:t>
             </a:r>
             <a:endParaRPr dirty="0"/>
           </a:p>
@@ -3792,6 +3810,13 @@
   <p:clrMapOvr>
     <a:masterClrMapping/>
   </p:clrMapOvr>
+  <p:timing>
+    <p:tnLst>
+      <p:par>
+        <p:cTn id="1" dur="indefinite" restart="never" nodeType="tmRoot"/>
+      </p:par>
+    </p:tnLst>
+  </p:timing>
 </p:sld>
 </file>
 
@@ -3822,6 +3847,264 @@
             <p:ph type="title"/>
           </p:nvPr>
         </p:nvSpPr>
+        <p:spPr/>
+        <p:txBody>
+          <a:bodyPr/>
+          <a:lstStyle/>
+          <a:p>
+            <a:pPr algn="ctr"/>
+            <a:r>
+              <a:rPr lang="en-US" dirty="0" smtClean="0"/>
+              <a:t>Basic </a:t>
+            </a:r>
+            <a:r>
+              <a:rPr lang="en-US" dirty="0" err="1" smtClean="0"/>
+              <a:t>Git</a:t>
+            </a:r>
+            <a:r>
+              <a:rPr lang="en-US" dirty="0" smtClean="0"/>
+              <a:t> Commands</a:t>
+            </a:r>
+            <a:endParaRPr lang="en-US" dirty="0"/>
+          </a:p>
+        </p:txBody>
+      </p:sp>
+      <p:sp>
+        <p:nvSpPr>
+          <p:cNvPr id="3" name="Content Placeholder 2"/>
+          <p:cNvSpPr>
+            <a:spLocks noGrp="1"/>
+          </p:cNvSpPr>
+          <p:nvPr>
+            <p:ph sz="half" idx="1"/>
+          </p:nvPr>
+        </p:nvSpPr>
+        <p:spPr/>
+        <p:txBody>
+          <a:bodyPr/>
+          <a:lstStyle/>
+          <a:p>
+            <a:r>
+              <a:rPr lang="en-US" dirty="0" err="1" smtClean="0"/>
+              <a:t>Git</a:t>
+            </a:r>
+            <a:r>
+              <a:rPr lang="en-US" dirty="0" smtClean="0"/>
+              <a:t> Commands</a:t>
+            </a:r>
+          </a:p>
+          <a:p>
+            <a:pPr lvl="1"/>
+            <a:r>
+              <a:rPr lang="en-US" dirty="0" err="1" smtClean="0"/>
+              <a:t>git</a:t>
+            </a:r>
+            <a:r>
+              <a:rPr lang="en-US" dirty="0" smtClean="0"/>
+              <a:t> </a:t>
+            </a:r>
+            <a:r>
+              <a:rPr lang="en-US" dirty="0" err="1" smtClean="0"/>
+              <a:t>init</a:t>
+            </a:r>
+            <a:endParaRPr lang="en-US" dirty="0" smtClean="0"/>
+          </a:p>
+          <a:p>
+            <a:pPr lvl="1"/>
+            <a:r>
+              <a:rPr lang="en-US" dirty="0" err="1" smtClean="0"/>
+              <a:t>git</a:t>
+            </a:r>
+            <a:r>
+              <a:rPr lang="en-US" dirty="0" smtClean="0"/>
+              <a:t> clone &lt;repo URL&gt;</a:t>
+            </a:r>
+          </a:p>
+          <a:p>
+            <a:pPr lvl="1"/>
+            <a:r>
+              <a:rPr lang="en-US" dirty="0" err="1" smtClean="0"/>
+              <a:t>git</a:t>
+            </a:r>
+            <a:r>
+              <a:rPr lang="en-US" dirty="0" smtClean="0"/>
+              <a:t> add .</a:t>
+            </a:r>
+          </a:p>
+          <a:p>
+            <a:pPr lvl="1"/>
+            <a:r>
+              <a:rPr lang="en-US" dirty="0" err="1" smtClean="0"/>
+              <a:t>git</a:t>
+            </a:r>
+            <a:r>
+              <a:rPr lang="en-US" dirty="0" smtClean="0"/>
+              <a:t> add &lt;file-name&gt;</a:t>
+            </a:r>
+          </a:p>
+          <a:p>
+            <a:pPr lvl="1"/>
+            <a:r>
+              <a:rPr lang="en-US" dirty="0" err="1" smtClean="0"/>
+              <a:t>git</a:t>
+            </a:r>
+            <a:r>
+              <a:rPr lang="en-US" dirty="0" smtClean="0"/>
+              <a:t> commit –</a:t>
+            </a:r>
+            <a:r>
+              <a:rPr lang="en-US" dirty="0" err="1" smtClean="0"/>
+              <a:t>m’some</a:t>
+            </a:r>
+            <a:r>
+              <a:rPr lang="en-US" dirty="0" smtClean="0"/>
+              <a:t> comment’</a:t>
+            </a:r>
+          </a:p>
+          <a:p>
+            <a:pPr lvl="1"/>
+            <a:r>
+              <a:rPr lang="en-US" dirty="0" err="1" smtClean="0"/>
+              <a:t>git</a:t>
+            </a:r>
+            <a:r>
+              <a:rPr lang="en-US" dirty="0" smtClean="0"/>
+              <a:t> push</a:t>
+            </a:r>
+          </a:p>
+          <a:p>
+            <a:pPr lvl="1"/>
+            <a:r>
+              <a:rPr lang="en-US" dirty="0" err="1" smtClean="0"/>
+              <a:t>git</a:t>
+            </a:r>
+            <a:r>
+              <a:rPr lang="en-US" dirty="0" smtClean="0"/>
+              <a:t> pull</a:t>
+            </a:r>
+            <a:endParaRPr lang="en-US" dirty="0"/>
+          </a:p>
+        </p:txBody>
+      </p:sp>
+      <p:sp>
+        <p:nvSpPr>
+          <p:cNvPr id="4" name="Content Placeholder 3"/>
+          <p:cNvSpPr>
+            <a:spLocks noGrp="1"/>
+          </p:cNvSpPr>
+          <p:nvPr>
+            <p:ph sz="half" idx="2"/>
+          </p:nvPr>
+        </p:nvSpPr>
+        <p:spPr/>
+        <p:txBody>
+          <a:bodyPr/>
+          <a:lstStyle/>
+          <a:p>
+            <a:r>
+              <a:rPr lang="en-US" dirty="0" smtClean="0"/>
+              <a:t>What They Do</a:t>
+            </a:r>
+          </a:p>
+          <a:p>
+            <a:pPr lvl="1"/>
+            <a:r>
+              <a:rPr lang="en-US" dirty="0" smtClean="0"/>
+              <a:t>Initializes Repo</a:t>
+            </a:r>
+          </a:p>
+          <a:p>
+            <a:pPr lvl="1"/>
+            <a:r>
+              <a:rPr lang="en-US" dirty="0" smtClean="0"/>
+              <a:t>Clones the repo to a location</a:t>
+            </a:r>
+          </a:p>
+          <a:p>
+            <a:pPr lvl="1"/>
+            <a:r>
+              <a:rPr lang="en-US" dirty="0" smtClean="0"/>
+              <a:t>Adds ALL files to the staging area</a:t>
+            </a:r>
+          </a:p>
+          <a:p>
+            <a:pPr lvl="1"/>
+            <a:r>
+              <a:rPr lang="en-US" dirty="0" smtClean="0"/>
+              <a:t>Adds the specified file to stage</a:t>
+            </a:r>
+          </a:p>
+          <a:p>
+            <a:pPr lvl="1"/>
+            <a:r>
+              <a:rPr lang="en-US" dirty="0" smtClean="0"/>
+              <a:t>Commits all staged files</a:t>
+            </a:r>
+          </a:p>
+          <a:p>
+            <a:pPr lvl="1"/>
+            <a:r>
+              <a:rPr lang="en-US" dirty="0" smtClean="0"/>
+              <a:t>Pushes the changes to GitHub</a:t>
+            </a:r>
+          </a:p>
+          <a:p>
+            <a:pPr lvl="1"/>
+            <a:r>
+              <a:rPr lang="en-US" dirty="0" smtClean="0"/>
+              <a:t>Grabs any changes from GitHub</a:t>
+            </a:r>
+            <a:endParaRPr lang="en-US" dirty="0"/>
+          </a:p>
+        </p:txBody>
+      </p:sp>
+    </p:spTree>
+    <p:extLst>
+      <p:ext uri="{BB962C8B-B14F-4D97-AF65-F5344CB8AC3E}">
+        <p14:creationId xmlns:p14="http://schemas.microsoft.com/office/powerpoint/2010/main" val="3779814757"/>
+      </p:ext>
+    </p:extLst>
+  </p:cSld>
+  <p:clrMapOvr>
+    <a:masterClrMapping/>
+  </p:clrMapOvr>
+  <p:timing>
+    <p:tnLst>
+      <p:par>
+        <p:cTn id="1" dur="indefinite" restart="never" nodeType="tmRoot"/>
+      </p:par>
+    </p:tnLst>
+  </p:timing>
+</p:sld>
+</file>
+
+<file path=ppt/slides/slide3.xml><?xml version="1.0" encoding="utf-8"?>
+<p:sld xmlns:a="http://schemas.openxmlformats.org/drawingml/2006/main" xmlns:r="http://schemas.openxmlformats.org/officeDocument/2006/relationships" xmlns:p="http://schemas.openxmlformats.org/presentationml/2006/main">
+  <p:cSld>
+    <p:spTree>
+      <p:nvGrpSpPr>
+        <p:cNvPr id="1" name=""/>
+        <p:cNvGrpSpPr/>
+        <p:nvPr/>
+      </p:nvGrpSpPr>
+      <p:grpSpPr>
+        <a:xfrm>
+          <a:off x="0" y="0"/>
+          <a:ext cx="0" cy="0"/>
+          <a:chOff x="0" y="0"/>
+          <a:chExt cx="0" cy="0"/>
+        </a:xfrm>
+      </p:grpSpPr>
+      <p:sp>
+        <p:nvSpPr>
+          <p:cNvPr id="2" name="Title 1"/>
+          <p:cNvSpPr>
+            <a:spLocks noGrp="1"/>
+          </p:cNvSpPr>
+          <p:nvPr>
+            <p:ph type="title"/>
+          </p:nvPr>
+        </p:nvSpPr>
         <p:spPr>
           <a:xfrm>
             <a:off x="1524000" y="457200"/>
@@ -3867,8 +4150,8 @@
         </p:blipFill>
         <p:spPr>
           <a:xfrm>
-            <a:off x="1447800" y="1825625"/>
-            <a:ext cx="4343400" cy="1883118"/>
+            <a:off x="457200" y="2514600"/>
+            <a:ext cx="5448399" cy="2362200"/>
           </a:xfrm>
         </p:spPr>
       </p:pic>
@@ -3914,10 +4197,215 @@
   <p:clrMapOvr>
     <a:masterClrMapping/>
   </p:clrMapOvr>
+  <p:timing>
+    <p:tnLst>
+      <p:par>
+        <p:cTn id="1" dur="indefinite" restart="never" nodeType="tmRoot"/>
+      </p:par>
+    </p:tnLst>
+  </p:timing>
 </p:sld>
 </file>
 
-<file path=ppt/slides/slide3.xml><?xml version="1.0" encoding="utf-8"?>
+<file path=ppt/slides/slide4.xml><?xml version="1.0" encoding="utf-8"?>
+<p:sld xmlns:a="http://schemas.openxmlformats.org/drawingml/2006/main" xmlns:r="http://schemas.openxmlformats.org/officeDocument/2006/relationships" xmlns:p="http://schemas.openxmlformats.org/presentationml/2006/main">
+  <p:cSld>
+    <p:spTree>
+      <p:nvGrpSpPr>
+        <p:cNvPr id="1" name=""/>
+        <p:cNvGrpSpPr/>
+        <p:nvPr/>
+      </p:nvGrpSpPr>
+      <p:grpSpPr>
+        <a:xfrm>
+          <a:off x="0" y="0"/>
+          <a:ext cx="0" cy="0"/>
+          <a:chOff x="0" y="0"/>
+          <a:chExt cx="0" cy="0"/>
+        </a:xfrm>
+      </p:grpSpPr>
+      <p:sp>
+        <p:nvSpPr>
+          <p:cNvPr id="2" name="Title 1"/>
+          <p:cNvSpPr>
+            <a:spLocks noGrp="1"/>
+          </p:cNvSpPr>
+          <p:nvPr>
+            <p:ph type="title"/>
+          </p:nvPr>
+        </p:nvSpPr>
+        <p:spPr>
+          <a:xfrm>
+            <a:off x="1524000" y="457200"/>
+            <a:ext cx="9144000" cy="914400"/>
+          </a:xfrm>
+        </p:spPr>
+        <p:txBody>
+          <a:bodyPr>
+            <a:normAutofit/>
+          </a:bodyPr>
+          <a:lstStyle/>
+          <a:p>
+            <a:pPr algn="ctr"/>
+            <a:r>
+              <a:rPr lang="en-US" sz="4400" dirty="0" err="1" smtClean="0"/>
+              <a:t>Git</a:t>
+            </a:r>
+            <a:r>
+              <a:rPr lang="en-US" sz="4400" dirty="0" smtClean="0"/>
+              <a:t> Branchy</a:t>
+            </a:r>
+            <a:endParaRPr lang="en-US" sz="4400" dirty="0"/>
+          </a:p>
+        </p:txBody>
+      </p:sp>
+      <p:sp>
+        <p:nvSpPr>
+          <p:cNvPr id="3" name="Content Placeholder 2"/>
+          <p:cNvSpPr>
+            <a:spLocks noGrp="1"/>
+          </p:cNvSpPr>
+          <p:nvPr>
+            <p:ph sz="half" idx="1"/>
+          </p:nvPr>
+        </p:nvSpPr>
+        <p:spPr/>
+        <p:txBody>
+          <a:bodyPr/>
+          <a:lstStyle/>
+          <a:p>
+            <a:r>
+              <a:rPr lang="en-US" dirty="0" smtClean="0"/>
+              <a:t>Common </a:t>
+            </a:r>
+            <a:r>
+              <a:rPr lang="en-US" dirty="0" err="1" smtClean="0"/>
+              <a:t>Git</a:t>
+            </a:r>
+            <a:r>
+              <a:rPr lang="en-US" dirty="0" smtClean="0"/>
+              <a:t> Branch Commands</a:t>
+            </a:r>
+          </a:p>
+          <a:p>
+            <a:pPr lvl="1"/>
+            <a:r>
+              <a:rPr lang="en-US" dirty="0" err="1" smtClean="0"/>
+              <a:t>git</a:t>
+            </a:r>
+            <a:r>
+              <a:rPr lang="en-US" dirty="0" smtClean="0"/>
+              <a:t> branch &lt;branch-Name&gt;</a:t>
+            </a:r>
+          </a:p>
+          <a:p>
+            <a:pPr lvl="1"/>
+            <a:r>
+              <a:rPr lang="en-US" dirty="0" err="1" smtClean="0"/>
+              <a:t>git</a:t>
+            </a:r>
+            <a:r>
+              <a:rPr lang="en-US" dirty="0" smtClean="0"/>
+              <a:t> checkout ‘branch-Name’</a:t>
+            </a:r>
+          </a:p>
+          <a:p>
+            <a:pPr lvl="1"/>
+            <a:r>
+              <a:rPr lang="en-US" dirty="0" err="1" smtClean="0"/>
+              <a:t>git</a:t>
+            </a:r>
+            <a:r>
+              <a:rPr lang="en-US" dirty="0" smtClean="0"/>
+              <a:t> branch -d &lt;branch-Name&gt;</a:t>
+            </a:r>
+          </a:p>
+          <a:p>
+            <a:pPr lvl="1"/>
+            <a:r>
+              <a:rPr lang="en-US" dirty="0" err="1" smtClean="0"/>
+              <a:t>git</a:t>
+            </a:r>
+            <a:r>
+              <a:rPr lang="en-US" dirty="0" smtClean="0"/>
+              <a:t> branch –D &lt;branch-Name&gt;</a:t>
+            </a:r>
+            <a:endParaRPr lang="en-US" dirty="0"/>
+          </a:p>
+        </p:txBody>
+      </p:sp>
+      <p:sp>
+        <p:nvSpPr>
+          <p:cNvPr id="4" name="Content Placeholder 3"/>
+          <p:cNvSpPr>
+            <a:spLocks noGrp="1"/>
+          </p:cNvSpPr>
+          <p:nvPr>
+            <p:ph sz="half" idx="2"/>
+          </p:nvPr>
+        </p:nvSpPr>
+        <p:spPr/>
+        <p:txBody>
+          <a:bodyPr/>
+          <a:lstStyle/>
+          <a:p>
+            <a:r>
+              <a:rPr lang="en-US" dirty="0" smtClean="0"/>
+              <a:t>What it means</a:t>
+            </a:r>
+          </a:p>
+          <a:p>
+            <a:pPr lvl="1"/>
+            <a:r>
+              <a:rPr lang="en-US" dirty="0" smtClean="0"/>
+              <a:t>Makes the new branch</a:t>
+            </a:r>
+          </a:p>
+          <a:p>
+            <a:pPr lvl="1"/>
+            <a:r>
+              <a:rPr lang="en-US" dirty="0" smtClean="0"/>
+              <a:t>Switch to  named branch</a:t>
+            </a:r>
+          </a:p>
+          <a:p>
+            <a:pPr lvl="1"/>
+            <a:r>
+              <a:rPr lang="en-US" dirty="0" smtClean="0"/>
+              <a:t>Safely Delete the named branch</a:t>
+            </a:r>
+          </a:p>
+          <a:p>
+            <a:pPr lvl="1"/>
+            <a:r>
+              <a:rPr lang="en-US" dirty="0" smtClean="0"/>
+              <a:t>Non safe way to delete branch</a:t>
+            </a:r>
+            <a:endParaRPr lang="en-US" dirty="0"/>
+          </a:p>
+        </p:txBody>
+      </p:sp>
+    </p:spTree>
+    <p:extLst>
+      <p:ext uri="{BB962C8B-B14F-4D97-AF65-F5344CB8AC3E}">
+        <p14:creationId xmlns:p14="http://schemas.microsoft.com/office/powerpoint/2010/main" val="2236801193"/>
+      </p:ext>
+    </p:extLst>
+  </p:cSld>
+  <p:clrMapOvr>
+    <a:masterClrMapping/>
+  </p:clrMapOvr>
+  <p:timing>
+    <p:tnLst>
+      <p:par>
+        <p:cTn id="1" dur="indefinite" restart="never" nodeType="tmRoot"/>
+      </p:par>
+    </p:tnLst>
+  </p:timing>
+</p:sld>
+</file>
+
+<file path=ppt/slides/slide5.xml><?xml version="1.0" encoding="utf-8"?>
 <p:sld xmlns:a="http://schemas.openxmlformats.org/drawingml/2006/main" xmlns:r="http://schemas.openxmlformats.org/officeDocument/2006/relationships" xmlns:p="http://schemas.openxmlformats.org/presentationml/2006/main">
   <p:cSld>
     <p:spTree>
@@ -3958,8 +4446,8 @@
         </p:blipFill>
         <p:spPr>
           <a:xfrm>
-            <a:off x="3407466" y="1825625"/>
-            <a:ext cx="2558544" cy="1962194"/>
+            <a:off x="40177" y="3577978"/>
+            <a:ext cx="4235336" cy="3248157"/>
           </a:xfrm>
         </p:spPr>
       </p:pic>
@@ -4039,7 +4527,12 @@
             <p:ph type="title"/>
           </p:nvPr>
         </p:nvSpPr>
-        <p:spPr/>
+        <p:spPr>
+          <a:xfrm>
+            <a:off x="3048000" y="0"/>
+            <a:ext cx="9144000" cy="1143000"/>
+          </a:xfrm>
+        </p:spPr>
         <p:txBody>
           <a:bodyPr>
             <a:normAutofit/>
@@ -4077,8 +4570,8 @@
         </p:blipFill>
         <p:spPr>
           <a:xfrm>
-            <a:off x="845369" y="1825625"/>
-            <a:ext cx="2377440" cy="1962194"/>
+            <a:off x="31864" y="57219"/>
+            <a:ext cx="4243649" cy="3502449"/>
           </a:xfrm>
           <a:prstGeom prst="rect">
             <a:avLst/>
@@ -4095,10 +4588,17 @@
   <p:clrMapOvr>
     <a:masterClrMapping/>
   </p:clrMapOvr>
+  <p:timing>
+    <p:tnLst>
+      <p:par>
+        <p:cTn id="1" dur="indefinite" restart="never" nodeType="tmRoot"/>
+      </p:par>
+    </p:tnLst>
+  </p:timing>
 </p:sld>
 </file>
 
-<file path=ppt/slides/slide4.xml><?xml version="1.0" encoding="utf-8"?>
+<file path=ppt/slides/slide6.xml><?xml version="1.0" encoding="utf-8"?>
 <p:sld xmlns:a="http://schemas.openxmlformats.org/drawingml/2006/main" xmlns:r="http://schemas.openxmlformats.org/officeDocument/2006/relationships" xmlns:p="http://schemas.openxmlformats.org/presentationml/2006/main">
   <p:cSld>
     <p:spTree>
@@ -4137,7 +4637,6 @@
               <a:rPr lang="en-US" sz="6600" dirty="0"/>
               <a:t>Fast-Forward Merge </a:t>
             </a:r>
-            <a:endParaRPr lang="en-US" sz="6600" dirty="0"/>
           </a:p>
         </p:txBody>
       </p:sp>
@@ -4195,7 +4694,6 @@
               <a:rPr lang="en-US" dirty="0"/>
               <a:t>However, a fast-forward merge is not possible if the branches have diverged.</a:t>
             </a:r>
-            <a:endParaRPr lang="en-US" dirty="0"/>
           </a:p>
         </p:txBody>
       </p:sp>
@@ -4209,10 +4707,17 @@
   <p:clrMapOvr>
     <a:masterClrMapping/>
   </p:clrMapOvr>
+  <p:timing>
+    <p:tnLst>
+      <p:par>
+        <p:cTn id="1" dur="indefinite" restart="never" nodeType="tmRoot"/>
+      </p:par>
+    </p:tnLst>
+  </p:timing>
 </p:sld>
 </file>
 
-<file path=ppt/slides/slide5.xml><?xml version="1.0" encoding="utf-8"?>
+<file path=ppt/slides/slide7.xml><?xml version="1.0" encoding="utf-8"?>
 <p:sld xmlns:a="http://schemas.openxmlformats.org/drawingml/2006/main" xmlns:r="http://schemas.openxmlformats.org/officeDocument/2006/relationships" xmlns:p="http://schemas.openxmlformats.org/presentationml/2006/main">
   <p:cSld>
     <p:spTree>
@@ -4308,6 +4813,13 @@
   <p:clrMapOvr>
     <a:masterClrMapping/>
   </p:clrMapOvr>
+  <p:timing>
+    <p:tnLst>
+      <p:par>
+        <p:cTn id="1" dur="indefinite" restart="never" nodeType="tmRoot"/>
+      </p:par>
+    </p:tnLst>
+  </p:timing>
 </p:sld>
 </file>
 
@@ -5095,6 +5607,141 @@
 </file>
 
 <file path=customXml/item1.xml><?xml version="1.0" encoding="utf-8"?>
+<p:properties xmlns:p="http://schemas.microsoft.com/office/2006/metadata/properties" xmlns:xsi="http://www.w3.org/2001/XMLSchema-instance" xmlns:pc="http://schemas.microsoft.com/office/infopath/2007/PartnerControls">
+  <documentManagement>
+    <DirectSourceMarket xmlns="4873beb7-5857-4685-be1f-d57550cc96cc" xsi:nil="true"/>
+    <ApprovalStatus xmlns="4873beb7-5857-4685-be1f-d57550cc96cc">InProgress</ApprovalStatus>
+    <MarketSpecific xmlns="4873beb7-5857-4685-be1f-d57550cc96cc">false</MarketSpecific>
+    <LocComments xmlns="4873beb7-5857-4685-be1f-d57550cc96cc" xsi:nil="true"/>
+    <ThumbnailAssetId xmlns="4873beb7-5857-4685-be1f-d57550cc96cc" xsi:nil="true"/>
+    <PrimaryImageGen xmlns="4873beb7-5857-4685-be1f-d57550cc96cc">true</PrimaryImageGen>
+    <LegacyData xmlns="4873beb7-5857-4685-be1f-d57550cc96cc" xsi:nil="true"/>
+    <LocRecommendedHandoff xmlns="4873beb7-5857-4685-be1f-d57550cc96cc" xsi:nil="true"/>
+    <BusinessGroup xmlns="4873beb7-5857-4685-be1f-d57550cc96cc" xsi:nil="true"/>
+    <BlockPublish xmlns="4873beb7-5857-4685-be1f-d57550cc96cc">false</BlockPublish>
+    <TPFriendlyName xmlns="4873beb7-5857-4685-be1f-d57550cc96cc" xsi:nil="true"/>
+    <NumericId xmlns="4873beb7-5857-4685-be1f-d57550cc96cc" xsi:nil="true"/>
+    <APEditor xmlns="4873beb7-5857-4685-be1f-d57550cc96cc">
+      <UserInfo>
+        <DisplayName/>
+        <AccountId xsi:nil="true"/>
+        <AccountType/>
+      </UserInfo>
+    </APEditor>
+    <SourceTitle xmlns="4873beb7-5857-4685-be1f-d57550cc96cc" xsi:nil="true"/>
+    <OpenTemplate xmlns="4873beb7-5857-4685-be1f-d57550cc96cc">true</OpenTemplate>
+    <UALocComments xmlns="4873beb7-5857-4685-be1f-d57550cc96cc" xsi:nil="true"/>
+    <ParentAssetId xmlns="4873beb7-5857-4685-be1f-d57550cc96cc" xsi:nil="true"/>
+    <IntlLangReviewDate xmlns="4873beb7-5857-4685-be1f-d57550cc96cc" xsi:nil="true"/>
+    <FeatureTagsTaxHTField0 xmlns="4873beb7-5857-4685-be1f-d57550cc96cc">
+      <Terms xmlns="http://schemas.microsoft.com/office/infopath/2007/PartnerControls"/>
+    </FeatureTagsTaxHTField0>
+    <PublishStatusLookup xmlns="4873beb7-5857-4685-be1f-d57550cc96cc">
+      <Value>1566889</Value>
+    </PublishStatusLookup>
+    <Providers xmlns="4873beb7-5857-4685-be1f-d57550cc96cc" xsi:nil="true"/>
+    <MachineTranslated xmlns="4873beb7-5857-4685-be1f-d57550cc96cc">false</MachineTranslated>
+    <OriginalSourceMarket xmlns="4873beb7-5857-4685-be1f-d57550cc96cc" xsi:nil="true"/>
+    <APDescription xmlns="4873beb7-5857-4685-be1f-d57550cc96cc" xsi:nil="true"/>
+    <ClipArtFilename xmlns="4873beb7-5857-4685-be1f-d57550cc96cc" xsi:nil="true"/>
+    <ContentItem xmlns="4873beb7-5857-4685-be1f-d57550cc96cc" xsi:nil="true"/>
+    <TPInstallLocation xmlns="4873beb7-5857-4685-be1f-d57550cc96cc" xsi:nil="true"/>
+    <PublishTargets xmlns="4873beb7-5857-4685-be1f-d57550cc96cc">OfficeOnlineVNext</PublishTargets>
+    <TimesCloned xmlns="4873beb7-5857-4685-be1f-d57550cc96cc" xsi:nil="true"/>
+    <AssetStart xmlns="4873beb7-5857-4685-be1f-d57550cc96cc">2012-05-23T08:44:00+00:00</AssetStart>
+    <Provider xmlns="4873beb7-5857-4685-be1f-d57550cc96cc" xsi:nil="true"/>
+    <AcquiredFrom xmlns="4873beb7-5857-4685-be1f-d57550cc96cc">Internal MS</AcquiredFrom>
+    <FriendlyTitle xmlns="4873beb7-5857-4685-be1f-d57550cc96cc" xsi:nil="true"/>
+    <LastHandOff xmlns="4873beb7-5857-4685-be1f-d57550cc96cc" xsi:nil="true"/>
+    <TPClientViewer xmlns="4873beb7-5857-4685-be1f-d57550cc96cc" xsi:nil="true"/>
+    <UACurrentWords xmlns="4873beb7-5857-4685-be1f-d57550cc96cc" xsi:nil="true"/>
+    <ArtSampleDocs xmlns="4873beb7-5857-4685-be1f-d57550cc96cc" xsi:nil="true"/>
+    <UALocRecommendation xmlns="4873beb7-5857-4685-be1f-d57550cc96cc">Localize</UALocRecommendation>
+    <Manager xmlns="4873beb7-5857-4685-be1f-d57550cc96cc" xsi:nil="true"/>
+    <ShowIn xmlns="4873beb7-5857-4685-be1f-d57550cc96cc">Show everywhere</ShowIn>
+    <UANotes xmlns="4873beb7-5857-4685-be1f-d57550cc96cc" xsi:nil="true"/>
+    <TemplateStatus xmlns="4873beb7-5857-4685-be1f-d57550cc96cc">Complete</TemplateStatus>
+    <InternalTagsTaxHTField0 xmlns="4873beb7-5857-4685-be1f-d57550cc96cc">
+      <Terms xmlns="http://schemas.microsoft.com/office/infopath/2007/PartnerControls"/>
+    </InternalTagsTaxHTField0>
+    <CSXHash xmlns="4873beb7-5857-4685-be1f-d57550cc96cc" xsi:nil="true"/>
+    <Downloads xmlns="4873beb7-5857-4685-be1f-d57550cc96cc">0</Downloads>
+    <VoteCount xmlns="4873beb7-5857-4685-be1f-d57550cc96cc" xsi:nil="true"/>
+    <OOCacheId xmlns="4873beb7-5857-4685-be1f-d57550cc96cc" xsi:nil="true"/>
+    <IsDeleted xmlns="4873beb7-5857-4685-be1f-d57550cc96cc">false</IsDeleted>
+    <AssetExpire xmlns="4873beb7-5857-4685-be1f-d57550cc96cc">2029-01-01T08:00:00+00:00</AssetExpire>
+    <DSATActionTaken xmlns="4873beb7-5857-4685-be1f-d57550cc96cc" xsi:nil="true"/>
+    <CSXSubmissionMarket xmlns="4873beb7-5857-4685-be1f-d57550cc96cc" xsi:nil="true"/>
+    <TPExecutable xmlns="4873beb7-5857-4685-be1f-d57550cc96cc" xsi:nil="true"/>
+    <SubmitterId xmlns="4873beb7-5857-4685-be1f-d57550cc96cc" xsi:nil="true"/>
+    <EditorialTags xmlns="4873beb7-5857-4685-be1f-d57550cc96cc" xsi:nil="true"/>
+    <ApprovalLog xmlns="4873beb7-5857-4685-be1f-d57550cc96cc" xsi:nil="true"/>
+    <AssetType xmlns="4873beb7-5857-4685-be1f-d57550cc96cc">TP</AssetType>
+    <BugNumber xmlns="4873beb7-5857-4685-be1f-d57550cc96cc" xsi:nil="true"/>
+    <CSXSubmissionDate xmlns="4873beb7-5857-4685-be1f-d57550cc96cc" xsi:nil="true"/>
+    <CSXUpdate xmlns="4873beb7-5857-4685-be1f-d57550cc96cc">false</CSXUpdate>
+    <Milestone xmlns="4873beb7-5857-4685-be1f-d57550cc96cc" xsi:nil="true"/>
+    <RecommendationsModifier xmlns="4873beb7-5857-4685-be1f-d57550cc96cc" xsi:nil="true"/>
+    <OriginAsset xmlns="4873beb7-5857-4685-be1f-d57550cc96cc" xsi:nil="true"/>
+    <TPComponent xmlns="4873beb7-5857-4685-be1f-d57550cc96cc" xsi:nil="true"/>
+    <AssetId xmlns="4873beb7-5857-4685-be1f-d57550cc96cc">TP102901017</AssetId>
+    <IntlLocPriority xmlns="4873beb7-5857-4685-be1f-d57550cc96cc" xsi:nil="true"/>
+    <PolicheckWords xmlns="4873beb7-5857-4685-be1f-d57550cc96cc" xsi:nil="true"/>
+    <TPLaunchHelpLink xmlns="4873beb7-5857-4685-be1f-d57550cc96cc" xsi:nil="true"/>
+    <TPApplication xmlns="4873beb7-5857-4685-be1f-d57550cc96cc" xsi:nil="true"/>
+    <CrawlForDependencies xmlns="4873beb7-5857-4685-be1f-d57550cc96cc">false</CrawlForDependencies>
+    <HandoffToMSDN xmlns="4873beb7-5857-4685-be1f-d57550cc96cc" xsi:nil="true"/>
+    <PlannedPubDate xmlns="4873beb7-5857-4685-be1f-d57550cc96cc" xsi:nil="true"/>
+    <IntlLangReviewer xmlns="4873beb7-5857-4685-be1f-d57550cc96cc" xsi:nil="true"/>
+    <TrustLevel xmlns="4873beb7-5857-4685-be1f-d57550cc96cc">1 Microsoft Managed Content</TrustLevel>
+    <LocLastLocAttemptVersionLookup xmlns="4873beb7-5857-4685-be1f-d57550cc96cc">836753</LocLastLocAttemptVersionLookup>
+    <IsSearchable xmlns="4873beb7-5857-4685-be1f-d57550cc96cc">true</IsSearchable>
+    <TemplateTemplateType xmlns="4873beb7-5857-4685-be1f-d57550cc96cc">PowerPoint Design Template</TemplateTemplateType>
+    <CampaignTagsTaxHTField0 xmlns="4873beb7-5857-4685-be1f-d57550cc96cc">
+      <Terms xmlns="http://schemas.microsoft.com/office/infopath/2007/PartnerControls"/>
+    </CampaignTagsTaxHTField0>
+    <TPNamespace xmlns="4873beb7-5857-4685-be1f-d57550cc96cc" xsi:nil="true"/>
+    <TaxCatchAll xmlns="4873beb7-5857-4685-be1f-d57550cc96cc"/>
+    <Markets xmlns="4873beb7-5857-4685-be1f-d57550cc96cc"/>
+    <UAProjectedTotalWords xmlns="4873beb7-5857-4685-be1f-d57550cc96cc" xsi:nil="true"/>
+    <IntlLangReview xmlns="4873beb7-5857-4685-be1f-d57550cc96cc">false</IntlLangReview>
+    <OutputCachingOn xmlns="4873beb7-5857-4685-be1f-d57550cc96cc">false</OutputCachingOn>
+    <AverageRating xmlns="4873beb7-5857-4685-be1f-d57550cc96cc" xsi:nil="true"/>
+    <APAuthor xmlns="4873beb7-5857-4685-be1f-d57550cc96cc">
+      <UserInfo>
+        <DisplayName>REDMOND\v-anij</DisplayName>
+        <AccountId>2469</AccountId>
+        <AccountType/>
+      </UserInfo>
+    </APAuthor>
+    <LocManualTestRequired xmlns="4873beb7-5857-4685-be1f-d57550cc96cc">false</LocManualTestRequired>
+    <TPCommandLine xmlns="4873beb7-5857-4685-be1f-d57550cc96cc" xsi:nil="true"/>
+    <TPAppVersion xmlns="4873beb7-5857-4685-be1f-d57550cc96cc" xsi:nil="true"/>
+    <EditorialStatus xmlns="4873beb7-5857-4685-be1f-d57550cc96cc">Complete</EditorialStatus>
+    <LastModifiedDateTime xmlns="4873beb7-5857-4685-be1f-d57550cc96cc" xsi:nil="true"/>
+    <ScenarioTagsTaxHTField0 xmlns="4873beb7-5857-4685-be1f-d57550cc96cc">
+      <Terms xmlns="http://schemas.microsoft.com/office/infopath/2007/PartnerControls"/>
+    </ScenarioTagsTaxHTField0>
+    <OriginalRelease xmlns="4873beb7-5857-4685-be1f-d57550cc96cc">15</OriginalRelease>
+    <TPLaunchHelpLinkType xmlns="4873beb7-5857-4685-be1f-d57550cc96cc">Template</TPLaunchHelpLinkType>
+    <LocalizationTagsTaxHTField0 xmlns="4873beb7-5857-4685-be1f-d57550cc96cc">
+      <Terms xmlns="http://schemas.microsoft.com/office/infopath/2007/PartnerControls"/>
+    </LocalizationTagsTaxHTField0>
+    <LocMarketGroupTiers2 xmlns="4873beb7-5857-4685-be1f-d57550cc96cc" xsi:nil="true"/>
+  </documentManagement>
+</p:properties>
+</file>
+
+<file path=customXml/item2.xml><?xml version="1.0" encoding="utf-8"?>
+<?mso-contentType ?>
+<FormTemplates xmlns="http://schemas.microsoft.com/sharepoint/v3/contenttype/forms">
+  <Display>DocumentLibraryForm</Display>
+  <Edit>AssetEditForm</Edit>
+  <New>DocumentLibraryForm</New>
+</FormTemplates>
+</file>
+
+<file path=customXml/item3.xml><?xml version="1.0" encoding="utf-8"?>
 <ct:contentTypeSchema xmlns:ct="http://schemas.microsoft.com/office/2006/metadata/contentType" xmlns:ma="http://schemas.microsoft.com/office/2006/metadata/properties/metaAttributes" ct:_="" ma:_="" ma:contentTypeName="TemplateFile" ma:contentTypeID="0x0101006EDDDB5EE6D98C44930B742096920B300400F5B6D36B3EF94B4E9A635CDF2A18F5B8" ma:contentTypeVersion="72" ma:contentTypeDescription="Create a new document." ma:contentTypeScope="" ma:versionID="a23e56308344d904b51738559c3d67c9">
   <xsd:schema xmlns:xsd="http://www.w3.org/2001/XMLSchema" xmlns:xs="http://www.w3.org/2001/XMLSchema" xmlns:p="http://schemas.microsoft.com/office/2006/metadata/properties" xmlns:ns2="4873beb7-5857-4685-be1f-d57550cc96cc" targetNamespace="http://schemas.microsoft.com/office/2006/metadata/properties" ma:root="true" ma:fieldsID="cd0908cc4600e77bf5da051303e00c8d" ns2:_="">
     <xsd:import namespace="4873beb7-5857-4685-be1f-d57550cc96cc"/>
@@ -6134,142 +6781,31 @@
 </ct:contentTypeSchema>
 </file>
 
-<file path=customXml/item2.xml><?xml version="1.0" encoding="utf-8"?>
-<?mso-contentType ?>
-<FormTemplates xmlns="http://schemas.microsoft.com/sharepoint/v3/contenttype/forms">
-  <Display>DocumentLibraryForm</Display>
-  <Edit>AssetEditForm</Edit>
-  <New>DocumentLibraryForm</New>
-</FormTemplates>
+<file path=customXml/itemProps1.xml><?xml version="1.0" encoding="utf-8"?>
+<ds:datastoreItem xmlns:ds="http://schemas.openxmlformats.org/officeDocument/2006/customXml" ds:itemID="{04098515-0C12-46CF-BC7C-69B4A13CD5FA}">
+  <ds:schemaRefs>
+    <ds:schemaRef ds:uri="http://schemas.microsoft.com/office/infopath/2007/PartnerControls"/>
+    <ds:schemaRef ds:uri="http://purl.org/dc/elements/1.1/"/>
+    <ds:schemaRef ds:uri="http://purl.org/dc/terms/"/>
+    <ds:schemaRef ds:uri="http://schemas.microsoft.com/office/2006/documentManagement/types"/>
+    <ds:schemaRef ds:uri="http://purl.org/dc/dcmitype/"/>
+    <ds:schemaRef ds:uri="4873beb7-5857-4685-be1f-d57550cc96cc"/>
+    <ds:schemaRef ds:uri="http://schemas.openxmlformats.org/package/2006/metadata/core-properties"/>
+    <ds:schemaRef ds:uri="http://schemas.microsoft.com/office/2006/metadata/properties"/>
+    <ds:schemaRef ds:uri="http://www.w3.org/XML/1998/namespace"/>
+  </ds:schemaRefs>
+</ds:datastoreItem>
 </file>
 
-<file path=customXml/item3.xml><?xml version="1.0" encoding="utf-8"?>
-<p:properties xmlns:p="http://schemas.microsoft.com/office/2006/metadata/properties" xmlns:xsi="http://www.w3.org/2001/XMLSchema-instance" xmlns:pc="http://schemas.microsoft.com/office/infopath/2007/PartnerControls">
-  <documentManagement>
-    <DirectSourceMarket xmlns="4873beb7-5857-4685-be1f-d57550cc96cc" xsi:nil="true"/>
-    <ApprovalStatus xmlns="4873beb7-5857-4685-be1f-d57550cc96cc">InProgress</ApprovalStatus>
-    <MarketSpecific xmlns="4873beb7-5857-4685-be1f-d57550cc96cc">false</MarketSpecific>
-    <LocComments xmlns="4873beb7-5857-4685-be1f-d57550cc96cc" xsi:nil="true"/>
-    <ThumbnailAssetId xmlns="4873beb7-5857-4685-be1f-d57550cc96cc" xsi:nil="true"/>
-    <PrimaryImageGen xmlns="4873beb7-5857-4685-be1f-d57550cc96cc">true</PrimaryImageGen>
-    <LegacyData xmlns="4873beb7-5857-4685-be1f-d57550cc96cc" xsi:nil="true"/>
-    <LocRecommendedHandoff xmlns="4873beb7-5857-4685-be1f-d57550cc96cc" xsi:nil="true"/>
-    <BusinessGroup xmlns="4873beb7-5857-4685-be1f-d57550cc96cc" xsi:nil="true"/>
-    <BlockPublish xmlns="4873beb7-5857-4685-be1f-d57550cc96cc">false</BlockPublish>
-    <TPFriendlyName xmlns="4873beb7-5857-4685-be1f-d57550cc96cc" xsi:nil="true"/>
-    <NumericId xmlns="4873beb7-5857-4685-be1f-d57550cc96cc" xsi:nil="true"/>
-    <APEditor xmlns="4873beb7-5857-4685-be1f-d57550cc96cc">
-      <UserInfo>
-        <DisplayName/>
-        <AccountId xsi:nil="true"/>
-        <AccountType/>
-      </UserInfo>
-    </APEditor>
-    <SourceTitle xmlns="4873beb7-5857-4685-be1f-d57550cc96cc" xsi:nil="true"/>
-    <OpenTemplate xmlns="4873beb7-5857-4685-be1f-d57550cc96cc">true</OpenTemplate>
-    <UALocComments xmlns="4873beb7-5857-4685-be1f-d57550cc96cc" xsi:nil="true"/>
-    <ParentAssetId xmlns="4873beb7-5857-4685-be1f-d57550cc96cc" xsi:nil="true"/>
-    <IntlLangReviewDate xmlns="4873beb7-5857-4685-be1f-d57550cc96cc" xsi:nil="true"/>
-    <FeatureTagsTaxHTField0 xmlns="4873beb7-5857-4685-be1f-d57550cc96cc">
-      <Terms xmlns="http://schemas.microsoft.com/office/infopath/2007/PartnerControls"/>
-    </FeatureTagsTaxHTField0>
-    <PublishStatusLookup xmlns="4873beb7-5857-4685-be1f-d57550cc96cc">
-      <Value>1566889</Value>
-    </PublishStatusLookup>
-    <Providers xmlns="4873beb7-5857-4685-be1f-d57550cc96cc" xsi:nil="true"/>
-    <MachineTranslated xmlns="4873beb7-5857-4685-be1f-d57550cc96cc">false</MachineTranslated>
-    <OriginalSourceMarket xmlns="4873beb7-5857-4685-be1f-d57550cc96cc" xsi:nil="true"/>
-    <APDescription xmlns="4873beb7-5857-4685-be1f-d57550cc96cc" xsi:nil="true"/>
-    <ClipArtFilename xmlns="4873beb7-5857-4685-be1f-d57550cc96cc" xsi:nil="true"/>
-    <ContentItem xmlns="4873beb7-5857-4685-be1f-d57550cc96cc" xsi:nil="true"/>
-    <TPInstallLocation xmlns="4873beb7-5857-4685-be1f-d57550cc96cc" xsi:nil="true"/>
-    <PublishTargets xmlns="4873beb7-5857-4685-be1f-d57550cc96cc">OfficeOnlineVNext</PublishTargets>
-    <TimesCloned xmlns="4873beb7-5857-4685-be1f-d57550cc96cc" xsi:nil="true"/>
-    <AssetStart xmlns="4873beb7-5857-4685-be1f-d57550cc96cc">2012-05-23T08:44:00+00:00</AssetStart>
-    <Provider xmlns="4873beb7-5857-4685-be1f-d57550cc96cc" xsi:nil="true"/>
-    <AcquiredFrom xmlns="4873beb7-5857-4685-be1f-d57550cc96cc">Internal MS</AcquiredFrom>
-    <FriendlyTitle xmlns="4873beb7-5857-4685-be1f-d57550cc96cc" xsi:nil="true"/>
-    <LastHandOff xmlns="4873beb7-5857-4685-be1f-d57550cc96cc" xsi:nil="true"/>
-    <TPClientViewer xmlns="4873beb7-5857-4685-be1f-d57550cc96cc" xsi:nil="true"/>
-    <UACurrentWords xmlns="4873beb7-5857-4685-be1f-d57550cc96cc" xsi:nil="true"/>
-    <ArtSampleDocs xmlns="4873beb7-5857-4685-be1f-d57550cc96cc" xsi:nil="true"/>
-    <UALocRecommendation xmlns="4873beb7-5857-4685-be1f-d57550cc96cc">Localize</UALocRecommendation>
-    <Manager xmlns="4873beb7-5857-4685-be1f-d57550cc96cc" xsi:nil="true"/>
-    <ShowIn xmlns="4873beb7-5857-4685-be1f-d57550cc96cc">Show everywhere</ShowIn>
-    <UANotes xmlns="4873beb7-5857-4685-be1f-d57550cc96cc" xsi:nil="true"/>
-    <TemplateStatus xmlns="4873beb7-5857-4685-be1f-d57550cc96cc">Complete</TemplateStatus>
-    <InternalTagsTaxHTField0 xmlns="4873beb7-5857-4685-be1f-d57550cc96cc">
-      <Terms xmlns="http://schemas.microsoft.com/office/infopath/2007/PartnerControls"/>
-    </InternalTagsTaxHTField0>
-    <CSXHash xmlns="4873beb7-5857-4685-be1f-d57550cc96cc" xsi:nil="true"/>
-    <Downloads xmlns="4873beb7-5857-4685-be1f-d57550cc96cc">0</Downloads>
-    <VoteCount xmlns="4873beb7-5857-4685-be1f-d57550cc96cc" xsi:nil="true"/>
-    <OOCacheId xmlns="4873beb7-5857-4685-be1f-d57550cc96cc" xsi:nil="true"/>
-    <IsDeleted xmlns="4873beb7-5857-4685-be1f-d57550cc96cc">false</IsDeleted>
-    <AssetExpire xmlns="4873beb7-5857-4685-be1f-d57550cc96cc">2029-01-01T08:00:00+00:00</AssetExpire>
-    <DSATActionTaken xmlns="4873beb7-5857-4685-be1f-d57550cc96cc" xsi:nil="true"/>
-    <CSXSubmissionMarket xmlns="4873beb7-5857-4685-be1f-d57550cc96cc" xsi:nil="true"/>
-    <TPExecutable xmlns="4873beb7-5857-4685-be1f-d57550cc96cc" xsi:nil="true"/>
-    <SubmitterId xmlns="4873beb7-5857-4685-be1f-d57550cc96cc" xsi:nil="true"/>
-    <EditorialTags xmlns="4873beb7-5857-4685-be1f-d57550cc96cc" xsi:nil="true"/>
-    <ApprovalLog xmlns="4873beb7-5857-4685-be1f-d57550cc96cc" xsi:nil="true"/>
-    <AssetType xmlns="4873beb7-5857-4685-be1f-d57550cc96cc">TP</AssetType>
-    <BugNumber xmlns="4873beb7-5857-4685-be1f-d57550cc96cc" xsi:nil="true"/>
-    <CSXSubmissionDate xmlns="4873beb7-5857-4685-be1f-d57550cc96cc" xsi:nil="true"/>
-    <CSXUpdate xmlns="4873beb7-5857-4685-be1f-d57550cc96cc">false</CSXUpdate>
-    <Milestone xmlns="4873beb7-5857-4685-be1f-d57550cc96cc" xsi:nil="true"/>
-    <RecommendationsModifier xmlns="4873beb7-5857-4685-be1f-d57550cc96cc" xsi:nil="true"/>
-    <OriginAsset xmlns="4873beb7-5857-4685-be1f-d57550cc96cc" xsi:nil="true"/>
-    <TPComponent xmlns="4873beb7-5857-4685-be1f-d57550cc96cc" xsi:nil="true"/>
-    <AssetId xmlns="4873beb7-5857-4685-be1f-d57550cc96cc">TP102901017</AssetId>
-    <IntlLocPriority xmlns="4873beb7-5857-4685-be1f-d57550cc96cc" xsi:nil="true"/>
-    <PolicheckWords xmlns="4873beb7-5857-4685-be1f-d57550cc96cc" xsi:nil="true"/>
-    <TPLaunchHelpLink xmlns="4873beb7-5857-4685-be1f-d57550cc96cc" xsi:nil="true"/>
-    <TPApplication xmlns="4873beb7-5857-4685-be1f-d57550cc96cc" xsi:nil="true"/>
-    <CrawlForDependencies xmlns="4873beb7-5857-4685-be1f-d57550cc96cc">false</CrawlForDependencies>
-    <HandoffToMSDN xmlns="4873beb7-5857-4685-be1f-d57550cc96cc" xsi:nil="true"/>
-    <PlannedPubDate xmlns="4873beb7-5857-4685-be1f-d57550cc96cc" xsi:nil="true"/>
-    <IntlLangReviewer xmlns="4873beb7-5857-4685-be1f-d57550cc96cc" xsi:nil="true"/>
-    <TrustLevel xmlns="4873beb7-5857-4685-be1f-d57550cc96cc">1 Microsoft Managed Content</TrustLevel>
-    <LocLastLocAttemptVersionLookup xmlns="4873beb7-5857-4685-be1f-d57550cc96cc">836753</LocLastLocAttemptVersionLookup>
-    <IsSearchable xmlns="4873beb7-5857-4685-be1f-d57550cc96cc">true</IsSearchable>
-    <TemplateTemplateType xmlns="4873beb7-5857-4685-be1f-d57550cc96cc">PowerPoint Design Template</TemplateTemplateType>
-    <CampaignTagsTaxHTField0 xmlns="4873beb7-5857-4685-be1f-d57550cc96cc">
-      <Terms xmlns="http://schemas.microsoft.com/office/infopath/2007/PartnerControls"/>
-    </CampaignTagsTaxHTField0>
-    <TPNamespace xmlns="4873beb7-5857-4685-be1f-d57550cc96cc" xsi:nil="true"/>
-    <TaxCatchAll xmlns="4873beb7-5857-4685-be1f-d57550cc96cc"/>
-    <Markets xmlns="4873beb7-5857-4685-be1f-d57550cc96cc"/>
-    <UAProjectedTotalWords xmlns="4873beb7-5857-4685-be1f-d57550cc96cc" xsi:nil="true"/>
-    <IntlLangReview xmlns="4873beb7-5857-4685-be1f-d57550cc96cc">false</IntlLangReview>
-    <OutputCachingOn xmlns="4873beb7-5857-4685-be1f-d57550cc96cc">false</OutputCachingOn>
-    <AverageRating xmlns="4873beb7-5857-4685-be1f-d57550cc96cc" xsi:nil="true"/>
-    <APAuthor xmlns="4873beb7-5857-4685-be1f-d57550cc96cc">
-      <UserInfo>
-        <DisplayName>REDMOND\v-anij</DisplayName>
-        <AccountId>2469</AccountId>
-        <AccountType/>
-      </UserInfo>
-    </APAuthor>
-    <LocManualTestRequired xmlns="4873beb7-5857-4685-be1f-d57550cc96cc">false</LocManualTestRequired>
-    <TPCommandLine xmlns="4873beb7-5857-4685-be1f-d57550cc96cc" xsi:nil="true"/>
-    <TPAppVersion xmlns="4873beb7-5857-4685-be1f-d57550cc96cc" xsi:nil="true"/>
-    <EditorialStatus xmlns="4873beb7-5857-4685-be1f-d57550cc96cc">Complete</EditorialStatus>
-    <LastModifiedDateTime xmlns="4873beb7-5857-4685-be1f-d57550cc96cc" xsi:nil="true"/>
-    <ScenarioTagsTaxHTField0 xmlns="4873beb7-5857-4685-be1f-d57550cc96cc">
-      <Terms xmlns="http://schemas.microsoft.com/office/infopath/2007/PartnerControls"/>
-    </ScenarioTagsTaxHTField0>
-    <OriginalRelease xmlns="4873beb7-5857-4685-be1f-d57550cc96cc">15</OriginalRelease>
-    <TPLaunchHelpLinkType xmlns="4873beb7-5857-4685-be1f-d57550cc96cc">Template</TPLaunchHelpLinkType>
-    <LocalizationTagsTaxHTField0 xmlns="4873beb7-5857-4685-be1f-d57550cc96cc">
-      <Terms xmlns="http://schemas.microsoft.com/office/infopath/2007/PartnerControls"/>
-    </LocalizationTagsTaxHTField0>
-    <LocMarketGroupTiers2 xmlns="4873beb7-5857-4685-be1f-d57550cc96cc" xsi:nil="true"/>
-  </documentManagement>
-</p:properties>
+<file path=customXml/itemProps2.xml><?xml version="1.0" encoding="utf-8"?>
+<ds:datastoreItem xmlns:ds="http://schemas.openxmlformats.org/officeDocument/2006/customXml" ds:itemID="{746CFF6F-D9AA-4BC0-911A-0A1356771912}">
+  <ds:schemaRefs>
+    <ds:schemaRef ds:uri="http://schemas.microsoft.com/sharepoint/v3/contenttype/forms"/>
+  </ds:schemaRefs>
+</ds:datastoreItem>
 </file>
 
-<file path=customXml/itemProps1.xml><?xml version="1.0" encoding="utf-8"?>
+<file path=customXml/itemProps3.xml><?xml version="1.0" encoding="utf-8"?>
 <ds:datastoreItem xmlns:ds="http://schemas.openxmlformats.org/officeDocument/2006/customXml" ds:itemID="{0B5C6E15-39DC-470B-9445-F754B9458020}">
   <ds:schemaRefs>
     <ds:schemaRef ds:uri="http://schemas.microsoft.com/office/2006/metadata/contentType"/>
@@ -6285,28 +6821,4 @@
     <ds:schemaRef ds:uri="http://schemas.microsoft.com/internal/obd"/>
   </ds:schemaRefs>
 </ds:datastoreItem>
-</file>
-
-<file path=customXml/itemProps2.xml><?xml version="1.0" encoding="utf-8"?>
-<ds:datastoreItem xmlns:ds="http://schemas.openxmlformats.org/officeDocument/2006/customXml" ds:itemID="{746CFF6F-D9AA-4BC0-911A-0A1356771912}">
-  <ds:schemaRefs>
-    <ds:schemaRef ds:uri="http://schemas.microsoft.com/sharepoint/v3/contenttype/forms"/>
-  </ds:schemaRefs>
-</ds:datastoreItem>
-</file>
-
-<file path=customXml/itemProps3.xml><?xml version="1.0" encoding="utf-8"?>
-<ds:datastoreItem xmlns:ds="http://schemas.openxmlformats.org/officeDocument/2006/customXml" ds:itemID="{04098515-0C12-46CF-BC7C-69B4A13CD5FA}">
-  <ds:schemaRefs>
-    <ds:schemaRef ds:uri="http://schemas.microsoft.com/office/infopath/2007/PartnerControls"/>
-    <ds:schemaRef ds:uri="http://purl.org/dc/elements/1.1/"/>
-    <ds:schemaRef ds:uri="http://purl.org/dc/terms/"/>
-    <ds:schemaRef ds:uri="http://schemas.microsoft.com/office/2006/documentManagement/types"/>
-    <ds:schemaRef ds:uri="http://purl.org/dc/dcmitype/"/>
-    <ds:schemaRef ds:uri="4873beb7-5857-4685-be1f-d57550cc96cc"/>
-    <ds:schemaRef ds:uri="http://schemas.openxmlformats.org/package/2006/metadata/core-properties"/>
-    <ds:schemaRef ds:uri="http://schemas.microsoft.com/office/2006/metadata/properties"/>
-    <ds:schemaRef ds:uri="http://www.w3.org/XML/1998/namespace"/>
-  </ds:schemaRefs>
-</ds:datastoreItem>
 </file>
--- a/GIT HUB Branching & Merging.pptx
+++ b/GIT HUB Branching & Merging.pptx
@@ -5,10 +5,10 @@
     <p:sldMasterId id="2147483648" r:id="rId4"/>
   </p:sldMasterIdLst>
   <p:notesMasterIdLst>
-    <p:notesMasterId r:id="rId12"/>
+    <p:notesMasterId r:id="rId13"/>
   </p:notesMasterIdLst>
   <p:handoutMasterIdLst>
-    <p:handoutMasterId r:id="rId13"/>
+    <p:handoutMasterId r:id="rId14"/>
   </p:handoutMasterIdLst>
   <p:sldIdLst>
     <p:sldId id="256" r:id="rId5"/>
@@ -16,8 +16,9 @@
     <p:sldId id="257" r:id="rId7"/>
     <p:sldId id="261" r:id="rId8"/>
     <p:sldId id="258" r:id="rId9"/>
-    <p:sldId id="259" r:id="rId10"/>
-    <p:sldId id="260" r:id="rId11"/>
+    <p:sldId id="264" r:id="rId10"/>
+    <p:sldId id="259" r:id="rId11"/>
+    <p:sldId id="260" r:id="rId12"/>
   </p:sldIdLst>
   <p:sldSz cx="12192000" cy="6858000"/>
   <p:notesSz cx="6858000" cy="9144000"/>
@@ -3770,31 +3771,7 @@
           <a:p>
             <a:r>
               <a:rPr lang="en-US" dirty="0" smtClean="0"/>
-              <a:t>Presented by </a:t>
-            </a:r>
-            <a:r>
-              <a:rPr lang="en-US" dirty="0" smtClean="0"/>
-              <a:t>Adam</a:t>
-            </a:r>
-            <a:r>
-              <a:rPr lang="en-US" dirty="0" smtClean="0"/>
-              <a:t>, </a:t>
-            </a:r>
-            <a:r>
-              <a:rPr lang="en-US" dirty="0" smtClean="0"/>
-              <a:t>Justin, </a:t>
-            </a:r>
-            <a:r>
-              <a:rPr lang="en-US" dirty="0" smtClean="0"/>
-              <a:t>Kalin</a:t>
-            </a:r>
-            <a:r>
-              <a:rPr lang="en-US" dirty="0" smtClean="0"/>
-              <a:t> </a:t>
-            </a:r>
-            <a:r>
-              <a:rPr lang="en-US" dirty="0" smtClean="0"/>
-              <a:t>&amp; Ashley</a:t>
+              <a:t>Presented by Adam, Justin, Kalin &amp; Ashley</a:t>
             </a:r>
             <a:endParaRPr dirty="0"/>
           </a:p>
@@ -3917,7 +3894,11 @@
             </a:r>
             <a:r>
               <a:rPr lang="en-US" dirty="0" smtClean="0"/>
-              <a:t> clone &lt;repo URL&gt;</a:t>
+              <a:t> clone &lt;repo URL</a:t>
+            </a:r>
+            <a:r>
+              <a:rPr lang="en-US" dirty="0" smtClean="0"/>
+              <a:t>&gt;</a:t>
             </a:r>
           </a:p>
           <a:p>
@@ -3928,8 +3909,9 @@
             </a:r>
             <a:r>
               <a:rPr lang="en-US" dirty="0" smtClean="0"/>
-              <a:t> add .</a:t>
-            </a:r>
+              <a:t> Status</a:t>
+            </a:r>
+            <a:endParaRPr lang="en-US" dirty="0" smtClean="0"/>
           </a:p>
           <a:p>
             <a:pPr lvl="1"/>
@@ -3939,17 +3921,59 @@
             </a:r>
             <a:r>
               <a:rPr lang="en-US" dirty="0" smtClean="0"/>
-              <a:t> add &lt;file-name&gt;</a:t>
-            </a:r>
-          </a:p>
-          <a:p>
-            <a:pPr lvl="1"/>
+              <a:t> add </a:t>
+            </a:r>
+            <a:r>
+              <a:rPr lang="en-US" dirty="0" smtClean="0"/>
+              <a:t>–A</a:t>
+            </a:r>
+          </a:p>
+          <a:p>
+            <a:pPr lvl="2"/>
+            <a:r>
+              <a:rPr lang="en-US" dirty="0" err="1"/>
+              <a:t>g</a:t>
+            </a:r>
+            <a:r>
+              <a:rPr lang="en-US" dirty="0" err="1" smtClean="0"/>
+              <a:t>it</a:t>
+            </a:r>
+            <a:r>
+              <a:rPr lang="en-US" dirty="0" smtClean="0"/>
+              <a:t> add .</a:t>
+            </a:r>
+          </a:p>
+          <a:p>
+            <a:pPr lvl="2"/>
             <a:r>
               <a:rPr lang="en-US" dirty="0" err="1" smtClean="0"/>
               <a:t>git</a:t>
             </a:r>
             <a:r>
               <a:rPr lang="en-US" dirty="0" smtClean="0"/>
+              <a:t> add -u</a:t>
+            </a:r>
+            <a:endParaRPr lang="en-US" dirty="0" smtClean="0"/>
+          </a:p>
+          <a:p>
+            <a:pPr lvl="1"/>
+            <a:r>
+              <a:rPr lang="en-US" dirty="0" err="1" smtClean="0"/>
+              <a:t>git</a:t>
+            </a:r>
+            <a:r>
+              <a:rPr lang="en-US" dirty="0" smtClean="0"/>
+              <a:t> add &lt;file-name&gt;</a:t>
+            </a:r>
+          </a:p>
+          <a:p>
+            <a:pPr lvl="1"/>
+            <a:r>
+              <a:rPr lang="en-US" dirty="0" err="1" smtClean="0"/>
+              <a:t>git</a:t>
+            </a:r>
+            <a:r>
+              <a:rPr lang="en-US" dirty="0" smtClean="0"/>
               <a:t> commit –</a:t>
             </a:r>
             <a:r>
@@ -4017,15 +4041,50 @@
             <a:pPr lvl="1"/>
             <a:r>
               <a:rPr lang="en-US" dirty="0" smtClean="0"/>
-              <a:t>Clones the repo to a location</a:t>
+              <a:t>Clones the repo to a </a:t>
+            </a:r>
+            <a:r>
+              <a:rPr lang="en-US" dirty="0" smtClean="0"/>
+              <a:t>location</a:t>
             </a:r>
           </a:p>
           <a:p>
             <a:pPr lvl="1"/>
             <a:r>
               <a:rPr lang="en-US" dirty="0" smtClean="0"/>
-              <a:t>Adds ALL files to the staging area</a:t>
-            </a:r>
+              <a:t>Gets the current branch status</a:t>
+            </a:r>
+            <a:endParaRPr lang="en-US" dirty="0" smtClean="0"/>
+          </a:p>
+          <a:p>
+            <a:pPr lvl="1"/>
+            <a:r>
+              <a:rPr lang="en-US" dirty="0" smtClean="0"/>
+              <a:t>Adds ALL files to the staging </a:t>
+            </a:r>
+            <a:r>
+              <a:rPr lang="en-US" dirty="0" smtClean="0"/>
+              <a:t>area</a:t>
+            </a:r>
+          </a:p>
+          <a:p>
+            <a:pPr lvl="2"/>
+            <a:r>
+              <a:rPr lang="en-US" dirty="0"/>
+              <a:t>Without deleted</a:t>
+            </a:r>
+          </a:p>
+          <a:p>
+            <a:pPr lvl="2"/>
+            <a:r>
+              <a:rPr lang="en-US" dirty="0"/>
+              <a:t>Without </a:t>
+            </a:r>
+            <a:r>
+              <a:rPr lang="en-US" dirty="0" smtClean="0"/>
+              <a:t>new</a:t>
+            </a:r>
+            <a:endParaRPr lang="en-US" dirty="0" smtClean="0"/>
           </a:p>
           <a:p>
             <a:pPr lvl="1"/>
@@ -4038,14 +4097,22 @@
             <a:pPr lvl="1"/>
             <a:r>
               <a:rPr lang="en-US" dirty="0" smtClean="0"/>
-              <a:t>Commits all staged files</a:t>
+              <a:t>Commits all staged </a:t>
+            </a:r>
+            <a:r>
+              <a:rPr lang="en-US" dirty="0" smtClean="0"/>
+              <a:t>files</a:t>
             </a:r>
           </a:p>
           <a:p>
             <a:pPr lvl="1"/>
             <a:r>
               <a:rPr lang="en-US" dirty="0" smtClean="0"/>
-              <a:t>Pushes the changes to GitHub</a:t>
+              <a:t>Pushes </a:t>
+            </a:r>
+            <a:r>
+              <a:rPr lang="en-US" dirty="0" smtClean="0"/>
+              <a:t>the changes to GitHub</a:t>
             </a:r>
           </a:p>
           <a:p>
@@ -4295,8 +4362,9 @@
             </a:r>
             <a:r>
               <a:rPr lang="en-US" dirty="0" smtClean="0"/>
-              <a:t> branch &lt;branch-Name&gt;</a:t>
-            </a:r>
+              <a:t> branch</a:t>
+            </a:r>
+            <a:endParaRPr lang="en-US" dirty="0" smtClean="0"/>
           </a:p>
           <a:p>
             <a:pPr lvl="1"/>
@@ -4306,7 +4374,11 @@
             </a:r>
             <a:r>
               <a:rPr lang="en-US" dirty="0" smtClean="0"/>
-              <a:t> checkout ‘branch-Name’</a:t>
+              <a:t> </a:t>
+            </a:r>
+            <a:r>
+              <a:rPr lang="en-US" dirty="0" smtClean="0"/>
+              <a:t>branch &lt;branch-Name&gt;</a:t>
             </a:r>
           </a:p>
           <a:p>
@@ -4317,7 +4389,7 @@
             </a:r>
             <a:r>
               <a:rPr lang="en-US" dirty="0" smtClean="0"/>
-              <a:t> branch -d &lt;branch-Name&gt;</a:t>
+              <a:t> checkout ‘branch-Name’</a:t>
             </a:r>
           </a:p>
           <a:p>
@@ -4328,6 +4400,17 @@
             </a:r>
             <a:r>
               <a:rPr lang="en-US" dirty="0" smtClean="0"/>
+              <a:t> branch -d &lt;branch-Name&gt;</a:t>
+            </a:r>
+          </a:p>
+          <a:p>
+            <a:pPr lvl="1"/>
+            <a:r>
+              <a:rPr lang="en-US" dirty="0" err="1" smtClean="0"/>
+              <a:t>git</a:t>
+            </a:r>
+            <a:r>
+              <a:rPr lang="en-US" dirty="0" smtClean="0"/>
               <a:t> branch –D &lt;branch-Name&gt;</a:t>
             </a:r>
             <a:endParaRPr lang="en-US" dirty="0"/>
@@ -4358,7 +4441,18 @@
             <a:pPr lvl="1"/>
             <a:r>
               <a:rPr lang="en-US" dirty="0" smtClean="0"/>
-              <a:t>Makes the new branch</a:t>
+              <a:t>List all branches</a:t>
+            </a:r>
+          </a:p>
+          <a:p>
+            <a:pPr lvl="1"/>
+            <a:r>
+              <a:rPr lang="en-US" dirty="0" smtClean="0"/>
+              <a:t>Makes </a:t>
+            </a:r>
+            <a:r>
+              <a:rPr lang="en-US" dirty="0" smtClean="0"/>
+              <a:t>the new branch</a:t>
             </a:r>
           </a:p>
           <a:p>
@@ -4627,6 +4721,224 @@
         </p:nvSpPr>
         <p:spPr/>
         <p:txBody>
+          <a:bodyPr/>
+          <a:lstStyle/>
+          <a:p>
+            <a:pPr algn="ctr"/>
+            <a:r>
+              <a:rPr lang="en-US" dirty="0" err="1" smtClean="0"/>
+              <a:t>Git</a:t>
+            </a:r>
+            <a:r>
+              <a:rPr lang="en-US" dirty="0" smtClean="0"/>
+              <a:t> </a:t>
+            </a:r>
+            <a:r>
+              <a:rPr lang="en-US" dirty="0" err="1" smtClean="0"/>
+              <a:t>Mergey</a:t>
+            </a:r>
+            <a:endParaRPr lang="en-US" dirty="0"/>
+          </a:p>
+        </p:txBody>
+      </p:sp>
+      <p:sp>
+        <p:nvSpPr>
+          <p:cNvPr id="3" name="Content Placeholder 2"/>
+          <p:cNvSpPr>
+            <a:spLocks noGrp="1"/>
+          </p:cNvSpPr>
+          <p:nvPr>
+            <p:ph sz="half" idx="1"/>
+          </p:nvPr>
+        </p:nvSpPr>
+        <p:spPr/>
+        <p:txBody>
+          <a:bodyPr/>
+          <a:lstStyle/>
+          <a:p>
+            <a:r>
+              <a:rPr lang="en-US" dirty="0" smtClean="0"/>
+              <a:t>Common </a:t>
+            </a:r>
+            <a:r>
+              <a:rPr lang="en-US" dirty="0" err="1" smtClean="0"/>
+              <a:t>Git</a:t>
+            </a:r>
+            <a:r>
+              <a:rPr lang="en-US" dirty="0" smtClean="0"/>
+              <a:t> Merge Commands </a:t>
+            </a:r>
+          </a:p>
+          <a:p>
+            <a:pPr lvl="1"/>
+            <a:r>
+              <a:rPr lang="en-US" dirty="0" err="1" smtClean="0"/>
+              <a:t>git</a:t>
+            </a:r>
+            <a:r>
+              <a:rPr lang="en-US" dirty="0" smtClean="0"/>
+              <a:t> branch</a:t>
+            </a:r>
+          </a:p>
+          <a:p>
+            <a:pPr lvl="1"/>
+            <a:r>
+              <a:rPr lang="en-US" dirty="0" err="1" smtClean="0"/>
+              <a:t>git</a:t>
+            </a:r>
+            <a:r>
+              <a:rPr lang="en-US" dirty="0" smtClean="0"/>
+              <a:t> branch &lt;branch-name&gt;</a:t>
+            </a:r>
+          </a:p>
+          <a:p>
+            <a:pPr lvl="1"/>
+            <a:r>
+              <a:rPr lang="en-US" dirty="0" err="1" smtClean="0"/>
+              <a:t>git</a:t>
+            </a:r>
+            <a:r>
+              <a:rPr lang="en-US" dirty="0" smtClean="0"/>
+              <a:t> merge </a:t>
+            </a:r>
+            <a:r>
+              <a:rPr lang="en-US" dirty="0"/>
+              <a:t>&lt;branch-name&gt;</a:t>
+            </a:r>
+          </a:p>
+          <a:p>
+            <a:pPr lvl="1"/>
+            <a:r>
+              <a:rPr lang="en-US" dirty="0" err="1"/>
+              <a:t>g</a:t>
+            </a:r>
+            <a:r>
+              <a:rPr lang="en-US" dirty="0" err="1" smtClean="0"/>
+              <a:t>it</a:t>
+            </a:r>
+            <a:r>
+              <a:rPr lang="en-US" dirty="0" smtClean="0"/>
+              <a:t> Status</a:t>
+            </a:r>
+          </a:p>
+          <a:p>
+            <a:pPr lvl="2"/>
+            <a:r>
+              <a:rPr lang="en-US" dirty="0" smtClean="0"/>
+              <a:t>Handy for dealing with conflicts</a:t>
+            </a:r>
+          </a:p>
+          <a:p>
+            <a:pPr lvl="1"/>
+            <a:endParaRPr lang="en-US" dirty="0" smtClean="0"/>
+          </a:p>
+        </p:txBody>
+      </p:sp>
+      <p:sp>
+        <p:nvSpPr>
+          <p:cNvPr id="4" name="Content Placeholder 3"/>
+          <p:cNvSpPr>
+            <a:spLocks noGrp="1"/>
+          </p:cNvSpPr>
+          <p:nvPr>
+            <p:ph sz="half" idx="2"/>
+          </p:nvPr>
+        </p:nvSpPr>
+        <p:spPr/>
+        <p:txBody>
+          <a:bodyPr/>
+          <a:lstStyle/>
+          <a:p>
+            <a:r>
+              <a:rPr lang="en-US" dirty="0" smtClean="0"/>
+              <a:t>What They Do</a:t>
+            </a:r>
+          </a:p>
+          <a:p>
+            <a:pPr lvl="1"/>
+            <a:r>
+              <a:rPr lang="en-US" dirty="0" smtClean="0"/>
+              <a:t>List all branches</a:t>
+            </a:r>
+          </a:p>
+          <a:p>
+            <a:pPr lvl="1"/>
+            <a:r>
+              <a:rPr lang="en-US" dirty="0" smtClean="0"/>
+              <a:t>Creates a new branch</a:t>
+            </a:r>
+          </a:p>
+          <a:p>
+            <a:pPr lvl="1"/>
+            <a:r>
+              <a:rPr lang="en-US" sz="1600" dirty="0" smtClean="0"/>
+              <a:t>Merges named branch to current  branch</a:t>
+            </a:r>
+          </a:p>
+          <a:p>
+            <a:pPr lvl="1"/>
+            <a:r>
+              <a:rPr lang="en-US" dirty="0" smtClean="0"/>
+              <a:t>Shows status of current branch</a:t>
+            </a:r>
+          </a:p>
+          <a:p>
+            <a:pPr marL="365760" lvl="1" indent="0">
+              <a:buNone/>
+            </a:pPr>
+            <a:endParaRPr lang="en-US" dirty="0"/>
+          </a:p>
+        </p:txBody>
+      </p:sp>
+    </p:spTree>
+    <p:extLst>
+      <p:ext uri="{BB962C8B-B14F-4D97-AF65-F5344CB8AC3E}">
+        <p14:creationId xmlns:p14="http://schemas.microsoft.com/office/powerpoint/2010/main" val="1466978023"/>
+      </p:ext>
+    </p:extLst>
+  </p:cSld>
+  <p:clrMapOvr>
+    <a:masterClrMapping/>
+  </p:clrMapOvr>
+  <p:timing>
+    <p:tnLst>
+      <p:par>
+        <p:cTn id="1" dur="indefinite" restart="never" nodeType="tmRoot"/>
+      </p:par>
+    </p:tnLst>
+  </p:timing>
+</p:sld>
+</file>
+
+<file path=ppt/slides/slide7.xml><?xml version="1.0" encoding="utf-8"?>
+<p:sld xmlns:a="http://schemas.openxmlformats.org/drawingml/2006/main" xmlns:r="http://schemas.openxmlformats.org/officeDocument/2006/relationships" xmlns:p="http://schemas.openxmlformats.org/presentationml/2006/main">
+  <p:cSld>
+    <p:spTree>
+      <p:nvGrpSpPr>
+        <p:cNvPr id="1" name=""/>
+        <p:cNvGrpSpPr/>
+        <p:nvPr/>
+      </p:nvGrpSpPr>
+      <p:grpSpPr>
+        <a:xfrm>
+          <a:off x="0" y="0"/>
+          <a:ext cx="0" cy="0"/>
+          <a:chOff x="0" y="0"/>
+          <a:chExt cx="0" cy="0"/>
+        </a:xfrm>
+      </p:grpSpPr>
+      <p:sp>
+        <p:nvSpPr>
+          <p:cNvPr id="2" name="Title 1"/>
+          <p:cNvSpPr>
+            <a:spLocks noGrp="1"/>
+          </p:cNvSpPr>
+          <p:nvPr>
+            <p:ph type="title"/>
+          </p:nvPr>
+        </p:nvSpPr>
+        <p:spPr/>
+        <p:txBody>
           <a:bodyPr>
             <a:normAutofit/>
           </a:bodyPr>
@@ -4717,7 +5029,7 @@
 </p:sld>
 </file>
 
-<file path=ppt/slides/slide7.xml><?xml version="1.0" encoding="utf-8"?>
+<file path=ppt/slides/slide8.xml><?xml version="1.0" encoding="utf-8"?>
 <p:sld xmlns:a="http://schemas.openxmlformats.org/drawingml/2006/main" xmlns:r="http://schemas.openxmlformats.org/officeDocument/2006/relationships" xmlns:p="http://schemas.openxmlformats.org/presentationml/2006/main">
   <p:cSld>
     <p:spTree>
@@ -5607,141 +5919,6 @@
 </file>
 
 <file path=customXml/item1.xml><?xml version="1.0" encoding="utf-8"?>
-<p:properties xmlns:p="http://schemas.microsoft.com/office/2006/metadata/properties" xmlns:xsi="http://www.w3.org/2001/XMLSchema-instance" xmlns:pc="http://schemas.microsoft.com/office/infopath/2007/PartnerControls">
-  <documentManagement>
-    <DirectSourceMarket xmlns="4873beb7-5857-4685-be1f-d57550cc96cc" xsi:nil="true"/>
-    <ApprovalStatus xmlns="4873beb7-5857-4685-be1f-d57550cc96cc">InProgress</ApprovalStatus>
-    <MarketSpecific xmlns="4873beb7-5857-4685-be1f-d57550cc96cc">false</MarketSpecific>
-    <LocComments xmlns="4873beb7-5857-4685-be1f-d57550cc96cc" xsi:nil="true"/>
-    <ThumbnailAssetId xmlns="4873beb7-5857-4685-be1f-d57550cc96cc" xsi:nil="true"/>
-    <PrimaryImageGen xmlns="4873beb7-5857-4685-be1f-d57550cc96cc">true</PrimaryImageGen>
-    <LegacyData xmlns="4873beb7-5857-4685-be1f-d57550cc96cc" xsi:nil="true"/>
-    <LocRecommendedHandoff xmlns="4873beb7-5857-4685-be1f-d57550cc96cc" xsi:nil="true"/>
-    <BusinessGroup xmlns="4873beb7-5857-4685-be1f-d57550cc96cc" xsi:nil="true"/>
-    <BlockPublish xmlns="4873beb7-5857-4685-be1f-d57550cc96cc">false</BlockPublish>
-    <TPFriendlyName xmlns="4873beb7-5857-4685-be1f-d57550cc96cc" xsi:nil="true"/>
-    <NumericId xmlns="4873beb7-5857-4685-be1f-d57550cc96cc" xsi:nil="true"/>
-    <APEditor xmlns="4873beb7-5857-4685-be1f-d57550cc96cc">
-      <UserInfo>
-        <DisplayName/>
-        <AccountId xsi:nil="true"/>
-        <AccountType/>
-      </UserInfo>
-    </APEditor>
-    <SourceTitle xmlns="4873beb7-5857-4685-be1f-d57550cc96cc" xsi:nil="true"/>
-    <OpenTemplate xmlns="4873beb7-5857-4685-be1f-d57550cc96cc">true</OpenTemplate>
-    <UALocComments xmlns="4873beb7-5857-4685-be1f-d57550cc96cc" xsi:nil="true"/>
-    <ParentAssetId xmlns="4873beb7-5857-4685-be1f-d57550cc96cc" xsi:nil="true"/>
-    <IntlLangReviewDate xmlns="4873beb7-5857-4685-be1f-d57550cc96cc" xsi:nil="true"/>
-    <FeatureTagsTaxHTField0 xmlns="4873beb7-5857-4685-be1f-d57550cc96cc">
-      <Terms xmlns="http://schemas.microsoft.com/office/infopath/2007/PartnerControls"/>
-    </FeatureTagsTaxHTField0>
-    <PublishStatusLookup xmlns="4873beb7-5857-4685-be1f-d57550cc96cc">
-      <Value>1566889</Value>
-    </PublishStatusLookup>
-    <Providers xmlns="4873beb7-5857-4685-be1f-d57550cc96cc" xsi:nil="true"/>
-    <MachineTranslated xmlns="4873beb7-5857-4685-be1f-d57550cc96cc">false</MachineTranslated>
-    <OriginalSourceMarket xmlns="4873beb7-5857-4685-be1f-d57550cc96cc" xsi:nil="true"/>
-    <APDescription xmlns="4873beb7-5857-4685-be1f-d57550cc96cc" xsi:nil="true"/>
-    <ClipArtFilename xmlns="4873beb7-5857-4685-be1f-d57550cc96cc" xsi:nil="true"/>
-    <ContentItem xmlns="4873beb7-5857-4685-be1f-d57550cc96cc" xsi:nil="true"/>
-    <TPInstallLocation xmlns="4873beb7-5857-4685-be1f-d57550cc96cc" xsi:nil="true"/>
-    <PublishTargets xmlns="4873beb7-5857-4685-be1f-d57550cc96cc">OfficeOnlineVNext</PublishTargets>
-    <TimesCloned xmlns="4873beb7-5857-4685-be1f-d57550cc96cc" xsi:nil="true"/>
-    <AssetStart xmlns="4873beb7-5857-4685-be1f-d57550cc96cc">2012-05-23T08:44:00+00:00</AssetStart>
-    <Provider xmlns="4873beb7-5857-4685-be1f-d57550cc96cc" xsi:nil="true"/>
-    <AcquiredFrom xmlns="4873beb7-5857-4685-be1f-d57550cc96cc">Internal MS</AcquiredFrom>
-    <FriendlyTitle xmlns="4873beb7-5857-4685-be1f-d57550cc96cc" xsi:nil="true"/>
-    <LastHandOff xmlns="4873beb7-5857-4685-be1f-d57550cc96cc" xsi:nil="true"/>
-    <TPClientViewer xmlns="4873beb7-5857-4685-be1f-d57550cc96cc" xsi:nil="true"/>
-    <UACurrentWords xmlns="4873beb7-5857-4685-be1f-d57550cc96cc" xsi:nil="true"/>
-    <ArtSampleDocs xmlns="4873beb7-5857-4685-be1f-d57550cc96cc" xsi:nil="true"/>
-    <UALocRecommendation xmlns="4873beb7-5857-4685-be1f-d57550cc96cc">Localize</UALocRecommendation>
-    <Manager xmlns="4873beb7-5857-4685-be1f-d57550cc96cc" xsi:nil="true"/>
-    <ShowIn xmlns="4873beb7-5857-4685-be1f-d57550cc96cc">Show everywhere</ShowIn>
-    <UANotes xmlns="4873beb7-5857-4685-be1f-d57550cc96cc" xsi:nil="true"/>
-    <TemplateStatus xmlns="4873beb7-5857-4685-be1f-d57550cc96cc">Complete</TemplateStatus>
-    <InternalTagsTaxHTField0 xmlns="4873beb7-5857-4685-be1f-d57550cc96cc">
-      <Terms xmlns="http://schemas.microsoft.com/office/infopath/2007/PartnerControls"/>
-    </InternalTagsTaxHTField0>
-    <CSXHash xmlns="4873beb7-5857-4685-be1f-d57550cc96cc" xsi:nil="true"/>
-    <Downloads xmlns="4873beb7-5857-4685-be1f-d57550cc96cc">0</Downloads>
-    <VoteCount xmlns="4873beb7-5857-4685-be1f-d57550cc96cc" xsi:nil="true"/>
-    <OOCacheId xmlns="4873beb7-5857-4685-be1f-d57550cc96cc" xsi:nil="true"/>
-    <IsDeleted xmlns="4873beb7-5857-4685-be1f-d57550cc96cc">false</IsDeleted>
-    <AssetExpire xmlns="4873beb7-5857-4685-be1f-d57550cc96cc">2029-01-01T08:00:00+00:00</AssetExpire>
-    <DSATActionTaken xmlns="4873beb7-5857-4685-be1f-d57550cc96cc" xsi:nil="true"/>
-    <CSXSubmissionMarket xmlns="4873beb7-5857-4685-be1f-d57550cc96cc" xsi:nil="true"/>
-    <TPExecutable xmlns="4873beb7-5857-4685-be1f-d57550cc96cc" xsi:nil="true"/>
-    <SubmitterId xmlns="4873beb7-5857-4685-be1f-d57550cc96cc" xsi:nil="true"/>
-    <EditorialTags xmlns="4873beb7-5857-4685-be1f-d57550cc96cc" xsi:nil="true"/>
-    <ApprovalLog xmlns="4873beb7-5857-4685-be1f-d57550cc96cc" xsi:nil="true"/>
-    <AssetType xmlns="4873beb7-5857-4685-be1f-d57550cc96cc">TP</AssetType>
-    <BugNumber xmlns="4873beb7-5857-4685-be1f-d57550cc96cc" xsi:nil="true"/>
-    <CSXSubmissionDate xmlns="4873beb7-5857-4685-be1f-d57550cc96cc" xsi:nil="true"/>
-    <CSXUpdate xmlns="4873beb7-5857-4685-be1f-d57550cc96cc">false</CSXUpdate>
-    <Milestone xmlns="4873beb7-5857-4685-be1f-d57550cc96cc" xsi:nil="true"/>
-    <RecommendationsModifier xmlns="4873beb7-5857-4685-be1f-d57550cc96cc" xsi:nil="true"/>
-    <OriginAsset xmlns="4873beb7-5857-4685-be1f-d57550cc96cc" xsi:nil="true"/>
-    <TPComponent xmlns="4873beb7-5857-4685-be1f-d57550cc96cc" xsi:nil="true"/>
-    <AssetId xmlns="4873beb7-5857-4685-be1f-d57550cc96cc">TP102901017</AssetId>
-    <IntlLocPriority xmlns="4873beb7-5857-4685-be1f-d57550cc96cc" xsi:nil="true"/>
-    <PolicheckWords xmlns="4873beb7-5857-4685-be1f-d57550cc96cc" xsi:nil="true"/>
-    <TPLaunchHelpLink xmlns="4873beb7-5857-4685-be1f-d57550cc96cc" xsi:nil="true"/>
-    <TPApplication xmlns="4873beb7-5857-4685-be1f-d57550cc96cc" xsi:nil="true"/>
-    <CrawlForDependencies xmlns="4873beb7-5857-4685-be1f-d57550cc96cc">false</CrawlForDependencies>
-    <HandoffToMSDN xmlns="4873beb7-5857-4685-be1f-d57550cc96cc" xsi:nil="true"/>
-    <PlannedPubDate xmlns="4873beb7-5857-4685-be1f-d57550cc96cc" xsi:nil="true"/>
-    <IntlLangReviewer xmlns="4873beb7-5857-4685-be1f-d57550cc96cc" xsi:nil="true"/>
-    <TrustLevel xmlns="4873beb7-5857-4685-be1f-d57550cc96cc">1 Microsoft Managed Content</TrustLevel>
-    <LocLastLocAttemptVersionLookup xmlns="4873beb7-5857-4685-be1f-d57550cc96cc">836753</LocLastLocAttemptVersionLookup>
-    <IsSearchable xmlns="4873beb7-5857-4685-be1f-d57550cc96cc">true</IsSearchable>
-    <TemplateTemplateType xmlns="4873beb7-5857-4685-be1f-d57550cc96cc">PowerPoint Design Template</TemplateTemplateType>
-    <CampaignTagsTaxHTField0 xmlns="4873beb7-5857-4685-be1f-d57550cc96cc">
-      <Terms xmlns="http://schemas.microsoft.com/office/infopath/2007/PartnerControls"/>
-    </CampaignTagsTaxHTField0>
-    <TPNamespace xmlns="4873beb7-5857-4685-be1f-d57550cc96cc" xsi:nil="true"/>
-    <TaxCatchAll xmlns="4873beb7-5857-4685-be1f-d57550cc96cc"/>
-    <Markets xmlns="4873beb7-5857-4685-be1f-d57550cc96cc"/>
-    <UAProjectedTotalWords xmlns="4873beb7-5857-4685-be1f-d57550cc96cc" xsi:nil="true"/>
-    <IntlLangReview xmlns="4873beb7-5857-4685-be1f-d57550cc96cc">false</IntlLangReview>
-    <OutputCachingOn xmlns="4873beb7-5857-4685-be1f-d57550cc96cc">false</OutputCachingOn>
-    <AverageRating xmlns="4873beb7-5857-4685-be1f-d57550cc96cc" xsi:nil="true"/>
-    <APAuthor xmlns="4873beb7-5857-4685-be1f-d57550cc96cc">
-      <UserInfo>
-        <DisplayName>REDMOND\v-anij</DisplayName>
-        <AccountId>2469</AccountId>
-        <AccountType/>
-      </UserInfo>
-    </APAuthor>
-    <LocManualTestRequired xmlns="4873beb7-5857-4685-be1f-d57550cc96cc">false</LocManualTestRequired>
-    <TPCommandLine xmlns="4873beb7-5857-4685-be1f-d57550cc96cc" xsi:nil="true"/>
-    <TPAppVersion xmlns="4873beb7-5857-4685-be1f-d57550cc96cc" xsi:nil="true"/>
-    <EditorialStatus xmlns="4873beb7-5857-4685-be1f-d57550cc96cc">Complete</EditorialStatus>
-    <LastModifiedDateTime xmlns="4873beb7-5857-4685-be1f-d57550cc96cc" xsi:nil="true"/>
-    <ScenarioTagsTaxHTField0 xmlns="4873beb7-5857-4685-be1f-d57550cc96cc">
-      <Terms xmlns="http://schemas.microsoft.com/office/infopath/2007/PartnerControls"/>
-    </ScenarioTagsTaxHTField0>
-    <OriginalRelease xmlns="4873beb7-5857-4685-be1f-d57550cc96cc">15</OriginalRelease>
-    <TPLaunchHelpLinkType xmlns="4873beb7-5857-4685-be1f-d57550cc96cc">Template</TPLaunchHelpLinkType>
-    <LocalizationTagsTaxHTField0 xmlns="4873beb7-5857-4685-be1f-d57550cc96cc">
-      <Terms xmlns="http://schemas.microsoft.com/office/infopath/2007/PartnerControls"/>
-    </LocalizationTagsTaxHTField0>
-    <LocMarketGroupTiers2 xmlns="4873beb7-5857-4685-be1f-d57550cc96cc" xsi:nil="true"/>
-  </documentManagement>
-</p:properties>
-</file>
-
-<file path=customXml/item2.xml><?xml version="1.0" encoding="utf-8"?>
-<?mso-contentType ?>
-<FormTemplates xmlns="http://schemas.microsoft.com/sharepoint/v3/contenttype/forms">
-  <Display>DocumentLibraryForm</Display>
-  <Edit>AssetEditForm</Edit>
-  <New>DocumentLibraryForm</New>
-</FormTemplates>
-</file>
-
-<file path=customXml/item3.xml><?xml version="1.0" encoding="utf-8"?>
 <ct:contentTypeSchema xmlns:ct="http://schemas.microsoft.com/office/2006/metadata/contentType" xmlns:ma="http://schemas.microsoft.com/office/2006/metadata/properties/metaAttributes" ct:_="" ma:_="" ma:contentTypeName="TemplateFile" ma:contentTypeID="0x0101006EDDDB5EE6D98C44930B742096920B300400F5B6D36B3EF94B4E9A635CDF2A18F5B8" ma:contentTypeVersion="72" ma:contentTypeDescription="Create a new document." ma:contentTypeScope="" ma:versionID="a23e56308344d904b51738559c3d67c9">
   <xsd:schema xmlns:xsd="http://www.w3.org/2001/XMLSchema" xmlns:xs="http://www.w3.org/2001/XMLSchema" xmlns:p="http://schemas.microsoft.com/office/2006/metadata/properties" xmlns:ns2="4873beb7-5857-4685-be1f-d57550cc96cc" targetNamespace="http://schemas.microsoft.com/office/2006/metadata/properties" ma:root="true" ma:fieldsID="cd0908cc4600e77bf5da051303e00c8d" ns2:_="">
     <xsd:import namespace="4873beb7-5857-4685-be1f-d57550cc96cc"/>
@@ -6781,31 +6958,142 @@
 </ct:contentTypeSchema>
 </file>
 
-<file path=customXml/itemProps1.xml><?xml version="1.0" encoding="utf-8"?>
-<ds:datastoreItem xmlns:ds="http://schemas.openxmlformats.org/officeDocument/2006/customXml" ds:itemID="{04098515-0C12-46CF-BC7C-69B4A13CD5FA}">
-  <ds:schemaRefs>
-    <ds:schemaRef ds:uri="http://schemas.microsoft.com/office/infopath/2007/PartnerControls"/>
-    <ds:schemaRef ds:uri="http://purl.org/dc/elements/1.1/"/>
-    <ds:schemaRef ds:uri="http://purl.org/dc/terms/"/>
-    <ds:schemaRef ds:uri="http://schemas.microsoft.com/office/2006/documentManagement/types"/>
-    <ds:schemaRef ds:uri="http://purl.org/dc/dcmitype/"/>
-    <ds:schemaRef ds:uri="4873beb7-5857-4685-be1f-d57550cc96cc"/>
-    <ds:schemaRef ds:uri="http://schemas.openxmlformats.org/package/2006/metadata/core-properties"/>
-    <ds:schemaRef ds:uri="http://schemas.microsoft.com/office/2006/metadata/properties"/>
-    <ds:schemaRef ds:uri="http://www.w3.org/XML/1998/namespace"/>
-  </ds:schemaRefs>
-</ds:datastoreItem>
+<file path=customXml/item2.xml><?xml version="1.0" encoding="utf-8"?>
+<?mso-contentType ?>
+<FormTemplates xmlns="http://schemas.microsoft.com/sharepoint/v3/contenttype/forms">
+  <Display>DocumentLibraryForm</Display>
+  <Edit>AssetEditForm</Edit>
+  <New>DocumentLibraryForm</New>
+</FormTemplates>
 </file>
 
-<file path=customXml/itemProps2.xml><?xml version="1.0" encoding="utf-8"?>
-<ds:datastoreItem xmlns:ds="http://schemas.openxmlformats.org/officeDocument/2006/customXml" ds:itemID="{746CFF6F-D9AA-4BC0-911A-0A1356771912}">
-  <ds:schemaRefs>
-    <ds:schemaRef ds:uri="http://schemas.microsoft.com/sharepoint/v3/contenttype/forms"/>
-  </ds:schemaRefs>
-</ds:datastoreItem>
+<file path=customXml/item3.xml><?xml version="1.0" encoding="utf-8"?>
+<p:properties xmlns:p="http://schemas.microsoft.com/office/2006/metadata/properties" xmlns:xsi="http://www.w3.org/2001/XMLSchema-instance" xmlns:pc="http://schemas.microsoft.com/office/infopath/2007/PartnerControls">
+  <documentManagement>
+    <DirectSourceMarket xmlns="4873beb7-5857-4685-be1f-d57550cc96cc" xsi:nil="true"/>
+    <ApprovalStatus xmlns="4873beb7-5857-4685-be1f-d57550cc96cc">InProgress</ApprovalStatus>
+    <MarketSpecific xmlns="4873beb7-5857-4685-be1f-d57550cc96cc">false</MarketSpecific>
+    <LocComments xmlns="4873beb7-5857-4685-be1f-d57550cc96cc" xsi:nil="true"/>
+    <ThumbnailAssetId xmlns="4873beb7-5857-4685-be1f-d57550cc96cc" xsi:nil="true"/>
+    <PrimaryImageGen xmlns="4873beb7-5857-4685-be1f-d57550cc96cc">true</PrimaryImageGen>
+    <LegacyData xmlns="4873beb7-5857-4685-be1f-d57550cc96cc" xsi:nil="true"/>
+    <LocRecommendedHandoff xmlns="4873beb7-5857-4685-be1f-d57550cc96cc" xsi:nil="true"/>
+    <BusinessGroup xmlns="4873beb7-5857-4685-be1f-d57550cc96cc" xsi:nil="true"/>
+    <BlockPublish xmlns="4873beb7-5857-4685-be1f-d57550cc96cc">false</BlockPublish>
+    <TPFriendlyName xmlns="4873beb7-5857-4685-be1f-d57550cc96cc" xsi:nil="true"/>
+    <NumericId xmlns="4873beb7-5857-4685-be1f-d57550cc96cc" xsi:nil="true"/>
+    <APEditor xmlns="4873beb7-5857-4685-be1f-d57550cc96cc">
+      <UserInfo>
+        <DisplayName/>
+        <AccountId xsi:nil="true"/>
+        <AccountType/>
+      </UserInfo>
+    </APEditor>
+    <SourceTitle xmlns="4873beb7-5857-4685-be1f-d57550cc96cc" xsi:nil="true"/>
+    <OpenTemplate xmlns="4873beb7-5857-4685-be1f-d57550cc96cc">true</OpenTemplate>
+    <UALocComments xmlns="4873beb7-5857-4685-be1f-d57550cc96cc" xsi:nil="true"/>
+    <ParentAssetId xmlns="4873beb7-5857-4685-be1f-d57550cc96cc" xsi:nil="true"/>
+    <IntlLangReviewDate xmlns="4873beb7-5857-4685-be1f-d57550cc96cc" xsi:nil="true"/>
+    <FeatureTagsTaxHTField0 xmlns="4873beb7-5857-4685-be1f-d57550cc96cc">
+      <Terms xmlns="http://schemas.microsoft.com/office/infopath/2007/PartnerControls"/>
+    </FeatureTagsTaxHTField0>
+    <PublishStatusLookup xmlns="4873beb7-5857-4685-be1f-d57550cc96cc">
+      <Value>1566889</Value>
+    </PublishStatusLookup>
+    <Providers xmlns="4873beb7-5857-4685-be1f-d57550cc96cc" xsi:nil="true"/>
+    <MachineTranslated xmlns="4873beb7-5857-4685-be1f-d57550cc96cc">false</MachineTranslated>
+    <OriginalSourceMarket xmlns="4873beb7-5857-4685-be1f-d57550cc96cc" xsi:nil="true"/>
+    <APDescription xmlns="4873beb7-5857-4685-be1f-d57550cc96cc" xsi:nil="true"/>
+    <ClipArtFilename xmlns="4873beb7-5857-4685-be1f-d57550cc96cc" xsi:nil="true"/>
+    <ContentItem xmlns="4873beb7-5857-4685-be1f-d57550cc96cc" xsi:nil="true"/>
+    <TPInstallLocation xmlns="4873beb7-5857-4685-be1f-d57550cc96cc" xsi:nil="true"/>
+    <PublishTargets xmlns="4873beb7-5857-4685-be1f-d57550cc96cc">OfficeOnlineVNext</PublishTargets>
+    <TimesCloned xmlns="4873beb7-5857-4685-be1f-d57550cc96cc" xsi:nil="true"/>
+    <AssetStart xmlns="4873beb7-5857-4685-be1f-d57550cc96cc">2012-05-23T08:44:00+00:00</AssetStart>
+    <Provider xmlns="4873beb7-5857-4685-be1f-d57550cc96cc" xsi:nil="true"/>
+    <AcquiredFrom xmlns="4873beb7-5857-4685-be1f-d57550cc96cc">Internal MS</AcquiredFrom>
+    <FriendlyTitle xmlns="4873beb7-5857-4685-be1f-d57550cc96cc" xsi:nil="true"/>
+    <LastHandOff xmlns="4873beb7-5857-4685-be1f-d57550cc96cc" xsi:nil="true"/>
+    <TPClientViewer xmlns="4873beb7-5857-4685-be1f-d57550cc96cc" xsi:nil="true"/>
+    <UACurrentWords xmlns="4873beb7-5857-4685-be1f-d57550cc96cc" xsi:nil="true"/>
+    <ArtSampleDocs xmlns="4873beb7-5857-4685-be1f-d57550cc96cc" xsi:nil="true"/>
+    <UALocRecommendation xmlns="4873beb7-5857-4685-be1f-d57550cc96cc">Localize</UALocRecommendation>
+    <Manager xmlns="4873beb7-5857-4685-be1f-d57550cc96cc" xsi:nil="true"/>
+    <ShowIn xmlns="4873beb7-5857-4685-be1f-d57550cc96cc">Show everywhere</ShowIn>
+    <UANotes xmlns="4873beb7-5857-4685-be1f-d57550cc96cc" xsi:nil="true"/>
+    <TemplateStatus xmlns="4873beb7-5857-4685-be1f-d57550cc96cc">Complete</TemplateStatus>
+    <InternalTagsTaxHTField0 xmlns="4873beb7-5857-4685-be1f-d57550cc96cc">
+      <Terms xmlns="http://schemas.microsoft.com/office/infopath/2007/PartnerControls"/>
+    </InternalTagsTaxHTField0>
+    <CSXHash xmlns="4873beb7-5857-4685-be1f-d57550cc96cc" xsi:nil="true"/>
+    <Downloads xmlns="4873beb7-5857-4685-be1f-d57550cc96cc">0</Downloads>
+    <VoteCount xmlns="4873beb7-5857-4685-be1f-d57550cc96cc" xsi:nil="true"/>
+    <OOCacheId xmlns="4873beb7-5857-4685-be1f-d57550cc96cc" xsi:nil="true"/>
+    <IsDeleted xmlns="4873beb7-5857-4685-be1f-d57550cc96cc">false</IsDeleted>
+    <AssetExpire xmlns="4873beb7-5857-4685-be1f-d57550cc96cc">2029-01-01T08:00:00+00:00</AssetExpire>
+    <DSATActionTaken xmlns="4873beb7-5857-4685-be1f-d57550cc96cc" xsi:nil="true"/>
+    <CSXSubmissionMarket xmlns="4873beb7-5857-4685-be1f-d57550cc96cc" xsi:nil="true"/>
+    <TPExecutable xmlns="4873beb7-5857-4685-be1f-d57550cc96cc" xsi:nil="true"/>
+    <SubmitterId xmlns="4873beb7-5857-4685-be1f-d57550cc96cc" xsi:nil="true"/>
+    <EditorialTags xmlns="4873beb7-5857-4685-be1f-d57550cc96cc" xsi:nil="true"/>
+    <ApprovalLog xmlns="4873beb7-5857-4685-be1f-d57550cc96cc" xsi:nil="true"/>
+    <AssetType xmlns="4873beb7-5857-4685-be1f-d57550cc96cc">TP</AssetType>
+    <BugNumber xmlns="4873beb7-5857-4685-be1f-d57550cc96cc" xsi:nil="true"/>
+    <CSXSubmissionDate xmlns="4873beb7-5857-4685-be1f-d57550cc96cc" xsi:nil="true"/>
+    <CSXUpdate xmlns="4873beb7-5857-4685-be1f-d57550cc96cc">false</CSXUpdate>
+    <Milestone xmlns="4873beb7-5857-4685-be1f-d57550cc96cc" xsi:nil="true"/>
+    <RecommendationsModifier xmlns="4873beb7-5857-4685-be1f-d57550cc96cc" xsi:nil="true"/>
+    <OriginAsset xmlns="4873beb7-5857-4685-be1f-d57550cc96cc" xsi:nil="true"/>
+    <TPComponent xmlns="4873beb7-5857-4685-be1f-d57550cc96cc" xsi:nil="true"/>
+    <AssetId xmlns="4873beb7-5857-4685-be1f-d57550cc96cc">TP102901017</AssetId>
+    <IntlLocPriority xmlns="4873beb7-5857-4685-be1f-d57550cc96cc" xsi:nil="true"/>
+    <PolicheckWords xmlns="4873beb7-5857-4685-be1f-d57550cc96cc" xsi:nil="true"/>
+    <TPLaunchHelpLink xmlns="4873beb7-5857-4685-be1f-d57550cc96cc" xsi:nil="true"/>
+    <TPApplication xmlns="4873beb7-5857-4685-be1f-d57550cc96cc" xsi:nil="true"/>
+    <CrawlForDependencies xmlns="4873beb7-5857-4685-be1f-d57550cc96cc">false</CrawlForDependencies>
+    <HandoffToMSDN xmlns="4873beb7-5857-4685-be1f-d57550cc96cc" xsi:nil="true"/>
+    <PlannedPubDate xmlns="4873beb7-5857-4685-be1f-d57550cc96cc" xsi:nil="true"/>
+    <IntlLangReviewer xmlns="4873beb7-5857-4685-be1f-d57550cc96cc" xsi:nil="true"/>
+    <TrustLevel xmlns="4873beb7-5857-4685-be1f-d57550cc96cc">1 Microsoft Managed Content</TrustLevel>
+    <LocLastLocAttemptVersionLookup xmlns="4873beb7-5857-4685-be1f-d57550cc96cc">836753</LocLastLocAttemptVersionLookup>
+    <IsSearchable xmlns="4873beb7-5857-4685-be1f-d57550cc96cc">true</IsSearchable>
+    <TemplateTemplateType xmlns="4873beb7-5857-4685-be1f-d57550cc96cc">PowerPoint Design Template</TemplateTemplateType>
+    <CampaignTagsTaxHTField0 xmlns="4873beb7-5857-4685-be1f-d57550cc96cc">
+      <Terms xmlns="http://schemas.microsoft.com/office/infopath/2007/PartnerControls"/>
+    </CampaignTagsTaxHTField0>
+    <TPNamespace xmlns="4873beb7-5857-4685-be1f-d57550cc96cc" xsi:nil="true"/>
+    <TaxCatchAll xmlns="4873beb7-5857-4685-be1f-d57550cc96cc"/>
+    <Markets xmlns="4873beb7-5857-4685-be1f-d57550cc96cc"/>
+    <UAProjectedTotalWords xmlns="4873beb7-5857-4685-be1f-d57550cc96cc" xsi:nil="true"/>
+    <IntlLangReview xmlns="4873beb7-5857-4685-be1f-d57550cc96cc">false</IntlLangReview>
+    <OutputCachingOn xmlns="4873beb7-5857-4685-be1f-d57550cc96cc">false</OutputCachingOn>
+    <AverageRating xmlns="4873beb7-5857-4685-be1f-d57550cc96cc" xsi:nil="true"/>
+    <APAuthor xmlns="4873beb7-5857-4685-be1f-d57550cc96cc">
+      <UserInfo>
+        <DisplayName>REDMOND\v-anij</DisplayName>
+        <AccountId>2469</AccountId>
+        <AccountType/>
+      </UserInfo>
+    </APAuthor>
+    <LocManualTestRequired xmlns="4873beb7-5857-4685-be1f-d57550cc96cc">false</LocManualTestRequired>
+    <TPCommandLine xmlns="4873beb7-5857-4685-be1f-d57550cc96cc" xsi:nil="true"/>
+    <TPAppVersion xmlns="4873beb7-5857-4685-be1f-d57550cc96cc" xsi:nil="true"/>
+    <EditorialStatus xmlns="4873beb7-5857-4685-be1f-d57550cc96cc">Complete</EditorialStatus>
+    <LastModifiedDateTime xmlns="4873beb7-5857-4685-be1f-d57550cc96cc" xsi:nil="true"/>
+    <ScenarioTagsTaxHTField0 xmlns="4873beb7-5857-4685-be1f-d57550cc96cc">
+      <Terms xmlns="http://schemas.microsoft.com/office/infopath/2007/PartnerControls"/>
+    </ScenarioTagsTaxHTField0>
+    <OriginalRelease xmlns="4873beb7-5857-4685-be1f-d57550cc96cc">15</OriginalRelease>
+    <TPLaunchHelpLinkType xmlns="4873beb7-5857-4685-be1f-d57550cc96cc">Template</TPLaunchHelpLinkType>
+    <LocalizationTagsTaxHTField0 xmlns="4873beb7-5857-4685-be1f-d57550cc96cc">
+      <Terms xmlns="http://schemas.microsoft.com/office/infopath/2007/PartnerControls"/>
+    </LocalizationTagsTaxHTField0>
+    <LocMarketGroupTiers2 xmlns="4873beb7-5857-4685-be1f-d57550cc96cc" xsi:nil="true"/>
+  </documentManagement>
+</p:properties>
 </file>
 
-<file path=customXml/itemProps3.xml><?xml version="1.0" encoding="utf-8"?>
+<file path=customXml/itemProps1.xml><?xml version="1.0" encoding="utf-8"?>
 <ds:datastoreItem xmlns:ds="http://schemas.openxmlformats.org/officeDocument/2006/customXml" ds:itemID="{0B5C6E15-39DC-470B-9445-F754B9458020}">
   <ds:schemaRefs>
     <ds:schemaRef ds:uri="http://schemas.microsoft.com/office/2006/metadata/contentType"/>
@@ -6821,4 +7109,28 @@
     <ds:schemaRef ds:uri="http://schemas.microsoft.com/internal/obd"/>
   </ds:schemaRefs>
 </ds:datastoreItem>
+</file>
+
+<file path=customXml/itemProps2.xml><?xml version="1.0" encoding="utf-8"?>
+<ds:datastoreItem xmlns:ds="http://schemas.openxmlformats.org/officeDocument/2006/customXml" ds:itemID="{746CFF6F-D9AA-4BC0-911A-0A1356771912}">
+  <ds:schemaRefs>
+    <ds:schemaRef ds:uri="http://schemas.microsoft.com/sharepoint/v3/contenttype/forms"/>
+  </ds:schemaRefs>
+</ds:datastoreItem>
+</file>
+
+<file path=customXml/itemProps3.xml><?xml version="1.0" encoding="utf-8"?>
+<ds:datastoreItem xmlns:ds="http://schemas.openxmlformats.org/officeDocument/2006/customXml" ds:itemID="{04098515-0C12-46CF-BC7C-69B4A13CD5FA}">
+  <ds:schemaRefs>
+    <ds:schemaRef ds:uri="http://schemas.microsoft.com/office/infopath/2007/PartnerControls"/>
+    <ds:schemaRef ds:uri="http://purl.org/dc/elements/1.1/"/>
+    <ds:schemaRef ds:uri="http://purl.org/dc/terms/"/>
+    <ds:schemaRef ds:uri="http://schemas.microsoft.com/office/2006/documentManagement/types"/>
+    <ds:schemaRef ds:uri="http://purl.org/dc/dcmitype/"/>
+    <ds:schemaRef ds:uri="4873beb7-5857-4685-be1f-d57550cc96cc"/>
+    <ds:schemaRef ds:uri="http://schemas.openxmlformats.org/package/2006/metadata/core-properties"/>
+    <ds:schemaRef ds:uri="http://schemas.microsoft.com/office/2006/metadata/properties"/>
+    <ds:schemaRef ds:uri="http://www.w3.org/XML/1998/namespace"/>
+  </ds:schemaRefs>
+</ds:datastoreItem>
 </file>
--- a/GIT HUB Branching & Merging.pptx
+++ b/GIT HUB Branching & Merging.pptx
@@ -5,10 +5,10 @@
     <p:sldMasterId id="2147483648" r:id="rId4"/>
   </p:sldMasterIdLst>
   <p:notesMasterIdLst>
-    <p:notesMasterId r:id="rId13"/>
+    <p:notesMasterId r:id="rId14"/>
   </p:notesMasterIdLst>
   <p:handoutMasterIdLst>
-    <p:handoutMasterId r:id="rId14"/>
+    <p:handoutMasterId r:id="rId15"/>
   </p:handoutMasterIdLst>
   <p:sldIdLst>
     <p:sldId id="256" r:id="rId5"/>
@@ -19,6 +19,7 @@
     <p:sldId id="264" r:id="rId10"/>
     <p:sldId id="259" r:id="rId11"/>
     <p:sldId id="260" r:id="rId12"/>
+    <p:sldId id="265" r:id="rId13"/>
   </p:sldIdLst>
   <p:sldSz cx="12192000" cy="6858000"/>
   <p:notesSz cx="6858000" cy="9144000"/>
@@ -3894,11 +3895,7 @@
             </a:r>
             <a:r>
               <a:rPr lang="en-US" dirty="0" smtClean="0"/>
-              <a:t> clone &lt;repo URL</a:t>
-            </a:r>
-            <a:r>
-              <a:rPr lang="en-US" dirty="0" smtClean="0"/>
-              <a:t>&gt;</a:t>
+              <a:t> clone &lt;repo URL&gt;</a:t>
             </a:r>
           </a:p>
           <a:p>
@@ -3911,7 +3908,6 @@
               <a:rPr lang="en-US" dirty="0" smtClean="0"/>
               <a:t> Status</a:t>
             </a:r>
-            <a:endParaRPr lang="en-US" dirty="0" smtClean="0"/>
           </a:p>
           <a:p>
             <a:pPr lvl="1"/>
@@ -3921,11 +3917,7 @@
             </a:r>
             <a:r>
               <a:rPr lang="en-US" dirty="0" smtClean="0"/>
-              <a:t> add </a:t>
-            </a:r>
-            <a:r>
-              <a:rPr lang="en-US" dirty="0" smtClean="0"/>
-              <a:t>–A</a:t>
+              <a:t> add –A</a:t>
             </a:r>
           </a:p>
           <a:p>
@@ -3953,7 +3945,6 @@
               <a:rPr lang="en-US" dirty="0" smtClean="0"/>
               <a:t> add -u</a:t>
             </a:r>
-            <a:endParaRPr lang="en-US" dirty="0" smtClean="0"/>
           </a:p>
           <a:p>
             <a:pPr lvl="1"/>
@@ -4041,11 +4032,7 @@
             <a:pPr lvl="1"/>
             <a:r>
               <a:rPr lang="en-US" dirty="0" smtClean="0"/>
-              <a:t>Clones the repo to a </a:t>
-            </a:r>
-            <a:r>
-              <a:rPr lang="en-US" dirty="0" smtClean="0"/>
-              <a:t>location</a:t>
+              <a:t>Clones the repo to a location</a:t>
             </a:r>
           </a:p>
           <a:p>
@@ -4054,17 +4041,12 @@
               <a:rPr lang="en-US" dirty="0" smtClean="0"/>
               <a:t>Gets the current branch status</a:t>
             </a:r>
-            <a:endParaRPr lang="en-US" dirty="0" smtClean="0"/>
           </a:p>
           <a:p>
             <a:pPr lvl="1"/>
             <a:r>
               <a:rPr lang="en-US" dirty="0" smtClean="0"/>
-              <a:t>Adds ALL files to the staging </a:t>
-            </a:r>
-            <a:r>
-              <a:rPr lang="en-US" dirty="0" smtClean="0"/>
-              <a:t>area</a:t>
+              <a:t>Adds ALL files to the staging area</a:t>
             </a:r>
           </a:p>
           <a:p>
@@ -4084,7 +4066,6 @@
               <a:rPr lang="en-US" dirty="0" smtClean="0"/>
               <a:t>new</a:t>
             </a:r>
-            <a:endParaRPr lang="en-US" dirty="0" smtClean="0"/>
           </a:p>
           <a:p>
             <a:pPr lvl="1"/>
@@ -4097,22 +4078,14 @@
             <a:pPr lvl="1"/>
             <a:r>
               <a:rPr lang="en-US" dirty="0" smtClean="0"/>
-              <a:t>Commits all staged </a:t>
-            </a:r>
+              <a:t>Commits all staged files</a:t>
+            </a:r>
+          </a:p>
+          <a:p>
+            <a:pPr lvl="1"/>
             <a:r>
               <a:rPr lang="en-US" dirty="0" smtClean="0"/>
-              <a:t>files</a:t>
-            </a:r>
-          </a:p>
-          <a:p>
-            <a:pPr lvl="1"/>
-            <a:r>
-              <a:rPr lang="en-US" dirty="0" smtClean="0"/>
-              <a:t>Pushes </a:t>
-            </a:r>
-            <a:r>
-              <a:rPr lang="en-US" dirty="0" smtClean="0"/>
-              <a:t>the changes to GitHub</a:t>
+              <a:t>Pushes the changes to GitHub</a:t>
             </a:r>
           </a:p>
           <a:p>
@@ -4364,7 +4337,6 @@
               <a:rPr lang="en-US" dirty="0" smtClean="0"/>
               <a:t> branch</a:t>
             </a:r>
-            <a:endParaRPr lang="en-US" dirty="0" smtClean="0"/>
           </a:p>
           <a:p>
             <a:pPr lvl="1"/>
@@ -4374,11 +4346,7 @@
             </a:r>
             <a:r>
               <a:rPr lang="en-US" dirty="0" smtClean="0"/>
-              <a:t> </a:t>
-            </a:r>
-            <a:r>
-              <a:rPr lang="en-US" dirty="0" smtClean="0"/>
-              <a:t>branch &lt;branch-Name&gt;</a:t>
+              <a:t> branch &lt;branch-Name&gt;</a:t>
             </a:r>
           </a:p>
           <a:p>
@@ -4448,11 +4416,7 @@
             <a:pPr lvl="1"/>
             <a:r>
               <a:rPr lang="en-US" dirty="0" smtClean="0"/>
-              <a:t>Makes </a:t>
-            </a:r>
-            <a:r>
-              <a:rPr lang="en-US" dirty="0" smtClean="0"/>
-              <a:t>the new branch</a:t>
+              <a:t>Makes the new branch</a:t>
             </a:r>
           </a:p>
           <a:p>
@@ -5119,6 +5083,220 @@
     <p:extLst>
       <p:ext uri="{BB962C8B-B14F-4D97-AF65-F5344CB8AC3E}">
         <p14:creationId xmlns:p14="http://schemas.microsoft.com/office/powerpoint/2010/main" val="3337304140"/>
+      </p:ext>
+    </p:extLst>
+  </p:cSld>
+  <p:clrMapOvr>
+    <a:masterClrMapping/>
+  </p:clrMapOvr>
+  <p:timing>
+    <p:tnLst>
+      <p:par>
+        <p:cTn id="1" dur="indefinite" restart="never" nodeType="tmRoot"/>
+      </p:par>
+    </p:tnLst>
+  </p:timing>
+</p:sld>
+</file>
+
+<file path=ppt/slides/slide9.xml><?xml version="1.0" encoding="utf-8"?>
+<p:sld xmlns:a="http://schemas.openxmlformats.org/drawingml/2006/main" xmlns:r="http://schemas.openxmlformats.org/officeDocument/2006/relationships" xmlns:p="http://schemas.openxmlformats.org/presentationml/2006/main">
+  <p:cSld>
+    <p:spTree>
+      <p:nvGrpSpPr>
+        <p:cNvPr id="1" name=""/>
+        <p:cNvGrpSpPr/>
+        <p:nvPr/>
+      </p:nvGrpSpPr>
+      <p:grpSpPr>
+        <a:xfrm>
+          <a:off x="0" y="0"/>
+          <a:ext cx="0" cy="0"/>
+          <a:chOff x="0" y="0"/>
+          <a:chExt cx="0" cy="0"/>
+        </a:xfrm>
+      </p:grpSpPr>
+      <p:sp>
+        <p:nvSpPr>
+          <p:cNvPr id="2" name="Title 1"/>
+          <p:cNvSpPr>
+            <a:spLocks noGrp="1"/>
+          </p:cNvSpPr>
+          <p:nvPr>
+            <p:ph type="title"/>
+          </p:nvPr>
+        </p:nvSpPr>
+        <p:spPr/>
+        <p:txBody>
+          <a:bodyPr>
+            <a:normAutofit fontScale="90000"/>
+          </a:bodyPr>
+          <a:lstStyle/>
+          <a:p>
+            <a:pPr algn="ctr"/>
+            <a:r>
+              <a:rPr lang="en-US" sz="6600" b="1" dirty="0" smtClean="0"/>
+              <a:t>Now Try it yourself!</a:t>
+            </a:r>
+            <a:endParaRPr lang="en-US" sz="6600" b="1" dirty="0"/>
+          </a:p>
+        </p:txBody>
+      </p:sp>
+      <p:sp>
+        <p:nvSpPr>
+          <p:cNvPr id="3" name="Content Placeholder 2"/>
+          <p:cNvSpPr>
+            <a:spLocks noGrp="1"/>
+          </p:cNvSpPr>
+          <p:nvPr>
+            <p:ph idx="1"/>
+          </p:nvPr>
+        </p:nvSpPr>
+        <p:spPr/>
+        <p:txBody>
+          <a:bodyPr>
+            <a:normAutofit/>
+          </a:bodyPr>
+          <a:lstStyle/>
+          <a:p>
+            <a:r>
+              <a:rPr lang="en-US" sz="1800" dirty="0">
+                <a:hlinkClick r:id="rId2"/>
+              </a:rPr>
+              <a:t>https://</a:t>
+            </a:r>
+            <a:r>
+              <a:rPr lang="en-US" sz="1800" dirty="0" smtClean="0">
+                <a:hlinkClick r:id="rId2"/>
+              </a:rPr>
+              <a:t>github.com/KalinBowden/BeDapperDesigns</a:t>
+            </a:r>
+            <a:endParaRPr lang="en-US" sz="1800" dirty="0" smtClean="0"/>
+          </a:p>
+          <a:p>
+            <a:r>
+              <a:rPr lang="en-US" sz="1800" dirty="0" smtClean="0"/>
+              <a:t>Open </a:t>
+            </a:r>
+            <a:r>
+              <a:rPr lang="en-US" sz="1800" dirty="0" err="1" smtClean="0"/>
+              <a:t>git</a:t>
+            </a:r>
+            <a:r>
+              <a:rPr lang="en-US" sz="1800" dirty="0" smtClean="0"/>
+              <a:t> Bash or </a:t>
+            </a:r>
+            <a:r>
+              <a:rPr lang="en-US" sz="1800" dirty="0" err="1" smtClean="0"/>
+              <a:t>git</a:t>
+            </a:r>
+            <a:r>
+              <a:rPr lang="en-US" sz="1800" dirty="0" smtClean="0"/>
+              <a:t> kraken</a:t>
+            </a:r>
+          </a:p>
+          <a:p>
+            <a:r>
+              <a:rPr lang="en-US" sz="1800" dirty="0" err="1" smtClean="0"/>
+              <a:t>git</a:t>
+            </a:r>
+            <a:r>
+              <a:rPr lang="en-US" sz="1800" dirty="0"/>
+              <a:t> clone </a:t>
+            </a:r>
+            <a:r>
+              <a:rPr lang="en-US" sz="1800" dirty="0">
+                <a:hlinkClick r:id="rId3"/>
+              </a:rPr>
+              <a:t>https://</a:t>
+            </a:r>
+            <a:r>
+              <a:rPr lang="en-US" sz="1800" dirty="0" smtClean="0">
+                <a:hlinkClick r:id="rId3"/>
+              </a:rPr>
+              <a:t>github.com/KalinBowden/BeDapperDesigns.git</a:t>
+            </a:r>
+            <a:endParaRPr lang="en-US" sz="1800" dirty="0" smtClean="0"/>
+          </a:p>
+          <a:p>
+            <a:r>
+              <a:rPr lang="en-US" sz="1800" dirty="0" err="1" smtClean="0"/>
+              <a:t>git</a:t>
+            </a:r>
+            <a:r>
+              <a:rPr lang="en-US" sz="1800" dirty="0" smtClean="0"/>
+              <a:t> branch</a:t>
+            </a:r>
+          </a:p>
+          <a:p>
+            <a:r>
+              <a:rPr lang="en-US" sz="1800" dirty="0" err="1" smtClean="0"/>
+              <a:t>git</a:t>
+            </a:r>
+            <a:r>
+              <a:rPr lang="en-US" sz="1800" dirty="0" smtClean="0"/>
+              <a:t> branch &lt;Pick any name&gt;</a:t>
+            </a:r>
+          </a:p>
+          <a:p>
+            <a:r>
+              <a:rPr lang="en-US" sz="1800" dirty="0" err="1"/>
+              <a:t>g</a:t>
+            </a:r>
+            <a:r>
+              <a:rPr lang="en-US" sz="1800" dirty="0" err="1" smtClean="0"/>
+              <a:t>it</a:t>
+            </a:r>
+            <a:r>
+              <a:rPr lang="en-US" sz="1800" dirty="0" smtClean="0"/>
+              <a:t> checkout </a:t>
+            </a:r>
+            <a:r>
+              <a:rPr lang="en-US" sz="1800" dirty="0" err="1" smtClean="0"/>
+              <a:t>yourBranchName</a:t>
+            </a:r>
+            <a:endParaRPr lang="en-US" sz="1800" dirty="0" smtClean="0"/>
+          </a:p>
+          <a:p>
+            <a:r>
+              <a:rPr lang="en-US" sz="1800" dirty="0" smtClean="0"/>
+              <a:t>Edit the Title tag in the head of index.html</a:t>
+            </a:r>
+          </a:p>
+          <a:p>
+            <a:r>
+              <a:rPr lang="en-US" sz="1800" dirty="0" err="1" smtClean="0"/>
+              <a:t>git</a:t>
+            </a:r>
+            <a:r>
+              <a:rPr lang="en-US" sz="1800" dirty="0" smtClean="0"/>
+              <a:t> add –A</a:t>
+            </a:r>
+          </a:p>
+          <a:p>
+            <a:r>
+              <a:rPr lang="en-US" sz="1800" dirty="0" err="1" smtClean="0"/>
+              <a:t>git</a:t>
+            </a:r>
+            <a:r>
+              <a:rPr lang="en-US" sz="1800" dirty="0" smtClean="0"/>
+              <a:t> commit –</a:t>
+            </a:r>
+            <a:r>
+              <a:rPr lang="en-US" sz="1800" dirty="0" err="1" smtClean="0"/>
+              <a:t>m’Some</a:t>
+            </a:r>
+            <a:r>
+              <a:rPr lang="en-US" sz="1800" dirty="0" smtClean="0"/>
+              <a:t> comment’</a:t>
+            </a:r>
+          </a:p>
+        </p:txBody>
+      </p:sp>
+    </p:spTree>
+    <p:extLst>
+      <p:ext uri="{BB962C8B-B14F-4D97-AF65-F5344CB8AC3E}">
+        <p14:creationId xmlns:p14="http://schemas.microsoft.com/office/powerpoint/2010/main" val="4213753423"/>
       </p:ext>
     </p:extLst>
   </p:cSld>
@@ -6959,15 +7137,6 @@
 </file>
 
 <file path=customXml/item2.xml><?xml version="1.0" encoding="utf-8"?>
-<?mso-contentType ?>
-<FormTemplates xmlns="http://schemas.microsoft.com/sharepoint/v3/contenttype/forms">
-  <Display>DocumentLibraryForm</Display>
-  <Edit>AssetEditForm</Edit>
-  <New>DocumentLibraryForm</New>
-</FormTemplates>
-</file>
-
-<file path=customXml/item3.xml><?xml version="1.0" encoding="utf-8"?>
 <p:properties xmlns:p="http://schemas.microsoft.com/office/2006/metadata/properties" xmlns:xsi="http://www.w3.org/2001/XMLSchema-instance" xmlns:pc="http://schemas.microsoft.com/office/infopath/2007/PartnerControls">
   <documentManagement>
     <DirectSourceMarket xmlns="4873beb7-5857-4685-be1f-d57550cc96cc" xsi:nil="true"/>
@@ -7093,6 +7262,15 @@
 </p:properties>
 </file>
 
+<file path=customXml/item3.xml><?xml version="1.0" encoding="utf-8"?>
+<?mso-contentType ?>
+<FormTemplates xmlns="http://schemas.microsoft.com/sharepoint/v3/contenttype/forms">
+  <Display>DocumentLibraryForm</Display>
+  <Edit>AssetEditForm</Edit>
+  <New>DocumentLibraryForm</New>
+</FormTemplates>
+</file>
+
 <file path=customXml/itemProps1.xml><?xml version="1.0" encoding="utf-8"?>
 <ds:datastoreItem xmlns:ds="http://schemas.openxmlformats.org/officeDocument/2006/customXml" ds:itemID="{0B5C6E15-39DC-470B-9445-F754B9458020}">
   <ds:schemaRefs>
@@ -7112,14 +7290,6 @@
 </file>
 
 <file path=customXml/itemProps2.xml><?xml version="1.0" encoding="utf-8"?>
-<ds:datastoreItem xmlns:ds="http://schemas.openxmlformats.org/officeDocument/2006/customXml" ds:itemID="{746CFF6F-D9AA-4BC0-911A-0A1356771912}">
-  <ds:schemaRefs>
-    <ds:schemaRef ds:uri="http://schemas.microsoft.com/sharepoint/v3/contenttype/forms"/>
-  </ds:schemaRefs>
-</ds:datastoreItem>
-</file>
-
-<file path=customXml/itemProps3.xml><?xml version="1.0" encoding="utf-8"?>
 <ds:datastoreItem xmlns:ds="http://schemas.openxmlformats.org/officeDocument/2006/customXml" ds:itemID="{04098515-0C12-46CF-BC7C-69B4A13CD5FA}">
   <ds:schemaRefs>
     <ds:schemaRef ds:uri="http://schemas.microsoft.com/office/infopath/2007/PartnerControls"/>
@@ -7133,4 +7303,12 @@
     <ds:schemaRef ds:uri="http://www.w3.org/XML/1998/namespace"/>
   </ds:schemaRefs>
 </ds:datastoreItem>
+</file>
+
+<file path=customXml/itemProps3.xml><?xml version="1.0" encoding="utf-8"?>
+<ds:datastoreItem xmlns:ds="http://schemas.openxmlformats.org/officeDocument/2006/customXml" ds:itemID="{746CFF6F-D9AA-4BC0-911A-0A1356771912}">
+  <ds:schemaRefs>
+    <ds:schemaRef ds:uri="http://schemas.microsoft.com/sharepoint/v3/contenttype/forms"/>
+  </ds:schemaRefs>
+</ds:datastoreItem>
 </file>
--- a/GIT HUB Branching & Merging.pptx
+++ b/GIT HUB Branching & Merging.pptx
@@ -5,10 +5,10 @@
     <p:sldMasterId id="2147483648" r:id="rId4"/>
   </p:sldMasterIdLst>
   <p:notesMasterIdLst>
-    <p:notesMasterId r:id="rId14"/>
+    <p:notesMasterId r:id="rId15"/>
   </p:notesMasterIdLst>
   <p:handoutMasterIdLst>
-    <p:handoutMasterId r:id="rId15"/>
+    <p:handoutMasterId r:id="rId16"/>
   </p:handoutMasterIdLst>
   <p:sldIdLst>
     <p:sldId id="256" r:id="rId5"/>
@@ -17,9 +17,10 @@
     <p:sldId id="261" r:id="rId8"/>
     <p:sldId id="258" r:id="rId9"/>
     <p:sldId id="264" r:id="rId10"/>
-    <p:sldId id="259" r:id="rId11"/>
-    <p:sldId id="260" r:id="rId12"/>
-    <p:sldId id="265" r:id="rId13"/>
+    <p:sldId id="266" r:id="rId11"/>
+    <p:sldId id="259" r:id="rId12"/>
+    <p:sldId id="260" r:id="rId13"/>
+    <p:sldId id="265" r:id="rId14"/>
   </p:sldIdLst>
   <p:sldSz cx="12192000" cy="6858000"/>
   <p:notesSz cx="6858000" cy="9144000"/>
@@ -3798,6 +3799,272 @@
 </p:sld>
 </file>
 
+<file path=ppt/slides/slide10.xml><?xml version="1.0" encoding="utf-8"?>
+<p:sld xmlns:a="http://schemas.openxmlformats.org/drawingml/2006/main" xmlns:r="http://schemas.openxmlformats.org/officeDocument/2006/relationships" xmlns:p="http://schemas.openxmlformats.org/presentationml/2006/main">
+  <p:cSld>
+    <p:spTree>
+      <p:nvGrpSpPr>
+        <p:cNvPr id="1" name=""/>
+        <p:cNvGrpSpPr/>
+        <p:nvPr/>
+      </p:nvGrpSpPr>
+      <p:grpSpPr>
+        <a:xfrm>
+          <a:off x="0" y="0"/>
+          <a:ext cx="0" cy="0"/>
+          <a:chOff x="0" y="0"/>
+          <a:chExt cx="0" cy="0"/>
+        </a:xfrm>
+      </p:grpSpPr>
+      <p:sp>
+        <p:nvSpPr>
+          <p:cNvPr id="2" name="Title 1"/>
+          <p:cNvSpPr>
+            <a:spLocks noGrp="1"/>
+          </p:cNvSpPr>
+          <p:nvPr>
+            <p:ph type="title"/>
+          </p:nvPr>
+        </p:nvSpPr>
+        <p:spPr>
+          <a:xfrm>
+            <a:off x="1511531" y="304800"/>
+            <a:ext cx="9144000" cy="1143000"/>
+          </a:xfrm>
+        </p:spPr>
+        <p:txBody>
+          <a:bodyPr>
+            <a:normAutofit fontScale="90000"/>
+          </a:bodyPr>
+          <a:lstStyle/>
+          <a:p>
+            <a:pPr algn="ctr"/>
+            <a:r>
+              <a:rPr lang="en-US" sz="6600" b="1" dirty="0" smtClean="0"/>
+              <a:t>Now Try it yourself!</a:t>
+            </a:r>
+            <a:endParaRPr lang="en-US" sz="6600" b="1" dirty="0"/>
+          </a:p>
+        </p:txBody>
+      </p:sp>
+      <p:sp>
+        <p:nvSpPr>
+          <p:cNvPr id="3" name="Content Placeholder 2"/>
+          <p:cNvSpPr>
+            <a:spLocks noGrp="1"/>
+          </p:cNvSpPr>
+          <p:nvPr>
+            <p:ph idx="1"/>
+          </p:nvPr>
+        </p:nvSpPr>
+        <p:spPr>
+          <a:xfrm>
+            <a:off x="1524000" y="1524000"/>
+            <a:ext cx="9144000" cy="5029200"/>
+          </a:xfrm>
+        </p:spPr>
+        <p:txBody>
+          <a:bodyPr>
+            <a:normAutofit fontScale="85000" lnSpcReduction="20000"/>
+          </a:bodyPr>
+          <a:lstStyle/>
+          <a:p>
+            <a:r>
+              <a:rPr lang="en-US" sz="1800" dirty="0">
+                <a:hlinkClick r:id="rId2"/>
+              </a:rPr>
+              <a:t>https://</a:t>
+            </a:r>
+            <a:r>
+              <a:rPr lang="en-US" sz="1800" dirty="0" smtClean="0">
+                <a:hlinkClick r:id="rId2"/>
+              </a:rPr>
+              <a:t>github.com/KalinBowden/BeDapperDesigns</a:t>
+            </a:r>
+            <a:endParaRPr lang="en-US" sz="1800" dirty="0" smtClean="0"/>
+          </a:p>
+          <a:p>
+            <a:r>
+              <a:rPr lang="en-US" sz="1800" dirty="0" smtClean="0"/>
+              <a:t>Open </a:t>
+            </a:r>
+            <a:r>
+              <a:rPr lang="en-US" sz="1800" dirty="0" err="1" smtClean="0"/>
+              <a:t>git</a:t>
+            </a:r>
+            <a:r>
+              <a:rPr lang="en-US" sz="1800" dirty="0" smtClean="0"/>
+              <a:t> Bash or </a:t>
+            </a:r>
+            <a:r>
+              <a:rPr lang="en-US" sz="1800" dirty="0" err="1" smtClean="0"/>
+              <a:t>git</a:t>
+            </a:r>
+            <a:r>
+              <a:rPr lang="en-US" sz="1800" dirty="0" smtClean="0"/>
+              <a:t> kraken</a:t>
+            </a:r>
+          </a:p>
+          <a:p>
+            <a:r>
+              <a:rPr lang="en-US" sz="1800" dirty="0" err="1" smtClean="0"/>
+              <a:t>git</a:t>
+            </a:r>
+            <a:r>
+              <a:rPr lang="en-US" sz="1800" dirty="0"/>
+              <a:t> clone </a:t>
+            </a:r>
+            <a:r>
+              <a:rPr lang="en-US" sz="1800" dirty="0">
+                <a:hlinkClick r:id="rId3"/>
+              </a:rPr>
+              <a:t>https://</a:t>
+            </a:r>
+            <a:r>
+              <a:rPr lang="en-US" sz="1800" dirty="0" smtClean="0">
+                <a:hlinkClick r:id="rId3"/>
+              </a:rPr>
+              <a:t>github.com/KalinBowden/BeDapperDesigns.git</a:t>
+            </a:r>
+            <a:endParaRPr lang="en-US" sz="1800" dirty="0" smtClean="0"/>
+          </a:p>
+          <a:p>
+            <a:r>
+              <a:rPr lang="en-US" sz="1800" dirty="0" err="1" smtClean="0"/>
+              <a:t>git</a:t>
+            </a:r>
+            <a:r>
+              <a:rPr lang="en-US" sz="1800" dirty="0" smtClean="0"/>
+              <a:t> branch</a:t>
+            </a:r>
+          </a:p>
+          <a:p>
+            <a:r>
+              <a:rPr lang="en-US" sz="1800" dirty="0" err="1" smtClean="0"/>
+              <a:t>git</a:t>
+            </a:r>
+            <a:r>
+              <a:rPr lang="en-US" sz="1800" dirty="0" smtClean="0"/>
+              <a:t> branch &lt;Pick any name&gt;</a:t>
+            </a:r>
+          </a:p>
+          <a:p>
+            <a:r>
+              <a:rPr lang="en-US" sz="1800" dirty="0" err="1"/>
+              <a:t>g</a:t>
+            </a:r>
+            <a:r>
+              <a:rPr lang="en-US" sz="1800" dirty="0" err="1" smtClean="0"/>
+              <a:t>it</a:t>
+            </a:r>
+            <a:r>
+              <a:rPr lang="en-US" sz="1800" dirty="0" smtClean="0"/>
+              <a:t> checkout </a:t>
+            </a:r>
+            <a:r>
+              <a:rPr lang="en-US" sz="1800" dirty="0" err="1" smtClean="0"/>
+              <a:t>yourBranchName</a:t>
+            </a:r>
+            <a:endParaRPr lang="en-US" sz="1800" dirty="0" smtClean="0"/>
+          </a:p>
+          <a:p>
+            <a:r>
+              <a:rPr lang="en-US" sz="1800" dirty="0" smtClean="0"/>
+              <a:t>Edit the Title tag in the head of index.html</a:t>
+            </a:r>
+          </a:p>
+          <a:p>
+            <a:r>
+              <a:rPr lang="en-US" sz="1800" dirty="0" err="1" smtClean="0"/>
+              <a:t>git</a:t>
+            </a:r>
+            <a:r>
+              <a:rPr lang="en-US" sz="1800" dirty="0" smtClean="0"/>
+              <a:t> add –A</a:t>
+            </a:r>
+          </a:p>
+          <a:p>
+            <a:r>
+              <a:rPr lang="en-US" sz="1800" dirty="0" err="1" smtClean="0"/>
+              <a:t>git</a:t>
+            </a:r>
+            <a:r>
+              <a:rPr lang="en-US" sz="1800" dirty="0" smtClean="0"/>
+              <a:t> commit –</a:t>
+            </a:r>
+            <a:r>
+              <a:rPr lang="en-US" sz="1800" dirty="0" err="1" smtClean="0"/>
+              <a:t>m’Some</a:t>
+            </a:r>
+            <a:r>
+              <a:rPr lang="en-US" sz="1800" dirty="0" smtClean="0"/>
+              <a:t> comment</a:t>
+            </a:r>
+            <a:r>
+              <a:rPr lang="en-US" sz="1800" dirty="0" smtClean="0"/>
+              <a:t>’</a:t>
+            </a:r>
+          </a:p>
+          <a:p>
+            <a:r>
+              <a:rPr lang="en-US" sz="1800" dirty="0" smtClean="0"/>
+              <a:t>Now Switch between the branches and look at the Title tag</a:t>
+            </a:r>
+          </a:p>
+          <a:p>
+            <a:r>
+              <a:rPr lang="en-US" sz="1800" dirty="0" err="1" smtClean="0"/>
+              <a:t>git</a:t>
+            </a:r>
+            <a:r>
+              <a:rPr lang="en-US" sz="1800" dirty="0" smtClean="0"/>
+              <a:t> checkout master</a:t>
+            </a:r>
+          </a:p>
+          <a:p>
+            <a:r>
+              <a:rPr lang="en-US" sz="1800" dirty="0" err="1" smtClean="0"/>
+              <a:t>git</a:t>
+            </a:r>
+            <a:r>
+              <a:rPr lang="en-US" sz="1800" dirty="0" smtClean="0"/>
+              <a:t> merge &lt;branch-name&gt;</a:t>
+            </a:r>
+          </a:p>
+          <a:p>
+            <a:r>
+              <a:rPr lang="en-US" sz="1800" dirty="0" smtClean="0"/>
+              <a:t>Look at the Title tag file now</a:t>
+            </a:r>
+          </a:p>
+          <a:p>
+            <a:endParaRPr lang="en-US" sz="1800" dirty="0"/>
+          </a:p>
+          <a:p>
+            <a:endParaRPr lang="en-US" sz="1800" dirty="0" smtClean="0"/>
+          </a:p>
+        </p:txBody>
+      </p:sp>
+    </p:spTree>
+    <p:extLst>
+      <p:ext uri="{BB962C8B-B14F-4D97-AF65-F5344CB8AC3E}">
+        <p14:creationId xmlns:p14="http://schemas.microsoft.com/office/powerpoint/2010/main" val="4213753423"/>
+      </p:ext>
+    </p:extLst>
+  </p:cSld>
+  <p:clrMapOvr>
+    <a:masterClrMapping/>
+  </p:clrMapOvr>
+  <p:timing>
+    <p:tnLst>
+      <p:par>
+        <p:cTn id="1" dur="indefinite" restart="never" nodeType="tmRoot"/>
+      </p:par>
+    </p:tnLst>
+  </p:timing>
+</p:sld>
+</file>
+
 <file path=ppt/slides/slide2.xml><?xml version="1.0" encoding="utf-8"?>
 <p:sld xmlns:a="http://schemas.openxmlformats.org/drawingml/2006/main" xmlns:r="http://schemas.openxmlformats.org/officeDocument/2006/relationships" xmlns:p="http://schemas.openxmlformats.org/presentationml/2006/main">
   <p:cSld>
@@ -4504,7 +4771,7 @@
         </p:blipFill>
         <p:spPr>
           <a:xfrm>
-            <a:off x="40177" y="3577978"/>
+            <a:off x="34636" y="13855"/>
             <a:ext cx="4235336" cy="3248157"/>
           </a:xfrm>
         </p:spPr>
@@ -4628,7 +4895,7 @@
         </p:blipFill>
         <p:spPr>
           <a:xfrm>
-            <a:off x="31864" y="57219"/>
+            <a:off x="26323" y="3295263"/>
             <a:ext cx="4243649" cy="3502449"/>
           </a:xfrm>
           <a:prstGeom prst="rect">
@@ -4903,16 +5170,15 @@
         </p:nvSpPr>
         <p:spPr/>
         <p:txBody>
-          <a:bodyPr>
-            <a:normAutofit/>
-          </a:bodyPr>
+          <a:bodyPr/>
           <a:lstStyle/>
           <a:p>
             <a:pPr algn="ctr"/>
             <a:r>
-              <a:rPr lang="en-US" sz="6600" dirty="0"/>
-              <a:t>Fast-Forward Merge </a:t>
-            </a:r>
+              <a:rPr lang="en-US" dirty="0" smtClean="0"/>
+              <a:t>Dealing With Conflicts </a:t>
+            </a:r>
+            <a:endParaRPr lang="en-US" dirty="0"/>
           </a:p>
         </p:txBody>
       </p:sp>
@@ -4923,13 +5189,13 @@
             <a:spLocks noGrp="1"/>
           </p:cNvSpPr>
           <p:nvPr>
-            <p:ph idx="1"/>
+            <p:ph sz="half" idx="1"/>
           </p:nvPr>
         </p:nvSpPr>
         <p:spPr>
           <a:xfrm>
-            <a:off x="3695700" y="1905000"/>
-            <a:ext cx="4800600" cy="4267200"/>
+            <a:off x="1524000" y="1825625"/>
+            <a:ext cx="9144000" cy="4270375"/>
           </a:xfrm>
         </p:spPr>
         <p:txBody>
@@ -4938,45 +5204,90 @@
           <a:p>
             <a:r>
               <a:rPr lang="en-US" dirty="0" smtClean="0"/>
-              <a:t>Occur </a:t>
-            </a:r>
-            <a:r>
-              <a:rPr lang="en-US" dirty="0"/>
-              <a:t>when there is a linear path from the current branch tip to the target branch. Instead of “actually” merging the branches, all </a:t>
-            </a:r>
-            <a:r>
-              <a:rPr lang="en-US" dirty="0" err="1"/>
+              <a:t>Some times if you edit the same line in a file as a team mate and attempt to merge </a:t>
+            </a:r>
+            <a:r>
+              <a:rPr lang="en-US" dirty="0" err="1" smtClean="0"/>
+              <a:t>git</a:t>
+            </a:r>
+            <a:r>
+              <a:rPr lang="en-US" dirty="0" smtClean="0"/>
+              <a:t> will not know what to do and fail to merge that file. When you see the failed to merge error, </a:t>
+            </a:r>
+            <a:r>
+              <a:rPr lang="en-US" dirty="0" err="1" smtClean="0"/>
+              <a:t>git</a:t>
+            </a:r>
+            <a:r>
+              <a:rPr lang="en-US" dirty="0" smtClean="0"/>
+              <a:t> status is your friend. You will have to manually fix the code before you can merge. </a:t>
+            </a:r>
+            <a:r>
+              <a:rPr lang="en-US" dirty="0" err="1" smtClean="0"/>
               <a:t>Git</a:t>
             </a:r>
             <a:r>
-              <a:rPr lang="en-US" dirty="0"/>
-              <a:t> has to do to integrate the histories is move </a:t>
-            </a:r>
-            <a:r>
               <a:rPr lang="en-US" dirty="0" smtClean="0"/>
-              <a:t>the </a:t>
-            </a:r>
-            <a:r>
-              <a:rPr lang="en-US" dirty="0"/>
-              <a:t>current branch tip up to the target branch tip. This effectively combines the histories, since all of the commits reachable from the target branch are now available through the current one</a:t>
-            </a:r>
+              <a:t> will add</a:t>
+            </a:r>
+          </a:p>
+          <a:p>
+            <a:r>
+              <a:rPr lang="en-US" sz="1050" dirty="0" smtClean="0"/>
+              <a:t>&lt;&lt;&lt;&lt;&lt;&lt;&lt;&lt;&lt;&lt;&lt;&lt;&lt;&lt;&lt;&lt;</a:t>
+            </a:r>
+          </a:p>
+          <a:p>
+            <a:r>
+              <a:rPr lang="en-US" sz="1050" dirty="0" smtClean="0"/>
+              <a:t>&lt;Master Code&gt;</a:t>
+            </a:r>
+          </a:p>
+          <a:p>
+            <a:r>
+              <a:rPr lang="en-US" sz="1050" dirty="0" smtClean="0"/>
+              <a:t>===============</a:t>
+            </a:r>
+          </a:p>
+          <a:p>
+            <a:r>
+              <a:rPr lang="en-US" sz="1050" dirty="0" smtClean="0"/>
+              <a:t>&lt;branch code&gt;</a:t>
+            </a:r>
+          </a:p>
+          <a:p>
+            <a:r>
+              <a:rPr lang="en-US" sz="1050" dirty="0" smtClean="0"/>
+              <a:t>&gt;&gt;&gt;&gt;&gt;&gt;&gt;&gt;&gt;&gt;&gt;&gt;&gt;&gt;&gt;&gt;</a:t>
+            </a:r>
+          </a:p>
+          <a:p>
             <a:r>
               <a:rPr lang="en-US" dirty="0" smtClean="0"/>
-              <a:t>.</a:t>
-            </a:r>
-          </a:p>
-          <a:p>
-            <a:r>
-              <a:rPr lang="en-US" dirty="0"/>
-              <a:t>However, a fast-forward merge is not possible if the branches have diverged.</a:t>
-            </a:r>
+              <a:t>t0 your code to help you understand and fix where the conflict is at.</a:t>
+            </a:r>
+          </a:p>
+          <a:p>
+            <a:r>
+              <a:rPr lang="en-US" dirty="0" smtClean="0"/>
+              <a:t>These conflicts MUST be fixed before you can </a:t>
+            </a:r>
+            <a:r>
+              <a:rPr lang="en-US" dirty="0" err="1" smtClean="0"/>
+              <a:t>sucefuly</a:t>
+            </a:r>
+            <a:r>
+              <a:rPr lang="en-US" dirty="0" smtClean="0"/>
+              <a:t> merge your code!</a:t>
+            </a:r>
+            <a:endParaRPr lang="en-US" dirty="0"/>
           </a:p>
         </p:txBody>
       </p:sp>
     </p:spTree>
     <p:extLst>
       <p:ext uri="{BB962C8B-B14F-4D97-AF65-F5344CB8AC3E}">
-        <p14:creationId xmlns:p14="http://schemas.microsoft.com/office/powerpoint/2010/main" val="3674336757"/>
+        <p14:creationId xmlns:p14="http://schemas.microsoft.com/office/powerpoint/2010/main" val="2524987329"/>
       </p:ext>
     </p:extLst>
   </p:cSld>
@@ -5029,18 +5340,9 @@
           <a:p>
             <a:pPr algn="ctr"/>
             <a:r>
-              <a:rPr lang="en-US" sz="6600" dirty="0" smtClean="0"/>
-              <a:t>3-Way </a:t>
-            </a:r>
-            <a:r>
               <a:rPr lang="en-US" sz="6600" dirty="0"/>
-              <a:t>M</a:t>
-            </a:r>
-            <a:r>
-              <a:rPr lang="en-US" sz="6600" dirty="0" smtClean="0"/>
-              <a:t>erge</a:t>
-            </a:r>
-            <a:endParaRPr lang="en-US" sz="6600" dirty="0"/>
+              <a:t>Fast-Forward Merge </a:t>
+            </a:r>
           </a:p>
         </p:txBody>
       </p:sp>
@@ -5056,8 +5358,8 @@
         </p:nvSpPr>
         <p:spPr>
           <a:xfrm>
-            <a:off x="3924300" y="1981200"/>
-            <a:ext cx="4343400" cy="4267200"/>
+            <a:off x="3695700" y="1905000"/>
+            <a:ext cx="4800600" cy="4267200"/>
           </a:xfrm>
         </p:spPr>
         <p:txBody>
@@ -5065,8 +5367,12 @@
           <a:lstStyle/>
           <a:p>
             <a:r>
+              <a:rPr lang="en-US" dirty="0" smtClean="0"/>
+              <a:t>Occur </a:t>
+            </a:r>
+            <a:r>
               <a:rPr lang="en-US" dirty="0"/>
-              <a:t>3-way merges use a dedicated commit to tie together the two histories. The nomenclature comes from the fact that </a:t>
+              <a:t>when there is a linear path from the current branch tip to the target branch. Instead of “actually” merging the branches, all </a:t>
             </a:r>
             <a:r>
               <a:rPr lang="en-US" dirty="0" err="1"/>
@@ -5074,7 +5380,25 @@
             </a:r>
             <a:r>
               <a:rPr lang="en-US" dirty="0"/>
-              <a:t> uses three commits to generate the merge commit: the two branch tips and their common ancestor.</a:t>
+              <a:t> has to do to integrate the histories is move </a:t>
+            </a:r>
+            <a:r>
+              <a:rPr lang="en-US" dirty="0" smtClean="0"/>
+              <a:t>the </a:t>
+            </a:r>
+            <a:r>
+              <a:rPr lang="en-US" dirty="0"/>
+              <a:t>current branch tip up to the target branch tip. This effectively combines the histories, since all of the commits reachable from the target branch are now available through the current one</a:t>
+            </a:r>
+            <a:r>
+              <a:rPr lang="en-US" dirty="0" smtClean="0"/>
+              <a:t>.</a:t>
+            </a:r>
+          </a:p>
+          <a:p>
+            <a:r>
+              <a:rPr lang="en-US" dirty="0"/>
+              <a:t>However, a fast-forward merge is not possible if the branches have diverged.</a:t>
             </a:r>
           </a:p>
         </p:txBody>
@@ -5082,7 +5406,7 @@
     </p:spTree>
     <p:extLst>
       <p:ext uri="{BB962C8B-B14F-4D97-AF65-F5344CB8AC3E}">
-        <p14:creationId xmlns:p14="http://schemas.microsoft.com/office/powerpoint/2010/main" val="3337304140"/>
+        <p14:creationId xmlns:p14="http://schemas.microsoft.com/office/powerpoint/2010/main" val="3674336757"/>
       </p:ext>
     </p:extLst>
   </p:cSld>
@@ -5129,166 +5453,58 @@
         <p:spPr/>
         <p:txBody>
           <a:bodyPr>
-            <a:normAutofit fontScale="90000"/>
-          </a:bodyPr>
-          <a:lstStyle/>
-          <a:p>
-            <a:pPr algn="ctr"/>
-            <a:r>
-              <a:rPr lang="en-US" sz="6600" b="1" dirty="0" smtClean="0"/>
-              <a:t>Now Try it yourself!</a:t>
-            </a:r>
-            <a:endParaRPr lang="en-US" sz="6600" b="1" dirty="0"/>
-          </a:p>
-        </p:txBody>
-      </p:sp>
-      <p:sp>
-        <p:nvSpPr>
-          <p:cNvPr id="3" name="Content Placeholder 2"/>
-          <p:cNvSpPr>
-            <a:spLocks noGrp="1"/>
-          </p:cNvSpPr>
-          <p:nvPr>
-            <p:ph idx="1"/>
-          </p:nvPr>
-        </p:nvSpPr>
-        <p:spPr/>
-        <p:txBody>
-          <a:bodyPr>
             <a:normAutofit/>
           </a:bodyPr>
           <a:lstStyle/>
           <a:p>
-            <a:r>
-              <a:rPr lang="en-US" sz="1800" dirty="0">
-                <a:hlinkClick r:id="rId2"/>
-              </a:rPr>
-              <a:t>https://</a:t>
-            </a:r>
-            <a:r>
-              <a:rPr lang="en-US" sz="1800" dirty="0" smtClean="0">
-                <a:hlinkClick r:id="rId2"/>
-              </a:rPr>
-              <a:t>github.com/KalinBowden/BeDapperDesigns</a:t>
-            </a:r>
-            <a:endParaRPr lang="en-US" sz="1800" dirty="0" smtClean="0"/>
-          </a:p>
-          <a:p>
-            <a:r>
-              <a:rPr lang="en-US" sz="1800" dirty="0" smtClean="0"/>
-              <a:t>Open </a:t>
-            </a:r>
-            <a:r>
-              <a:rPr lang="en-US" sz="1800" dirty="0" err="1" smtClean="0"/>
-              <a:t>git</a:t>
-            </a:r>
-            <a:r>
-              <a:rPr lang="en-US" sz="1800" dirty="0" smtClean="0"/>
-              <a:t> Bash or </a:t>
-            </a:r>
-            <a:r>
-              <a:rPr lang="en-US" sz="1800" dirty="0" err="1" smtClean="0"/>
-              <a:t>git</a:t>
-            </a:r>
-            <a:r>
-              <a:rPr lang="en-US" sz="1800" dirty="0" smtClean="0"/>
-              <a:t> kraken</a:t>
-            </a:r>
-          </a:p>
-          <a:p>
-            <a:r>
-              <a:rPr lang="en-US" sz="1800" dirty="0" err="1" smtClean="0"/>
-              <a:t>git</a:t>
-            </a:r>
-            <a:r>
-              <a:rPr lang="en-US" sz="1800" dirty="0"/>
-              <a:t> clone </a:t>
-            </a:r>
-            <a:r>
-              <a:rPr lang="en-US" sz="1800" dirty="0">
-                <a:hlinkClick r:id="rId3"/>
-              </a:rPr>
-              <a:t>https://</a:t>
-            </a:r>
-            <a:r>
-              <a:rPr lang="en-US" sz="1800" dirty="0" smtClean="0">
-                <a:hlinkClick r:id="rId3"/>
-              </a:rPr>
-              <a:t>github.com/KalinBowden/BeDapperDesigns.git</a:t>
-            </a:r>
-            <a:endParaRPr lang="en-US" sz="1800" dirty="0" smtClean="0"/>
-          </a:p>
-          <a:p>
-            <a:r>
-              <a:rPr lang="en-US" sz="1800" dirty="0" err="1" smtClean="0"/>
-              <a:t>git</a:t>
-            </a:r>
-            <a:r>
-              <a:rPr lang="en-US" sz="1800" dirty="0" smtClean="0"/>
-              <a:t> branch</a:t>
-            </a:r>
-          </a:p>
-          <a:p>
-            <a:r>
-              <a:rPr lang="en-US" sz="1800" dirty="0" err="1" smtClean="0"/>
-              <a:t>git</a:t>
-            </a:r>
-            <a:r>
-              <a:rPr lang="en-US" sz="1800" dirty="0" smtClean="0"/>
-              <a:t> branch &lt;Pick any name&gt;</a:t>
-            </a:r>
-          </a:p>
-          <a:p>
-            <a:r>
-              <a:rPr lang="en-US" sz="1800" dirty="0" err="1"/>
-              <a:t>g</a:t>
-            </a:r>
-            <a:r>
-              <a:rPr lang="en-US" sz="1800" dirty="0" err="1" smtClean="0"/>
-              <a:t>it</a:t>
-            </a:r>
-            <a:r>
-              <a:rPr lang="en-US" sz="1800" dirty="0" smtClean="0"/>
-              <a:t> checkout </a:t>
-            </a:r>
-            <a:r>
-              <a:rPr lang="en-US" sz="1800" dirty="0" err="1" smtClean="0"/>
-              <a:t>yourBranchName</a:t>
-            </a:r>
-            <a:endParaRPr lang="en-US" sz="1800" dirty="0" smtClean="0"/>
-          </a:p>
-          <a:p>
-            <a:r>
-              <a:rPr lang="en-US" sz="1800" dirty="0" smtClean="0"/>
-              <a:t>Edit the Title tag in the head of index.html</a:t>
-            </a:r>
-          </a:p>
-          <a:p>
-            <a:r>
-              <a:rPr lang="en-US" sz="1800" dirty="0" err="1" smtClean="0"/>
-              <a:t>git</a:t>
-            </a:r>
-            <a:r>
-              <a:rPr lang="en-US" sz="1800" dirty="0" smtClean="0"/>
-              <a:t> add –A</a:t>
-            </a:r>
-          </a:p>
-          <a:p>
-            <a:r>
-              <a:rPr lang="en-US" sz="1800" dirty="0" err="1" smtClean="0"/>
-              <a:t>git</a:t>
-            </a:r>
-            <a:r>
-              <a:rPr lang="en-US" sz="1800" dirty="0" smtClean="0"/>
-              <a:t> commit –</a:t>
-            </a:r>
-            <a:r>
-              <a:rPr lang="en-US" sz="1800" dirty="0" err="1" smtClean="0"/>
-              <a:t>m’Some</a:t>
-            </a:r>
-            <a:r>
-              <a:rPr lang="en-US" sz="1800" dirty="0" smtClean="0"/>
-              <a:t> comment’</a:t>
+            <a:pPr algn="ctr"/>
+            <a:r>
+              <a:rPr lang="en-US" sz="6600" dirty="0" smtClean="0"/>
+              <a:t>3-Way </a:t>
+            </a:r>
+            <a:r>
+              <a:rPr lang="en-US" sz="6600" dirty="0"/>
+              <a:t>M</a:t>
+            </a:r>
+            <a:r>
+              <a:rPr lang="en-US" sz="6600" dirty="0" smtClean="0"/>
+              <a:t>erge</a:t>
+            </a:r>
+            <a:endParaRPr lang="en-US" sz="6600" dirty="0"/>
+          </a:p>
+        </p:txBody>
+      </p:sp>
+      <p:sp>
+        <p:nvSpPr>
+          <p:cNvPr id="3" name="Content Placeholder 2"/>
+          <p:cNvSpPr>
+            <a:spLocks noGrp="1"/>
+          </p:cNvSpPr>
+          <p:nvPr>
+            <p:ph idx="1"/>
+          </p:nvPr>
+        </p:nvSpPr>
+        <p:spPr>
+          <a:xfrm>
+            <a:off x="3924300" y="1981200"/>
+            <a:ext cx="4343400" cy="4267200"/>
+          </a:xfrm>
+        </p:spPr>
+        <p:txBody>
+          <a:bodyPr/>
+          <a:lstStyle/>
+          <a:p>
+            <a:r>
+              <a:rPr lang="en-US" dirty="0"/>
+              <a:t>3-way merges use a dedicated commit to tie together the two histories. The nomenclature comes from the fact that </a:t>
+            </a:r>
+            <a:r>
+              <a:rPr lang="en-US" dirty="0" err="1"/>
+              <a:t>Git</a:t>
+            </a:r>
+            <a:r>
+              <a:rPr lang="en-US" dirty="0"/>
+              <a:t> uses three commits to generate the merge commit: the two branch tips and their common ancestor.</a:t>
             </a:r>
           </a:p>
         </p:txBody>
@@ -5296,7 +5512,7 @@
     </p:spTree>
     <p:extLst>
       <p:ext uri="{BB962C8B-B14F-4D97-AF65-F5344CB8AC3E}">
-        <p14:creationId xmlns:p14="http://schemas.microsoft.com/office/powerpoint/2010/main" val="4213753423"/>
+        <p14:creationId xmlns:p14="http://schemas.microsoft.com/office/powerpoint/2010/main" val="3337304140"/>
       </p:ext>
     </p:extLst>
   </p:cSld>
@@ -7137,6 +7353,15 @@
 </file>
 
 <file path=customXml/item2.xml><?xml version="1.0" encoding="utf-8"?>
+<?mso-contentType ?>
+<FormTemplates xmlns="http://schemas.microsoft.com/sharepoint/v3/contenttype/forms">
+  <Display>DocumentLibraryForm</Display>
+  <Edit>AssetEditForm</Edit>
+  <New>DocumentLibraryForm</New>
+</FormTemplates>
+</file>
+
+<file path=customXml/item3.xml><?xml version="1.0" encoding="utf-8"?>
 <p:properties xmlns:p="http://schemas.microsoft.com/office/2006/metadata/properties" xmlns:xsi="http://www.w3.org/2001/XMLSchema-instance" xmlns:pc="http://schemas.microsoft.com/office/infopath/2007/PartnerControls">
   <documentManagement>
     <DirectSourceMarket xmlns="4873beb7-5857-4685-be1f-d57550cc96cc" xsi:nil="true"/>
@@ -7262,15 +7487,6 @@
 </p:properties>
 </file>
 
-<file path=customXml/item3.xml><?xml version="1.0" encoding="utf-8"?>
-<?mso-contentType ?>
-<FormTemplates xmlns="http://schemas.microsoft.com/sharepoint/v3/contenttype/forms">
-  <Display>DocumentLibraryForm</Display>
-  <Edit>AssetEditForm</Edit>
-  <New>DocumentLibraryForm</New>
-</FormTemplates>
-</file>
-
 <file path=customXml/itemProps1.xml><?xml version="1.0" encoding="utf-8"?>
 <ds:datastoreItem xmlns:ds="http://schemas.openxmlformats.org/officeDocument/2006/customXml" ds:itemID="{0B5C6E15-39DC-470B-9445-F754B9458020}">
   <ds:schemaRefs>
@@ -7290,6 +7506,14 @@
 </file>
 
 <file path=customXml/itemProps2.xml><?xml version="1.0" encoding="utf-8"?>
+<ds:datastoreItem xmlns:ds="http://schemas.openxmlformats.org/officeDocument/2006/customXml" ds:itemID="{746CFF6F-D9AA-4BC0-911A-0A1356771912}">
+  <ds:schemaRefs>
+    <ds:schemaRef ds:uri="http://schemas.microsoft.com/sharepoint/v3/contenttype/forms"/>
+  </ds:schemaRefs>
+</ds:datastoreItem>
+</file>
+
+<file path=customXml/itemProps3.xml><?xml version="1.0" encoding="utf-8"?>
 <ds:datastoreItem xmlns:ds="http://schemas.openxmlformats.org/officeDocument/2006/customXml" ds:itemID="{04098515-0C12-46CF-BC7C-69B4A13CD5FA}">
   <ds:schemaRefs>
     <ds:schemaRef ds:uri="http://schemas.microsoft.com/office/infopath/2007/PartnerControls"/>
@@ -7303,12 +7527,4 @@
     <ds:schemaRef ds:uri="http://www.w3.org/XML/1998/namespace"/>
   </ds:schemaRefs>
 </ds:datastoreItem>
-</file>
-
-<file path=customXml/itemProps3.xml><?xml version="1.0" encoding="utf-8"?>
-<ds:datastoreItem xmlns:ds="http://schemas.openxmlformats.org/officeDocument/2006/customXml" ds:itemID="{746CFF6F-D9AA-4BC0-911A-0A1356771912}">
-  <ds:schemaRefs>
-    <ds:schemaRef ds:uri="http://schemas.microsoft.com/sharepoint/v3/contenttype/forms"/>
-  </ds:schemaRefs>
-</ds:datastoreItem>
 </file>
--- a/GIT HUB Branching & Merging.pptx
+++ b/GIT HUB Branching & Merging.pptx
@@ -5,10 +5,10 @@
     <p:sldMasterId id="2147483648" r:id="rId4"/>
   </p:sldMasterIdLst>
   <p:notesMasterIdLst>
-    <p:notesMasterId r:id="rId15"/>
+    <p:notesMasterId r:id="rId11"/>
   </p:notesMasterIdLst>
   <p:handoutMasterIdLst>
-    <p:handoutMasterId r:id="rId16"/>
+    <p:handoutMasterId r:id="rId12"/>
   </p:handoutMasterIdLst>
   <p:sldIdLst>
     <p:sldId id="256" r:id="rId5"/>
@@ -17,10 +17,6 @@
     <p:sldId id="261" r:id="rId8"/>
     <p:sldId id="258" r:id="rId9"/>
     <p:sldId id="264" r:id="rId10"/>
-    <p:sldId id="266" r:id="rId11"/>
-    <p:sldId id="259" r:id="rId12"/>
-    <p:sldId id="260" r:id="rId13"/>
-    <p:sldId id="265" r:id="rId14"/>
   </p:sldIdLst>
   <p:sldSz cx="12192000" cy="6858000"/>
   <p:notesSz cx="6858000" cy="9144000"/>
@@ -141,6 +137,10 @@
 </p:presentation>
 </file>
 
+<file path=ppt/revisionInfo.xml><?xml version="1.0" encoding="utf-8"?>
+<p1510:revInfo xmlns:a="http://schemas.openxmlformats.org/drawingml/2006/main" xmlns:r="http://schemas.openxmlformats.org/officeDocument/2006/relationships" xmlns:p1510="http://schemas.microsoft.com/office/powerpoint/2015/10/main"/>
+</file>
+
 <file path=ppt/handoutMasters/handoutMaster1.xml><?xml version="1.0" encoding="utf-8"?>
 <p:handoutMaster xmlns:a="http://schemas.openxmlformats.org/drawingml/2006/main" xmlns:r="http://schemas.openxmlformats.org/officeDocument/2006/relationships" xmlns:p="http://schemas.openxmlformats.org/presentationml/2006/main">
   <p:cSld>
@@ -452,35 +452,30 @@
           <a:p>
             <a:pPr lvl="0"/>
             <a:r>
-              <a:rPr/>
               <a:t>Click to edit Master text styles</a:t>
             </a:r>
           </a:p>
           <a:p>
             <a:pPr lvl="1"/>
             <a:r>
-              <a:rPr/>
               <a:t>Second level</a:t>
             </a:r>
           </a:p>
           <a:p>
             <a:pPr lvl="2"/>
             <a:r>
-              <a:rPr/>
               <a:t>Third level</a:t>
             </a:r>
           </a:p>
           <a:p>
             <a:pPr lvl="3"/>
             <a:r>
-              <a:rPr/>
               <a:t>Fourth level</a:t>
             </a:r>
           </a:p>
           <a:p>
             <a:pPr lvl="4"/>
             <a:r>
-              <a:rPr/>
               <a:t>Fifth level</a:t>
             </a:r>
           </a:p>
@@ -816,7 +811,7 @@
           </a:lstStyle>
           <a:p>
             <a:r>
-              <a:rPr lang="en-US" smtClean="0"/>
+              <a:rPr lang="en-US"/>
               <a:t>Click to edit Master title style</a:t>
             </a:r>
             <a:endParaRPr lang="en-US" dirty="0"/>
@@ -891,7 +886,7 @@
           </a:lstStyle>
           <a:p>
             <a:r>
-              <a:rPr lang="en-US" smtClean="0"/>
+              <a:rPr lang="en-US"/>
               <a:t>Click to edit Master subtitle style</a:t>
             </a:r>
             <a:endParaRPr lang="en-US" dirty="0"/>
@@ -944,10 +939,9 @@
           <a:lstStyle/>
           <a:p>
             <a:r>
-              <a:rPr lang="en-US" smtClean="0"/>
+              <a:rPr lang="en-US"/>
               <a:t>Click to edit Master title style</a:t>
             </a:r>
-            <a:endParaRPr lang="en-US"/>
           </a:p>
         </p:txBody>
       </p:sp>
@@ -968,35 +962,35 @@
           <a:p>
             <a:pPr lvl="0"/>
             <a:r>
-              <a:rPr lang="en-US" smtClean="0"/>
+              <a:rPr lang="en-US"/>
               <a:t>Edit Master text styles</a:t>
             </a:r>
           </a:p>
           <a:p>
             <a:pPr lvl="1"/>
             <a:r>
-              <a:rPr lang="en-US" smtClean="0"/>
+              <a:rPr lang="en-US"/>
               <a:t>Second level</a:t>
             </a:r>
           </a:p>
           <a:p>
             <a:pPr lvl="2"/>
             <a:r>
-              <a:rPr lang="en-US" smtClean="0"/>
+              <a:rPr lang="en-US"/>
               <a:t>Third level</a:t>
             </a:r>
           </a:p>
           <a:p>
             <a:pPr lvl="3"/>
             <a:r>
-              <a:rPr lang="en-US" smtClean="0"/>
+              <a:rPr lang="en-US"/>
               <a:t>Fourth level</a:t>
             </a:r>
           </a:p>
           <a:p>
             <a:pPr lvl="4"/>
             <a:r>
-              <a:rPr lang="en-US" smtClean="0"/>
+              <a:rPr lang="en-US"/>
               <a:t>Fifth level</a:t>
             </a:r>
             <a:endParaRPr lang="en-US" dirty="0"/>
@@ -1119,10 +1113,9 @@
           <a:lstStyle/>
           <a:p>
             <a:r>
-              <a:rPr lang="en-US" smtClean="0"/>
+              <a:rPr lang="en-US"/>
               <a:t>Click to edit Master title style</a:t>
             </a:r>
-            <a:endParaRPr lang="en-US"/>
           </a:p>
         </p:txBody>
       </p:sp>
@@ -1148,35 +1141,35 @@
           <a:p>
             <a:pPr lvl="0"/>
             <a:r>
-              <a:rPr lang="en-US" smtClean="0"/>
+              <a:rPr lang="en-US"/>
               <a:t>Edit Master text styles</a:t>
             </a:r>
           </a:p>
           <a:p>
             <a:pPr lvl="1"/>
             <a:r>
-              <a:rPr lang="en-US" smtClean="0"/>
+              <a:rPr lang="en-US"/>
               <a:t>Second level</a:t>
             </a:r>
           </a:p>
           <a:p>
             <a:pPr lvl="2"/>
             <a:r>
-              <a:rPr lang="en-US" smtClean="0"/>
+              <a:rPr lang="en-US"/>
               <a:t>Third level</a:t>
             </a:r>
           </a:p>
           <a:p>
             <a:pPr lvl="3"/>
             <a:r>
-              <a:rPr lang="en-US" smtClean="0"/>
+              <a:rPr lang="en-US"/>
               <a:t>Fourth level</a:t>
             </a:r>
           </a:p>
           <a:p>
             <a:pPr lvl="4"/>
             <a:r>
-              <a:rPr lang="en-US" smtClean="0"/>
+              <a:rPr lang="en-US"/>
               <a:t>Fifth level</a:t>
             </a:r>
             <a:endParaRPr lang="en-US" dirty="0"/>
@@ -1294,10 +1287,9 @@
           <a:lstStyle/>
           <a:p>
             <a:r>
-              <a:rPr lang="en-US" smtClean="0"/>
+              <a:rPr lang="en-US"/>
               <a:t>Click to edit Master title style</a:t>
             </a:r>
-            <a:endParaRPr lang="en-US"/>
           </a:p>
         </p:txBody>
       </p:sp>
@@ -1322,35 +1314,35 @@
           <a:p>
             <a:pPr lvl="0"/>
             <a:r>
-              <a:rPr lang="en-US" smtClean="0"/>
+              <a:rPr lang="en-US"/>
               <a:t>Edit Master text styles</a:t>
             </a:r>
           </a:p>
           <a:p>
             <a:pPr lvl="1"/>
             <a:r>
-              <a:rPr lang="en-US" smtClean="0"/>
+              <a:rPr lang="en-US"/>
               <a:t>Second level</a:t>
             </a:r>
           </a:p>
           <a:p>
             <a:pPr lvl="2"/>
             <a:r>
-              <a:rPr lang="en-US" smtClean="0"/>
+              <a:rPr lang="en-US"/>
               <a:t>Third level</a:t>
             </a:r>
           </a:p>
           <a:p>
             <a:pPr lvl="3"/>
             <a:r>
-              <a:rPr lang="en-US" smtClean="0"/>
+              <a:rPr lang="en-US"/>
               <a:t>Fourth level</a:t>
             </a:r>
           </a:p>
           <a:p>
             <a:pPr lvl="4"/>
             <a:r>
-              <a:rPr lang="en-US" smtClean="0"/>
+              <a:rPr lang="en-US"/>
               <a:t>Fifth level</a:t>
             </a:r>
             <a:endParaRPr lang="en-US" dirty="0"/>
@@ -1483,10 +1475,9 @@
           </a:lstStyle>
           <a:p>
             <a:r>
-              <a:rPr lang="en-US" smtClean="0"/>
+              <a:rPr lang="en-US"/>
               <a:t>Click to edit Master title style</a:t>
             </a:r>
-            <a:endParaRPr lang="en-US"/>
           </a:p>
         </p:txBody>
       </p:sp>
@@ -1559,7 +1550,7 @@
           <a:p>
             <a:pPr lvl="0"/>
             <a:r>
-              <a:rPr lang="en-US" smtClean="0"/>
+              <a:rPr lang="en-US"/>
               <a:t>Edit Master text styles</a:t>
             </a:r>
           </a:p>
@@ -1611,10 +1602,9 @@
           <a:lstStyle/>
           <a:p>
             <a:r>
-              <a:rPr lang="en-US" smtClean="0"/>
+              <a:rPr lang="en-US"/>
               <a:t>Click to edit Master title style</a:t>
             </a:r>
-            <a:endParaRPr lang="en-US"/>
           </a:p>
         </p:txBody>
       </p:sp>
@@ -1670,35 +1660,35 @@
           <a:p>
             <a:pPr lvl="0"/>
             <a:r>
-              <a:rPr lang="en-US" smtClean="0"/>
+              <a:rPr lang="en-US"/>
               <a:t>Edit Master text styles</a:t>
             </a:r>
           </a:p>
           <a:p>
             <a:pPr lvl="1"/>
             <a:r>
-              <a:rPr lang="en-US" smtClean="0"/>
+              <a:rPr lang="en-US"/>
               <a:t>Second level</a:t>
             </a:r>
           </a:p>
           <a:p>
             <a:pPr lvl="2"/>
             <a:r>
-              <a:rPr lang="en-US" smtClean="0"/>
+              <a:rPr lang="en-US"/>
               <a:t>Third level</a:t>
             </a:r>
           </a:p>
           <a:p>
             <a:pPr lvl="3"/>
             <a:r>
-              <a:rPr lang="en-US" smtClean="0"/>
+              <a:rPr lang="en-US"/>
               <a:t>Fourth level</a:t>
             </a:r>
           </a:p>
           <a:p>
             <a:pPr lvl="4"/>
             <a:r>
-              <a:rPr lang="en-US" smtClean="0"/>
+              <a:rPr lang="en-US"/>
               <a:t>Fifth level</a:t>
             </a:r>
             <a:endParaRPr lang="en-US" dirty="0"/>
@@ -1757,35 +1747,35 @@
           <a:p>
             <a:pPr lvl="0"/>
             <a:r>
-              <a:rPr lang="en-US" smtClean="0"/>
+              <a:rPr lang="en-US"/>
               <a:t>Edit Master text styles</a:t>
             </a:r>
           </a:p>
           <a:p>
             <a:pPr lvl="1"/>
             <a:r>
-              <a:rPr lang="en-US" smtClean="0"/>
+              <a:rPr lang="en-US"/>
               <a:t>Second level</a:t>
             </a:r>
           </a:p>
           <a:p>
             <a:pPr lvl="2"/>
             <a:r>
-              <a:rPr lang="en-US" smtClean="0"/>
+              <a:rPr lang="en-US"/>
               <a:t>Third level</a:t>
             </a:r>
           </a:p>
           <a:p>
             <a:pPr lvl="3"/>
             <a:r>
-              <a:rPr lang="en-US" smtClean="0"/>
+              <a:rPr lang="en-US"/>
               <a:t>Fourth level</a:t>
             </a:r>
           </a:p>
           <a:p>
             <a:pPr lvl="4"/>
             <a:r>
-              <a:rPr lang="en-US" smtClean="0"/>
+              <a:rPr lang="en-US"/>
               <a:t>Fifth level</a:t>
             </a:r>
             <a:endParaRPr lang="en-US" dirty="0"/>
@@ -1903,10 +1893,9 @@
           <a:lstStyle/>
           <a:p>
             <a:r>
-              <a:rPr lang="en-US" smtClean="0"/>
+              <a:rPr lang="en-US"/>
               <a:t>Click to edit Master title style</a:t>
             </a:r>
-            <a:endParaRPr lang="en-US"/>
           </a:p>
         </p:txBody>
       </p:sp>
@@ -1978,7 +1967,7 @@
           <a:p>
             <a:pPr lvl="0"/>
             <a:r>
-              <a:rPr lang="en-US" smtClean="0"/>
+              <a:rPr lang="en-US"/>
               <a:t>Edit Master text styles</a:t>
             </a:r>
           </a:p>
@@ -2036,35 +2025,35 @@
           <a:p>
             <a:pPr lvl="0"/>
             <a:r>
-              <a:rPr lang="en-US" smtClean="0"/>
+              <a:rPr lang="en-US"/>
               <a:t>Edit Master text styles</a:t>
             </a:r>
           </a:p>
           <a:p>
             <a:pPr lvl="1"/>
             <a:r>
-              <a:rPr lang="en-US" smtClean="0"/>
+              <a:rPr lang="en-US"/>
               <a:t>Second level</a:t>
             </a:r>
           </a:p>
           <a:p>
             <a:pPr lvl="2"/>
             <a:r>
-              <a:rPr lang="en-US" smtClean="0"/>
+              <a:rPr lang="en-US"/>
               <a:t>Third level</a:t>
             </a:r>
           </a:p>
           <a:p>
             <a:pPr lvl="3"/>
             <a:r>
-              <a:rPr lang="en-US" smtClean="0"/>
+              <a:rPr lang="en-US"/>
               <a:t>Fourth level</a:t>
             </a:r>
           </a:p>
           <a:p>
             <a:pPr lvl="4"/>
             <a:r>
-              <a:rPr lang="en-US" smtClean="0"/>
+              <a:rPr lang="en-US"/>
               <a:t>Fifth level</a:t>
             </a:r>
             <a:endParaRPr lang="en-US" dirty="0"/>
@@ -2139,7 +2128,7 @@
           <a:p>
             <a:pPr lvl="0"/>
             <a:r>
-              <a:rPr lang="en-US" smtClean="0"/>
+              <a:rPr lang="en-US"/>
               <a:t>Edit Master text styles</a:t>
             </a:r>
           </a:p>
@@ -2197,35 +2186,35 @@
           <a:p>
             <a:pPr lvl="0"/>
             <a:r>
-              <a:rPr lang="en-US" smtClean="0"/>
+              <a:rPr lang="en-US"/>
               <a:t>Edit Master text styles</a:t>
             </a:r>
           </a:p>
           <a:p>
             <a:pPr lvl="1"/>
             <a:r>
-              <a:rPr lang="en-US" smtClean="0"/>
+              <a:rPr lang="en-US"/>
               <a:t>Second level</a:t>
             </a:r>
           </a:p>
           <a:p>
             <a:pPr lvl="2"/>
             <a:r>
-              <a:rPr lang="en-US" smtClean="0"/>
+              <a:rPr lang="en-US"/>
               <a:t>Third level</a:t>
             </a:r>
           </a:p>
           <a:p>
             <a:pPr lvl="3"/>
             <a:r>
-              <a:rPr lang="en-US" smtClean="0"/>
+              <a:rPr lang="en-US"/>
               <a:t>Fourth level</a:t>
             </a:r>
           </a:p>
           <a:p>
             <a:pPr lvl="4"/>
             <a:r>
-              <a:rPr lang="en-US" smtClean="0"/>
+              <a:rPr lang="en-US"/>
               <a:t>Fifth level</a:t>
             </a:r>
             <a:endParaRPr lang="en-US" dirty="0"/>
@@ -2343,10 +2332,9 @@
           <a:lstStyle/>
           <a:p>
             <a:r>
-              <a:rPr lang="en-US" smtClean="0"/>
+              <a:rPr lang="en-US"/>
               <a:t>Click to edit Master title style</a:t>
             </a:r>
-            <a:endParaRPr lang="en-US"/>
           </a:p>
         </p:txBody>
       </p:sp>
@@ -2567,7 +2555,7 @@
           </a:lstStyle>
           <a:p>
             <a:r>
-              <a:rPr lang="en-US" smtClean="0"/>
+              <a:rPr lang="en-US"/>
               <a:t>Click to edit Master title style</a:t>
             </a:r>
             <a:endParaRPr lang="en-US" dirty="0"/>
@@ -2626,35 +2614,35 @@
           <a:p>
             <a:pPr lvl="0"/>
             <a:r>
-              <a:rPr lang="en-US" smtClean="0"/>
+              <a:rPr lang="en-US"/>
               <a:t>Edit Master text styles</a:t>
             </a:r>
           </a:p>
           <a:p>
             <a:pPr lvl="1"/>
             <a:r>
-              <a:rPr lang="en-US" smtClean="0"/>
+              <a:rPr lang="en-US"/>
               <a:t>Second level</a:t>
             </a:r>
           </a:p>
           <a:p>
             <a:pPr lvl="2"/>
             <a:r>
-              <a:rPr lang="en-US" smtClean="0"/>
+              <a:rPr lang="en-US"/>
               <a:t>Third level</a:t>
             </a:r>
           </a:p>
           <a:p>
             <a:pPr lvl="3"/>
             <a:r>
-              <a:rPr lang="en-US" smtClean="0"/>
+              <a:rPr lang="en-US"/>
               <a:t>Fourth level</a:t>
             </a:r>
           </a:p>
           <a:p>
             <a:pPr lvl="4"/>
             <a:r>
-              <a:rPr lang="en-US" smtClean="0"/>
+              <a:rPr lang="en-US"/>
               <a:t>Fifth level</a:t>
             </a:r>
             <a:endParaRPr lang="en-US" dirty="0"/>
@@ -2723,7 +2711,7 @@
           <a:p>
             <a:pPr lvl="0"/>
             <a:r>
-              <a:rPr lang="en-US" smtClean="0"/>
+              <a:rPr lang="en-US"/>
               <a:t>Edit Master text styles</a:t>
             </a:r>
           </a:p>
@@ -2851,10 +2839,9 @@
           </a:lstStyle>
           <a:p>
             <a:r>
-              <a:rPr lang="en-US" smtClean="0"/>
+              <a:rPr lang="en-US"/>
               <a:t>Click to edit Master title style</a:t>
             </a:r>
-            <a:endParaRPr lang="en-US"/>
           </a:p>
         </p:txBody>
       </p:sp>
@@ -2918,10 +2905,9 @@
           </a:lstStyle>
           <a:p>
             <a:r>
-              <a:rPr lang="en-US" smtClean="0"/>
+              <a:rPr lang="en-US"/>
               <a:t>Click icon to add picture</a:t>
             </a:r>
-            <a:endParaRPr lang="en-US"/>
           </a:p>
         </p:txBody>
       </p:sp>
@@ -2987,7 +2973,7 @@
           <a:p>
             <a:pPr lvl="0"/>
             <a:r>
-              <a:rPr lang="en-US" smtClean="0"/>
+              <a:rPr lang="en-US"/>
               <a:t>Edit Master text styles</a:t>
             </a:r>
           </a:p>
@@ -3168,7 +3154,7 @@
           <a:lstStyle/>
           <a:p>
             <a:r>
-              <a:rPr lang="en-US" smtClean="0"/>
+              <a:rPr lang="en-US"/>
               <a:t>Click to edit Master title style</a:t>
             </a:r>
             <a:endParaRPr/>
@@ -3202,35 +3188,35 @@
           <a:p>
             <a:pPr lvl="0"/>
             <a:r>
-              <a:rPr lang="en-US" smtClean="0"/>
+              <a:rPr lang="en-US"/>
               <a:t>Edit Master text styles</a:t>
             </a:r>
           </a:p>
           <a:p>
             <a:pPr lvl="1"/>
             <a:r>
-              <a:rPr lang="en-US" smtClean="0"/>
+              <a:rPr lang="en-US"/>
               <a:t>Second level</a:t>
             </a:r>
           </a:p>
           <a:p>
             <a:pPr lvl="2"/>
             <a:r>
-              <a:rPr lang="en-US" smtClean="0"/>
+              <a:rPr lang="en-US"/>
               <a:t>Third level</a:t>
             </a:r>
           </a:p>
           <a:p>
             <a:pPr lvl="3"/>
             <a:r>
-              <a:rPr lang="en-US" smtClean="0"/>
+              <a:rPr lang="en-US"/>
               <a:t>Fourth level</a:t>
             </a:r>
           </a:p>
           <a:p>
             <a:pPr lvl="4"/>
             <a:r>
-              <a:rPr lang="en-US" smtClean="0"/>
+              <a:rPr lang="en-US"/>
               <a:t>Fifth level</a:t>
             </a:r>
             <a:endParaRPr/>
@@ -3749,7 +3735,7 @@
           <a:p>
             <a:pPr algn="ctr"/>
             <a:r>
-              <a:rPr lang="en-US" dirty="0" smtClean="0"/>
+              <a:rPr lang="en-US" dirty="0"/>
               <a:t>GIT HUB Branching &amp; Merging</a:t>
             </a:r>
             <a:endParaRPr dirty="0"/>
@@ -3772,7 +3758,7 @@
           <a:lstStyle/>
           <a:p>
             <a:r>
-              <a:rPr lang="en-US" dirty="0" smtClean="0"/>
+              <a:rPr lang="en-US" dirty="0"/>
               <a:t>Presented by Adam, Justin, Kalin &amp; Ashley</a:t>
             </a:r>
             <a:endParaRPr dirty="0"/>
@@ -3789,279 +3775,18 @@
   <p:clrMapOvr>
     <a:masterClrMapping/>
   </p:clrMapOvr>
-  <p:timing>
-    <p:tnLst>
-      <p:par>
-        <p:cTn id="1" dur="indefinite" restart="never" nodeType="tmRoot"/>
-      </p:par>
-    </p:tnLst>
-  </p:timing>
-</p:sld>
-</file>
-
-<file path=ppt/slides/slide10.xml><?xml version="1.0" encoding="utf-8"?>
-<p:sld xmlns:a="http://schemas.openxmlformats.org/drawingml/2006/main" xmlns:r="http://schemas.openxmlformats.org/officeDocument/2006/relationships" xmlns:p="http://schemas.openxmlformats.org/presentationml/2006/main">
-  <p:cSld>
-    <p:spTree>
-      <p:nvGrpSpPr>
-        <p:cNvPr id="1" name=""/>
-        <p:cNvGrpSpPr/>
-        <p:nvPr/>
-      </p:nvGrpSpPr>
-      <p:grpSpPr>
-        <a:xfrm>
-          <a:off x="0" y="0"/>
-          <a:ext cx="0" cy="0"/>
-          <a:chOff x="0" y="0"/>
-          <a:chExt cx="0" cy="0"/>
-        </a:xfrm>
-      </p:grpSpPr>
-      <p:sp>
-        <p:nvSpPr>
-          <p:cNvPr id="2" name="Title 1"/>
-          <p:cNvSpPr>
-            <a:spLocks noGrp="1"/>
-          </p:cNvSpPr>
-          <p:nvPr>
-            <p:ph type="title"/>
-          </p:nvPr>
-        </p:nvSpPr>
-        <p:spPr>
-          <a:xfrm>
-            <a:off x="1511531" y="304800"/>
-            <a:ext cx="9144000" cy="1143000"/>
-          </a:xfrm>
-        </p:spPr>
-        <p:txBody>
-          <a:bodyPr>
-            <a:normAutofit fontScale="90000"/>
-          </a:bodyPr>
-          <a:lstStyle/>
-          <a:p>
-            <a:pPr algn="ctr"/>
-            <a:r>
-              <a:rPr lang="en-US" sz="6600" b="1" dirty="0" smtClean="0"/>
-              <a:t>Now Try it yourself!</a:t>
-            </a:r>
-            <a:endParaRPr lang="en-US" sz="6600" b="1" dirty="0"/>
-          </a:p>
-        </p:txBody>
-      </p:sp>
-      <p:sp>
-        <p:nvSpPr>
-          <p:cNvPr id="3" name="Content Placeholder 2"/>
-          <p:cNvSpPr>
-            <a:spLocks noGrp="1"/>
-          </p:cNvSpPr>
-          <p:nvPr>
-            <p:ph idx="1"/>
-          </p:nvPr>
-        </p:nvSpPr>
-        <p:spPr>
-          <a:xfrm>
-            <a:off x="1524000" y="1524000"/>
-            <a:ext cx="9144000" cy="5029200"/>
-          </a:xfrm>
-        </p:spPr>
-        <p:txBody>
-          <a:bodyPr>
-            <a:normAutofit fontScale="85000" lnSpcReduction="20000"/>
-          </a:bodyPr>
-          <a:lstStyle/>
-          <a:p>
-            <a:r>
-              <a:rPr lang="en-US" sz="1800" dirty="0">
-                <a:hlinkClick r:id="rId2"/>
-              </a:rPr>
-              <a:t>https://</a:t>
-            </a:r>
-            <a:r>
-              <a:rPr lang="en-US" sz="1800" dirty="0" smtClean="0">
-                <a:hlinkClick r:id="rId2"/>
-              </a:rPr>
-              <a:t>github.com/KalinBowden/BeDapperDesigns</a:t>
-            </a:r>
-            <a:endParaRPr lang="en-US" sz="1800" dirty="0" smtClean="0"/>
-          </a:p>
-          <a:p>
-            <a:r>
-              <a:rPr lang="en-US" sz="1800" dirty="0" smtClean="0"/>
-              <a:t>Open </a:t>
-            </a:r>
-            <a:r>
-              <a:rPr lang="en-US" sz="1800" dirty="0" err="1" smtClean="0"/>
-              <a:t>git</a:t>
-            </a:r>
-            <a:r>
-              <a:rPr lang="en-US" sz="1800" dirty="0" smtClean="0"/>
-              <a:t> Bash or </a:t>
-            </a:r>
-            <a:r>
-              <a:rPr lang="en-US" sz="1800" dirty="0" err="1" smtClean="0"/>
-              <a:t>git</a:t>
-            </a:r>
-            <a:r>
-              <a:rPr lang="en-US" sz="1800" dirty="0" smtClean="0"/>
-              <a:t> kraken</a:t>
-            </a:r>
-          </a:p>
-          <a:p>
-            <a:r>
-              <a:rPr lang="en-US" sz="1800" dirty="0" err="1" smtClean="0"/>
-              <a:t>git</a:t>
-            </a:r>
-            <a:r>
-              <a:rPr lang="en-US" sz="1800" dirty="0"/>
-              <a:t> clone </a:t>
-            </a:r>
-            <a:r>
-              <a:rPr lang="en-US" sz="1800" dirty="0">
-                <a:hlinkClick r:id="rId3"/>
-              </a:rPr>
-              <a:t>https://</a:t>
-            </a:r>
-            <a:r>
-              <a:rPr lang="en-US" sz="1800" dirty="0" smtClean="0">
-                <a:hlinkClick r:id="rId3"/>
-              </a:rPr>
-              <a:t>github.com/KalinBowden/BeDapperDesigns.git</a:t>
-            </a:r>
-            <a:endParaRPr lang="en-US" sz="1800" dirty="0" smtClean="0"/>
-          </a:p>
-          <a:p>
-            <a:r>
-              <a:rPr lang="en-US" sz="1800" dirty="0" err="1" smtClean="0"/>
-              <a:t>git</a:t>
-            </a:r>
-            <a:r>
-              <a:rPr lang="en-US" sz="1800" dirty="0" smtClean="0"/>
-              <a:t> branch</a:t>
-            </a:r>
-          </a:p>
-          <a:p>
-            <a:r>
-              <a:rPr lang="en-US" sz="1800" dirty="0" err="1" smtClean="0"/>
-              <a:t>git</a:t>
-            </a:r>
-            <a:r>
-              <a:rPr lang="en-US" sz="1800" dirty="0" smtClean="0"/>
-              <a:t> branch &lt;Pick any name&gt;</a:t>
-            </a:r>
-          </a:p>
-          <a:p>
-            <a:r>
-              <a:rPr lang="en-US" sz="1800" dirty="0" err="1"/>
-              <a:t>g</a:t>
-            </a:r>
-            <a:r>
-              <a:rPr lang="en-US" sz="1800" dirty="0" err="1" smtClean="0"/>
-              <a:t>it</a:t>
-            </a:r>
-            <a:r>
-              <a:rPr lang="en-US" sz="1800" dirty="0" smtClean="0"/>
-              <a:t> checkout </a:t>
-            </a:r>
-            <a:r>
-              <a:rPr lang="en-US" sz="1800" dirty="0" err="1" smtClean="0"/>
-              <a:t>yourBranchName</a:t>
-            </a:r>
-            <a:endParaRPr lang="en-US" sz="1800" dirty="0" smtClean="0"/>
-          </a:p>
-          <a:p>
-            <a:r>
-              <a:rPr lang="en-US" sz="1800" dirty="0" smtClean="0"/>
-              <a:t>Edit the Title tag in the head of index.html</a:t>
-            </a:r>
-          </a:p>
-          <a:p>
-            <a:r>
-              <a:rPr lang="en-US" sz="1800" dirty="0" err="1" smtClean="0"/>
-              <a:t>git</a:t>
-            </a:r>
-            <a:r>
-              <a:rPr lang="en-US" sz="1800" dirty="0" smtClean="0"/>
-              <a:t> add –A</a:t>
-            </a:r>
-          </a:p>
-          <a:p>
-            <a:r>
-              <a:rPr lang="en-US" sz="1800" dirty="0" err="1" smtClean="0"/>
-              <a:t>git</a:t>
-            </a:r>
-            <a:r>
-              <a:rPr lang="en-US" sz="1800" dirty="0" smtClean="0"/>
-              <a:t> commit –</a:t>
-            </a:r>
-            <a:r>
-              <a:rPr lang="en-US" sz="1800" dirty="0" err="1" smtClean="0"/>
-              <a:t>m’Some</a:t>
-            </a:r>
-            <a:r>
-              <a:rPr lang="en-US" sz="1800" dirty="0" smtClean="0"/>
-              <a:t> comment</a:t>
-            </a:r>
-            <a:r>
-              <a:rPr lang="en-US" sz="1800" dirty="0" smtClean="0"/>
-              <a:t>’</a:t>
-            </a:r>
-          </a:p>
-          <a:p>
-            <a:r>
-              <a:rPr lang="en-US" sz="1800" dirty="0" smtClean="0"/>
-              <a:t>Now Switch between the branches and look at the Title tag</a:t>
-            </a:r>
-          </a:p>
-          <a:p>
-            <a:r>
-              <a:rPr lang="en-US" sz="1800" dirty="0" err="1" smtClean="0"/>
-              <a:t>git</a:t>
-            </a:r>
-            <a:r>
-              <a:rPr lang="en-US" sz="1800" dirty="0" smtClean="0"/>
-              <a:t> checkout master</a:t>
-            </a:r>
-          </a:p>
-          <a:p>
-            <a:r>
-              <a:rPr lang="en-US" sz="1800" dirty="0" err="1" smtClean="0"/>
-              <a:t>git</a:t>
-            </a:r>
-            <a:r>
-              <a:rPr lang="en-US" sz="1800" dirty="0" smtClean="0"/>
-              <a:t> merge &lt;branch-name&gt;</a:t>
-            </a:r>
-          </a:p>
-          <a:p>
-            <a:r>
-              <a:rPr lang="en-US" sz="1800" dirty="0" smtClean="0"/>
-              <a:t>Look at the Title tag file now</a:t>
-            </a:r>
-          </a:p>
-          <a:p>
-            <a:endParaRPr lang="en-US" sz="1800" dirty="0"/>
-          </a:p>
-          <a:p>
-            <a:endParaRPr lang="en-US" sz="1800" dirty="0" smtClean="0"/>
-          </a:p>
-        </p:txBody>
-      </p:sp>
-    </p:spTree>
-    <p:extLst>
-      <p:ext uri="{BB962C8B-B14F-4D97-AF65-F5344CB8AC3E}">
-        <p14:creationId xmlns:p14="http://schemas.microsoft.com/office/powerpoint/2010/main" val="4213753423"/>
-      </p:ext>
-    </p:extLst>
-  </p:cSld>
-  <p:clrMapOvr>
-    <a:masterClrMapping/>
-  </p:clrMapOvr>
-  <p:timing>
-    <p:tnLst>
-      <p:par>
-        <p:cTn id="1" dur="indefinite" restart="never" nodeType="tmRoot"/>
-      </p:par>
-    </p:tnLst>
-  </p:timing>
+  <mc:AlternateContent xmlns:mc="http://schemas.openxmlformats.org/markup-compatibility/2006">
+    <mc:Choice xmlns:p14="http://schemas.microsoft.com/office/powerpoint/2010/main" Requires="p14">
+      <p:transition spd="slow" p14:dur="1200">
+        <p:dissolve/>
+      </p:transition>
+    </mc:Choice>
+    <mc:Fallback>
+      <p:transition spd="slow">
+        <p:dissolve/>
+      </p:transition>
+    </mc:Fallback>
+  </mc:AlternateContent>
 </p:sld>
 </file>
 
@@ -4099,18 +3824,17 @@
           <a:p>
             <a:pPr algn="ctr"/>
             <a:r>
-              <a:rPr lang="en-US" dirty="0" smtClean="0"/>
+              <a:rPr lang="en-US" dirty="0"/>
               <a:t>Basic </a:t>
             </a:r>
             <a:r>
-              <a:rPr lang="en-US" dirty="0" err="1" smtClean="0"/>
+              <a:rPr lang="en-US" dirty="0" err="1"/>
               <a:t>Git</a:t>
             </a:r>
             <a:r>
-              <a:rPr lang="en-US" dirty="0" smtClean="0"/>
+              <a:rPr lang="en-US" dirty="0"/>
               <a:t> Commands</a:t>
             </a:r>
-            <a:endParaRPr lang="en-US" dirty="0"/>
           </a:p>
         </p:txBody>
       </p:sp>
@@ -4130,60 +3854,60 @@
           <a:lstStyle/>
           <a:p>
             <a:r>
-              <a:rPr lang="en-US" dirty="0" err="1" smtClean="0"/>
+              <a:rPr lang="en-US" dirty="0" err="1"/>
               <a:t>Git</a:t>
             </a:r>
             <a:r>
-              <a:rPr lang="en-US" dirty="0" smtClean="0"/>
+              <a:rPr lang="en-US" dirty="0"/>
               <a:t> Commands</a:t>
             </a:r>
           </a:p>
           <a:p>
             <a:pPr lvl="1"/>
             <a:r>
-              <a:rPr lang="en-US" dirty="0" err="1" smtClean="0"/>
+              <a:rPr lang="en-US" dirty="0" err="1"/>
               <a:t>git</a:t>
             </a:r>
             <a:r>
-              <a:rPr lang="en-US" dirty="0" smtClean="0"/>
+              <a:rPr lang="en-US" dirty="0"/>
               <a:t> </a:t>
             </a:r>
             <a:r>
-              <a:rPr lang="en-US" dirty="0" err="1" smtClean="0"/>
+              <a:rPr lang="en-US" dirty="0" err="1"/>
               <a:t>init</a:t>
             </a:r>
-            <a:endParaRPr lang="en-US" dirty="0" smtClean="0"/>
+            <a:endParaRPr lang="en-US" dirty="0"/>
           </a:p>
           <a:p>
             <a:pPr lvl="1"/>
             <a:r>
-              <a:rPr lang="en-US" dirty="0" err="1" smtClean="0"/>
+              <a:rPr lang="en-US" dirty="0" err="1"/>
               <a:t>git</a:t>
             </a:r>
             <a:r>
-              <a:rPr lang="en-US" dirty="0" smtClean="0"/>
+              <a:rPr lang="en-US" dirty="0"/>
               <a:t> clone &lt;repo URL&gt;</a:t>
             </a:r>
           </a:p>
           <a:p>
             <a:pPr lvl="1"/>
             <a:r>
-              <a:rPr lang="en-US" dirty="0" err="1" smtClean="0"/>
+              <a:rPr lang="en-US" dirty="0" err="1"/>
               <a:t>git</a:t>
             </a:r>
             <a:r>
-              <a:rPr lang="en-US" dirty="0" smtClean="0"/>
+              <a:rPr lang="en-US" dirty="0"/>
               <a:t> Status</a:t>
             </a:r>
           </a:p>
           <a:p>
             <a:pPr lvl="1"/>
             <a:r>
-              <a:rPr lang="en-US" dirty="0" err="1" smtClean="0"/>
+              <a:rPr lang="en-US" dirty="0" err="1"/>
               <a:t>git</a:t>
             </a:r>
             <a:r>
-              <a:rPr lang="en-US" dirty="0" smtClean="0"/>
+              <a:rPr lang="en-US" dirty="0"/>
               <a:t> add –A</a:t>
             </a:r>
           </a:p>
@@ -4191,80 +3915,75 @@
             <a:pPr lvl="2"/>
             <a:r>
               <a:rPr lang="en-US" dirty="0" err="1"/>
-              <a:t>g</a:t>
-            </a:r>
-            <a:r>
-              <a:rPr lang="en-US" dirty="0" err="1" smtClean="0"/>
-              <a:t>it</a:t>
-            </a:r>
-            <a:r>
-              <a:rPr lang="en-US" dirty="0" smtClean="0"/>
+              <a:t>git</a:t>
+            </a:r>
+            <a:r>
+              <a:rPr lang="en-US" dirty="0"/>
               <a:t> add .</a:t>
             </a:r>
           </a:p>
           <a:p>
             <a:pPr lvl="2"/>
             <a:r>
-              <a:rPr lang="en-US" dirty="0" err="1" smtClean="0"/>
+              <a:rPr lang="en-US" dirty="0" err="1"/>
               <a:t>git</a:t>
             </a:r>
             <a:r>
-              <a:rPr lang="en-US" dirty="0" smtClean="0"/>
+              <a:rPr lang="en-US" dirty="0"/>
               <a:t> add -u</a:t>
             </a:r>
           </a:p>
           <a:p>
             <a:pPr lvl="1"/>
             <a:r>
-              <a:rPr lang="en-US" dirty="0" err="1" smtClean="0"/>
+              <a:rPr lang="en-US" dirty="0" err="1"/>
               <a:t>git</a:t>
             </a:r>
             <a:r>
-              <a:rPr lang="en-US" dirty="0" smtClean="0"/>
+              <a:rPr lang="en-US" dirty="0"/>
               <a:t> add &lt;file-name&gt;</a:t>
             </a:r>
           </a:p>
           <a:p>
             <a:pPr lvl="1"/>
             <a:r>
-              <a:rPr lang="en-US" dirty="0" err="1" smtClean="0"/>
+              <a:rPr lang="en-US" dirty="0" err="1"/>
               <a:t>git</a:t>
             </a:r>
             <a:r>
-              <a:rPr lang="en-US" dirty="0" smtClean="0"/>
+              <a:rPr lang="en-US" dirty="0"/>
               <a:t> commit –</a:t>
             </a:r>
             <a:r>
-              <a:rPr lang="en-US" dirty="0" err="1" smtClean="0"/>
+              <a:rPr lang="en-US" dirty="0" err="1"/>
               <a:t>m’some</a:t>
             </a:r>
             <a:r>
-              <a:rPr lang="en-US" dirty="0" smtClean="0"/>
+              <a:rPr lang="en-US" dirty="0"/>
               <a:t> comment’</a:t>
             </a:r>
           </a:p>
           <a:p>
             <a:pPr lvl="1"/>
             <a:r>
-              <a:rPr lang="en-US" dirty="0" err="1" smtClean="0"/>
+              <a:rPr lang="en-US" dirty="0" err="1"/>
               <a:t>git</a:t>
             </a:r>
             <a:r>
-              <a:rPr lang="en-US" dirty="0" smtClean="0"/>
+              <a:rPr lang="en-US" dirty="0"/>
               <a:t> push</a:t>
             </a:r>
           </a:p>
           <a:p>
             <a:pPr lvl="1"/>
             <a:r>
-              <a:rPr lang="en-US" dirty="0" err="1" smtClean="0"/>
+              <a:rPr lang="en-US" dirty="0" err="1"/>
               <a:t>git</a:t>
             </a:r>
             <a:r>
-              <a:rPr lang="en-US" dirty="0" smtClean="0"/>
+              <a:rPr lang="en-US" dirty="0"/>
               <a:t> pull</a:t>
             </a:r>
-            <a:endParaRPr lang="en-US" dirty="0"/>
           </a:p>
         </p:txBody>
       </p:sp>
@@ -4284,35 +4003,35 @@
           <a:lstStyle/>
           <a:p>
             <a:r>
-              <a:rPr lang="en-US" dirty="0" smtClean="0"/>
+              <a:rPr lang="en-US" dirty="0"/>
               <a:t>What They Do</a:t>
             </a:r>
           </a:p>
           <a:p>
             <a:pPr lvl="1"/>
             <a:r>
-              <a:rPr lang="en-US" dirty="0" smtClean="0"/>
+              <a:rPr lang="en-US" dirty="0"/>
               <a:t>Initializes Repo</a:t>
             </a:r>
           </a:p>
           <a:p>
             <a:pPr lvl="1"/>
             <a:r>
-              <a:rPr lang="en-US" dirty="0" smtClean="0"/>
+              <a:rPr lang="en-US" dirty="0"/>
               <a:t>Clones the repo to a location</a:t>
             </a:r>
           </a:p>
           <a:p>
             <a:pPr lvl="1"/>
             <a:r>
-              <a:rPr lang="en-US" dirty="0" smtClean="0"/>
+              <a:rPr lang="en-US" dirty="0"/>
               <a:t>Gets the current branch status</a:t>
             </a:r>
           </a:p>
           <a:p>
             <a:pPr lvl="1"/>
             <a:r>
-              <a:rPr lang="en-US" dirty="0" smtClean="0"/>
+              <a:rPr lang="en-US" dirty="0"/>
               <a:t>Adds ALL files to the staging area</a:t>
             </a:r>
           </a:p>
@@ -4327,41 +4046,36 @@
             <a:pPr lvl="2"/>
             <a:r>
               <a:rPr lang="en-US" dirty="0"/>
-              <a:t>Without </a:t>
-            </a:r>
-            <a:r>
-              <a:rPr lang="en-US" dirty="0" smtClean="0"/>
-              <a:t>new</a:t>
+              <a:t>Without new</a:t>
             </a:r>
           </a:p>
           <a:p>
             <a:pPr lvl="1"/>
             <a:r>
-              <a:rPr lang="en-US" dirty="0" smtClean="0"/>
+              <a:rPr lang="en-US" dirty="0"/>
               <a:t>Adds the specified file to stage</a:t>
             </a:r>
           </a:p>
           <a:p>
             <a:pPr lvl="1"/>
             <a:r>
-              <a:rPr lang="en-US" dirty="0" smtClean="0"/>
+              <a:rPr lang="en-US" dirty="0"/>
               <a:t>Commits all staged files</a:t>
             </a:r>
           </a:p>
           <a:p>
             <a:pPr lvl="1"/>
             <a:r>
-              <a:rPr lang="en-US" dirty="0" smtClean="0"/>
+              <a:rPr lang="en-US" dirty="0"/>
               <a:t>Pushes the changes to GitHub</a:t>
             </a:r>
           </a:p>
           <a:p>
             <a:pPr lvl="1"/>
             <a:r>
-              <a:rPr lang="en-US" dirty="0" smtClean="0"/>
+              <a:rPr lang="en-US" dirty="0"/>
               <a:t>Grabs any changes from GitHub</a:t>
             </a:r>
-            <a:endParaRPr lang="en-US" dirty="0"/>
           </a:p>
         </p:txBody>
       </p:sp>
@@ -4375,13 +4089,18 @@
   <p:clrMapOvr>
     <a:masterClrMapping/>
   </p:clrMapOvr>
-  <p:timing>
-    <p:tnLst>
-      <p:par>
-        <p:cTn id="1" dur="indefinite" restart="never" nodeType="tmRoot"/>
-      </p:par>
-    </p:tnLst>
-  </p:timing>
+  <mc:AlternateContent xmlns:mc="http://schemas.openxmlformats.org/markup-compatibility/2006">
+    <mc:Choice xmlns:p14="http://schemas.microsoft.com/office/powerpoint/2010/main" Requires="p14">
+      <p:transition spd="slow" p14:dur="1200">
+        <p:dissolve/>
+      </p:transition>
+    </mc:Choice>
+    <mc:Fallback>
+      <p:transition spd="slow">
+        <p:dissolve/>
+      </p:transition>
+    </mc:Fallback>
+  </mc:AlternateContent>
 </p:sld>
 </file>
 
@@ -4426,10 +4145,9 @@
           <a:p>
             <a:pPr algn="ctr"/>
             <a:r>
-              <a:rPr lang="en-US" sz="6600" dirty="0" smtClean="0"/>
+              <a:rPr lang="en-US" sz="6600" dirty="0"/>
               <a:t>GIT BRANCH</a:t>
             </a:r>
-            <a:endParaRPr lang="en-US" sz="6600" dirty="0"/>
           </a:p>
         </p:txBody>
       </p:sp>
@@ -4474,22 +4192,29 @@
         </p:nvSpPr>
         <p:spPr/>
         <p:txBody>
-          <a:bodyPr/>
+          <a:bodyPr>
+            <a:normAutofit/>
+          </a:bodyPr>
           <a:lstStyle/>
           <a:p>
+            <a:endParaRPr lang="en-US" dirty="0"/>
+          </a:p>
+          <a:p>
             <a:r>
               <a:rPr lang="en-US" dirty="0"/>
-              <a:t>You can think of them as a way to request a brand new working directory, staging area, and project history. New commits are recorded in the history for the current branch, which results in a fork in the history of the project</a:t>
-            </a:r>
-            <a:r>
-              <a:rPr lang="en-US" dirty="0" smtClean="0"/>
-              <a:t>.</a:t>
+              <a:t>Think of them as a way to request a brand new working directory, staging area, and project history. </a:t>
             </a:r>
           </a:p>
           <a:p>
             <a:r>
               <a:rPr lang="en-US" dirty="0"/>
-              <a:t>This makes sure that unstable code is never committed to the main code base, and it gives you the chance to clean up your feature’s history before merging it into the main branch.</a:t>
+              <a:t>Makes sure that unstable code is never committed to the main code base</a:t>
+            </a:r>
+          </a:p>
+          <a:p>
+            <a:r>
+              <a:rPr lang="en-US" dirty="0"/>
+              <a:t>Clean up feature’s history before merging it into the main branch.</a:t>
             </a:r>
           </a:p>
         </p:txBody>
@@ -4504,13 +4229,18 @@
   <p:clrMapOvr>
     <a:masterClrMapping/>
   </p:clrMapOvr>
-  <p:timing>
-    <p:tnLst>
-      <p:par>
-        <p:cTn id="1" dur="indefinite" restart="never" nodeType="tmRoot"/>
-      </p:par>
-    </p:tnLst>
-  </p:timing>
+  <mc:AlternateContent xmlns:mc="http://schemas.openxmlformats.org/markup-compatibility/2006">
+    <mc:Choice xmlns:p14="http://schemas.microsoft.com/office/powerpoint/2010/main" Requires="p14">
+      <p:transition spd="slow" p14:dur="1200">
+        <p:dissolve/>
+      </p:transition>
+    </mc:Choice>
+    <mc:Fallback>
+      <p:transition spd="slow">
+        <p:dissolve/>
+      </p:transition>
+    </mc:Fallback>
+  </mc:AlternateContent>
 </p:sld>
 </file>
 
@@ -4555,14 +4285,13 @@
           <a:p>
             <a:pPr algn="ctr"/>
             <a:r>
-              <a:rPr lang="en-US" sz="4400" dirty="0" err="1" smtClean="0"/>
+              <a:rPr lang="en-US" sz="4400" dirty="0" err="1"/>
               <a:t>Git</a:t>
             </a:r>
             <a:r>
-              <a:rPr lang="en-US" sz="4400" dirty="0" smtClean="0"/>
+              <a:rPr lang="en-US" sz="4400" dirty="0"/>
               <a:t> Branchy</a:t>
             </a:r>
-            <a:endParaRPr lang="en-US" sz="4400" dirty="0"/>
           </a:p>
         </p:txBody>
       </p:sp>
@@ -4582,73 +4311,72 @@
           <a:lstStyle/>
           <a:p>
             <a:r>
-              <a:rPr lang="en-US" dirty="0" smtClean="0"/>
+              <a:rPr lang="en-US" dirty="0"/>
               <a:t>Common </a:t>
             </a:r>
             <a:r>
-              <a:rPr lang="en-US" dirty="0" err="1" smtClean="0"/>
+              <a:rPr lang="en-US" dirty="0" err="1"/>
               <a:t>Git</a:t>
             </a:r>
             <a:r>
-              <a:rPr lang="en-US" dirty="0" smtClean="0"/>
+              <a:rPr lang="en-US" dirty="0"/>
               <a:t> Branch Commands</a:t>
             </a:r>
           </a:p>
           <a:p>
             <a:pPr lvl="1"/>
             <a:r>
-              <a:rPr lang="en-US" dirty="0" err="1" smtClean="0"/>
+              <a:rPr lang="en-US" dirty="0" err="1"/>
               <a:t>git</a:t>
             </a:r>
             <a:r>
-              <a:rPr lang="en-US" dirty="0" smtClean="0"/>
+              <a:rPr lang="en-US" dirty="0"/>
               <a:t> branch</a:t>
             </a:r>
           </a:p>
           <a:p>
             <a:pPr lvl="1"/>
             <a:r>
-              <a:rPr lang="en-US" dirty="0" err="1" smtClean="0"/>
+              <a:rPr lang="en-US" dirty="0" err="1"/>
               <a:t>git</a:t>
             </a:r>
             <a:r>
-              <a:rPr lang="en-US" dirty="0" smtClean="0"/>
+              <a:rPr lang="en-US" dirty="0"/>
               <a:t> branch &lt;branch-Name&gt;</a:t>
             </a:r>
           </a:p>
           <a:p>
             <a:pPr lvl="1"/>
             <a:r>
-              <a:rPr lang="en-US" dirty="0" err="1" smtClean="0"/>
+              <a:rPr lang="en-US" dirty="0" err="1"/>
               <a:t>git</a:t>
             </a:r>
             <a:r>
-              <a:rPr lang="en-US" dirty="0" smtClean="0"/>
+              <a:rPr lang="en-US" dirty="0"/>
               <a:t> checkout ‘branch-Name’</a:t>
             </a:r>
           </a:p>
           <a:p>
             <a:pPr lvl="1"/>
             <a:r>
-              <a:rPr lang="en-US" dirty="0" err="1" smtClean="0"/>
+              <a:rPr lang="en-US" dirty="0" err="1"/>
               <a:t>git</a:t>
             </a:r>
             <a:r>
-              <a:rPr lang="en-US" dirty="0" smtClean="0"/>
+              <a:rPr lang="en-US" dirty="0"/>
               <a:t> branch -d &lt;branch-Name&gt;</a:t>
             </a:r>
           </a:p>
           <a:p>
             <a:pPr lvl="1"/>
             <a:r>
-              <a:rPr lang="en-US" dirty="0" err="1" smtClean="0"/>
+              <a:rPr lang="en-US" dirty="0" err="1"/>
               <a:t>git</a:t>
             </a:r>
             <a:r>
-              <a:rPr lang="en-US" dirty="0" smtClean="0"/>
+              <a:rPr lang="en-US" dirty="0"/>
               <a:t> branch –D &lt;branch-Name&gt;</a:t>
             </a:r>
-            <a:endParaRPr lang="en-US" dirty="0"/>
           </a:p>
         </p:txBody>
       </p:sp>
@@ -4668,45 +4396,44 @@
           <a:lstStyle/>
           <a:p>
             <a:r>
-              <a:rPr lang="en-US" dirty="0" smtClean="0"/>
+              <a:rPr lang="en-US" dirty="0"/>
               <a:t>What it means</a:t>
             </a:r>
           </a:p>
           <a:p>
             <a:pPr lvl="1"/>
             <a:r>
-              <a:rPr lang="en-US" dirty="0" smtClean="0"/>
+              <a:rPr lang="en-US" dirty="0"/>
               <a:t>List all branches</a:t>
             </a:r>
           </a:p>
           <a:p>
             <a:pPr lvl="1"/>
             <a:r>
-              <a:rPr lang="en-US" dirty="0" smtClean="0"/>
+              <a:rPr lang="en-US" dirty="0"/>
               <a:t>Makes the new branch</a:t>
             </a:r>
           </a:p>
           <a:p>
             <a:pPr lvl="1"/>
             <a:r>
-              <a:rPr lang="en-US" dirty="0" smtClean="0"/>
+              <a:rPr lang="en-US" dirty="0"/>
               <a:t>Switch to  named branch</a:t>
             </a:r>
           </a:p>
           <a:p>
             <a:pPr lvl="1"/>
             <a:r>
-              <a:rPr lang="en-US" dirty="0" smtClean="0"/>
+              <a:rPr lang="en-US" dirty="0"/>
               <a:t>Safely Delete the named branch</a:t>
             </a:r>
           </a:p>
           <a:p>
             <a:pPr lvl="1"/>
             <a:r>
-              <a:rPr lang="en-US" dirty="0" smtClean="0"/>
+              <a:rPr lang="en-US" dirty="0"/>
               <a:t>Non safe way to delete branch</a:t>
             </a:r>
-            <a:endParaRPr lang="en-US" dirty="0"/>
           </a:p>
         </p:txBody>
       </p:sp>
@@ -4720,13 +4447,18 @@
   <p:clrMapOvr>
     <a:masterClrMapping/>
   </p:clrMapOvr>
-  <p:timing>
-    <p:tnLst>
-      <p:par>
-        <p:cTn id="1" dur="indefinite" restart="never" nodeType="tmRoot"/>
-      </p:par>
-    </p:tnLst>
-  </p:timing>
+  <mc:AlternateContent xmlns:mc="http://schemas.openxmlformats.org/markup-compatibility/2006">
+    <mc:Choice xmlns:p14="http://schemas.microsoft.com/office/powerpoint/2010/main" Requires="p14">
+      <p:transition spd="slow" p14:dur="1200">
+        <p:dissolve/>
+      </p:transition>
+    </mc:Choice>
+    <mc:Fallback>
+      <p:transition spd="slow">
+        <p:dissolve/>
+      </p:transition>
+    </mc:Fallback>
+  </mc:AlternateContent>
 </p:sld>
 </file>
 
@@ -4771,7 +4503,7 @@
         </p:blipFill>
         <p:spPr>
           <a:xfrm>
-            <a:off x="34636" y="13855"/>
+            <a:off x="40177" y="3577978"/>
             <a:ext cx="4235336" cy="3248157"/>
           </a:xfrm>
         </p:spPr>
@@ -4789,55 +4521,13 @@
         <p:spPr/>
         <p:txBody>
           <a:bodyPr>
-            <a:normAutofit lnSpcReduction="10000"/>
+            <a:normAutofit/>
           </a:bodyPr>
           <a:lstStyle/>
           <a:p>
             <a:r>
-              <a:rPr lang="en-US" dirty="0"/>
-              <a:t>Merging is </a:t>
-            </a:r>
-            <a:r>
-              <a:rPr lang="en-US" dirty="0" err="1"/>
-              <a:t>Git's</a:t>
-            </a:r>
-            <a:r>
-              <a:rPr lang="en-US" dirty="0"/>
-              <a:t> way of putting a forked history back together again. The </a:t>
-            </a:r>
-            <a:r>
-              <a:rPr lang="en-US" dirty="0" err="1"/>
-              <a:t>git</a:t>
-            </a:r>
-            <a:r>
-              <a:rPr lang="en-US" dirty="0"/>
-              <a:t> merge command lets you take the independent lines of development created by </a:t>
-            </a:r>
-            <a:r>
-              <a:rPr lang="en-US" dirty="0" err="1"/>
-              <a:t>git</a:t>
-            </a:r>
-            <a:r>
-              <a:rPr lang="en-US" dirty="0"/>
-              <a:t> branch and integrate them into a single branch</a:t>
-            </a:r>
-            <a:r>
-              <a:rPr lang="en-US" dirty="0" smtClean="0"/>
-              <a:t>.</a:t>
-            </a:r>
-          </a:p>
-          <a:p>
-            <a:r>
-              <a:rPr lang="en-US" dirty="0"/>
-              <a:t>Once you’ve finished developing a feature in an isolated branch, it's important to be able to get it back into the main code base. Depending on the structure of your repository, </a:t>
-            </a:r>
-            <a:r>
-              <a:rPr lang="en-US" dirty="0" err="1"/>
-              <a:t>Git</a:t>
-            </a:r>
-            <a:r>
-              <a:rPr lang="en-US" dirty="0"/>
-              <a:t> has several distinct algorithms to accomplish this: a fast-forward merge or a 3-way merge.</a:t>
+              <a:rPr lang="en-US" sz="2400" dirty="0"/>
+              <a:t>The git merge command lets you take the independent lines of development created by git branch and integrate them into a single branch.</a:t>
             </a:r>
           </a:p>
         </p:txBody>
@@ -4866,10 +4556,9 @@
           <a:p>
             <a:pPr algn="ctr"/>
             <a:r>
-              <a:rPr lang="en-US" sz="6600" dirty="0" smtClean="0"/>
+              <a:rPr lang="en-US" sz="6600" dirty="0"/>
               <a:t>GIT Merge</a:t>
             </a:r>
-            <a:endParaRPr lang="en-US" sz="6600" dirty="0"/>
           </a:p>
         </p:txBody>
       </p:sp>
@@ -4895,7 +4584,7 @@
         </p:blipFill>
         <p:spPr>
           <a:xfrm>
-            <a:off x="26323" y="3295263"/>
+            <a:off x="31864" y="57219"/>
             <a:ext cx="4243649" cy="3502449"/>
           </a:xfrm>
           <a:prstGeom prst="rect">
@@ -4913,13 +4602,18 @@
   <p:clrMapOvr>
     <a:masterClrMapping/>
   </p:clrMapOvr>
-  <p:timing>
-    <p:tnLst>
-      <p:par>
-        <p:cTn id="1" dur="indefinite" restart="never" nodeType="tmRoot"/>
-      </p:par>
-    </p:tnLst>
-  </p:timing>
+  <mc:AlternateContent xmlns:mc="http://schemas.openxmlformats.org/markup-compatibility/2006">
+    <mc:Choice xmlns:p14="http://schemas.microsoft.com/office/powerpoint/2010/main" Requires="p14">
+      <p:transition spd="slow" p14:dur="1200">
+        <p:dissolve/>
+      </p:transition>
+    </mc:Choice>
+    <mc:Fallback>
+      <p:transition spd="slow">
+        <p:dissolve/>
+      </p:transition>
+    </mc:Fallback>
+  </mc:AlternateContent>
 </p:sld>
 </file>
 
@@ -4957,15 +4651,15 @@
           <a:p>
             <a:pPr algn="ctr"/>
             <a:r>
-              <a:rPr lang="en-US" dirty="0" err="1" smtClean="0"/>
+              <a:rPr lang="en-US" dirty="0" err="1"/>
               <a:t>Git</a:t>
             </a:r>
             <a:r>
-              <a:rPr lang="en-US" dirty="0" smtClean="0"/>
+              <a:rPr lang="en-US" dirty="0"/>
               <a:t> </a:t>
             </a:r>
             <a:r>
-              <a:rPr lang="en-US" dirty="0" err="1" smtClean="0"/>
+              <a:rPr lang="en-US" dirty="0" err="1"/>
               <a:t>Mergey</a:t>
             </a:r>
             <a:endParaRPr lang="en-US" dirty="0"/>
@@ -4988,80 +4682,72 @@
           <a:lstStyle/>
           <a:p>
             <a:r>
-              <a:rPr lang="en-US" dirty="0" smtClean="0"/>
+              <a:rPr lang="en-US" dirty="0"/>
               <a:t>Common </a:t>
             </a:r>
             <a:r>
-              <a:rPr lang="en-US" dirty="0" err="1" smtClean="0"/>
+              <a:rPr lang="en-US" dirty="0" err="1"/>
               <a:t>Git</a:t>
             </a:r>
             <a:r>
-              <a:rPr lang="en-US" dirty="0" smtClean="0"/>
+              <a:rPr lang="en-US" dirty="0"/>
               <a:t> Merge Commands </a:t>
             </a:r>
           </a:p>
           <a:p>
             <a:pPr lvl="1"/>
             <a:r>
-              <a:rPr lang="en-US" dirty="0" err="1" smtClean="0"/>
+              <a:rPr lang="en-US" dirty="0" err="1"/>
               <a:t>git</a:t>
             </a:r>
             <a:r>
-              <a:rPr lang="en-US" dirty="0" smtClean="0"/>
+              <a:rPr lang="en-US" dirty="0"/>
               <a:t> branch</a:t>
             </a:r>
           </a:p>
           <a:p>
             <a:pPr lvl="1"/>
             <a:r>
-              <a:rPr lang="en-US" dirty="0" err="1" smtClean="0"/>
+              <a:rPr lang="en-US" dirty="0" err="1"/>
               <a:t>git</a:t>
             </a:r>
             <a:r>
-              <a:rPr lang="en-US" dirty="0" smtClean="0"/>
+              <a:rPr lang="en-US" dirty="0"/>
               <a:t> branch &lt;branch-name&gt;</a:t>
             </a:r>
           </a:p>
           <a:p>
             <a:pPr lvl="1"/>
             <a:r>
-              <a:rPr lang="en-US" dirty="0" err="1" smtClean="0"/>
+              <a:rPr lang="en-US" dirty="0" err="1"/>
               <a:t>git</a:t>
             </a:r>
             <a:r>
-              <a:rPr lang="en-US" dirty="0" smtClean="0"/>
-              <a:t> merge </a:t>
-            </a:r>
-            <a:r>
               <a:rPr lang="en-US" dirty="0"/>
-              <a:t>&lt;branch-name&gt;</a:t>
+              <a:t> merge &lt;branch-name&gt;</a:t>
             </a:r>
           </a:p>
           <a:p>
             <a:pPr lvl="1"/>
             <a:r>
               <a:rPr lang="en-US" dirty="0" err="1"/>
-              <a:t>g</a:t>
-            </a:r>
-            <a:r>
-              <a:rPr lang="en-US" dirty="0" err="1" smtClean="0"/>
-              <a:t>it</a:t>
-            </a:r>
-            <a:r>
-              <a:rPr lang="en-US" dirty="0" smtClean="0"/>
+              <a:t>git</a:t>
+            </a:r>
+            <a:r>
+              <a:rPr lang="en-US" dirty="0"/>
               <a:t> Status</a:t>
             </a:r>
           </a:p>
           <a:p>
             <a:pPr lvl="2"/>
             <a:r>
-              <a:rPr lang="en-US" dirty="0" smtClean="0"/>
+              <a:rPr lang="en-US" dirty="0"/>
               <a:t>Handy for dealing with conflicts</a:t>
             </a:r>
           </a:p>
           <a:p>
             <a:pPr lvl="1"/>
-            <a:endParaRPr lang="en-US" dirty="0" smtClean="0"/>
+            <a:endParaRPr lang="en-US" dirty="0"/>
           </a:p>
         </p:txBody>
       </p:sp>
@@ -5081,35 +4767,35 @@
           <a:lstStyle/>
           <a:p>
             <a:r>
-              <a:rPr lang="en-US" dirty="0" smtClean="0"/>
+              <a:rPr lang="en-US" dirty="0"/>
               <a:t>What They Do</a:t>
             </a:r>
           </a:p>
           <a:p>
             <a:pPr lvl="1"/>
             <a:r>
-              <a:rPr lang="en-US" dirty="0" smtClean="0"/>
+              <a:rPr lang="en-US" dirty="0"/>
               <a:t>List all branches</a:t>
             </a:r>
           </a:p>
           <a:p>
             <a:pPr lvl="1"/>
             <a:r>
-              <a:rPr lang="en-US" dirty="0" smtClean="0"/>
+              <a:rPr lang="en-US" dirty="0"/>
               <a:t>Creates a new branch</a:t>
             </a:r>
           </a:p>
           <a:p>
             <a:pPr lvl="1"/>
             <a:r>
-              <a:rPr lang="en-US" sz="1600" dirty="0" smtClean="0"/>
+              <a:rPr lang="en-US" sz="1600" dirty="0"/>
               <a:t>Merges named branch to current  branch</a:t>
             </a:r>
           </a:p>
           <a:p>
             <a:pPr lvl="1"/>
             <a:r>
-              <a:rPr lang="en-US" dirty="0" smtClean="0"/>
+              <a:rPr lang="en-US" dirty="0"/>
               <a:t>Shows status of current branch</a:t>
             </a:r>
           </a:p>
@@ -5131,401 +4817,18 @@
   <p:clrMapOvr>
     <a:masterClrMapping/>
   </p:clrMapOvr>
-  <p:timing>
-    <p:tnLst>
-      <p:par>
-        <p:cTn id="1" dur="indefinite" restart="never" nodeType="tmRoot"/>
-      </p:par>
-    </p:tnLst>
-  </p:timing>
-</p:sld>
-</file>
-
-<file path=ppt/slides/slide7.xml><?xml version="1.0" encoding="utf-8"?>
-<p:sld xmlns:a="http://schemas.openxmlformats.org/drawingml/2006/main" xmlns:r="http://schemas.openxmlformats.org/officeDocument/2006/relationships" xmlns:p="http://schemas.openxmlformats.org/presentationml/2006/main">
-  <p:cSld>
-    <p:spTree>
-      <p:nvGrpSpPr>
-        <p:cNvPr id="1" name=""/>
-        <p:cNvGrpSpPr/>
-        <p:nvPr/>
-      </p:nvGrpSpPr>
-      <p:grpSpPr>
-        <a:xfrm>
-          <a:off x="0" y="0"/>
-          <a:ext cx="0" cy="0"/>
-          <a:chOff x="0" y="0"/>
-          <a:chExt cx="0" cy="0"/>
-        </a:xfrm>
-      </p:grpSpPr>
-      <p:sp>
-        <p:nvSpPr>
-          <p:cNvPr id="2" name="Title 1"/>
-          <p:cNvSpPr>
-            <a:spLocks noGrp="1"/>
-          </p:cNvSpPr>
-          <p:nvPr>
-            <p:ph type="title"/>
-          </p:nvPr>
-        </p:nvSpPr>
-        <p:spPr/>
-        <p:txBody>
-          <a:bodyPr/>
-          <a:lstStyle/>
-          <a:p>
-            <a:pPr algn="ctr"/>
-            <a:r>
-              <a:rPr lang="en-US" dirty="0" smtClean="0"/>
-              <a:t>Dealing With Conflicts </a:t>
-            </a:r>
-            <a:endParaRPr lang="en-US" dirty="0"/>
-          </a:p>
-        </p:txBody>
-      </p:sp>
-      <p:sp>
-        <p:nvSpPr>
-          <p:cNvPr id="3" name="Content Placeholder 2"/>
-          <p:cNvSpPr>
-            <a:spLocks noGrp="1"/>
-          </p:cNvSpPr>
-          <p:nvPr>
-            <p:ph sz="half" idx="1"/>
-          </p:nvPr>
-        </p:nvSpPr>
-        <p:spPr>
-          <a:xfrm>
-            <a:off x="1524000" y="1825625"/>
-            <a:ext cx="9144000" cy="4270375"/>
-          </a:xfrm>
-        </p:spPr>
-        <p:txBody>
-          <a:bodyPr/>
-          <a:lstStyle/>
-          <a:p>
-            <a:r>
-              <a:rPr lang="en-US" dirty="0" smtClean="0"/>
-              <a:t>Some times if you edit the same line in a file as a team mate and attempt to merge </a:t>
-            </a:r>
-            <a:r>
-              <a:rPr lang="en-US" dirty="0" err="1" smtClean="0"/>
-              <a:t>git</a:t>
-            </a:r>
-            <a:r>
-              <a:rPr lang="en-US" dirty="0" smtClean="0"/>
-              <a:t> will not know what to do and fail to merge that file. When you see the failed to merge error, </a:t>
-            </a:r>
-            <a:r>
-              <a:rPr lang="en-US" dirty="0" err="1" smtClean="0"/>
-              <a:t>git</a:t>
-            </a:r>
-            <a:r>
-              <a:rPr lang="en-US" dirty="0" smtClean="0"/>
-              <a:t> status is your friend. You will have to manually fix the code before you can merge. </a:t>
-            </a:r>
-            <a:r>
-              <a:rPr lang="en-US" dirty="0" err="1" smtClean="0"/>
-              <a:t>Git</a:t>
-            </a:r>
-            <a:r>
-              <a:rPr lang="en-US" dirty="0" smtClean="0"/>
-              <a:t> will add</a:t>
-            </a:r>
-          </a:p>
-          <a:p>
-            <a:r>
-              <a:rPr lang="en-US" sz="1050" dirty="0" smtClean="0"/>
-              <a:t>&lt;&lt;&lt;&lt;&lt;&lt;&lt;&lt;&lt;&lt;&lt;&lt;&lt;&lt;&lt;&lt;</a:t>
-            </a:r>
-          </a:p>
-          <a:p>
-            <a:r>
-              <a:rPr lang="en-US" sz="1050" dirty="0" smtClean="0"/>
-              <a:t>&lt;Master Code&gt;</a:t>
-            </a:r>
-          </a:p>
-          <a:p>
-            <a:r>
-              <a:rPr lang="en-US" sz="1050" dirty="0" smtClean="0"/>
-              <a:t>===============</a:t>
-            </a:r>
-          </a:p>
-          <a:p>
-            <a:r>
-              <a:rPr lang="en-US" sz="1050" dirty="0" smtClean="0"/>
-              <a:t>&lt;branch code&gt;</a:t>
-            </a:r>
-          </a:p>
-          <a:p>
-            <a:r>
-              <a:rPr lang="en-US" sz="1050" dirty="0" smtClean="0"/>
-              <a:t>&gt;&gt;&gt;&gt;&gt;&gt;&gt;&gt;&gt;&gt;&gt;&gt;&gt;&gt;&gt;&gt;</a:t>
-            </a:r>
-          </a:p>
-          <a:p>
-            <a:r>
-              <a:rPr lang="en-US" dirty="0" smtClean="0"/>
-              <a:t>t0 your code to help you understand and fix where the conflict is at.</a:t>
-            </a:r>
-          </a:p>
-          <a:p>
-            <a:r>
-              <a:rPr lang="en-US" dirty="0" smtClean="0"/>
-              <a:t>These conflicts MUST be fixed before you can </a:t>
-            </a:r>
-            <a:r>
-              <a:rPr lang="en-US" dirty="0" err="1" smtClean="0"/>
-              <a:t>sucefuly</a:t>
-            </a:r>
-            <a:r>
-              <a:rPr lang="en-US" dirty="0" smtClean="0"/>
-              <a:t> merge your code!</a:t>
-            </a:r>
-            <a:endParaRPr lang="en-US" dirty="0"/>
-          </a:p>
-        </p:txBody>
-      </p:sp>
-    </p:spTree>
-    <p:extLst>
-      <p:ext uri="{BB962C8B-B14F-4D97-AF65-F5344CB8AC3E}">
-        <p14:creationId xmlns:p14="http://schemas.microsoft.com/office/powerpoint/2010/main" val="2524987329"/>
-      </p:ext>
-    </p:extLst>
-  </p:cSld>
-  <p:clrMapOvr>
-    <a:masterClrMapping/>
-  </p:clrMapOvr>
-  <p:timing>
-    <p:tnLst>
-      <p:par>
-        <p:cTn id="1" dur="indefinite" restart="never" nodeType="tmRoot"/>
-      </p:par>
-    </p:tnLst>
-  </p:timing>
-</p:sld>
-</file>
-
-<file path=ppt/slides/slide8.xml><?xml version="1.0" encoding="utf-8"?>
-<p:sld xmlns:a="http://schemas.openxmlformats.org/drawingml/2006/main" xmlns:r="http://schemas.openxmlformats.org/officeDocument/2006/relationships" xmlns:p="http://schemas.openxmlformats.org/presentationml/2006/main">
-  <p:cSld>
-    <p:spTree>
-      <p:nvGrpSpPr>
-        <p:cNvPr id="1" name=""/>
-        <p:cNvGrpSpPr/>
-        <p:nvPr/>
-      </p:nvGrpSpPr>
-      <p:grpSpPr>
-        <a:xfrm>
-          <a:off x="0" y="0"/>
-          <a:ext cx="0" cy="0"/>
-          <a:chOff x="0" y="0"/>
-          <a:chExt cx="0" cy="0"/>
-        </a:xfrm>
-      </p:grpSpPr>
-      <p:sp>
-        <p:nvSpPr>
-          <p:cNvPr id="2" name="Title 1"/>
-          <p:cNvSpPr>
-            <a:spLocks noGrp="1"/>
-          </p:cNvSpPr>
-          <p:nvPr>
-            <p:ph type="title"/>
-          </p:nvPr>
-        </p:nvSpPr>
-        <p:spPr/>
-        <p:txBody>
-          <a:bodyPr>
-            <a:normAutofit/>
-          </a:bodyPr>
-          <a:lstStyle/>
-          <a:p>
-            <a:pPr algn="ctr"/>
-            <a:r>
-              <a:rPr lang="en-US" sz="6600" dirty="0"/>
-              <a:t>Fast-Forward Merge </a:t>
-            </a:r>
-          </a:p>
-        </p:txBody>
-      </p:sp>
-      <p:sp>
-        <p:nvSpPr>
-          <p:cNvPr id="3" name="Content Placeholder 2"/>
-          <p:cNvSpPr>
-            <a:spLocks noGrp="1"/>
-          </p:cNvSpPr>
-          <p:nvPr>
-            <p:ph idx="1"/>
-          </p:nvPr>
-        </p:nvSpPr>
-        <p:spPr>
-          <a:xfrm>
-            <a:off x="3695700" y="1905000"/>
-            <a:ext cx="4800600" cy="4267200"/>
-          </a:xfrm>
-        </p:spPr>
-        <p:txBody>
-          <a:bodyPr/>
-          <a:lstStyle/>
-          <a:p>
-            <a:r>
-              <a:rPr lang="en-US" dirty="0" smtClean="0"/>
-              <a:t>Occur </a:t>
-            </a:r>
-            <a:r>
-              <a:rPr lang="en-US" dirty="0"/>
-              <a:t>when there is a linear path from the current branch tip to the target branch. Instead of “actually” merging the branches, all </a:t>
-            </a:r>
-            <a:r>
-              <a:rPr lang="en-US" dirty="0" err="1"/>
-              <a:t>Git</a:t>
-            </a:r>
-            <a:r>
-              <a:rPr lang="en-US" dirty="0"/>
-              <a:t> has to do to integrate the histories is move </a:t>
-            </a:r>
-            <a:r>
-              <a:rPr lang="en-US" dirty="0" smtClean="0"/>
-              <a:t>the </a:t>
-            </a:r>
-            <a:r>
-              <a:rPr lang="en-US" dirty="0"/>
-              <a:t>current branch tip up to the target branch tip. This effectively combines the histories, since all of the commits reachable from the target branch are now available through the current one</a:t>
-            </a:r>
-            <a:r>
-              <a:rPr lang="en-US" dirty="0" smtClean="0"/>
-              <a:t>.</a:t>
-            </a:r>
-          </a:p>
-          <a:p>
-            <a:r>
-              <a:rPr lang="en-US" dirty="0"/>
-              <a:t>However, a fast-forward merge is not possible if the branches have diverged.</a:t>
-            </a:r>
-          </a:p>
-        </p:txBody>
-      </p:sp>
-    </p:spTree>
-    <p:extLst>
-      <p:ext uri="{BB962C8B-B14F-4D97-AF65-F5344CB8AC3E}">
-        <p14:creationId xmlns:p14="http://schemas.microsoft.com/office/powerpoint/2010/main" val="3674336757"/>
-      </p:ext>
-    </p:extLst>
-  </p:cSld>
-  <p:clrMapOvr>
-    <a:masterClrMapping/>
-  </p:clrMapOvr>
-  <p:timing>
-    <p:tnLst>
-      <p:par>
-        <p:cTn id="1" dur="indefinite" restart="never" nodeType="tmRoot"/>
-      </p:par>
-    </p:tnLst>
-  </p:timing>
-</p:sld>
-</file>
-
-<file path=ppt/slides/slide9.xml><?xml version="1.0" encoding="utf-8"?>
-<p:sld xmlns:a="http://schemas.openxmlformats.org/drawingml/2006/main" xmlns:r="http://schemas.openxmlformats.org/officeDocument/2006/relationships" xmlns:p="http://schemas.openxmlformats.org/presentationml/2006/main">
-  <p:cSld>
-    <p:spTree>
-      <p:nvGrpSpPr>
-        <p:cNvPr id="1" name=""/>
-        <p:cNvGrpSpPr/>
-        <p:nvPr/>
-      </p:nvGrpSpPr>
-      <p:grpSpPr>
-        <a:xfrm>
-          <a:off x="0" y="0"/>
-          <a:ext cx="0" cy="0"/>
-          <a:chOff x="0" y="0"/>
-          <a:chExt cx="0" cy="0"/>
-        </a:xfrm>
-      </p:grpSpPr>
-      <p:sp>
-        <p:nvSpPr>
-          <p:cNvPr id="2" name="Title 1"/>
-          <p:cNvSpPr>
-            <a:spLocks noGrp="1"/>
-          </p:cNvSpPr>
-          <p:nvPr>
-            <p:ph type="title"/>
-          </p:nvPr>
-        </p:nvSpPr>
-        <p:spPr/>
-        <p:txBody>
-          <a:bodyPr>
-            <a:normAutofit/>
-          </a:bodyPr>
-          <a:lstStyle/>
-          <a:p>
-            <a:pPr algn="ctr"/>
-            <a:r>
-              <a:rPr lang="en-US" sz="6600" dirty="0" smtClean="0"/>
-              <a:t>3-Way </a:t>
-            </a:r>
-            <a:r>
-              <a:rPr lang="en-US" sz="6600" dirty="0"/>
-              <a:t>M</a:t>
-            </a:r>
-            <a:r>
-              <a:rPr lang="en-US" sz="6600" dirty="0" smtClean="0"/>
-              <a:t>erge</a:t>
-            </a:r>
-            <a:endParaRPr lang="en-US" sz="6600" dirty="0"/>
-          </a:p>
-        </p:txBody>
-      </p:sp>
-      <p:sp>
-        <p:nvSpPr>
-          <p:cNvPr id="3" name="Content Placeholder 2"/>
-          <p:cNvSpPr>
-            <a:spLocks noGrp="1"/>
-          </p:cNvSpPr>
-          <p:nvPr>
-            <p:ph idx="1"/>
-          </p:nvPr>
-        </p:nvSpPr>
-        <p:spPr>
-          <a:xfrm>
-            <a:off x="3924300" y="1981200"/>
-            <a:ext cx="4343400" cy="4267200"/>
-          </a:xfrm>
-        </p:spPr>
-        <p:txBody>
-          <a:bodyPr/>
-          <a:lstStyle/>
-          <a:p>
-            <a:r>
-              <a:rPr lang="en-US" dirty="0"/>
-              <a:t>3-way merges use a dedicated commit to tie together the two histories. The nomenclature comes from the fact that </a:t>
-            </a:r>
-            <a:r>
-              <a:rPr lang="en-US" dirty="0" err="1"/>
-              <a:t>Git</a:t>
-            </a:r>
-            <a:r>
-              <a:rPr lang="en-US" dirty="0"/>
-              <a:t> uses three commits to generate the merge commit: the two branch tips and their common ancestor.</a:t>
-            </a:r>
-          </a:p>
-        </p:txBody>
-      </p:sp>
-    </p:spTree>
-    <p:extLst>
-      <p:ext uri="{BB962C8B-B14F-4D97-AF65-F5344CB8AC3E}">
-        <p14:creationId xmlns:p14="http://schemas.microsoft.com/office/powerpoint/2010/main" val="3337304140"/>
-      </p:ext>
-    </p:extLst>
-  </p:cSld>
-  <p:clrMapOvr>
-    <a:masterClrMapping/>
-  </p:clrMapOvr>
-  <p:timing>
-    <p:tnLst>
-      <p:par>
-        <p:cTn id="1" dur="indefinite" restart="never" nodeType="tmRoot"/>
-      </p:par>
-    </p:tnLst>
-  </p:timing>
+  <mc:AlternateContent xmlns:mc="http://schemas.openxmlformats.org/markup-compatibility/2006">
+    <mc:Choice xmlns:p14="http://schemas.microsoft.com/office/powerpoint/2010/main" Requires="p14">
+      <p:transition spd="slow" p14:dur="1200">
+        <p:dissolve/>
+      </p:transition>
+    </mc:Choice>
+    <mc:Fallback>
+      <p:transition spd="slow">
+        <p:dissolve/>
+      </p:transition>
+    </mc:Fallback>
+  </mc:AlternateContent>
 </p:sld>
 </file>
 
@@ -7353,15 +6656,6 @@
 </file>
 
 <file path=customXml/item2.xml><?xml version="1.0" encoding="utf-8"?>
-<?mso-contentType ?>
-<FormTemplates xmlns="http://schemas.microsoft.com/sharepoint/v3/contenttype/forms">
-  <Display>DocumentLibraryForm</Display>
-  <Edit>AssetEditForm</Edit>
-  <New>DocumentLibraryForm</New>
-</FormTemplates>
-</file>
-
-<file path=customXml/item3.xml><?xml version="1.0" encoding="utf-8"?>
 <p:properties xmlns:p="http://schemas.microsoft.com/office/2006/metadata/properties" xmlns:xsi="http://www.w3.org/2001/XMLSchema-instance" xmlns:pc="http://schemas.microsoft.com/office/infopath/2007/PartnerControls">
   <documentManagement>
     <DirectSourceMarket xmlns="4873beb7-5857-4685-be1f-d57550cc96cc" xsi:nil="true"/>
@@ -7487,6 +6781,15 @@
 </p:properties>
 </file>
 
+<file path=customXml/item3.xml><?xml version="1.0" encoding="utf-8"?>
+<?mso-contentType ?>
+<FormTemplates xmlns="http://schemas.microsoft.com/sharepoint/v3/contenttype/forms">
+  <Display>DocumentLibraryForm</Display>
+  <Edit>AssetEditForm</Edit>
+  <New>DocumentLibraryForm</New>
+</FormTemplates>
+</file>
+
 <file path=customXml/itemProps1.xml><?xml version="1.0" encoding="utf-8"?>
 <ds:datastoreItem xmlns:ds="http://schemas.openxmlformats.org/officeDocument/2006/customXml" ds:itemID="{0B5C6E15-39DC-470B-9445-F754B9458020}">
   <ds:schemaRefs>
@@ -7506,14 +6809,6 @@
 </file>
 
 <file path=customXml/itemProps2.xml><?xml version="1.0" encoding="utf-8"?>
-<ds:datastoreItem xmlns:ds="http://schemas.openxmlformats.org/officeDocument/2006/customXml" ds:itemID="{746CFF6F-D9AA-4BC0-911A-0A1356771912}">
-  <ds:schemaRefs>
-    <ds:schemaRef ds:uri="http://schemas.microsoft.com/sharepoint/v3/contenttype/forms"/>
-  </ds:schemaRefs>
-</ds:datastoreItem>
-</file>
-
-<file path=customXml/itemProps3.xml><?xml version="1.0" encoding="utf-8"?>
 <ds:datastoreItem xmlns:ds="http://schemas.openxmlformats.org/officeDocument/2006/customXml" ds:itemID="{04098515-0C12-46CF-BC7C-69B4A13CD5FA}">
   <ds:schemaRefs>
     <ds:schemaRef ds:uri="http://schemas.microsoft.com/office/infopath/2007/PartnerControls"/>
@@ -7527,4 +6822,12 @@
     <ds:schemaRef ds:uri="http://www.w3.org/XML/1998/namespace"/>
   </ds:schemaRefs>
 </ds:datastoreItem>
+</file>
+
+<file path=customXml/itemProps3.xml><?xml version="1.0" encoding="utf-8"?>
+<ds:datastoreItem xmlns:ds="http://schemas.openxmlformats.org/officeDocument/2006/customXml" ds:itemID="{746CFF6F-D9AA-4BC0-911A-0A1356771912}">
+  <ds:schemaRefs>
+    <ds:schemaRef ds:uri="http://schemas.microsoft.com/sharepoint/v3/contenttype/forms"/>
+  </ds:schemaRefs>
+</ds:datastoreItem>
 </file>
--- a/GIT HUB Branching & Merging.pptx
+++ b/GIT HUB Branching & Merging.pptx
@@ -5,10 +5,10 @@
     <p:sldMasterId id="2147483648" r:id="rId4"/>
   </p:sldMasterIdLst>
   <p:notesMasterIdLst>
-    <p:notesMasterId r:id="rId11"/>
+    <p:notesMasterId r:id="rId12"/>
   </p:notesMasterIdLst>
   <p:handoutMasterIdLst>
-    <p:handoutMasterId r:id="rId12"/>
+    <p:handoutMasterId r:id="rId13"/>
   </p:handoutMasterIdLst>
   <p:sldIdLst>
     <p:sldId id="256" r:id="rId5"/>
@@ -17,6 +17,7 @@
     <p:sldId id="261" r:id="rId8"/>
     <p:sldId id="258" r:id="rId9"/>
     <p:sldId id="264" r:id="rId10"/>
+    <p:sldId id="265" r:id="rId11"/>
   </p:sldIdLst>
   <p:sldSz cx="12192000" cy="6858000"/>
   <p:notesSz cx="6858000" cy="9144000"/>
@@ -3775,13 +3776,13 @@
   <p:clrMapOvr>
     <a:masterClrMapping/>
   </p:clrMapOvr>
-  <mc:AlternateContent xmlns:mc="http://schemas.openxmlformats.org/markup-compatibility/2006">
-    <mc:Choice xmlns:p14="http://schemas.microsoft.com/office/powerpoint/2010/main" Requires="p14">
+  <mc:AlternateContent xmlns:mc="http://schemas.openxmlformats.org/markup-compatibility/2006" xmlns:p14="http://schemas.microsoft.com/office/powerpoint/2010/main">
+    <mc:Choice Requires="p14">
       <p:transition spd="slow" p14:dur="1200">
         <p:dissolve/>
       </p:transition>
     </mc:Choice>
-    <mc:Fallback>
+    <mc:Fallback xmlns="">
       <p:transition spd="slow">
         <p:dissolve/>
       </p:transition>
@@ -4089,13 +4090,13 @@
   <p:clrMapOvr>
     <a:masterClrMapping/>
   </p:clrMapOvr>
-  <mc:AlternateContent xmlns:mc="http://schemas.openxmlformats.org/markup-compatibility/2006">
-    <mc:Choice xmlns:p14="http://schemas.microsoft.com/office/powerpoint/2010/main" Requires="p14">
+  <mc:AlternateContent xmlns:mc="http://schemas.openxmlformats.org/markup-compatibility/2006" xmlns:p14="http://schemas.microsoft.com/office/powerpoint/2010/main">
+    <mc:Choice Requires="p14">
       <p:transition spd="slow" p14:dur="1200">
         <p:dissolve/>
       </p:transition>
     </mc:Choice>
-    <mc:Fallback>
+    <mc:Fallback xmlns="">
       <p:transition spd="slow">
         <p:dissolve/>
       </p:transition>
@@ -4229,13 +4230,13 @@
   <p:clrMapOvr>
     <a:masterClrMapping/>
   </p:clrMapOvr>
-  <mc:AlternateContent xmlns:mc="http://schemas.openxmlformats.org/markup-compatibility/2006">
-    <mc:Choice xmlns:p14="http://schemas.microsoft.com/office/powerpoint/2010/main" Requires="p14">
+  <mc:AlternateContent xmlns:mc="http://schemas.openxmlformats.org/markup-compatibility/2006" xmlns:p14="http://schemas.microsoft.com/office/powerpoint/2010/main">
+    <mc:Choice Requires="p14">
       <p:transition spd="slow" p14:dur="1200">
         <p:dissolve/>
       </p:transition>
     </mc:Choice>
-    <mc:Fallback>
+    <mc:Fallback xmlns="">
       <p:transition spd="slow">
         <p:dissolve/>
       </p:transition>
@@ -4447,13 +4448,13 @@
   <p:clrMapOvr>
     <a:masterClrMapping/>
   </p:clrMapOvr>
-  <mc:AlternateContent xmlns:mc="http://schemas.openxmlformats.org/markup-compatibility/2006">
-    <mc:Choice xmlns:p14="http://schemas.microsoft.com/office/powerpoint/2010/main" Requires="p14">
+  <mc:AlternateContent xmlns:mc="http://schemas.openxmlformats.org/markup-compatibility/2006" xmlns:p14="http://schemas.microsoft.com/office/powerpoint/2010/main">
+    <mc:Choice Requires="p14">
       <p:transition spd="slow" p14:dur="1200">
         <p:dissolve/>
       </p:transition>
     </mc:Choice>
-    <mc:Fallback>
+    <mc:Fallback xmlns="">
       <p:transition spd="slow">
         <p:dissolve/>
       </p:transition>
@@ -4602,13 +4603,13 @@
   <p:clrMapOvr>
     <a:masterClrMapping/>
   </p:clrMapOvr>
-  <mc:AlternateContent xmlns:mc="http://schemas.openxmlformats.org/markup-compatibility/2006">
-    <mc:Choice xmlns:p14="http://schemas.microsoft.com/office/powerpoint/2010/main" Requires="p14">
+  <mc:AlternateContent xmlns:mc="http://schemas.openxmlformats.org/markup-compatibility/2006" xmlns:p14="http://schemas.microsoft.com/office/powerpoint/2010/main">
+    <mc:Choice Requires="p14">
       <p:transition spd="slow" p14:dur="1200">
         <p:dissolve/>
       </p:transition>
     </mc:Choice>
-    <mc:Fallback>
+    <mc:Fallback xmlns="">
       <p:transition spd="slow">
         <p:dissolve/>
       </p:transition>
@@ -4817,18 +4818,175 @@
   <p:clrMapOvr>
     <a:masterClrMapping/>
   </p:clrMapOvr>
-  <mc:AlternateContent xmlns:mc="http://schemas.openxmlformats.org/markup-compatibility/2006">
-    <mc:Choice xmlns:p14="http://schemas.microsoft.com/office/powerpoint/2010/main" Requires="p14">
+  <mc:AlternateContent xmlns:mc="http://schemas.openxmlformats.org/markup-compatibility/2006" xmlns:p14="http://schemas.microsoft.com/office/powerpoint/2010/main">
+    <mc:Choice Requires="p14">
       <p:transition spd="slow" p14:dur="1200">
         <p:dissolve/>
       </p:transition>
     </mc:Choice>
-    <mc:Fallback>
+    <mc:Fallback xmlns="">
       <p:transition spd="slow">
         <p:dissolve/>
       </p:transition>
     </mc:Fallback>
   </mc:AlternateContent>
+</p:sld>
+</file>
+
+<file path=ppt/slides/slide7.xml><?xml version="1.0" encoding="utf-8"?>
+<p:sld xmlns:a="http://schemas.openxmlformats.org/drawingml/2006/main" xmlns:r="http://schemas.openxmlformats.org/officeDocument/2006/relationships" xmlns:p="http://schemas.openxmlformats.org/presentationml/2006/main">
+  <p:cSld>
+    <p:spTree>
+      <p:nvGrpSpPr>
+        <p:cNvPr id="1" name=""/>
+        <p:cNvGrpSpPr/>
+        <p:nvPr/>
+      </p:nvGrpSpPr>
+      <p:grpSpPr>
+        <a:xfrm>
+          <a:off x="0" y="0"/>
+          <a:ext cx="0" cy="0"/>
+          <a:chOff x="0" y="0"/>
+          <a:chExt cx="0" cy="0"/>
+        </a:xfrm>
+      </p:grpSpPr>
+      <p:sp>
+        <p:nvSpPr>
+          <p:cNvPr id="2" name="Title 1">
+            <a:extLst>
+              <a:ext uri="{FF2B5EF4-FFF2-40B4-BE49-F238E27FC236}">
+                <a16:creationId xmlns:a16="http://schemas.microsoft.com/office/drawing/2014/main" id="{D6B89BEA-673C-4237-A362-AB3450DDA8C9}"/>
+              </a:ext>
+            </a:extLst>
+          </p:cNvPr>
+          <p:cNvSpPr>
+            <a:spLocks noGrp="1"/>
+          </p:cNvSpPr>
+          <p:nvPr>
+            <p:ph type="title"/>
+          </p:nvPr>
+        </p:nvSpPr>
+        <p:spPr/>
+        <p:txBody>
+          <a:bodyPr/>
+          <a:lstStyle/>
+          <a:p>
+            <a:pPr algn="ctr"/>
+            <a:r>
+              <a:rPr lang="en-US" dirty="0"/>
+              <a:t>Branching with </a:t>
+            </a:r>
+            <a:r>
+              <a:rPr lang="en-US" dirty="0" err="1"/>
+              <a:t>GitKraken</a:t>
+            </a:r>
+            <a:endParaRPr lang="en-US" dirty="0"/>
+          </a:p>
+        </p:txBody>
+      </p:sp>
+      <p:sp>
+        <p:nvSpPr>
+          <p:cNvPr id="3" name="Content Placeholder 2">
+            <a:extLst>
+              <a:ext uri="{FF2B5EF4-FFF2-40B4-BE49-F238E27FC236}">
+                <a16:creationId xmlns:a16="http://schemas.microsoft.com/office/drawing/2014/main" id="{9CF2DC6F-E2AE-46EE-BEC4-CF2F6CB9D20A}"/>
+              </a:ext>
+            </a:extLst>
+          </p:cNvPr>
+          <p:cNvSpPr>
+            <a:spLocks noGrp="1"/>
+          </p:cNvSpPr>
+          <p:nvPr>
+            <p:ph sz="half" idx="1"/>
+          </p:nvPr>
+        </p:nvSpPr>
+        <p:spPr>
+          <a:xfrm>
+            <a:off x="457200" y="1825625"/>
+            <a:ext cx="5410200" cy="4270375"/>
+          </a:xfrm>
+        </p:spPr>
+        <p:txBody>
+          <a:bodyPr/>
+          <a:lstStyle/>
+          <a:p>
+            <a:r>
+              <a:rPr lang="en-US" dirty="0"/>
+              <a:t>Simply right click on your local </a:t>
+            </a:r>
+            <a:r>
+              <a:rPr lang="en-US" i="1" dirty="0"/>
+              <a:t>master</a:t>
+            </a:r>
+            <a:r>
+              <a:rPr lang="en-US" dirty="0"/>
+              <a:t> branch and select  ‘</a:t>
+            </a:r>
+            <a:r>
+              <a:rPr lang="en-US" i="1" dirty="0"/>
+              <a:t>Create branch here</a:t>
+            </a:r>
+            <a:r>
+              <a:rPr lang="en-US" dirty="0"/>
+              <a:t>‘.</a:t>
+            </a:r>
+          </a:p>
+          <a:p>
+            <a:r>
+              <a:rPr lang="en-US"/>
+              <a:t>Type the name of your new branch when prompted to do so.</a:t>
+            </a:r>
+          </a:p>
+          <a:p>
+            <a:endParaRPr lang="en-US" dirty="0"/>
+          </a:p>
+        </p:txBody>
+      </p:sp>
+      <p:pic>
+        <p:nvPicPr>
+          <p:cNvPr id="6" name="Content Placeholder 5">
+            <a:extLst>
+              <a:ext uri="{FF2B5EF4-FFF2-40B4-BE49-F238E27FC236}">
+                <a16:creationId xmlns:a16="http://schemas.microsoft.com/office/drawing/2014/main" id="{966D58C5-771D-4327-8AD7-4FFD159DC567}"/>
+              </a:ext>
+            </a:extLst>
+          </p:cNvPr>
+          <p:cNvPicPr>
+            <a:picLocks noGrp="1" noChangeAspect="1"/>
+          </p:cNvPicPr>
+          <p:nvPr>
+            <p:ph sz="half" idx="2"/>
+          </p:nvPr>
+        </p:nvPicPr>
+        <p:blipFill>
+          <a:blip r:embed="rId2">
+            <a:extLst>
+              <a:ext uri="{28A0092B-C50C-407E-A947-70E740481C1C}">
+                <a14:useLocalDpi xmlns:a14="http://schemas.microsoft.com/office/drawing/2010/main" val="0"/>
+              </a:ext>
+            </a:extLst>
+          </a:blip>
+          <a:stretch>
+            <a:fillRect/>
+          </a:stretch>
+        </p:blipFill>
+        <p:spPr>
+          <a:xfrm>
+            <a:off x="6589882" y="1825625"/>
+            <a:ext cx="5144917" cy="4270375"/>
+          </a:xfrm>
+        </p:spPr>
+      </p:pic>
+    </p:spTree>
+    <p:extLst>
+      <p:ext uri="{BB962C8B-B14F-4D97-AF65-F5344CB8AC3E}">
+        <p14:creationId xmlns:p14="http://schemas.microsoft.com/office/powerpoint/2010/main" val="426922392"/>
+      </p:ext>
+    </p:extLst>
+  </p:cSld>
+  <p:clrMapOvr>
+    <a:masterClrMapping/>
+  </p:clrMapOvr>
 </p:sld>
 </file>
 
@@ -5616,6 +5774,141 @@
 </file>
 
 <file path=customXml/item1.xml><?xml version="1.0" encoding="utf-8"?>
+<?mso-contentType ?>
+<FormTemplates xmlns="http://schemas.microsoft.com/sharepoint/v3/contenttype/forms">
+  <Display>DocumentLibraryForm</Display>
+  <Edit>AssetEditForm</Edit>
+  <New>DocumentLibraryForm</New>
+</FormTemplates>
+</file>
+
+<file path=customXml/item2.xml><?xml version="1.0" encoding="utf-8"?>
+<p:properties xmlns:p="http://schemas.microsoft.com/office/2006/metadata/properties" xmlns:xsi="http://www.w3.org/2001/XMLSchema-instance" xmlns:pc="http://schemas.microsoft.com/office/infopath/2007/PartnerControls">
+  <documentManagement>
+    <DirectSourceMarket xmlns="4873beb7-5857-4685-be1f-d57550cc96cc" xsi:nil="true"/>
+    <ApprovalStatus xmlns="4873beb7-5857-4685-be1f-d57550cc96cc">InProgress</ApprovalStatus>
+    <MarketSpecific xmlns="4873beb7-5857-4685-be1f-d57550cc96cc">false</MarketSpecific>
+    <LocComments xmlns="4873beb7-5857-4685-be1f-d57550cc96cc" xsi:nil="true"/>
+    <ThumbnailAssetId xmlns="4873beb7-5857-4685-be1f-d57550cc96cc" xsi:nil="true"/>
+    <PrimaryImageGen xmlns="4873beb7-5857-4685-be1f-d57550cc96cc">true</PrimaryImageGen>
+    <LegacyData xmlns="4873beb7-5857-4685-be1f-d57550cc96cc" xsi:nil="true"/>
+    <LocRecommendedHandoff xmlns="4873beb7-5857-4685-be1f-d57550cc96cc" xsi:nil="true"/>
+    <BusinessGroup xmlns="4873beb7-5857-4685-be1f-d57550cc96cc" xsi:nil="true"/>
+    <BlockPublish xmlns="4873beb7-5857-4685-be1f-d57550cc96cc">false</BlockPublish>
+    <TPFriendlyName xmlns="4873beb7-5857-4685-be1f-d57550cc96cc" xsi:nil="true"/>
+    <NumericId xmlns="4873beb7-5857-4685-be1f-d57550cc96cc" xsi:nil="true"/>
+    <APEditor xmlns="4873beb7-5857-4685-be1f-d57550cc96cc">
+      <UserInfo>
+        <DisplayName/>
+        <AccountId xsi:nil="true"/>
+        <AccountType/>
+      </UserInfo>
+    </APEditor>
+    <SourceTitle xmlns="4873beb7-5857-4685-be1f-d57550cc96cc" xsi:nil="true"/>
+    <OpenTemplate xmlns="4873beb7-5857-4685-be1f-d57550cc96cc">true</OpenTemplate>
+    <UALocComments xmlns="4873beb7-5857-4685-be1f-d57550cc96cc" xsi:nil="true"/>
+    <ParentAssetId xmlns="4873beb7-5857-4685-be1f-d57550cc96cc" xsi:nil="true"/>
+    <IntlLangReviewDate xmlns="4873beb7-5857-4685-be1f-d57550cc96cc" xsi:nil="true"/>
+    <FeatureTagsTaxHTField0 xmlns="4873beb7-5857-4685-be1f-d57550cc96cc">
+      <Terms xmlns="http://schemas.microsoft.com/office/infopath/2007/PartnerControls"/>
+    </FeatureTagsTaxHTField0>
+    <PublishStatusLookup xmlns="4873beb7-5857-4685-be1f-d57550cc96cc">
+      <Value>1566889</Value>
+    </PublishStatusLookup>
+    <Providers xmlns="4873beb7-5857-4685-be1f-d57550cc96cc" xsi:nil="true"/>
+    <MachineTranslated xmlns="4873beb7-5857-4685-be1f-d57550cc96cc">false</MachineTranslated>
+    <OriginalSourceMarket xmlns="4873beb7-5857-4685-be1f-d57550cc96cc" xsi:nil="true"/>
+    <APDescription xmlns="4873beb7-5857-4685-be1f-d57550cc96cc" xsi:nil="true"/>
+    <ClipArtFilename xmlns="4873beb7-5857-4685-be1f-d57550cc96cc" xsi:nil="true"/>
+    <ContentItem xmlns="4873beb7-5857-4685-be1f-d57550cc96cc" xsi:nil="true"/>
+    <TPInstallLocation xmlns="4873beb7-5857-4685-be1f-d57550cc96cc" xsi:nil="true"/>
+    <PublishTargets xmlns="4873beb7-5857-4685-be1f-d57550cc96cc">OfficeOnlineVNext</PublishTargets>
+    <TimesCloned xmlns="4873beb7-5857-4685-be1f-d57550cc96cc" xsi:nil="true"/>
+    <AssetStart xmlns="4873beb7-5857-4685-be1f-d57550cc96cc">2012-05-23T08:44:00+00:00</AssetStart>
+    <Provider xmlns="4873beb7-5857-4685-be1f-d57550cc96cc" xsi:nil="true"/>
+    <AcquiredFrom xmlns="4873beb7-5857-4685-be1f-d57550cc96cc">Internal MS</AcquiredFrom>
+    <FriendlyTitle xmlns="4873beb7-5857-4685-be1f-d57550cc96cc" xsi:nil="true"/>
+    <LastHandOff xmlns="4873beb7-5857-4685-be1f-d57550cc96cc" xsi:nil="true"/>
+    <TPClientViewer xmlns="4873beb7-5857-4685-be1f-d57550cc96cc" xsi:nil="true"/>
+    <UACurrentWords xmlns="4873beb7-5857-4685-be1f-d57550cc96cc" xsi:nil="true"/>
+    <ArtSampleDocs xmlns="4873beb7-5857-4685-be1f-d57550cc96cc" xsi:nil="true"/>
+    <UALocRecommendation xmlns="4873beb7-5857-4685-be1f-d57550cc96cc">Localize</UALocRecommendation>
+    <Manager xmlns="4873beb7-5857-4685-be1f-d57550cc96cc" xsi:nil="true"/>
+    <ShowIn xmlns="4873beb7-5857-4685-be1f-d57550cc96cc">Show everywhere</ShowIn>
+    <UANotes xmlns="4873beb7-5857-4685-be1f-d57550cc96cc" xsi:nil="true"/>
+    <TemplateStatus xmlns="4873beb7-5857-4685-be1f-d57550cc96cc">Complete</TemplateStatus>
+    <InternalTagsTaxHTField0 xmlns="4873beb7-5857-4685-be1f-d57550cc96cc">
+      <Terms xmlns="http://schemas.microsoft.com/office/infopath/2007/PartnerControls"/>
+    </InternalTagsTaxHTField0>
+    <CSXHash xmlns="4873beb7-5857-4685-be1f-d57550cc96cc" xsi:nil="true"/>
+    <Downloads xmlns="4873beb7-5857-4685-be1f-d57550cc96cc">0</Downloads>
+    <VoteCount xmlns="4873beb7-5857-4685-be1f-d57550cc96cc" xsi:nil="true"/>
+    <OOCacheId xmlns="4873beb7-5857-4685-be1f-d57550cc96cc" xsi:nil="true"/>
+    <IsDeleted xmlns="4873beb7-5857-4685-be1f-d57550cc96cc">false</IsDeleted>
+    <AssetExpire xmlns="4873beb7-5857-4685-be1f-d57550cc96cc">2029-01-01T08:00:00+00:00</AssetExpire>
+    <DSATActionTaken xmlns="4873beb7-5857-4685-be1f-d57550cc96cc" xsi:nil="true"/>
+    <CSXSubmissionMarket xmlns="4873beb7-5857-4685-be1f-d57550cc96cc" xsi:nil="true"/>
+    <TPExecutable xmlns="4873beb7-5857-4685-be1f-d57550cc96cc" xsi:nil="true"/>
+    <SubmitterId xmlns="4873beb7-5857-4685-be1f-d57550cc96cc" xsi:nil="true"/>
+    <EditorialTags xmlns="4873beb7-5857-4685-be1f-d57550cc96cc" xsi:nil="true"/>
+    <ApprovalLog xmlns="4873beb7-5857-4685-be1f-d57550cc96cc" xsi:nil="true"/>
+    <AssetType xmlns="4873beb7-5857-4685-be1f-d57550cc96cc">TP</AssetType>
+    <BugNumber xmlns="4873beb7-5857-4685-be1f-d57550cc96cc" xsi:nil="true"/>
+    <CSXSubmissionDate xmlns="4873beb7-5857-4685-be1f-d57550cc96cc" xsi:nil="true"/>
+    <CSXUpdate xmlns="4873beb7-5857-4685-be1f-d57550cc96cc">false</CSXUpdate>
+    <Milestone xmlns="4873beb7-5857-4685-be1f-d57550cc96cc" xsi:nil="true"/>
+    <RecommendationsModifier xmlns="4873beb7-5857-4685-be1f-d57550cc96cc" xsi:nil="true"/>
+    <OriginAsset xmlns="4873beb7-5857-4685-be1f-d57550cc96cc" xsi:nil="true"/>
+    <TPComponent xmlns="4873beb7-5857-4685-be1f-d57550cc96cc" xsi:nil="true"/>
+    <AssetId xmlns="4873beb7-5857-4685-be1f-d57550cc96cc">TP102901017</AssetId>
+    <IntlLocPriority xmlns="4873beb7-5857-4685-be1f-d57550cc96cc" xsi:nil="true"/>
+    <PolicheckWords xmlns="4873beb7-5857-4685-be1f-d57550cc96cc" xsi:nil="true"/>
+    <TPLaunchHelpLink xmlns="4873beb7-5857-4685-be1f-d57550cc96cc" xsi:nil="true"/>
+    <TPApplication xmlns="4873beb7-5857-4685-be1f-d57550cc96cc" xsi:nil="true"/>
+    <CrawlForDependencies xmlns="4873beb7-5857-4685-be1f-d57550cc96cc">false</CrawlForDependencies>
+    <HandoffToMSDN xmlns="4873beb7-5857-4685-be1f-d57550cc96cc" xsi:nil="true"/>
+    <PlannedPubDate xmlns="4873beb7-5857-4685-be1f-d57550cc96cc" xsi:nil="true"/>
+    <IntlLangReviewer xmlns="4873beb7-5857-4685-be1f-d57550cc96cc" xsi:nil="true"/>
+    <TrustLevel xmlns="4873beb7-5857-4685-be1f-d57550cc96cc">1 Microsoft Managed Content</TrustLevel>
+    <LocLastLocAttemptVersionLookup xmlns="4873beb7-5857-4685-be1f-d57550cc96cc">836753</LocLastLocAttemptVersionLookup>
+    <IsSearchable xmlns="4873beb7-5857-4685-be1f-d57550cc96cc">true</IsSearchable>
+    <TemplateTemplateType xmlns="4873beb7-5857-4685-be1f-d57550cc96cc">PowerPoint Design Template</TemplateTemplateType>
+    <CampaignTagsTaxHTField0 xmlns="4873beb7-5857-4685-be1f-d57550cc96cc">
+      <Terms xmlns="http://schemas.microsoft.com/office/infopath/2007/PartnerControls"/>
+    </CampaignTagsTaxHTField0>
+    <TPNamespace xmlns="4873beb7-5857-4685-be1f-d57550cc96cc" xsi:nil="true"/>
+    <TaxCatchAll xmlns="4873beb7-5857-4685-be1f-d57550cc96cc"/>
+    <Markets xmlns="4873beb7-5857-4685-be1f-d57550cc96cc"/>
+    <UAProjectedTotalWords xmlns="4873beb7-5857-4685-be1f-d57550cc96cc" xsi:nil="true"/>
+    <IntlLangReview xmlns="4873beb7-5857-4685-be1f-d57550cc96cc">false</IntlLangReview>
+    <OutputCachingOn xmlns="4873beb7-5857-4685-be1f-d57550cc96cc">false</OutputCachingOn>
+    <AverageRating xmlns="4873beb7-5857-4685-be1f-d57550cc96cc" xsi:nil="true"/>
+    <APAuthor xmlns="4873beb7-5857-4685-be1f-d57550cc96cc">
+      <UserInfo>
+        <DisplayName>REDMOND\v-anij</DisplayName>
+        <AccountId>2469</AccountId>
+        <AccountType/>
+      </UserInfo>
+    </APAuthor>
+    <LocManualTestRequired xmlns="4873beb7-5857-4685-be1f-d57550cc96cc">false</LocManualTestRequired>
+    <TPCommandLine xmlns="4873beb7-5857-4685-be1f-d57550cc96cc" xsi:nil="true"/>
+    <TPAppVersion xmlns="4873beb7-5857-4685-be1f-d57550cc96cc" xsi:nil="true"/>
+    <EditorialStatus xmlns="4873beb7-5857-4685-be1f-d57550cc96cc">Complete</EditorialStatus>
+    <LastModifiedDateTime xmlns="4873beb7-5857-4685-be1f-d57550cc96cc" xsi:nil="true"/>
+    <ScenarioTagsTaxHTField0 xmlns="4873beb7-5857-4685-be1f-d57550cc96cc">
+      <Terms xmlns="http://schemas.microsoft.com/office/infopath/2007/PartnerControls"/>
+    </ScenarioTagsTaxHTField0>
+    <OriginalRelease xmlns="4873beb7-5857-4685-be1f-d57550cc96cc">15</OriginalRelease>
+    <TPLaunchHelpLinkType xmlns="4873beb7-5857-4685-be1f-d57550cc96cc">Template</TPLaunchHelpLinkType>
+    <LocalizationTagsTaxHTField0 xmlns="4873beb7-5857-4685-be1f-d57550cc96cc">
+      <Terms xmlns="http://schemas.microsoft.com/office/infopath/2007/PartnerControls"/>
+    </LocalizationTagsTaxHTField0>
+    <LocMarketGroupTiers2 xmlns="4873beb7-5857-4685-be1f-d57550cc96cc" xsi:nil="true"/>
+  </documentManagement>
+</p:properties>
+</file>
+
+<file path=customXml/item3.xml><?xml version="1.0" encoding="utf-8"?>
 <ct:contentTypeSchema xmlns:ct="http://schemas.microsoft.com/office/2006/metadata/contentType" xmlns:ma="http://schemas.microsoft.com/office/2006/metadata/properties/metaAttributes" ct:_="" ma:_="" ma:contentTypeName="TemplateFile" ma:contentTypeID="0x0101006EDDDB5EE6D98C44930B742096920B300400F5B6D36B3EF94B4E9A635CDF2A18F5B8" ma:contentTypeVersion="72" ma:contentTypeDescription="Create a new document." ma:contentTypeScope="" ma:versionID="a23e56308344d904b51738559c3d67c9">
   <xsd:schema xmlns:xsd="http://www.w3.org/2001/XMLSchema" xmlns:xs="http://www.w3.org/2001/XMLSchema" xmlns:p="http://schemas.microsoft.com/office/2006/metadata/properties" xmlns:ns2="4873beb7-5857-4685-be1f-d57550cc96cc" targetNamespace="http://schemas.microsoft.com/office/2006/metadata/properties" ma:root="true" ma:fieldsID="cd0908cc4600e77bf5da051303e00c8d" ns2:_="">
     <xsd:import namespace="4873beb7-5857-4685-be1f-d57550cc96cc"/>
@@ -6655,155 +6948,10 @@
 </ct:contentTypeSchema>
 </file>
 
-<file path=customXml/item2.xml><?xml version="1.0" encoding="utf-8"?>
-<p:properties xmlns:p="http://schemas.microsoft.com/office/2006/metadata/properties" xmlns:xsi="http://www.w3.org/2001/XMLSchema-instance" xmlns:pc="http://schemas.microsoft.com/office/infopath/2007/PartnerControls">
-  <documentManagement>
-    <DirectSourceMarket xmlns="4873beb7-5857-4685-be1f-d57550cc96cc" xsi:nil="true"/>
-    <ApprovalStatus xmlns="4873beb7-5857-4685-be1f-d57550cc96cc">InProgress</ApprovalStatus>
-    <MarketSpecific xmlns="4873beb7-5857-4685-be1f-d57550cc96cc">false</MarketSpecific>
-    <LocComments xmlns="4873beb7-5857-4685-be1f-d57550cc96cc" xsi:nil="true"/>
-    <ThumbnailAssetId xmlns="4873beb7-5857-4685-be1f-d57550cc96cc" xsi:nil="true"/>
-    <PrimaryImageGen xmlns="4873beb7-5857-4685-be1f-d57550cc96cc">true</PrimaryImageGen>
-    <LegacyData xmlns="4873beb7-5857-4685-be1f-d57550cc96cc" xsi:nil="true"/>
-    <LocRecommendedHandoff xmlns="4873beb7-5857-4685-be1f-d57550cc96cc" xsi:nil="true"/>
-    <BusinessGroup xmlns="4873beb7-5857-4685-be1f-d57550cc96cc" xsi:nil="true"/>
-    <BlockPublish xmlns="4873beb7-5857-4685-be1f-d57550cc96cc">false</BlockPublish>
-    <TPFriendlyName xmlns="4873beb7-5857-4685-be1f-d57550cc96cc" xsi:nil="true"/>
-    <NumericId xmlns="4873beb7-5857-4685-be1f-d57550cc96cc" xsi:nil="true"/>
-    <APEditor xmlns="4873beb7-5857-4685-be1f-d57550cc96cc">
-      <UserInfo>
-        <DisplayName/>
-        <AccountId xsi:nil="true"/>
-        <AccountType/>
-      </UserInfo>
-    </APEditor>
-    <SourceTitle xmlns="4873beb7-5857-4685-be1f-d57550cc96cc" xsi:nil="true"/>
-    <OpenTemplate xmlns="4873beb7-5857-4685-be1f-d57550cc96cc">true</OpenTemplate>
-    <UALocComments xmlns="4873beb7-5857-4685-be1f-d57550cc96cc" xsi:nil="true"/>
-    <ParentAssetId xmlns="4873beb7-5857-4685-be1f-d57550cc96cc" xsi:nil="true"/>
-    <IntlLangReviewDate xmlns="4873beb7-5857-4685-be1f-d57550cc96cc" xsi:nil="true"/>
-    <FeatureTagsTaxHTField0 xmlns="4873beb7-5857-4685-be1f-d57550cc96cc">
-      <Terms xmlns="http://schemas.microsoft.com/office/infopath/2007/PartnerControls"/>
-    </FeatureTagsTaxHTField0>
-    <PublishStatusLookup xmlns="4873beb7-5857-4685-be1f-d57550cc96cc">
-      <Value>1566889</Value>
-    </PublishStatusLookup>
-    <Providers xmlns="4873beb7-5857-4685-be1f-d57550cc96cc" xsi:nil="true"/>
-    <MachineTranslated xmlns="4873beb7-5857-4685-be1f-d57550cc96cc">false</MachineTranslated>
-    <OriginalSourceMarket xmlns="4873beb7-5857-4685-be1f-d57550cc96cc" xsi:nil="true"/>
-    <APDescription xmlns="4873beb7-5857-4685-be1f-d57550cc96cc" xsi:nil="true"/>
-    <ClipArtFilename xmlns="4873beb7-5857-4685-be1f-d57550cc96cc" xsi:nil="true"/>
-    <ContentItem xmlns="4873beb7-5857-4685-be1f-d57550cc96cc" xsi:nil="true"/>
-    <TPInstallLocation xmlns="4873beb7-5857-4685-be1f-d57550cc96cc" xsi:nil="true"/>
-    <PublishTargets xmlns="4873beb7-5857-4685-be1f-d57550cc96cc">OfficeOnlineVNext</PublishTargets>
-    <TimesCloned xmlns="4873beb7-5857-4685-be1f-d57550cc96cc" xsi:nil="true"/>
-    <AssetStart xmlns="4873beb7-5857-4685-be1f-d57550cc96cc">2012-05-23T08:44:00+00:00</AssetStart>
-    <Provider xmlns="4873beb7-5857-4685-be1f-d57550cc96cc" xsi:nil="true"/>
-    <AcquiredFrom xmlns="4873beb7-5857-4685-be1f-d57550cc96cc">Internal MS</AcquiredFrom>
-    <FriendlyTitle xmlns="4873beb7-5857-4685-be1f-d57550cc96cc" xsi:nil="true"/>
-    <LastHandOff xmlns="4873beb7-5857-4685-be1f-d57550cc96cc" xsi:nil="true"/>
-    <TPClientViewer xmlns="4873beb7-5857-4685-be1f-d57550cc96cc" xsi:nil="true"/>
-    <UACurrentWords xmlns="4873beb7-5857-4685-be1f-d57550cc96cc" xsi:nil="true"/>
-    <ArtSampleDocs xmlns="4873beb7-5857-4685-be1f-d57550cc96cc" xsi:nil="true"/>
-    <UALocRecommendation xmlns="4873beb7-5857-4685-be1f-d57550cc96cc">Localize</UALocRecommendation>
-    <Manager xmlns="4873beb7-5857-4685-be1f-d57550cc96cc" xsi:nil="true"/>
-    <ShowIn xmlns="4873beb7-5857-4685-be1f-d57550cc96cc">Show everywhere</ShowIn>
-    <UANotes xmlns="4873beb7-5857-4685-be1f-d57550cc96cc" xsi:nil="true"/>
-    <TemplateStatus xmlns="4873beb7-5857-4685-be1f-d57550cc96cc">Complete</TemplateStatus>
-    <InternalTagsTaxHTField0 xmlns="4873beb7-5857-4685-be1f-d57550cc96cc">
-      <Terms xmlns="http://schemas.microsoft.com/office/infopath/2007/PartnerControls"/>
-    </InternalTagsTaxHTField0>
-    <CSXHash xmlns="4873beb7-5857-4685-be1f-d57550cc96cc" xsi:nil="true"/>
-    <Downloads xmlns="4873beb7-5857-4685-be1f-d57550cc96cc">0</Downloads>
-    <VoteCount xmlns="4873beb7-5857-4685-be1f-d57550cc96cc" xsi:nil="true"/>
-    <OOCacheId xmlns="4873beb7-5857-4685-be1f-d57550cc96cc" xsi:nil="true"/>
-    <IsDeleted xmlns="4873beb7-5857-4685-be1f-d57550cc96cc">false</IsDeleted>
-    <AssetExpire xmlns="4873beb7-5857-4685-be1f-d57550cc96cc">2029-01-01T08:00:00+00:00</AssetExpire>
-    <DSATActionTaken xmlns="4873beb7-5857-4685-be1f-d57550cc96cc" xsi:nil="true"/>
-    <CSXSubmissionMarket xmlns="4873beb7-5857-4685-be1f-d57550cc96cc" xsi:nil="true"/>
-    <TPExecutable xmlns="4873beb7-5857-4685-be1f-d57550cc96cc" xsi:nil="true"/>
-    <SubmitterId xmlns="4873beb7-5857-4685-be1f-d57550cc96cc" xsi:nil="true"/>
-    <EditorialTags xmlns="4873beb7-5857-4685-be1f-d57550cc96cc" xsi:nil="true"/>
-    <ApprovalLog xmlns="4873beb7-5857-4685-be1f-d57550cc96cc" xsi:nil="true"/>
-    <AssetType xmlns="4873beb7-5857-4685-be1f-d57550cc96cc">TP</AssetType>
-    <BugNumber xmlns="4873beb7-5857-4685-be1f-d57550cc96cc" xsi:nil="true"/>
-    <CSXSubmissionDate xmlns="4873beb7-5857-4685-be1f-d57550cc96cc" xsi:nil="true"/>
-    <CSXUpdate xmlns="4873beb7-5857-4685-be1f-d57550cc96cc">false</CSXUpdate>
-    <Milestone xmlns="4873beb7-5857-4685-be1f-d57550cc96cc" xsi:nil="true"/>
-    <RecommendationsModifier xmlns="4873beb7-5857-4685-be1f-d57550cc96cc" xsi:nil="true"/>
-    <OriginAsset xmlns="4873beb7-5857-4685-be1f-d57550cc96cc" xsi:nil="true"/>
-    <TPComponent xmlns="4873beb7-5857-4685-be1f-d57550cc96cc" xsi:nil="true"/>
-    <AssetId xmlns="4873beb7-5857-4685-be1f-d57550cc96cc">TP102901017</AssetId>
-    <IntlLocPriority xmlns="4873beb7-5857-4685-be1f-d57550cc96cc" xsi:nil="true"/>
-    <PolicheckWords xmlns="4873beb7-5857-4685-be1f-d57550cc96cc" xsi:nil="true"/>
-    <TPLaunchHelpLink xmlns="4873beb7-5857-4685-be1f-d57550cc96cc" xsi:nil="true"/>
-    <TPApplication xmlns="4873beb7-5857-4685-be1f-d57550cc96cc" xsi:nil="true"/>
-    <CrawlForDependencies xmlns="4873beb7-5857-4685-be1f-d57550cc96cc">false</CrawlForDependencies>
-    <HandoffToMSDN xmlns="4873beb7-5857-4685-be1f-d57550cc96cc" xsi:nil="true"/>
-    <PlannedPubDate xmlns="4873beb7-5857-4685-be1f-d57550cc96cc" xsi:nil="true"/>
-    <IntlLangReviewer xmlns="4873beb7-5857-4685-be1f-d57550cc96cc" xsi:nil="true"/>
-    <TrustLevel xmlns="4873beb7-5857-4685-be1f-d57550cc96cc">1 Microsoft Managed Content</TrustLevel>
-    <LocLastLocAttemptVersionLookup xmlns="4873beb7-5857-4685-be1f-d57550cc96cc">836753</LocLastLocAttemptVersionLookup>
-    <IsSearchable xmlns="4873beb7-5857-4685-be1f-d57550cc96cc">true</IsSearchable>
-    <TemplateTemplateType xmlns="4873beb7-5857-4685-be1f-d57550cc96cc">PowerPoint Design Template</TemplateTemplateType>
-    <CampaignTagsTaxHTField0 xmlns="4873beb7-5857-4685-be1f-d57550cc96cc">
-      <Terms xmlns="http://schemas.microsoft.com/office/infopath/2007/PartnerControls"/>
-    </CampaignTagsTaxHTField0>
-    <TPNamespace xmlns="4873beb7-5857-4685-be1f-d57550cc96cc" xsi:nil="true"/>
-    <TaxCatchAll xmlns="4873beb7-5857-4685-be1f-d57550cc96cc"/>
-    <Markets xmlns="4873beb7-5857-4685-be1f-d57550cc96cc"/>
-    <UAProjectedTotalWords xmlns="4873beb7-5857-4685-be1f-d57550cc96cc" xsi:nil="true"/>
-    <IntlLangReview xmlns="4873beb7-5857-4685-be1f-d57550cc96cc">false</IntlLangReview>
-    <OutputCachingOn xmlns="4873beb7-5857-4685-be1f-d57550cc96cc">false</OutputCachingOn>
-    <AverageRating xmlns="4873beb7-5857-4685-be1f-d57550cc96cc" xsi:nil="true"/>
-    <APAuthor xmlns="4873beb7-5857-4685-be1f-d57550cc96cc">
-      <UserInfo>
-        <DisplayName>REDMOND\v-anij</DisplayName>
-        <AccountId>2469</AccountId>
-        <AccountType/>
-      </UserInfo>
-    </APAuthor>
-    <LocManualTestRequired xmlns="4873beb7-5857-4685-be1f-d57550cc96cc">false</LocManualTestRequired>
-    <TPCommandLine xmlns="4873beb7-5857-4685-be1f-d57550cc96cc" xsi:nil="true"/>
-    <TPAppVersion xmlns="4873beb7-5857-4685-be1f-d57550cc96cc" xsi:nil="true"/>
-    <EditorialStatus xmlns="4873beb7-5857-4685-be1f-d57550cc96cc">Complete</EditorialStatus>
-    <LastModifiedDateTime xmlns="4873beb7-5857-4685-be1f-d57550cc96cc" xsi:nil="true"/>
-    <ScenarioTagsTaxHTField0 xmlns="4873beb7-5857-4685-be1f-d57550cc96cc">
-      <Terms xmlns="http://schemas.microsoft.com/office/infopath/2007/PartnerControls"/>
-    </ScenarioTagsTaxHTField0>
-    <OriginalRelease xmlns="4873beb7-5857-4685-be1f-d57550cc96cc">15</OriginalRelease>
-    <TPLaunchHelpLinkType xmlns="4873beb7-5857-4685-be1f-d57550cc96cc">Template</TPLaunchHelpLinkType>
-    <LocalizationTagsTaxHTField0 xmlns="4873beb7-5857-4685-be1f-d57550cc96cc">
-      <Terms xmlns="http://schemas.microsoft.com/office/infopath/2007/PartnerControls"/>
-    </LocalizationTagsTaxHTField0>
-    <LocMarketGroupTiers2 xmlns="4873beb7-5857-4685-be1f-d57550cc96cc" xsi:nil="true"/>
-  </documentManagement>
-</p:properties>
-</file>
-
-<file path=customXml/item3.xml><?xml version="1.0" encoding="utf-8"?>
-<?mso-contentType ?>
-<FormTemplates xmlns="http://schemas.microsoft.com/sharepoint/v3/contenttype/forms">
-  <Display>DocumentLibraryForm</Display>
-  <Edit>AssetEditForm</Edit>
-  <New>DocumentLibraryForm</New>
-</FormTemplates>
-</file>
-
 <file path=customXml/itemProps1.xml><?xml version="1.0" encoding="utf-8"?>
-<ds:datastoreItem xmlns:ds="http://schemas.openxmlformats.org/officeDocument/2006/customXml" ds:itemID="{0B5C6E15-39DC-470B-9445-F754B9458020}">
+<ds:datastoreItem xmlns:ds="http://schemas.openxmlformats.org/officeDocument/2006/customXml" ds:itemID="{746CFF6F-D9AA-4BC0-911A-0A1356771912}">
   <ds:schemaRefs>
-    <ds:schemaRef ds:uri="http://schemas.microsoft.com/office/2006/metadata/contentType"/>
-    <ds:schemaRef ds:uri="http://schemas.microsoft.com/office/2006/metadata/properties/metaAttributes"/>
-    <ds:schemaRef ds:uri="http://www.w3.org/2001/XMLSchema"/>
-    <ds:schemaRef ds:uri="http://schemas.microsoft.com/office/2006/metadata/properties"/>
-    <ds:schemaRef ds:uri="4873beb7-5857-4685-be1f-d57550cc96cc"/>
-    <ds:schemaRef ds:uri="http://schemas.microsoft.com/office/2006/documentManagement/types"/>
-    <ds:schemaRef ds:uri="http://schemas.microsoft.com/office/infopath/2007/PartnerControls"/>
-    <ds:schemaRef ds:uri="http://schemas.openxmlformats.org/package/2006/metadata/core-properties"/>
-    <ds:schemaRef ds:uri="http://purl.org/dc/elements/1.1/"/>
-    <ds:schemaRef ds:uri="http://purl.org/dc/terms/"/>
-    <ds:schemaRef ds:uri="http://schemas.microsoft.com/internal/obd"/>
+    <ds:schemaRef ds:uri="http://schemas.microsoft.com/sharepoint/v3/contenttype/forms"/>
   </ds:schemaRefs>
 </ds:datastoreItem>
 </file>
@@ -6825,9 +6973,19 @@
 </file>
 
 <file path=customXml/itemProps3.xml><?xml version="1.0" encoding="utf-8"?>
-<ds:datastoreItem xmlns:ds="http://schemas.openxmlformats.org/officeDocument/2006/customXml" ds:itemID="{746CFF6F-D9AA-4BC0-911A-0A1356771912}">
+<ds:datastoreItem xmlns:ds="http://schemas.openxmlformats.org/officeDocument/2006/customXml" ds:itemID="{0B5C6E15-39DC-470B-9445-F754B9458020}">
   <ds:schemaRefs>
-    <ds:schemaRef ds:uri="http://schemas.microsoft.com/sharepoint/v3/contenttype/forms"/>
+    <ds:schemaRef ds:uri="http://schemas.microsoft.com/office/2006/metadata/contentType"/>
+    <ds:schemaRef ds:uri="http://schemas.microsoft.com/office/2006/metadata/properties/metaAttributes"/>
+    <ds:schemaRef ds:uri="http://www.w3.org/2001/XMLSchema"/>
+    <ds:schemaRef ds:uri="http://schemas.microsoft.com/office/2006/metadata/properties"/>
+    <ds:schemaRef ds:uri="4873beb7-5857-4685-be1f-d57550cc96cc"/>
+    <ds:schemaRef ds:uri="http://schemas.microsoft.com/office/2006/documentManagement/types"/>
+    <ds:schemaRef ds:uri="http://schemas.microsoft.com/office/infopath/2007/PartnerControls"/>
+    <ds:schemaRef ds:uri="http://schemas.openxmlformats.org/package/2006/metadata/core-properties"/>
+    <ds:schemaRef ds:uri="http://purl.org/dc/elements/1.1/"/>
+    <ds:schemaRef ds:uri="http://purl.org/dc/terms/"/>
+    <ds:schemaRef ds:uri="http://schemas.microsoft.com/internal/obd"/>
   </ds:schemaRefs>
 </ds:datastoreItem>
 </file>
--- a/GIT HUB Branching & Merging.pptx
+++ b/GIT HUB Branching & Merging.pptx
@@ -4933,11 +4933,19 @@
           </a:p>
           <a:p>
             <a:r>
+              <a:rPr lang="en-US" dirty="0"/>
+              <a:t>Type the name of your new branch when prompted to do so.</a:t>
+            </a:r>
+          </a:p>
+          <a:p>
+            <a:r>
+              <a:rPr lang="en-US" dirty="0"/>
+              <a:t>You can now begin working on your branch files just as you would the master. As you add or change your files you can stage and commit your changes to </a:t>
+            </a:r>
+            <a:r>
               <a:rPr lang="en-US"/>
-              <a:t>Type the name of your new branch when prompted to do so.</a:t>
-            </a:r>
-          </a:p>
-          <a:p>
+              <a:t>your branch.</a:t>
+            </a:r>
             <a:endParaRPr lang="en-US" dirty="0"/>
           </a:p>
         </p:txBody>
@@ -5783,132 +5791,6 @@
 </file>
 
 <file path=customXml/item2.xml><?xml version="1.0" encoding="utf-8"?>
-<p:properties xmlns:p="http://schemas.microsoft.com/office/2006/metadata/properties" xmlns:xsi="http://www.w3.org/2001/XMLSchema-instance" xmlns:pc="http://schemas.microsoft.com/office/infopath/2007/PartnerControls">
-  <documentManagement>
-    <DirectSourceMarket xmlns="4873beb7-5857-4685-be1f-d57550cc96cc" xsi:nil="true"/>
-    <ApprovalStatus xmlns="4873beb7-5857-4685-be1f-d57550cc96cc">InProgress</ApprovalStatus>
-    <MarketSpecific xmlns="4873beb7-5857-4685-be1f-d57550cc96cc">false</MarketSpecific>
-    <LocComments xmlns="4873beb7-5857-4685-be1f-d57550cc96cc" xsi:nil="true"/>
-    <ThumbnailAssetId xmlns="4873beb7-5857-4685-be1f-d57550cc96cc" xsi:nil="true"/>
-    <PrimaryImageGen xmlns="4873beb7-5857-4685-be1f-d57550cc96cc">true</PrimaryImageGen>
-    <LegacyData xmlns="4873beb7-5857-4685-be1f-d57550cc96cc" xsi:nil="true"/>
-    <LocRecommendedHandoff xmlns="4873beb7-5857-4685-be1f-d57550cc96cc" xsi:nil="true"/>
-    <BusinessGroup xmlns="4873beb7-5857-4685-be1f-d57550cc96cc" xsi:nil="true"/>
-    <BlockPublish xmlns="4873beb7-5857-4685-be1f-d57550cc96cc">false</BlockPublish>
-    <TPFriendlyName xmlns="4873beb7-5857-4685-be1f-d57550cc96cc" xsi:nil="true"/>
-    <NumericId xmlns="4873beb7-5857-4685-be1f-d57550cc96cc" xsi:nil="true"/>
-    <APEditor xmlns="4873beb7-5857-4685-be1f-d57550cc96cc">
-      <UserInfo>
-        <DisplayName/>
-        <AccountId xsi:nil="true"/>
-        <AccountType/>
-      </UserInfo>
-    </APEditor>
-    <SourceTitle xmlns="4873beb7-5857-4685-be1f-d57550cc96cc" xsi:nil="true"/>
-    <OpenTemplate xmlns="4873beb7-5857-4685-be1f-d57550cc96cc">true</OpenTemplate>
-    <UALocComments xmlns="4873beb7-5857-4685-be1f-d57550cc96cc" xsi:nil="true"/>
-    <ParentAssetId xmlns="4873beb7-5857-4685-be1f-d57550cc96cc" xsi:nil="true"/>
-    <IntlLangReviewDate xmlns="4873beb7-5857-4685-be1f-d57550cc96cc" xsi:nil="true"/>
-    <FeatureTagsTaxHTField0 xmlns="4873beb7-5857-4685-be1f-d57550cc96cc">
-      <Terms xmlns="http://schemas.microsoft.com/office/infopath/2007/PartnerControls"/>
-    </FeatureTagsTaxHTField0>
-    <PublishStatusLookup xmlns="4873beb7-5857-4685-be1f-d57550cc96cc">
-      <Value>1566889</Value>
-    </PublishStatusLookup>
-    <Providers xmlns="4873beb7-5857-4685-be1f-d57550cc96cc" xsi:nil="true"/>
-    <MachineTranslated xmlns="4873beb7-5857-4685-be1f-d57550cc96cc">false</MachineTranslated>
-    <OriginalSourceMarket xmlns="4873beb7-5857-4685-be1f-d57550cc96cc" xsi:nil="true"/>
-    <APDescription xmlns="4873beb7-5857-4685-be1f-d57550cc96cc" xsi:nil="true"/>
-    <ClipArtFilename xmlns="4873beb7-5857-4685-be1f-d57550cc96cc" xsi:nil="true"/>
-    <ContentItem xmlns="4873beb7-5857-4685-be1f-d57550cc96cc" xsi:nil="true"/>
-    <TPInstallLocation xmlns="4873beb7-5857-4685-be1f-d57550cc96cc" xsi:nil="true"/>
-    <PublishTargets xmlns="4873beb7-5857-4685-be1f-d57550cc96cc">OfficeOnlineVNext</PublishTargets>
-    <TimesCloned xmlns="4873beb7-5857-4685-be1f-d57550cc96cc" xsi:nil="true"/>
-    <AssetStart xmlns="4873beb7-5857-4685-be1f-d57550cc96cc">2012-05-23T08:44:00+00:00</AssetStart>
-    <Provider xmlns="4873beb7-5857-4685-be1f-d57550cc96cc" xsi:nil="true"/>
-    <AcquiredFrom xmlns="4873beb7-5857-4685-be1f-d57550cc96cc">Internal MS</AcquiredFrom>
-    <FriendlyTitle xmlns="4873beb7-5857-4685-be1f-d57550cc96cc" xsi:nil="true"/>
-    <LastHandOff xmlns="4873beb7-5857-4685-be1f-d57550cc96cc" xsi:nil="true"/>
-    <TPClientViewer xmlns="4873beb7-5857-4685-be1f-d57550cc96cc" xsi:nil="true"/>
-    <UACurrentWords xmlns="4873beb7-5857-4685-be1f-d57550cc96cc" xsi:nil="true"/>
-    <ArtSampleDocs xmlns="4873beb7-5857-4685-be1f-d57550cc96cc" xsi:nil="true"/>
-    <UALocRecommendation xmlns="4873beb7-5857-4685-be1f-d57550cc96cc">Localize</UALocRecommendation>
-    <Manager xmlns="4873beb7-5857-4685-be1f-d57550cc96cc" xsi:nil="true"/>
-    <ShowIn xmlns="4873beb7-5857-4685-be1f-d57550cc96cc">Show everywhere</ShowIn>
-    <UANotes xmlns="4873beb7-5857-4685-be1f-d57550cc96cc" xsi:nil="true"/>
-    <TemplateStatus xmlns="4873beb7-5857-4685-be1f-d57550cc96cc">Complete</TemplateStatus>
-    <InternalTagsTaxHTField0 xmlns="4873beb7-5857-4685-be1f-d57550cc96cc">
-      <Terms xmlns="http://schemas.microsoft.com/office/infopath/2007/PartnerControls"/>
-    </InternalTagsTaxHTField0>
-    <CSXHash xmlns="4873beb7-5857-4685-be1f-d57550cc96cc" xsi:nil="true"/>
-    <Downloads xmlns="4873beb7-5857-4685-be1f-d57550cc96cc">0</Downloads>
-    <VoteCount xmlns="4873beb7-5857-4685-be1f-d57550cc96cc" xsi:nil="true"/>
-    <OOCacheId xmlns="4873beb7-5857-4685-be1f-d57550cc96cc" xsi:nil="true"/>
-    <IsDeleted xmlns="4873beb7-5857-4685-be1f-d57550cc96cc">false</IsDeleted>
-    <AssetExpire xmlns="4873beb7-5857-4685-be1f-d57550cc96cc">2029-01-01T08:00:00+00:00</AssetExpire>
-    <DSATActionTaken xmlns="4873beb7-5857-4685-be1f-d57550cc96cc" xsi:nil="true"/>
-    <CSXSubmissionMarket xmlns="4873beb7-5857-4685-be1f-d57550cc96cc" xsi:nil="true"/>
-    <TPExecutable xmlns="4873beb7-5857-4685-be1f-d57550cc96cc" xsi:nil="true"/>
-    <SubmitterId xmlns="4873beb7-5857-4685-be1f-d57550cc96cc" xsi:nil="true"/>
-    <EditorialTags xmlns="4873beb7-5857-4685-be1f-d57550cc96cc" xsi:nil="true"/>
-    <ApprovalLog xmlns="4873beb7-5857-4685-be1f-d57550cc96cc" xsi:nil="true"/>
-    <AssetType xmlns="4873beb7-5857-4685-be1f-d57550cc96cc">TP</AssetType>
-    <BugNumber xmlns="4873beb7-5857-4685-be1f-d57550cc96cc" xsi:nil="true"/>
-    <CSXSubmissionDate xmlns="4873beb7-5857-4685-be1f-d57550cc96cc" xsi:nil="true"/>
-    <CSXUpdate xmlns="4873beb7-5857-4685-be1f-d57550cc96cc">false</CSXUpdate>
-    <Milestone xmlns="4873beb7-5857-4685-be1f-d57550cc96cc" xsi:nil="true"/>
-    <RecommendationsModifier xmlns="4873beb7-5857-4685-be1f-d57550cc96cc" xsi:nil="true"/>
-    <OriginAsset xmlns="4873beb7-5857-4685-be1f-d57550cc96cc" xsi:nil="true"/>
-    <TPComponent xmlns="4873beb7-5857-4685-be1f-d57550cc96cc" xsi:nil="true"/>
-    <AssetId xmlns="4873beb7-5857-4685-be1f-d57550cc96cc">TP102901017</AssetId>
-    <IntlLocPriority xmlns="4873beb7-5857-4685-be1f-d57550cc96cc" xsi:nil="true"/>
-    <PolicheckWords xmlns="4873beb7-5857-4685-be1f-d57550cc96cc" xsi:nil="true"/>
-    <TPLaunchHelpLink xmlns="4873beb7-5857-4685-be1f-d57550cc96cc" xsi:nil="true"/>
-    <TPApplication xmlns="4873beb7-5857-4685-be1f-d57550cc96cc" xsi:nil="true"/>
-    <CrawlForDependencies xmlns="4873beb7-5857-4685-be1f-d57550cc96cc">false</CrawlForDependencies>
-    <HandoffToMSDN xmlns="4873beb7-5857-4685-be1f-d57550cc96cc" xsi:nil="true"/>
-    <PlannedPubDate xmlns="4873beb7-5857-4685-be1f-d57550cc96cc" xsi:nil="true"/>
-    <IntlLangReviewer xmlns="4873beb7-5857-4685-be1f-d57550cc96cc" xsi:nil="true"/>
-    <TrustLevel xmlns="4873beb7-5857-4685-be1f-d57550cc96cc">1 Microsoft Managed Content</TrustLevel>
-    <LocLastLocAttemptVersionLookup xmlns="4873beb7-5857-4685-be1f-d57550cc96cc">836753</LocLastLocAttemptVersionLookup>
-    <IsSearchable xmlns="4873beb7-5857-4685-be1f-d57550cc96cc">true</IsSearchable>
-    <TemplateTemplateType xmlns="4873beb7-5857-4685-be1f-d57550cc96cc">PowerPoint Design Template</TemplateTemplateType>
-    <CampaignTagsTaxHTField0 xmlns="4873beb7-5857-4685-be1f-d57550cc96cc">
-      <Terms xmlns="http://schemas.microsoft.com/office/infopath/2007/PartnerControls"/>
-    </CampaignTagsTaxHTField0>
-    <TPNamespace xmlns="4873beb7-5857-4685-be1f-d57550cc96cc" xsi:nil="true"/>
-    <TaxCatchAll xmlns="4873beb7-5857-4685-be1f-d57550cc96cc"/>
-    <Markets xmlns="4873beb7-5857-4685-be1f-d57550cc96cc"/>
-    <UAProjectedTotalWords xmlns="4873beb7-5857-4685-be1f-d57550cc96cc" xsi:nil="true"/>
-    <IntlLangReview xmlns="4873beb7-5857-4685-be1f-d57550cc96cc">false</IntlLangReview>
-    <OutputCachingOn xmlns="4873beb7-5857-4685-be1f-d57550cc96cc">false</OutputCachingOn>
-    <AverageRating xmlns="4873beb7-5857-4685-be1f-d57550cc96cc" xsi:nil="true"/>
-    <APAuthor xmlns="4873beb7-5857-4685-be1f-d57550cc96cc">
-      <UserInfo>
-        <DisplayName>REDMOND\v-anij</DisplayName>
-        <AccountId>2469</AccountId>
-        <AccountType/>
-      </UserInfo>
-    </APAuthor>
-    <LocManualTestRequired xmlns="4873beb7-5857-4685-be1f-d57550cc96cc">false</LocManualTestRequired>
-    <TPCommandLine xmlns="4873beb7-5857-4685-be1f-d57550cc96cc" xsi:nil="true"/>
-    <TPAppVersion xmlns="4873beb7-5857-4685-be1f-d57550cc96cc" xsi:nil="true"/>
-    <EditorialStatus xmlns="4873beb7-5857-4685-be1f-d57550cc96cc">Complete</EditorialStatus>
-    <LastModifiedDateTime xmlns="4873beb7-5857-4685-be1f-d57550cc96cc" xsi:nil="true"/>
-    <ScenarioTagsTaxHTField0 xmlns="4873beb7-5857-4685-be1f-d57550cc96cc">
-      <Terms xmlns="http://schemas.microsoft.com/office/infopath/2007/PartnerControls"/>
-    </ScenarioTagsTaxHTField0>
-    <OriginalRelease xmlns="4873beb7-5857-4685-be1f-d57550cc96cc">15</OriginalRelease>
-    <TPLaunchHelpLinkType xmlns="4873beb7-5857-4685-be1f-d57550cc96cc">Template</TPLaunchHelpLinkType>
-    <LocalizationTagsTaxHTField0 xmlns="4873beb7-5857-4685-be1f-d57550cc96cc">
-      <Terms xmlns="http://schemas.microsoft.com/office/infopath/2007/PartnerControls"/>
-    </LocalizationTagsTaxHTField0>
-    <LocMarketGroupTiers2 xmlns="4873beb7-5857-4685-be1f-d57550cc96cc" xsi:nil="true"/>
-  </documentManagement>
-</p:properties>
-</file>
-
-<file path=customXml/item3.xml><?xml version="1.0" encoding="utf-8"?>
 <ct:contentTypeSchema xmlns:ct="http://schemas.microsoft.com/office/2006/metadata/contentType" xmlns:ma="http://schemas.microsoft.com/office/2006/metadata/properties/metaAttributes" ct:_="" ma:_="" ma:contentTypeName="TemplateFile" ma:contentTypeID="0x0101006EDDDB5EE6D98C44930B742096920B300400F5B6D36B3EF94B4E9A635CDF2A18F5B8" ma:contentTypeVersion="72" ma:contentTypeDescription="Create a new document." ma:contentTypeScope="" ma:versionID="a23e56308344d904b51738559c3d67c9">
   <xsd:schema xmlns:xsd="http://www.w3.org/2001/XMLSchema" xmlns:xs="http://www.w3.org/2001/XMLSchema" xmlns:p="http://schemas.microsoft.com/office/2006/metadata/properties" xmlns:ns2="4873beb7-5857-4685-be1f-d57550cc96cc" targetNamespace="http://schemas.microsoft.com/office/2006/metadata/properties" ma:root="true" ma:fieldsID="cd0908cc4600e77bf5da051303e00c8d" ns2:_="">
     <xsd:import namespace="4873beb7-5857-4685-be1f-d57550cc96cc"/>
@@ -6948,6 +6830,132 @@
 </ct:contentTypeSchema>
 </file>
 
+<file path=customXml/item3.xml><?xml version="1.0" encoding="utf-8"?>
+<p:properties xmlns:p="http://schemas.microsoft.com/office/2006/metadata/properties" xmlns:xsi="http://www.w3.org/2001/XMLSchema-instance" xmlns:pc="http://schemas.microsoft.com/office/infopath/2007/PartnerControls">
+  <documentManagement>
+    <DirectSourceMarket xmlns="4873beb7-5857-4685-be1f-d57550cc96cc" xsi:nil="true"/>
+    <ApprovalStatus xmlns="4873beb7-5857-4685-be1f-d57550cc96cc">InProgress</ApprovalStatus>
+    <MarketSpecific xmlns="4873beb7-5857-4685-be1f-d57550cc96cc">false</MarketSpecific>
+    <LocComments xmlns="4873beb7-5857-4685-be1f-d57550cc96cc" xsi:nil="true"/>
+    <ThumbnailAssetId xmlns="4873beb7-5857-4685-be1f-d57550cc96cc" xsi:nil="true"/>
+    <PrimaryImageGen xmlns="4873beb7-5857-4685-be1f-d57550cc96cc">true</PrimaryImageGen>
+    <LegacyData xmlns="4873beb7-5857-4685-be1f-d57550cc96cc" xsi:nil="true"/>
+    <LocRecommendedHandoff xmlns="4873beb7-5857-4685-be1f-d57550cc96cc" xsi:nil="true"/>
+    <BusinessGroup xmlns="4873beb7-5857-4685-be1f-d57550cc96cc" xsi:nil="true"/>
+    <BlockPublish xmlns="4873beb7-5857-4685-be1f-d57550cc96cc">false</BlockPublish>
+    <TPFriendlyName xmlns="4873beb7-5857-4685-be1f-d57550cc96cc" xsi:nil="true"/>
+    <NumericId xmlns="4873beb7-5857-4685-be1f-d57550cc96cc" xsi:nil="true"/>
+    <APEditor xmlns="4873beb7-5857-4685-be1f-d57550cc96cc">
+      <UserInfo>
+        <DisplayName/>
+        <AccountId xsi:nil="true"/>
+        <AccountType/>
+      </UserInfo>
+    </APEditor>
+    <SourceTitle xmlns="4873beb7-5857-4685-be1f-d57550cc96cc" xsi:nil="true"/>
+    <OpenTemplate xmlns="4873beb7-5857-4685-be1f-d57550cc96cc">true</OpenTemplate>
+    <UALocComments xmlns="4873beb7-5857-4685-be1f-d57550cc96cc" xsi:nil="true"/>
+    <ParentAssetId xmlns="4873beb7-5857-4685-be1f-d57550cc96cc" xsi:nil="true"/>
+    <IntlLangReviewDate xmlns="4873beb7-5857-4685-be1f-d57550cc96cc" xsi:nil="true"/>
+    <FeatureTagsTaxHTField0 xmlns="4873beb7-5857-4685-be1f-d57550cc96cc">
+      <Terms xmlns="http://schemas.microsoft.com/office/infopath/2007/PartnerControls"/>
+    </FeatureTagsTaxHTField0>
+    <PublishStatusLookup xmlns="4873beb7-5857-4685-be1f-d57550cc96cc">
+      <Value>1566889</Value>
+    </PublishStatusLookup>
+    <Providers xmlns="4873beb7-5857-4685-be1f-d57550cc96cc" xsi:nil="true"/>
+    <MachineTranslated xmlns="4873beb7-5857-4685-be1f-d57550cc96cc">false</MachineTranslated>
+    <OriginalSourceMarket xmlns="4873beb7-5857-4685-be1f-d57550cc96cc" xsi:nil="true"/>
+    <APDescription xmlns="4873beb7-5857-4685-be1f-d57550cc96cc" xsi:nil="true"/>
+    <ClipArtFilename xmlns="4873beb7-5857-4685-be1f-d57550cc96cc" xsi:nil="true"/>
+    <ContentItem xmlns="4873beb7-5857-4685-be1f-d57550cc96cc" xsi:nil="true"/>
+    <TPInstallLocation xmlns="4873beb7-5857-4685-be1f-d57550cc96cc" xsi:nil="true"/>
+    <PublishTargets xmlns="4873beb7-5857-4685-be1f-d57550cc96cc">OfficeOnlineVNext</PublishTargets>
+    <TimesCloned xmlns="4873beb7-5857-4685-be1f-d57550cc96cc" xsi:nil="true"/>
+    <AssetStart xmlns="4873beb7-5857-4685-be1f-d57550cc96cc">2012-05-23T08:44:00+00:00</AssetStart>
+    <Provider xmlns="4873beb7-5857-4685-be1f-d57550cc96cc" xsi:nil="true"/>
+    <AcquiredFrom xmlns="4873beb7-5857-4685-be1f-d57550cc96cc">Internal MS</AcquiredFrom>
+    <FriendlyTitle xmlns="4873beb7-5857-4685-be1f-d57550cc96cc" xsi:nil="true"/>
+    <LastHandOff xmlns="4873beb7-5857-4685-be1f-d57550cc96cc" xsi:nil="true"/>
+    <TPClientViewer xmlns="4873beb7-5857-4685-be1f-d57550cc96cc" xsi:nil="true"/>
+    <UACurrentWords xmlns="4873beb7-5857-4685-be1f-d57550cc96cc" xsi:nil="true"/>
+    <ArtSampleDocs xmlns="4873beb7-5857-4685-be1f-d57550cc96cc" xsi:nil="true"/>
+    <UALocRecommendation xmlns="4873beb7-5857-4685-be1f-d57550cc96cc">Localize</UALocRecommendation>
+    <Manager xmlns="4873beb7-5857-4685-be1f-d57550cc96cc" xsi:nil="true"/>
+    <ShowIn xmlns="4873beb7-5857-4685-be1f-d57550cc96cc">Show everywhere</ShowIn>
+    <UANotes xmlns="4873beb7-5857-4685-be1f-d57550cc96cc" xsi:nil="true"/>
+    <TemplateStatus xmlns="4873beb7-5857-4685-be1f-d57550cc96cc">Complete</TemplateStatus>
+    <InternalTagsTaxHTField0 xmlns="4873beb7-5857-4685-be1f-d57550cc96cc">
+      <Terms xmlns="http://schemas.microsoft.com/office/infopath/2007/PartnerControls"/>
+    </InternalTagsTaxHTField0>
+    <CSXHash xmlns="4873beb7-5857-4685-be1f-d57550cc96cc" xsi:nil="true"/>
+    <Downloads xmlns="4873beb7-5857-4685-be1f-d57550cc96cc">0</Downloads>
+    <VoteCount xmlns="4873beb7-5857-4685-be1f-d57550cc96cc" xsi:nil="true"/>
+    <OOCacheId xmlns="4873beb7-5857-4685-be1f-d57550cc96cc" xsi:nil="true"/>
+    <IsDeleted xmlns="4873beb7-5857-4685-be1f-d57550cc96cc">false</IsDeleted>
+    <AssetExpire xmlns="4873beb7-5857-4685-be1f-d57550cc96cc">2029-01-01T08:00:00+00:00</AssetExpire>
+    <DSATActionTaken xmlns="4873beb7-5857-4685-be1f-d57550cc96cc" xsi:nil="true"/>
+    <CSXSubmissionMarket xmlns="4873beb7-5857-4685-be1f-d57550cc96cc" xsi:nil="true"/>
+    <TPExecutable xmlns="4873beb7-5857-4685-be1f-d57550cc96cc" xsi:nil="true"/>
+    <SubmitterId xmlns="4873beb7-5857-4685-be1f-d57550cc96cc" xsi:nil="true"/>
+    <EditorialTags xmlns="4873beb7-5857-4685-be1f-d57550cc96cc" xsi:nil="true"/>
+    <ApprovalLog xmlns="4873beb7-5857-4685-be1f-d57550cc96cc" xsi:nil="true"/>
+    <AssetType xmlns="4873beb7-5857-4685-be1f-d57550cc96cc">TP</AssetType>
+    <BugNumber xmlns="4873beb7-5857-4685-be1f-d57550cc96cc" xsi:nil="true"/>
+    <CSXSubmissionDate xmlns="4873beb7-5857-4685-be1f-d57550cc96cc" xsi:nil="true"/>
+    <CSXUpdate xmlns="4873beb7-5857-4685-be1f-d57550cc96cc">false</CSXUpdate>
+    <Milestone xmlns="4873beb7-5857-4685-be1f-d57550cc96cc" xsi:nil="true"/>
+    <RecommendationsModifier xmlns="4873beb7-5857-4685-be1f-d57550cc96cc" xsi:nil="true"/>
+    <OriginAsset xmlns="4873beb7-5857-4685-be1f-d57550cc96cc" xsi:nil="true"/>
+    <TPComponent xmlns="4873beb7-5857-4685-be1f-d57550cc96cc" xsi:nil="true"/>
+    <AssetId xmlns="4873beb7-5857-4685-be1f-d57550cc96cc">TP102901017</AssetId>
+    <IntlLocPriority xmlns="4873beb7-5857-4685-be1f-d57550cc96cc" xsi:nil="true"/>
+    <PolicheckWords xmlns="4873beb7-5857-4685-be1f-d57550cc96cc" xsi:nil="true"/>
+    <TPLaunchHelpLink xmlns="4873beb7-5857-4685-be1f-d57550cc96cc" xsi:nil="true"/>
+    <TPApplication xmlns="4873beb7-5857-4685-be1f-d57550cc96cc" xsi:nil="true"/>
+    <CrawlForDependencies xmlns="4873beb7-5857-4685-be1f-d57550cc96cc">false</CrawlForDependencies>
+    <HandoffToMSDN xmlns="4873beb7-5857-4685-be1f-d57550cc96cc" xsi:nil="true"/>
+    <PlannedPubDate xmlns="4873beb7-5857-4685-be1f-d57550cc96cc" xsi:nil="true"/>
+    <IntlLangReviewer xmlns="4873beb7-5857-4685-be1f-d57550cc96cc" xsi:nil="true"/>
+    <TrustLevel xmlns="4873beb7-5857-4685-be1f-d57550cc96cc">1 Microsoft Managed Content</TrustLevel>
+    <LocLastLocAttemptVersionLookup xmlns="4873beb7-5857-4685-be1f-d57550cc96cc">836753</LocLastLocAttemptVersionLookup>
+    <IsSearchable xmlns="4873beb7-5857-4685-be1f-d57550cc96cc">true</IsSearchable>
+    <TemplateTemplateType xmlns="4873beb7-5857-4685-be1f-d57550cc96cc">PowerPoint Design Template</TemplateTemplateType>
+    <CampaignTagsTaxHTField0 xmlns="4873beb7-5857-4685-be1f-d57550cc96cc">
+      <Terms xmlns="http://schemas.microsoft.com/office/infopath/2007/PartnerControls"/>
+    </CampaignTagsTaxHTField0>
+    <TPNamespace xmlns="4873beb7-5857-4685-be1f-d57550cc96cc" xsi:nil="true"/>
+    <TaxCatchAll xmlns="4873beb7-5857-4685-be1f-d57550cc96cc"/>
+    <Markets xmlns="4873beb7-5857-4685-be1f-d57550cc96cc"/>
+    <UAProjectedTotalWords xmlns="4873beb7-5857-4685-be1f-d57550cc96cc" xsi:nil="true"/>
+    <IntlLangReview xmlns="4873beb7-5857-4685-be1f-d57550cc96cc">false</IntlLangReview>
+    <OutputCachingOn xmlns="4873beb7-5857-4685-be1f-d57550cc96cc">false</OutputCachingOn>
+    <AverageRating xmlns="4873beb7-5857-4685-be1f-d57550cc96cc" xsi:nil="true"/>
+    <APAuthor xmlns="4873beb7-5857-4685-be1f-d57550cc96cc">
+      <UserInfo>
+        <DisplayName>REDMOND\v-anij</DisplayName>
+        <AccountId>2469</AccountId>
+        <AccountType/>
+      </UserInfo>
+    </APAuthor>
+    <LocManualTestRequired xmlns="4873beb7-5857-4685-be1f-d57550cc96cc">false</LocManualTestRequired>
+    <TPCommandLine xmlns="4873beb7-5857-4685-be1f-d57550cc96cc" xsi:nil="true"/>
+    <TPAppVersion xmlns="4873beb7-5857-4685-be1f-d57550cc96cc" xsi:nil="true"/>
+    <EditorialStatus xmlns="4873beb7-5857-4685-be1f-d57550cc96cc">Complete</EditorialStatus>
+    <LastModifiedDateTime xmlns="4873beb7-5857-4685-be1f-d57550cc96cc" xsi:nil="true"/>
+    <ScenarioTagsTaxHTField0 xmlns="4873beb7-5857-4685-be1f-d57550cc96cc">
+      <Terms xmlns="http://schemas.microsoft.com/office/infopath/2007/PartnerControls"/>
+    </ScenarioTagsTaxHTField0>
+    <OriginalRelease xmlns="4873beb7-5857-4685-be1f-d57550cc96cc">15</OriginalRelease>
+    <TPLaunchHelpLinkType xmlns="4873beb7-5857-4685-be1f-d57550cc96cc">Template</TPLaunchHelpLinkType>
+    <LocalizationTagsTaxHTField0 xmlns="4873beb7-5857-4685-be1f-d57550cc96cc">
+      <Terms xmlns="http://schemas.microsoft.com/office/infopath/2007/PartnerControls"/>
+    </LocalizationTagsTaxHTField0>
+    <LocMarketGroupTiers2 xmlns="4873beb7-5857-4685-be1f-d57550cc96cc" xsi:nil="true"/>
+  </documentManagement>
+</p:properties>
+</file>
+
 <file path=customXml/itemProps1.xml><?xml version="1.0" encoding="utf-8"?>
 <ds:datastoreItem xmlns:ds="http://schemas.openxmlformats.org/officeDocument/2006/customXml" ds:itemID="{746CFF6F-D9AA-4BC0-911A-0A1356771912}">
   <ds:schemaRefs>
@@ -6957,22 +6965,6 @@
 </file>
 
 <file path=customXml/itemProps2.xml><?xml version="1.0" encoding="utf-8"?>
-<ds:datastoreItem xmlns:ds="http://schemas.openxmlformats.org/officeDocument/2006/customXml" ds:itemID="{04098515-0C12-46CF-BC7C-69B4A13CD5FA}">
-  <ds:schemaRefs>
-    <ds:schemaRef ds:uri="http://schemas.microsoft.com/office/infopath/2007/PartnerControls"/>
-    <ds:schemaRef ds:uri="http://purl.org/dc/elements/1.1/"/>
-    <ds:schemaRef ds:uri="http://purl.org/dc/terms/"/>
-    <ds:schemaRef ds:uri="http://schemas.microsoft.com/office/2006/documentManagement/types"/>
-    <ds:schemaRef ds:uri="http://purl.org/dc/dcmitype/"/>
-    <ds:schemaRef ds:uri="4873beb7-5857-4685-be1f-d57550cc96cc"/>
-    <ds:schemaRef ds:uri="http://schemas.openxmlformats.org/package/2006/metadata/core-properties"/>
-    <ds:schemaRef ds:uri="http://schemas.microsoft.com/office/2006/metadata/properties"/>
-    <ds:schemaRef ds:uri="http://www.w3.org/XML/1998/namespace"/>
-  </ds:schemaRefs>
-</ds:datastoreItem>
-</file>
-
-<file path=customXml/itemProps3.xml><?xml version="1.0" encoding="utf-8"?>
 <ds:datastoreItem xmlns:ds="http://schemas.openxmlformats.org/officeDocument/2006/customXml" ds:itemID="{0B5C6E15-39DC-470B-9445-F754B9458020}">
   <ds:schemaRefs>
     <ds:schemaRef ds:uri="http://schemas.microsoft.com/office/2006/metadata/contentType"/>
@@ -6988,4 +6980,20 @@
     <ds:schemaRef ds:uri="http://schemas.microsoft.com/internal/obd"/>
   </ds:schemaRefs>
 </ds:datastoreItem>
+</file>
+
+<file path=customXml/itemProps3.xml><?xml version="1.0" encoding="utf-8"?>
+<ds:datastoreItem xmlns:ds="http://schemas.openxmlformats.org/officeDocument/2006/customXml" ds:itemID="{04098515-0C12-46CF-BC7C-69B4A13CD5FA}">
+  <ds:schemaRefs>
+    <ds:schemaRef ds:uri="http://schemas.microsoft.com/office/infopath/2007/PartnerControls"/>
+    <ds:schemaRef ds:uri="http://purl.org/dc/elements/1.1/"/>
+    <ds:schemaRef ds:uri="http://purl.org/dc/terms/"/>
+    <ds:schemaRef ds:uri="http://schemas.microsoft.com/office/2006/documentManagement/types"/>
+    <ds:schemaRef ds:uri="http://purl.org/dc/dcmitype/"/>
+    <ds:schemaRef ds:uri="4873beb7-5857-4685-be1f-d57550cc96cc"/>
+    <ds:schemaRef ds:uri="http://schemas.openxmlformats.org/package/2006/metadata/core-properties"/>
+    <ds:schemaRef ds:uri="http://schemas.microsoft.com/office/2006/metadata/properties"/>
+    <ds:schemaRef ds:uri="http://www.w3.org/XML/1998/namespace"/>
+  </ds:schemaRefs>
+</ds:datastoreItem>
 </file>
--- a/GIT HUB Branching & Merging.pptx
+++ b/GIT HUB Branching & Merging.pptx
@@ -5,10 +5,10 @@
     <p:sldMasterId id="2147483648" r:id="rId4"/>
   </p:sldMasterIdLst>
   <p:notesMasterIdLst>
-    <p:notesMasterId r:id="rId12"/>
+    <p:notesMasterId r:id="rId13"/>
   </p:notesMasterIdLst>
   <p:handoutMasterIdLst>
-    <p:handoutMasterId r:id="rId13"/>
+    <p:handoutMasterId r:id="rId14"/>
   </p:handoutMasterIdLst>
   <p:sldIdLst>
     <p:sldId id="256" r:id="rId5"/>
@@ -18,6 +18,7 @@
     <p:sldId id="258" r:id="rId9"/>
     <p:sldId id="264" r:id="rId10"/>
     <p:sldId id="265" r:id="rId11"/>
+    <p:sldId id="266" r:id="rId12"/>
   </p:sldIdLst>
   <p:sldSz cx="12192000" cy="6858000"/>
   <p:notesSz cx="6858000" cy="9144000"/>
@@ -4989,6 +4990,94 @@
     <p:extLst>
       <p:ext uri="{BB962C8B-B14F-4D97-AF65-F5344CB8AC3E}">
         <p14:creationId xmlns:p14="http://schemas.microsoft.com/office/powerpoint/2010/main" val="426922392"/>
+      </p:ext>
+    </p:extLst>
+  </p:cSld>
+  <p:clrMapOvr>
+    <a:masterClrMapping/>
+  </p:clrMapOvr>
+</p:sld>
+</file>
+
+<file path=ppt/slides/slide8.xml><?xml version="1.0" encoding="utf-8"?>
+<p:sld xmlns:a="http://schemas.openxmlformats.org/drawingml/2006/main" xmlns:r="http://schemas.openxmlformats.org/officeDocument/2006/relationships" xmlns:p="http://schemas.openxmlformats.org/presentationml/2006/main">
+  <p:cSld>
+    <p:spTree>
+      <p:nvGrpSpPr>
+        <p:cNvPr id="1" name=""/>
+        <p:cNvGrpSpPr/>
+        <p:nvPr/>
+      </p:nvGrpSpPr>
+      <p:grpSpPr>
+        <a:xfrm>
+          <a:off x="0" y="0"/>
+          <a:ext cx="0" cy="0"/>
+          <a:chOff x="0" y="0"/>
+          <a:chExt cx="0" cy="0"/>
+        </a:xfrm>
+      </p:grpSpPr>
+      <p:sp>
+        <p:nvSpPr>
+          <p:cNvPr id="2" name="Title 1">
+            <a:extLst>
+              <a:ext uri="{FF2B5EF4-FFF2-40B4-BE49-F238E27FC236}">
+                <a16:creationId xmlns:a16="http://schemas.microsoft.com/office/drawing/2014/main" id="{305057D4-F8FE-49B9-BF36-356CD974A360}"/>
+              </a:ext>
+            </a:extLst>
+          </p:cNvPr>
+          <p:cNvSpPr>
+            <a:spLocks noGrp="1"/>
+          </p:cNvSpPr>
+          <p:nvPr>
+            <p:ph type="title"/>
+          </p:nvPr>
+        </p:nvSpPr>
+        <p:spPr/>
+        <p:txBody>
+          <a:bodyPr/>
+          <a:lstStyle/>
+          <a:p>
+            <a:pPr algn="ctr"/>
+            <a:r>
+              <a:rPr lang="en-US" dirty="0" err="1"/>
+              <a:t>GitKraken</a:t>
+            </a:r>
+            <a:r>
+              <a:rPr lang="en-US" dirty="0"/>
+              <a:t> Graphical View</a:t>
+            </a:r>
+          </a:p>
+        </p:txBody>
+      </p:sp>
+      <p:sp>
+        <p:nvSpPr>
+          <p:cNvPr id="7" name="Content Placeholder 6">
+            <a:extLst>
+              <a:ext uri="{FF2B5EF4-FFF2-40B4-BE49-F238E27FC236}">
+                <a16:creationId xmlns:a16="http://schemas.microsoft.com/office/drawing/2014/main" id="{284A6674-E1D2-4B92-943F-0B0053C38578}"/>
+              </a:ext>
+            </a:extLst>
+          </p:cNvPr>
+          <p:cNvSpPr>
+            <a:spLocks noGrp="1"/>
+          </p:cNvSpPr>
+          <p:nvPr>
+            <p:ph idx="1"/>
+          </p:nvPr>
+        </p:nvSpPr>
+        <p:spPr/>
+        <p:txBody>
+          <a:bodyPr/>
+          <a:lstStyle/>
+          <a:p>
+            <a:endParaRPr lang="en-US"/>
+          </a:p>
+        </p:txBody>
+      </p:sp>
+    </p:spTree>
+    <p:extLst>
+      <p:ext uri="{BB962C8B-B14F-4D97-AF65-F5344CB8AC3E}">
+        <p14:creationId xmlns:p14="http://schemas.microsoft.com/office/powerpoint/2010/main" val="252953982"/>
       </p:ext>
     </p:extLst>
   </p:cSld>
@@ -5791,6 +5880,132 @@
 </file>
 
 <file path=customXml/item2.xml><?xml version="1.0" encoding="utf-8"?>
+<p:properties xmlns:p="http://schemas.microsoft.com/office/2006/metadata/properties" xmlns:xsi="http://www.w3.org/2001/XMLSchema-instance" xmlns:pc="http://schemas.microsoft.com/office/infopath/2007/PartnerControls">
+  <documentManagement>
+    <DirectSourceMarket xmlns="4873beb7-5857-4685-be1f-d57550cc96cc" xsi:nil="true"/>
+    <ApprovalStatus xmlns="4873beb7-5857-4685-be1f-d57550cc96cc">InProgress</ApprovalStatus>
+    <MarketSpecific xmlns="4873beb7-5857-4685-be1f-d57550cc96cc">false</MarketSpecific>
+    <LocComments xmlns="4873beb7-5857-4685-be1f-d57550cc96cc" xsi:nil="true"/>
+    <ThumbnailAssetId xmlns="4873beb7-5857-4685-be1f-d57550cc96cc" xsi:nil="true"/>
+    <PrimaryImageGen xmlns="4873beb7-5857-4685-be1f-d57550cc96cc">true</PrimaryImageGen>
+    <LegacyData xmlns="4873beb7-5857-4685-be1f-d57550cc96cc" xsi:nil="true"/>
+    <LocRecommendedHandoff xmlns="4873beb7-5857-4685-be1f-d57550cc96cc" xsi:nil="true"/>
+    <BusinessGroup xmlns="4873beb7-5857-4685-be1f-d57550cc96cc" xsi:nil="true"/>
+    <BlockPublish xmlns="4873beb7-5857-4685-be1f-d57550cc96cc">false</BlockPublish>
+    <TPFriendlyName xmlns="4873beb7-5857-4685-be1f-d57550cc96cc" xsi:nil="true"/>
+    <NumericId xmlns="4873beb7-5857-4685-be1f-d57550cc96cc" xsi:nil="true"/>
+    <APEditor xmlns="4873beb7-5857-4685-be1f-d57550cc96cc">
+      <UserInfo>
+        <DisplayName/>
+        <AccountId xsi:nil="true"/>
+        <AccountType/>
+      </UserInfo>
+    </APEditor>
+    <SourceTitle xmlns="4873beb7-5857-4685-be1f-d57550cc96cc" xsi:nil="true"/>
+    <OpenTemplate xmlns="4873beb7-5857-4685-be1f-d57550cc96cc">true</OpenTemplate>
+    <UALocComments xmlns="4873beb7-5857-4685-be1f-d57550cc96cc" xsi:nil="true"/>
+    <ParentAssetId xmlns="4873beb7-5857-4685-be1f-d57550cc96cc" xsi:nil="true"/>
+    <IntlLangReviewDate xmlns="4873beb7-5857-4685-be1f-d57550cc96cc" xsi:nil="true"/>
+    <FeatureTagsTaxHTField0 xmlns="4873beb7-5857-4685-be1f-d57550cc96cc">
+      <Terms xmlns="http://schemas.microsoft.com/office/infopath/2007/PartnerControls"/>
+    </FeatureTagsTaxHTField0>
+    <PublishStatusLookup xmlns="4873beb7-5857-4685-be1f-d57550cc96cc">
+      <Value>1566889</Value>
+    </PublishStatusLookup>
+    <Providers xmlns="4873beb7-5857-4685-be1f-d57550cc96cc" xsi:nil="true"/>
+    <MachineTranslated xmlns="4873beb7-5857-4685-be1f-d57550cc96cc">false</MachineTranslated>
+    <OriginalSourceMarket xmlns="4873beb7-5857-4685-be1f-d57550cc96cc" xsi:nil="true"/>
+    <APDescription xmlns="4873beb7-5857-4685-be1f-d57550cc96cc" xsi:nil="true"/>
+    <ClipArtFilename xmlns="4873beb7-5857-4685-be1f-d57550cc96cc" xsi:nil="true"/>
+    <ContentItem xmlns="4873beb7-5857-4685-be1f-d57550cc96cc" xsi:nil="true"/>
+    <TPInstallLocation xmlns="4873beb7-5857-4685-be1f-d57550cc96cc" xsi:nil="true"/>
+    <PublishTargets xmlns="4873beb7-5857-4685-be1f-d57550cc96cc">OfficeOnlineVNext</PublishTargets>
+    <TimesCloned xmlns="4873beb7-5857-4685-be1f-d57550cc96cc" xsi:nil="true"/>
+    <AssetStart xmlns="4873beb7-5857-4685-be1f-d57550cc96cc">2012-05-23T08:44:00+00:00</AssetStart>
+    <Provider xmlns="4873beb7-5857-4685-be1f-d57550cc96cc" xsi:nil="true"/>
+    <AcquiredFrom xmlns="4873beb7-5857-4685-be1f-d57550cc96cc">Internal MS</AcquiredFrom>
+    <FriendlyTitle xmlns="4873beb7-5857-4685-be1f-d57550cc96cc" xsi:nil="true"/>
+    <LastHandOff xmlns="4873beb7-5857-4685-be1f-d57550cc96cc" xsi:nil="true"/>
+    <TPClientViewer xmlns="4873beb7-5857-4685-be1f-d57550cc96cc" xsi:nil="true"/>
+    <UACurrentWords xmlns="4873beb7-5857-4685-be1f-d57550cc96cc" xsi:nil="true"/>
+    <ArtSampleDocs xmlns="4873beb7-5857-4685-be1f-d57550cc96cc" xsi:nil="true"/>
+    <UALocRecommendation xmlns="4873beb7-5857-4685-be1f-d57550cc96cc">Localize</UALocRecommendation>
+    <Manager xmlns="4873beb7-5857-4685-be1f-d57550cc96cc" xsi:nil="true"/>
+    <ShowIn xmlns="4873beb7-5857-4685-be1f-d57550cc96cc">Show everywhere</ShowIn>
+    <UANotes xmlns="4873beb7-5857-4685-be1f-d57550cc96cc" xsi:nil="true"/>
+    <TemplateStatus xmlns="4873beb7-5857-4685-be1f-d57550cc96cc">Complete</TemplateStatus>
+    <InternalTagsTaxHTField0 xmlns="4873beb7-5857-4685-be1f-d57550cc96cc">
+      <Terms xmlns="http://schemas.microsoft.com/office/infopath/2007/PartnerControls"/>
+    </InternalTagsTaxHTField0>
+    <CSXHash xmlns="4873beb7-5857-4685-be1f-d57550cc96cc" xsi:nil="true"/>
+    <Downloads xmlns="4873beb7-5857-4685-be1f-d57550cc96cc">0</Downloads>
+    <VoteCount xmlns="4873beb7-5857-4685-be1f-d57550cc96cc" xsi:nil="true"/>
+    <OOCacheId xmlns="4873beb7-5857-4685-be1f-d57550cc96cc" xsi:nil="true"/>
+    <IsDeleted xmlns="4873beb7-5857-4685-be1f-d57550cc96cc">false</IsDeleted>
+    <AssetExpire xmlns="4873beb7-5857-4685-be1f-d57550cc96cc">2029-01-01T08:00:00+00:00</AssetExpire>
+    <DSATActionTaken xmlns="4873beb7-5857-4685-be1f-d57550cc96cc" xsi:nil="true"/>
+    <CSXSubmissionMarket xmlns="4873beb7-5857-4685-be1f-d57550cc96cc" xsi:nil="true"/>
+    <TPExecutable xmlns="4873beb7-5857-4685-be1f-d57550cc96cc" xsi:nil="true"/>
+    <SubmitterId xmlns="4873beb7-5857-4685-be1f-d57550cc96cc" xsi:nil="true"/>
+    <EditorialTags xmlns="4873beb7-5857-4685-be1f-d57550cc96cc" xsi:nil="true"/>
+    <ApprovalLog xmlns="4873beb7-5857-4685-be1f-d57550cc96cc" xsi:nil="true"/>
+    <AssetType xmlns="4873beb7-5857-4685-be1f-d57550cc96cc">TP</AssetType>
+    <BugNumber xmlns="4873beb7-5857-4685-be1f-d57550cc96cc" xsi:nil="true"/>
+    <CSXSubmissionDate xmlns="4873beb7-5857-4685-be1f-d57550cc96cc" xsi:nil="true"/>
+    <CSXUpdate xmlns="4873beb7-5857-4685-be1f-d57550cc96cc">false</CSXUpdate>
+    <Milestone xmlns="4873beb7-5857-4685-be1f-d57550cc96cc" xsi:nil="true"/>
+    <RecommendationsModifier xmlns="4873beb7-5857-4685-be1f-d57550cc96cc" xsi:nil="true"/>
+    <OriginAsset xmlns="4873beb7-5857-4685-be1f-d57550cc96cc" xsi:nil="true"/>
+    <TPComponent xmlns="4873beb7-5857-4685-be1f-d57550cc96cc" xsi:nil="true"/>
+    <AssetId xmlns="4873beb7-5857-4685-be1f-d57550cc96cc">TP102901017</AssetId>
+    <IntlLocPriority xmlns="4873beb7-5857-4685-be1f-d57550cc96cc" xsi:nil="true"/>
+    <PolicheckWords xmlns="4873beb7-5857-4685-be1f-d57550cc96cc" xsi:nil="true"/>
+    <TPLaunchHelpLink xmlns="4873beb7-5857-4685-be1f-d57550cc96cc" xsi:nil="true"/>
+    <TPApplication xmlns="4873beb7-5857-4685-be1f-d57550cc96cc" xsi:nil="true"/>
+    <CrawlForDependencies xmlns="4873beb7-5857-4685-be1f-d57550cc96cc">false</CrawlForDependencies>
+    <HandoffToMSDN xmlns="4873beb7-5857-4685-be1f-d57550cc96cc" xsi:nil="true"/>
+    <PlannedPubDate xmlns="4873beb7-5857-4685-be1f-d57550cc96cc" xsi:nil="true"/>
+    <IntlLangReviewer xmlns="4873beb7-5857-4685-be1f-d57550cc96cc" xsi:nil="true"/>
+    <TrustLevel xmlns="4873beb7-5857-4685-be1f-d57550cc96cc">1 Microsoft Managed Content</TrustLevel>
+    <LocLastLocAttemptVersionLookup xmlns="4873beb7-5857-4685-be1f-d57550cc96cc">836753</LocLastLocAttemptVersionLookup>
+    <IsSearchable xmlns="4873beb7-5857-4685-be1f-d57550cc96cc">true</IsSearchable>
+    <TemplateTemplateType xmlns="4873beb7-5857-4685-be1f-d57550cc96cc">PowerPoint Design Template</TemplateTemplateType>
+    <CampaignTagsTaxHTField0 xmlns="4873beb7-5857-4685-be1f-d57550cc96cc">
+      <Terms xmlns="http://schemas.microsoft.com/office/infopath/2007/PartnerControls"/>
+    </CampaignTagsTaxHTField0>
+    <TPNamespace xmlns="4873beb7-5857-4685-be1f-d57550cc96cc" xsi:nil="true"/>
+    <TaxCatchAll xmlns="4873beb7-5857-4685-be1f-d57550cc96cc"/>
+    <Markets xmlns="4873beb7-5857-4685-be1f-d57550cc96cc"/>
+    <UAProjectedTotalWords xmlns="4873beb7-5857-4685-be1f-d57550cc96cc" xsi:nil="true"/>
+    <IntlLangReview xmlns="4873beb7-5857-4685-be1f-d57550cc96cc">false</IntlLangReview>
+    <OutputCachingOn xmlns="4873beb7-5857-4685-be1f-d57550cc96cc">false</OutputCachingOn>
+    <AverageRating xmlns="4873beb7-5857-4685-be1f-d57550cc96cc" xsi:nil="true"/>
+    <APAuthor xmlns="4873beb7-5857-4685-be1f-d57550cc96cc">
+      <UserInfo>
+        <DisplayName>REDMOND\v-anij</DisplayName>
+        <AccountId>2469</AccountId>
+        <AccountType/>
+      </UserInfo>
+    </APAuthor>
+    <LocManualTestRequired xmlns="4873beb7-5857-4685-be1f-d57550cc96cc">false</LocManualTestRequired>
+    <TPCommandLine xmlns="4873beb7-5857-4685-be1f-d57550cc96cc" xsi:nil="true"/>
+    <TPAppVersion xmlns="4873beb7-5857-4685-be1f-d57550cc96cc" xsi:nil="true"/>
+    <EditorialStatus xmlns="4873beb7-5857-4685-be1f-d57550cc96cc">Complete</EditorialStatus>
+    <LastModifiedDateTime xmlns="4873beb7-5857-4685-be1f-d57550cc96cc" xsi:nil="true"/>
+    <ScenarioTagsTaxHTField0 xmlns="4873beb7-5857-4685-be1f-d57550cc96cc">
+      <Terms xmlns="http://schemas.microsoft.com/office/infopath/2007/PartnerControls"/>
+    </ScenarioTagsTaxHTField0>
+    <OriginalRelease xmlns="4873beb7-5857-4685-be1f-d57550cc96cc">15</OriginalRelease>
+    <TPLaunchHelpLinkType xmlns="4873beb7-5857-4685-be1f-d57550cc96cc">Template</TPLaunchHelpLinkType>
+    <LocalizationTagsTaxHTField0 xmlns="4873beb7-5857-4685-be1f-d57550cc96cc">
+      <Terms xmlns="http://schemas.microsoft.com/office/infopath/2007/PartnerControls"/>
+    </LocalizationTagsTaxHTField0>
+    <LocMarketGroupTiers2 xmlns="4873beb7-5857-4685-be1f-d57550cc96cc" xsi:nil="true"/>
+  </documentManagement>
+</p:properties>
+</file>
+
+<file path=customXml/item3.xml><?xml version="1.0" encoding="utf-8"?>
 <ct:contentTypeSchema xmlns:ct="http://schemas.microsoft.com/office/2006/metadata/contentType" xmlns:ma="http://schemas.microsoft.com/office/2006/metadata/properties/metaAttributes" ct:_="" ma:_="" ma:contentTypeName="TemplateFile" ma:contentTypeID="0x0101006EDDDB5EE6D98C44930B742096920B300400F5B6D36B3EF94B4E9A635CDF2A18F5B8" ma:contentTypeVersion="72" ma:contentTypeDescription="Create a new document." ma:contentTypeScope="" ma:versionID="a23e56308344d904b51738559c3d67c9">
   <xsd:schema xmlns:xsd="http://www.w3.org/2001/XMLSchema" xmlns:xs="http://www.w3.org/2001/XMLSchema" xmlns:p="http://schemas.microsoft.com/office/2006/metadata/properties" xmlns:ns2="4873beb7-5857-4685-be1f-d57550cc96cc" targetNamespace="http://schemas.microsoft.com/office/2006/metadata/properties" ma:root="true" ma:fieldsID="cd0908cc4600e77bf5da051303e00c8d" ns2:_="">
     <xsd:import namespace="4873beb7-5857-4685-be1f-d57550cc96cc"/>
@@ -6830,132 +7045,6 @@
 </ct:contentTypeSchema>
 </file>
 
-<file path=customXml/item3.xml><?xml version="1.0" encoding="utf-8"?>
-<p:properties xmlns:p="http://schemas.microsoft.com/office/2006/metadata/properties" xmlns:xsi="http://www.w3.org/2001/XMLSchema-instance" xmlns:pc="http://schemas.microsoft.com/office/infopath/2007/PartnerControls">
-  <documentManagement>
-    <DirectSourceMarket xmlns="4873beb7-5857-4685-be1f-d57550cc96cc" xsi:nil="true"/>
-    <ApprovalStatus xmlns="4873beb7-5857-4685-be1f-d57550cc96cc">InProgress</ApprovalStatus>
-    <MarketSpecific xmlns="4873beb7-5857-4685-be1f-d57550cc96cc">false</MarketSpecific>
-    <LocComments xmlns="4873beb7-5857-4685-be1f-d57550cc96cc" xsi:nil="true"/>
-    <ThumbnailAssetId xmlns="4873beb7-5857-4685-be1f-d57550cc96cc" xsi:nil="true"/>
-    <PrimaryImageGen xmlns="4873beb7-5857-4685-be1f-d57550cc96cc">true</PrimaryImageGen>
-    <LegacyData xmlns="4873beb7-5857-4685-be1f-d57550cc96cc" xsi:nil="true"/>
-    <LocRecommendedHandoff xmlns="4873beb7-5857-4685-be1f-d57550cc96cc" xsi:nil="true"/>
-    <BusinessGroup xmlns="4873beb7-5857-4685-be1f-d57550cc96cc" xsi:nil="true"/>
-    <BlockPublish xmlns="4873beb7-5857-4685-be1f-d57550cc96cc">false</BlockPublish>
-    <TPFriendlyName xmlns="4873beb7-5857-4685-be1f-d57550cc96cc" xsi:nil="true"/>
-    <NumericId xmlns="4873beb7-5857-4685-be1f-d57550cc96cc" xsi:nil="true"/>
-    <APEditor xmlns="4873beb7-5857-4685-be1f-d57550cc96cc">
-      <UserInfo>
-        <DisplayName/>
-        <AccountId xsi:nil="true"/>
-        <AccountType/>
-      </UserInfo>
-    </APEditor>
-    <SourceTitle xmlns="4873beb7-5857-4685-be1f-d57550cc96cc" xsi:nil="true"/>
-    <OpenTemplate xmlns="4873beb7-5857-4685-be1f-d57550cc96cc">true</OpenTemplate>
-    <UALocComments xmlns="4873beb7-5857-4685-be1f-d57550cc96cc" xsi:nil="true"/>
-    <ParentAssetId xmlns="4873beb7-5857-4685-be1f-d57550cc96cc" xsi:nil="true"/>
-    <IntlLangReviewDate xmlns="4873beb7-5857-4685-be1f-d57550cc96cc" xsi:nil="true"/>
-    <FeatureTagsTaxHTField0 xmlns="4873beb7-5857-4685-be1f-d57550cc96cc">
-      <Terms xmlns="http://schemas.microsoft.com/office/infopath/2007/PartnerControls"/>
-    </FeatureTagsTaxHTField0>
-    <PublishStatusLookup xmlns="4873beb7-5857-4685-be1f-d57550cc96cc">
-      <Value>1566889</Value>
-    </PublishStatusLookup>
-    <Providers xmlns="4873beb7-5857-4685-be1f-d57550cc96cc" xsi:nil="true"/>
-    <MachineTranslated xmlns="4873beb7-5857-4685-be1f-d57550cc96cc">false</MachineTranslated>
-    <OriginalSourceMarket xmlns="4873beb7-5857-4685-be1f-d57550cc96cc" xsi:nil="true"/>
-    <APDescription xmlns="4873beb7-5857-4685-be1f-d57550cc96cc" xsi:nil="true"/>
-    <ClipArtFilename xmlns="4873beb7-5857-4685-be1f-d57550cc96cc" xsi:nil="true"/>
-    <ContentItem xmlns="4873beb7-5857-4685-be1f-d57550cc96cc" xsi:nil="true"/>
-    <TPInstallLocation xmlns="4873beb7-5857-4685-be1f-d57550cc96cc" xsi:nil="true"/>
-    <PublishTargets xmlns="4873beb7-5857-4685-be1f-d57550cc96cc">OfficeOnlineVNext</PublishTargets>
-    <TimesCloned xmlns="4873beb7-5857-4685-be1f-d57550cc96cc" xsi:nil="true"/>
-    <AssetStart xmlns="4873beb7-5857-4685-be1f-d57550cc96cc">2012-05-23T08:44:00+00:00</AssetStart>
-    <Provider xmlns="4873beb7-5857-4685-be1f-d57550cc96cc" xsi:nil="true"/>
-    <AcquiredFrom xmlns="4873beb7-5857-4685-be1f-d57550cc96cc">Internal MS</AcquiredFrom>
-    <FriendlyTitle xmlns="4873beb7-5857-4685-be1f-d57550cc96cc" xsi:nil="true"/>
-    <LastHandOff xmlns="4873beb7-5857-4685-be1f-d57550cc96cc" xsi:nil="true"/>
-    <TPClientViewer xmlns="4873beb7-5857-4685-be1f-d57550cc96cc" xsi:nil="true"/>
-    <UACurrentWords xmlns="4873beb7-5857-4685-be1f-d57550cc96cc" xsi:nil="true"/>
-    <ArtSampleDocs xmlns="4873beb7-5857-4685-be1f-d57550cc96cc" xsi:nil="true"/>
-    <UALocRecommendation xmlns="4873beb7-5857-4685-be1f-d57550cc96cc">Localize</UALocRecommendation>
-    <Manager xmlns="4873beb7-5857-4685-be1f-d57550cc96cc" xsi:nil="true"/>
-    <ShowIn xmlns="4873beb7-5857-4685-be1f-d57550cc96cc">Show everywhere</ShowIn>
-    <UANotes xmlns="4873beb7-5857-4685-be1f-d57550cc96cc" xsi:nil="true"/>
-    <TemplateStatus xmlns="4873beb7-5857-4685-be1f-d57550cc96cc">Complete</TemplateStatus>
-    <InternalTagsTaxHTField0 xmlns="4873beb7-5857-4685-be1f-d57550cc96cc">
-      <Terms xmlns="http://schemas.microsoft.com/office/infopath/2007/PartnerControls"/>
-    </InternalTagsTaxHTField0>
-    <CSXHash xmlns="4873beb7-5857-4685-be1f-d57550cc96cc" xsi:nil="true"/>
-    <Downloads xmlns="4873beb7-5857-4685-be1f-d57550cc96cc">0</Downloads>
-    <VoteCount xmlns="4873beb7-5857-4685-be1f-d57550cc96cc" xsi:nil="true"/>
-    <OOCacheId xmlns="4873beb7-5857-4685-be1f-d57550cc96cc" xsi:nil="true"/>
-    <IsDeleted xmlns="4873beb7-5857-4685-be1f-d57550cc96cc">false</IsDeleted>
-    <AssetExpire xmlns="4873beb7-5857-4685-be1f-d57550cc96cc">2029-01-01T08:00:00+00:00</AssetExpire>
-    <DSATActionTaken xmlns="4873beb7-5857-4685-be1f-d57550cc96cc" xsi:nil="true"/>
-    <CSXSubmissionMarket xmlns="4873beb7-5857-4685-be1f-d57550cc96cc" xsi:nil="true"/>
-    <TPExecutable xmlns="4873beb7-5857-4685-be1f-d57550cc96cc" xsi:nil="true"/>
-    <SubmitterId xmlns="4873beb7-5857-4685-be1f-d57550cc96cc" xsi:nil="true"/>
-    <EditorialTags xmlns="4873beb7-5857-4685-be1f-d57550cc96cc" xsi:nil="true"/>
-    <ApprovalLog xmlns="4873beb7-5857-4685-be1f-d57550cc96cc" xsi:nil="true"/>
-    <AssetType xmlns="4873beb7-5857-4685-be1f-d57550cc96cc">TP</AssetType>
-    <BugNumber xmlns="4873beb7-5857-4685-be1f-d57550cc96cc" xsi:nil="true"/>
-    <CSXSubmissionDate xmlns="4873beb7-5857-4685-be1f-d57550cc96cc" xsi:nil="true"/>
-    <CSXUpdate xmlns="4873beb7-5857-4685-be1f-d57550cc96cc">false</CSXUpdate>
-    <Milestone xmlns="4873beb7-5857-4685-be1f-d57550cc96cc" xsi:nil="true"/>
-    <RecommendationsModifier xmlns="4873beb7-5857-4685-be1f-d57550cc96cc" xsi:nil="true"/>
-    <OriginAsset xmlns="4873beb7-5857-4685-be1f-d57550cc96cc" xsi:nil="true"/>
-    <TPComponent xmlns="4873beb7-5857-4685-be1f-d57550cc96cc" xsi:nil="true"/>
-    <AssetId xmlns="4873beb7-5857-4685-be1f-d57550cc96cc">TP102901017</AssetId>
-    <IntlLocPriority xmlns="4873beb7-5857-4685-be1f-d57550cc96cc" xsi:nil="true"/>
-    <PolicheckWords xmlns="4873beb7-5857-4685-be1f-d57550cc96cc" xsi:nil="true"/>
-    <TPLaunchHelpLink xmlns="4873beb7-5857-4685-be1f-d57550cc96cc" xsi:nil="true"/>
-    <TPApplication xmlns="4873beb7-5857-4685-be1f-d57550cc96cc" xsi:nil="true"/>
-    <CrawlForDependencies xmlns="4873beb7-5857-4685-be1f-d57550cc96cc">false</CrawlForDependencies>
-    <HandoffToMSDN xmlns="4873beb7-5857-4685-be1f-d57550cc96cc" xsi:nil="true"/>
-    <PlannedPubDate xmlns="4873beb7-5857-4685-be1f-d57550cc96cc" xsi:nil="true"/>
-    <IntlLangReviewer xmlns="4873beb7-5857-4685-be1f-d57550cc96cc" xsi:nil="true"/>
-    <TrustLevel xmlns="4873beb7-5857-4685-be1f-d57550cc96cc">1 Microsoft Managed Content</TrustLevel>
-    <LocLastLocAttemptVersionLookup xmlns="4873beb7-5857-4685-be1f-d57550cc96cc">836753</LocLastLocAttemptVersionLookup>
-    <IsSearchable xmlns="4873beb7-5857-4685-be1f-d57550cc96cc">true</IsSearchable>
-    <TemplateTemplateType xmlns="4873beb7-5857-4685-be1f-d57550cc96cc">PowerPoint Design Template</TemplateTemplateType>
-    <CampaignTagsTaxHTField0 xmlns="4873beb7-5857-4685-be1f-d57550cc96cc">
-      <Terms xmlns="http://schemas.microsoft.com/office/infopath/2007/PartnerControls"/>
-    </CampaignTagsTaxHTField0>
-    <TPNamespace xmlns="4873beb7-5857-4685-be1f-d57550cc96cc" xsi:nil="true"/>
-    <TaxCatchAll xmlns="4873beb7-5857-4685-be1f-d57550cc96cc"/>
-    <Markets xmlns="4873beb7-5857-4685-be1f-d57550cc96cc"/>
-    <UAProjectedTotalWords xmlns="4873beb7-5857-4685-be1f-d57550cc96cc" xsi:nil="true"/>
-    <IntlLangReview xmlns="4873beb7-5857-4685-be1f-d57550cc96cc">false</IntlLangReview>
-    <OutputCachingOn xmlns="4873beb7-5857-4685-be1f-d57550cc96cc">false</OutputCachingOn>
-    <AverageRating xmlns="4873beb7-5857-4685-be1f-d57550cc96cc" xsi:nil="true"/>
-    <APAuthor xmlns="4873beb7-5857-4685-be1f-d57550cc96cc">
-      <UserInfo>
-        <DisplayName>REDMOND\v-anij</DisplayName>
-        <AccountId>2469</AccountId>
-        <AccountType/>
-      </UserInfo>
-    </APAuthor>
-    <LocManualTestRequired xmlns="4873beb7-5857-4685-be1f-d57550cc96cc">false</LocManualTestRequired>
-    <TPCommandLine xmlns="4873beb7-5857-4685-be1f-d57550cc96cc" xsi:nil="true"/>
-    <TPAppVersion xmlns="4873beb7-5857-4685-be1f-d57550cc96cc" xsi:nil="true"/>
-    <EditorialStatus xmlns="4873beb7-5857-4685-be1f-d57550cc96cc">Complete</EditorialStatus>
-    <LastModifiedDateTime xmlns="4873beb7-5857-4685-be1f-d57550cc96cc" xsi:nil="true"/>
-    <ScenarioTagsTaxHTField0 xmlns="4873beb7-5857-4685-be1f-d57550cc96cc">
-      <Terms xmlns="http://schemas.microsoft.com/office/infopath/2007/PartnerControls"/>
-    </ScenarioTagsTaxHTField0>
-    <OriginalRelease xmlns="4873beb7-5857-4685-be1f-d57550cc96cc">15</OriginalRelease>
-    <TPLaunchHelpLinkType xmlns="4873beb7-5857-4685-be1f-d57550cc96cc">Template</TPLaunchHelpLinkType>
-    <LocalizationTagsTaxHTField0 xmlns="4873beb7-5857-4685-be1f-d57550cc96cc">
-      <Terms xmlns="http://schemas.microsoft.com/office/infopath/2007/PartnerControls"/>
-    </LocalizationTagsTaxHTField0>
-    <LocMarketGroupTiers2 xmlns="4873beb7-5857-4685-be1f-d57550cc96cc" xsi:nil="true"/>
-  </documentManagement>
-</p:properties>
-</file>
-
 <file path=customXml/itemProps1.xml><?xml version="1.0" encoding="utf-8"?>
 <ds:datastoreItem xmlns:ds="http://schemas.openxmlformats.org/officeDocument/2006/customXml" ds:itemID="{746CFF6F-D9AA-4BC0-911A-0A1356771912}">
   <ds:schemaRefs>
@@ -6965,6 +7054,22 @@
 </file>
 
 <file path=customXml/itemProps2.xml><?xml version="1.0" encoding="utf-8"?>
+<ds:datastoreItem xmlns:ds="http://schemas.openxmlformats.org/officeDocument/2006/customXml" ds:itemID="{04098515-0C12-46CF-BC7C-69B4A13CD5FA}">
+  <ds:schemaRefs>
+    <ds:schemaRef ds:uri="http://schemas.microsoft.com/office/infopath/2007/PartnerControls"/>
+    <ds:schemaRef ds:uri="http://purl.org/dc/elements/1.1/"/>
+    <ds:schemaRef ds:uri="http://purl.org/dc/terms/"/>
+    <ds:schemaRef ds:uri="http://schemas.microsoft.com/office/2006/documentManagement/types"/>
+    <ds:schemaRef ds:uri="http://purl.org/dc/dcmitype/"/>
+    <ds:schemaRef ds:uri="4873beb7-5857-4685-be1f-d57550cc96cc"/>
+    <ds:schemaRef ds:uri="http://schemas.openxmlformats.org/package/2006/metadata/core-properties"/>
+    <ds:schemaRef ds:uri="http://schemas.microsoft.com/office/2006/metadata/properties"/>
+    <ds:schemaRef ds:uri="http://www.w3.org/XML/1998/namespace"/>
+  </ds:schemaRefs>
+</ds:datastoreItem>
+</file>
+
+<file path=customXml/itemProps3.xml><?xml version="1.0" encoding="utf-8"?>
 <ds:datastoreItem xmlns:ds="http://schemas.openxmlformats.org/officeDocument/2006/customXml" ds:itemID="{0B5C6E15-39DC-470B-9445-F754B9458020}">
   <ds:schemaRefs>
     <ds:schemaRef ds:uri="http://schemas.microsoft.com/office/2006/metadata/contentType"/>
@@ -6980,20 +7085,4 @@
     <ds:schemaRef ds:uri="http://schemas.microsoft.com/internal/obd"/>
   </ds:schemaRefs>
 </ds:datastoreItem>
-</file>
-
-<file path=customXml/itemProps3.xml><?xml version="1.0" encoding="utf-8"?>
-<ds:datastoreItem xmlns:ds="http://schemas.openxmlformats.org/officeDocument/2006/customXml" ds:itemID="{04098515-0C12-46CF-BC7C-69B4A13CD5FA}">
-  <ds:schemaRefs>
-    <ds:schemaRef ds:uri="http://schemas.microsoft.com/office/infopath/2007/PartnerControls"/>
-    <ds:schemaRef ds:uri="http://purl.org/dc/elements/1.1/"/>
-    <ds:schemaRef ds:uri="http://purl.org/dc/terms/"/>
-    <ds:schemaRef ds:uri="http://schemas.microsoft.com/office/2006/documentManagement/types"/>
-    <ds:schemaRef ds:uri="http://purl.org/dc/dcmitype/"/>
-    <ds:schemaRef ds:uri="4873beb7-5857-4685-be1f-d57550cc96cc"/>
-    <ds:schemaRef ds:uri="http://schemas.openxmlformats.org/package/2006/metadata/core-properties"/>
-    <ds:schemaRef ds:uri="http://schemas.microsoft.com/office/2006/metadata/properties"/>
-    <ds:schemaRef ds:uri="http://www.w3.org/XML/1998/namespace"/>
-  </ds:schemaRefs>
-</ds:datastoreItem>
 </file>
--- a/GIT HUB Branching & Merging.pptx
+++ b/GIT HUB Branching & Merging.pptx
@@ -5,10 +5,10 @@
     <p:sldMasterId id="2147483648" r:id="rId4"/>
   </p:sldMasterIdLst>
   <p:notesMasterIdLst>
-    <p:notesMasterId r:id="rId13"/>
+    <p:notesMasterId r:id="rId14"/>
   </p:notesMasterIdLst>
   <p:handoutMasterIdLst>
-    <p:handoutMasterId r:id="rId14"/>
+    <p:handoutMasterId r:id="rId15"/>
   </p:handoutMasterIdLst>
   <p:sldIdLst>
     <p:sldId id="256" r:id="rId5"/>
@@ -19,6 +19,7 @@
     <p:sldId id="264" r:id="rId10"/>
     <p:sldId id="265" r:id="rId11"/>
     <p:sldId id="266" r:id="rId12"/>
+    <p:sldId id="267" r:id="rId13"/>
   </p:sldIdLst>
   <p:sldSz cx="12192000" cy="6858000"/>
   <p:notesSz cx="6858000" cy="9144000"/>
@@ -4941,13 +4942,8 @@
           <a:p>
             <a:r>
               <a:rPr lang="en-US" dirty="0"/>
-              <a:t>You can now begin working on your branch files just as you would the master. As you add or change your files you can stage and commit your changes to </a:t>
-            </a:r>
-            <a:r>
-              <a:rPr lang="en-US"/>
-              <a:t>your branch.</a:t>
-            </a:r>
-            <a:endParaRPr lang="en-US" dirty="0"/>
+              <a:t>You can now begin working on your branch files just as you would the master. As you add or change your files you can stage, commit, and push the changes.</a:t>
+            </a:r>
           </a:p>
         </p:txBody>
       </p:sp>
@@ -5032,9 +5028,16 @@
             <p:ph type="title"/>
           </p:nvPr>
         </p:nvSpPr>
-        <p:spPr/>
-        <p:txBody>
-          <a:bodyPr/>
+        <p:spPr>
+          <a:xfrm>
+            <a:off x="1524000" y="457200"/>
+            <a:ext cx="9144000" cy="1447800"/>
+          </a:xfrm>
+        </p:spPr>
+        <p:txBody>
+          <a:bodyPr>
+            <a:normAutofit fontScale="90000"/>
+          </a:bodyPr>
           <a:lstStyle/>
           <a:p>
             <a:pPr algn="ctr"/>
@@ -5046,38 +5049,233 @@
               <a:rPr lang="en-US" dirty="0"/>
               <a:t> Graphical View</a:t>
             </a:r>
-          </a:p>
-        </p:txBody>
-      </p:sp>
-      <p:sp>
-        <p:nvSpPr>
-          <p:cNvPr id="7" name="Content Placeholder 6">
+            <a:br>
+              <a:rPr lang="en-US" dirty="0"/>
+            </a:br>
+            <a:br>
+              <a:rPr lang="en-US" dirty="0"/>
+            </a:br>
+            <a:r>
+              <a:rPr lang="en-US" sz="2200" dirty="0"/>
+              <a:t>(What you are seeing is </a:t>
+            </a:r>
+            <a:r>
+              <a:rPr lang="en-US" sz="2200" dirty="0" err="1"/>
+              <a:t>Adam’sPPEdits</a:t>
+            </a:r>
+            <a:r>
+              <a:rPr lang="en-US" sz="2200" dirty="0"/>
+              <a:t> branch and the 3 commits I have made since I branched off of the master.)</a:t>
+            </a:r>
+          </a:p>
+        </p:txBody>
+      </p:sp>
+      <p:pic>
+        <p:nvPicPr>
+          <p:cNvPr id="4" name="Content Placeholder 3">
             <a:extLst>
               <a:ext uri="{FF2B5EF4-FFF2-40B4-BE49-F238E27FC236}">
-                <a16:creationId xmlns:a16="http://schemas.microsoft.com/office/drawing/2014/main" id="{284A6674-E1D2-4B92-943F-0B0053C38578}"/>
+                <a16:creationId xmlns:a16="http://schemas.microsoft.com/office/drawing/2014/main" id="{33C60259-C6EC-4CBD-9D06-1667A0B47C47}"/>
               </a:ext>
             </a:extLst>
           </p:cNvPr>
-          <p:cNvSpPr>
-            <a:spLocks noGrp="1"/>
-          </p:cNvSpPr>
+          <p:cNvPicPr>
+            <a:picLocks noGrp="1" noChangeAspect="1"/>
+          </p:cNvPicPr>
           <p:nvPr>
             <p:ph idx="1"/>
           </p:nvPr>
-        </p:nvSpPr>
-        <p:spPr/>
-        <p:txBody>
-          <a:bodyPr/>
-          <a:lstStyle/>
-          <a:p>
-            <a:endParaRPr lang="en-US"/>
-          </a:p>
-        </p:txBody>
-      </p:sp>
+        </p:nvPicPr>
+        <p:blipFill>
+          <a:blip r:embed="rId2">
+            <a:extLst>
+              <a:ext uri="{28A0092B-C50C-407E-A947-70E740481C1C}">
+                <a14:useLocalDpi xmlns:a14="http://schemas.microsoft.com/office/drawing/2010/main" val="0"/>
+              </a:ext>
+            </a:extLst>
+          </a:blip>
+          <a:stretch>
+            <a:fillRect/>
+          </a:stretch>
+        </p:blipFill>
+        <p:spPr>
+          <a:xfrm>
+            <a:off x="1524000" y="2052692"/>
+            <a:ext cx="9144000" cy="4271908"/>
+          </a:xfrm>
+        </p:spPr>
+      </p:pic>
     </p:spTree>
     <p:extLst>
       <p:ext uri="{BB962C8B-B14F-4D97-AF65-F5344CB8AC3E}">
         <p14:creationId xmlns:p14="http://schemas.microsoft.com/office/powerpoint/2010/main" val="252953982"/>
+      </p:ext>
+    </p:extLst>
+  </p:cSld>
+  <p:clrMapOvr>
+    <a:masterClrMapping/>
+  </p:clrMapOvr>
+</p:sld>
+</file>
+
+<file path=ppt/slides/slide9.xml><?xml version="1.0" encoding="utf-8"?>
+<p:sld xmlns:a="http://schemas.openxmlformats.org/drawingml/2006/main" xmlns:r="http://schemas.openxmlformats.org/officeDocument/2006/relationships" xmlns:p="http://schemas.openxmlformats.org/presentationml/2006/main">
+  <p:cSld>
+    <p:spTree>
+      <p:nvGrpSpPr>
+        <p:cNvPr id="1" name=""/>
+        <p:cNvGrpSpPr/>
+        <p:nvPr/>
+      </p:nvGrpSpPr>
+      <p:grpSpPr>
+        <a:xfrm>
+          <a:off x="0" y="0"/>
+          <a:ext cx="0" cy="0"/>
+          <a:chOff x="0" y="0"/>
+          <a:chExt cx="0" cy="0"/>
+        </a:xfrm>
+      </p:grpSpPr>
+      <p:sp>
+        <p:nvSpPr>
+          <p:cNvPr id="2" name="Title 1">
+            <a:extLst>
+              <a:ext uri="{FF2B5EF4-FFF2-40B4-BE49-F238E27FC236}">
+                <a16:creationId xmlns:a16="http://schemas.microsoft.com/office/drawing/2014/main" id="{5C96DB72-0639-4ED4-A100-E05B93DD0606}"/>
+              </a:ext>
+            </a:extLst>
+          </p:cNvPr>
+          <p:cNvSpPr>
+            <a:spLocks noGrp="1"/>
+          </p:cNvSpPr>
+          <p:nvPr>
+            <p:ph type="title"/>
+          </p:nvPr>
+        </p:nvSpPr>
+        <p:spPr/>
+        <p:txBody>
+          <a:bodyPr/>
+          <a:lstStyle/>
+          <a:p>
+            <a:pPr algn="ctr"/>
+            <a:r>
+              <a:rPr lang="en-US" dirty="0"/>
+              <a:t>Merging with </a:t>
+            </a:r>
+            <a:r>
+              <a:rPr lang="en-US" dirty="0" err="1"/>
+              <a:t>GitKraken</a:t>
+            </a:r>
+            <a:endParaRPr lang="en-US" dirty="0"/>
+          </a:p>
+        </p:txBody>
+      </p:sp>
+      <p:pic>
+        <p:nvPicPr>
+          <p:cNvPr id="7" name="Content Placeholder 6">
+            <a:extLst>
+              <a:ext uri="{FF2B5EF4-FFF2-40B4-BE49-F238E27FC236}">
+                <a16:creationId xmlns:a16="http://schemas.microsoft.com/office/drawing/2014/main" id="{6EB51BF3-85D7-4E3A-8B24-B9F937B8E1CA}"/>
+              </a:ext>
+            </a:extLst>
+          </p:cNvPr>
+          <p:cNvPicPr>
+            <a:picLocks noGrp="1" noChangeAspect="1"/>
+          </p:cNvPicPr>
+          <p:nvPr>
+            <p:ph sz="half" idx="1"/>
+          </p:nvPr>
+        </p:nvPicPr>
+        <p:blipFill>
+          <a:blip r:embed="rId2">
+            <a:extLst>
+              <a:ext uri="{28A0092B-C50C-407E-A947-70E740481C1C}">
+                <a14:useLocalDpi xmlns:a14="http://schemas.microsoft.com/office/drawing/2010/main" val="0"/>
+              </a:ext>
+            </a:extLst>
+          </a:blip>
+          <a:stretch>
+            <a:fillRect/>
+          </a:stretch>
+        </p:blipFill>
+        <p:spPr>
+          <a:xfrm>
+            <a:off x="533400" y="1825625"/>
+            <a:ext cx="5068717" cy="4270375"/>
+          </a:xfrm>
+        </p:spPr>
+      </p:pic>
+      <p:sp>
+        <p:nvSpPr>
+          <p:cNvPr id="5" name="Content Placeholder 4">
+            <a:extLst>
+              <a:ext uri="{FF2B5EF4-FFF2-40B4-BE49-F238E27FC236}">
+                <a16:creationId xmlns:a16="http://schemas.microsoft.com/office/drawing/2014/main" id="{E3C4B1E4-3737-48F0-8B5A-A4E923CEB6B3}"/>
+              </a:ext>
+            </a:extLst>
+          </p:cNvPr>
+          <p:cNvSpPr>
+            <a:spLocks noGrp="1"/>
+          </p:cNvSpPr>
+          <p:nvPr>
+            <p:ph sz="half" idx="2"/>
+          </p:nvPr>
+        </p:nvSpPr>
+        <p:spPr>
+          <a:xfrm>
+            <a:off x="6324600" y="1825625"/>
+            <a:ext cx="5334000" cy="4270375"/>
+          </a:xfrm>
+        </p:spPr>
+        <p:txBody>
+          <a:bodyPr/>
+          <a:lstStyle/>
+          <a:p>
+            <a:r>
+              <a:rPr lang="en-US" dirty="0"/>
+              <a:t>Merging takes </a:t>
+            </a:r>
+            <a:r>
+              <a:rPr lang="en-US" i="1" dirty="0"/>
+              <a:t>differences </a:t>
+            </a:r>
+            <a:r>
+              <a:rPr lang="en-US" dirty="0"/>
+              <a:t>from another branch, and apply them to whichever branch you are currently working on.</a:t>
+            </a:r>
+          </a:p>
+          <a:p>
+            <a:r>
+              <a:rPr lang="en-US" dirty="0"/>
+              <a:t>This is accomplished by dragging one local branch into another branch. It should open a menu, from which you want to select ‘</a:t>
+            </a:r>
+            <a:r>
+              <a:rPr lang="en-US" i="1" dirty="0"/>
+              <a:t>Merge </a:t>
+            </a:r>
+            <a:r>
+              <a:rPr lang="en-US" i="1" dirty="0" err="1"/>
+              <a:t>branchX</a:t>
+            </a:r>
+            <a:r>
+              <a:rPr lang="en-US" i="1" dirty="0"/>
+              <a:t> into </a:t>
+            </a:r>
+            <a:r>
+              <a:rPr lang="en-US" i="1" dirty="0" err="1"/>
+              <a:t>branchY</a:t>
+            </a:r>
+            <a:r>
+              <a:rPr lang="en-US" i="1"/>
+              <a:t>.</a:t>
+            </a:r>
+            <a:endParaRPr lang="en-US" dirty="0"/>
+          </a:p>
+        </p:txBody>
+      </p:sp>
+    </p:spTree>
+    <p:extLst>
+      <p:ext uri="{BB962C8B-B14F-4D97-AF65-F5344CB8AC3E}">
+        <p14:creationId xmlns:p14="http://schemas.microsoft.com/office/powerpoint/2010/main" val="3040420738"/>
       </p:ext>
     </p:extLst>
   </p:cSld>
@@ -5880,132 +6078,6 @@
 </file>
 
 <file path=customXml/item2.xml><?xml version="1.0" encoding="utf-8"?>
-<p:properties xmlns:p="http://schemas.microsoft.com/office/2006/metadata/properties" xmlns:xsi="http://www.w3.org/2001/XMLSchema-instance" xmlns:pc="http://schemas.microsoft.com/office/infopath/2007/PartnerControls">
-  <documentManagement>
-    <DirectSourceMarket xmlns="4873beb7-5857-4685-be1f-d57550cc96cc" xsi:nil="true"/>
-    <ApprovalStatus xmlns="4873beb7-5857-4685-be1f-d57550cc96cc">InProgress</ApprovalStatus>
-    <MarketSpecific xmlns="4873beb7-5857-4685-be1f-d57550cc96cc">false</MarketSpecific>
-    <LocComments xmlns="4873beb7-5857-4685-be1f-d57550cc96cc" xsi:nil="true"/>
-    <ThumbnailAssetId xmlns="4873beb7-5857-4685-be1f-d57550cc96cc" xsi:nil="true"/>
-    <PrimaryImageGen xmlns="4873beb7-5857-4685-be1f-d57550cc96cc">true</PrimaryImageGen>
-    <LegacyData xmlns="4873beb7-5857-4685-be1f-d57550cc96cc" xsi:nil="true"/>
-    <LocRecommendedHandoff xmlns="4873beb7-5857-4685-be1f-d57550cc96cc" xsi:nil="true"/>
-    <BusinessGroup xmlns="4873beb7-5857-4685-be1f-d57550cc96cc" xsi:nil="true"/>
-    <BlockPublish xmlns="4873beb7-5857-4685-be1f-d57550cc96cc">false</BlockPublish>
-    <TPFriendlyName xmlns="4873beb7-5857-4685-be1f-d57550cc96cc" xsi:nil="true"/>
-    <NumericId xmlns="4873beb7-5857-4685-be1f-d57550cc96cc" xsi:nil="true"/>
-    <APEditor xmlns="4873beb7-5857-4685-be1f-d57550cc96cc">
-      <UserInfo>
-        <DisplayName/>
-        <AccountId xsi:nil="true"/>
-        <AccountType/>
-      </UserInfo>
-    </APEditor>
-    <SourceTitle xmlns="4873beb7-5857-4685-be1f-d57550cc96cc" xsi:nil="true"/>
-    <OpenTemplate xmlns="4873beb7-5857-4685-be1f-d57550cc96cc">true</OpenTemplate>
-    <UALocComments xmlns="4873beb7-5857-4685-be1f-d57550cc96cc" xsi:nil="true"/>
-    <ParentAssetId xmlns="4873beb7-5857-4685-be1f-d57550cc96cc" xsi:nil="true"/>
-    <IntlLangReviewDate xmlns="4873beb7-5857-4685-be1f-d57550cc96cc" xsi:nil="true"/>
-    <FeatureTagsTaxHTField0 xmlns="4873beb7-5857-4685-be1f-d57550cc96cc">
-      <Terms xmlns="http://schemas.microsoft.com/office/infopath/2007/PartnerControls"/>
-    </FeatureTagsTaxHTField0>
-    <PublishStatusLookup xmlns="4873beb7-5857-4685-be1f-d57550cc96cc">
-      <Value>1566889</Value>
-    </PublishStatusLookup>
-    <Providers xmlns="4873beb7-5857-4685-be1f-d57550cc96cc" xsi:nil="true"/>
-    <MachineTranslated xmlns="4873beb7-5857-4685-be1f-d57550cc96cc">false</MachineTranslated>
-    <OriginalSourceMarket xmlns="4873beb7-5857-4685-be1f-d57550cc96cc" xsi:nil="true"/>
-    <APDescription xmlns="4873beb7-5857-4685-be1f-d57550cc96cc" xsi:nil="true"/>
-    <ClipArtFilename xmlns="4873beb7-5857-4685-be1f-d57550cc96cc" xsi:nil="true"/>
-    <ContentItem xmlns="4873beb7-5857-4685-be1f-d57550cc96cc" xsi:nil="true"/>
-    <TPInstallLocation xmlns="4873beb7-5857-4685-be1f-d57550cc96cc" xsi:nil="true"/>
-    <PublishTargets xmlns="4873beb7-5857-4685-be1f-d57550cc96cc">OfficeOnlineVNext</PublishTargets>
-    <TimesCloned xmlns="4873beb7-5857-4685-be1f-d57550cc96cc" xsi:nil="true"/>
-    <AssetStart xmlns="4873beb7-5857-4685-be1f-d57550cc96cc">2012-05-23T08:44:00+00:00</AssetStart>
-    <Provider xmlns="4873beb7-5857-4685-be1f-d57550cc96cc" xsi:nil="true"/>
-    <AcquiredFrom xmlns="4873beb7-5857-4685-be1f-d57550cc96cc">Internal MS</AcquiredFrom>
-    <FriendlyTitle xmlns="4873beb7-5857-4685-be1f-d57550cc96cc" xsi:nil="true"/>
-    <LastHandOff xmlns="4873beb7-5857-4685-be1f-d57550cc96cc" xsi:nil="true"/>
-    <TPClientViewer xmlns="4873beb7-5857-4685-be1f-d57550cc96cc" xsi:nil="true"/>
-    <UACurrentWords xmlns="4873beb7-5857-4685-be1f-d57550cc96cc" xsi:nil="true"/>
-    <ArtSampleDocs xmlns="4873beb7-5857-4685-be1f-d57550cc96cc" xsi:nil="true"/>
-    <UALocRecommendation xmlns="4873beb7-5857-4685-be1f-d57550cc96cc">Localize</UALocRecommendation>
-    <Manager xmlns="4873beb7-5857-4685-be1f-d57550cc96cc" xsi:nil="true"/>
-    <ShowIn xmlns="4873beb7-5857-4685-be1f-d57550cc96cc">Show everywhere</ShowIn>
-    <UANotes xmlns="4873beb7-5857-4685-be1f-d57550cc96cc" xsi:nil="true"/>
-    <TemplateStatus xmlns="4873beb7-5857-4685-be1f-d57550cc96cc">Complete</TemplateStatus>
-    <InternalTagsTaxHTField0 xmlns="4873beb7-5857-4685-be1f-d57550cc96cc">
-      <Terms xmlns="http://schemas.microsoft.com/office/infopath/2007/PartnerControls"/>
-    </InternalTagsTaxHTField0>
-    <CSXHash xmlns="4873beb7-5857-4685-be1f-d57550cc96cc" xsi:nil="true"/>
-    <Downloads xmlns="4873beb7-5857-4685-be1f-d57550cc96cc">0</Downloads>
-    <VoteCount xmlns="4873beb7-5857-4685-be1f-d57550cc96cc" xsi:nil="true"/>
-    <OOCacheId xmlns="4873beb7-5857-4685-be1f-d57550cc96cc" xsi:nil="true"/>
-    <IsDeleted xmlns="4873beb7-5857-4685-be1f-d57550cc96cc">false</IsDeleted>
-    <AssetExpire xmlns="4873beb7-5857-4685-be1f-d57550cc96cc">2029-01-01T08:00:00+00:00</AssetExpire>
-    <DSATActionTaken xmlns="4873beb7-5857-4685-be1f-d57550cc96cc" xsi:nil="true"/>
-    <CSXSubmissionMarket xmlns="4873beb7-5857-4685-be1f-d57550cc96cc" xsi:nil="true"/>
-    <TPExecutable xmlns="4873beb7-5857-4685-be1f-d57550cc96cc" xsi:nil="true"/>
-    <SubmitterId xmlns="4873beb7-5857-4685-be1f-d57550cc96cc" xsi:nil="true"/>
-    <EditorialTags xmlns="4873beb7-5857-4685-be1f-d57550cc96cc" xsi:nil="true"/>
-    <ApprovalLog xmlns="4873beb7-5857-4685-be1f-d57550cc96cc" xsi:nil="true"/>
-    <AssetType xmlns="4873beb7-5857-4685-be1f-d57550cc96cc">TP</AssetType>
-    <BugNumber xmlns="4873beb7-5857-4685-be1f-d57550cc96cc" xsi:nil="true"/>
-    <CSXSubmissionDate xmlns="4873beb7-5857-4685-be1f-d57550cc96cc" xsi:nil="true"/>
-    <CSXUpdate xmlns="4873beb7-5857-4685-be1f-d57550cc96cc">false</CSXUpdate>
-    <Milestone xmlns="4873beb7-5857-4685-be1f-d57550cc96cc" xsi:nil="true"/>
-    <RecommendationsModifier xmlns="4873beb7-5857-4685-be1f-d57550cc96cc" xsi:nil="true"/>
-    <OriginAsset xmlns="4873beb7-5857-4685-be1f-d57550cc96cc" xsi:nil="true"/>
-    <TPComponent xmlns="4873beb7-5857-4685-be1f-d57550cc96cc" xsi:nil="true"/>
-    <AssetId xmlns="4873beb7-5857-4685-be1f-d57550cc96cc">TP102901017</AssetId>
-    <IntlLocPriority xmlns="4873beb7-5857-4685-be1f-d57550cc96cc" xsi:nil="true"/>
-    <PolicheckWords xmlns="4873beb7-5857-4685-be1f-d57550cc96cc" xsi:nil="true"/>
-    <TPLaunchHelpLink xmlns="4873beb7-5857-4685-be1f-d57550cc96cc" xsi:nil="true"/>
-    <TPApplication xmlns="4873beb7-5857-4685-be1f-d57550cc96cc" xsi:nil="true"/>
-    <CrawlForDependencies xmlns="4873beb7-5857-4685-be1f-d57550cc96cc">false</CrawlForDependencies>
-    <HandoffToMSDN xmlns="4873beb7-5857-4685-be1f-d57550cc96cc" xsi:nil="true"/>
-    <PlannedPubDate xmlns="4873beb7-5857-4685-be1f-d57550cc96cc" xsi:nil="true"/>
-    <IntlLangReviewer xmlns="4873beb7-5857-4685-be1f-d57550cc96cc" xsi:nil="true"/>
-    <TrustLevel xmlns="4873beb7-5857-4685-be1f-d57550cc96cc">1 Microsoft Managed Content</TrustLevel>
-    <LocLastLocAttemptVersionLookup xmlns="4873beb7-5857-4685-be1f-d57550cc96cc">836753</LocLastLocAttemptVersionLookup>
-    <IsSearchable xmlns="4873beb7-5857-4685-be1f-d57550cc96cc">true</IsSearchable>
-    <TemplateTemplateType xmlns="4873beb7-5857-4685-be1f-d57550cc96cc">PowerPoint Design Template</TemplateTemplateType>
-    <CampaignTagsTaxHTField0 xmlns="4873beb7-5857-4685-be1f-d57550cc96cc">
-      <Terms xmlns="http://schemas.microsoft.com/office/infopath/2007/PartnerControls"/>
-    </CampaignTagsTaxHTField0>
-    <TPNamespace xmlns="4873beb7-5857-4685-be1f-d57550cc96cc" xsi:nil="true"/>
-    <TaxCatchAll xmlns="4873beb7-5857-4685-be1f-d57550cc96cc"/>
-    <Markets xmlns="4873beb7-5857-4685-be1f-d57550cc96cc"/>
-    <UAProjectedTotalWords xmlns="4873beb7-5857-4685-be1f-d57550cc96cc" xsi:nil="true"/>
-    <IntlLangReview xmlns="4873beb7-5857-4685-be1f-d57550cc96cc">false</IntlLangReview>
-    <OutputCachingOn xmlns="4873beb7-5857-4685-be1f-d57550cc96cc">false</OutputCachingOn>
-    <AverageRating xmlns="4873beb7-5857-4685-be1f-d57550cc96cc" xsi:nil="true"/>
-    <APAuthor xmlns="4873beb7-5857-4685-be1f-d57550cc96cc">
-      <UserInfo>
-        <DisplayName>REDMOND\v-anij</DisplayName>
-        <AccountId>2469</AccountId>
-        <AccountType/>
-      </UserInfo>
-    </APAuthor>
-    <LocManualTestRequired xmlns="4873beb7-5857-4685-be1f-d57550cc96cc">false</LocManualTestRequired>
-    <TPCommandLine xmlns="4873beb7-5857-4685-be1f-d57550cc96cc" xsi:nil="true"/>
-    <TPAppVersion xmlns="4873beb7-5857-4685-be1f-d57550cc96cc" xsi:nil="true"/>
-    <EditorialStatus xmlns="4873beb7-5857-4685-be1f-d57550cc96cc">Complete</EditorialStatus>
-    <LastModifiedDateTime xmlns="4873beb7-5857-4685-be1f-d57550cc96cc" xsi:nil="true"/>
-    <ScenarioTagsTaxHTField0 xmlns="4873beb7-5857-4685-be1f-d57550cc96cc">
-      <Terms xmlns="http://schemas.microsoft.com/office/infopath/2007/PartnerControls"/>
-    </ScenarioTagsTaxHTField0>
-    <OriginalRelease xmlns="4873beb7-5857-4685-be1f-d57550cc96cc">15</OriginalRelease>
-    <TPLaunchHelpLinkType xmlns="4873beb7-5857-4685-be1f-d57550cc96cc">Template</TPLaunchHelpLinkType>
-    <LocalizationTagsTaxHTField0 xmlns="4873beb7-5857-4685-be1f-d57550cc96cc">
-      <Terms xmlns="http://schemas.microsoft.com/office/infopath/2007/PartnerControls"/>
-    </LocalizationTagsTaxHTField0>
-    <LocMarketGroupTiers2 xmlns="4873beb7-5857-4685-be1f-d57550cc96cc" xsi:nil="true"/>
-  </documentManagement>
-</p:properties>
-</file>
-
-<file path=customXml/item3.xml><?xml version="1.0" encoding="utf-8"?>
 <ct:contentTypeSchema xmlns:ct="http://schemas.microsoft.com/office/2006/metadata/contentType" xmlns:ma="http://schemas.microsoft.com/office/2006/metadata/properties/metaAttributes" ct:_="" ma:_="" ma:contentTypeName="TemplateFile" ma:contentTypeID="0x0101006EDDDB5EE6D98C44930B742096920B300400F5B6D36B3EF94B4E9A635CDF2A18F5B8" ma:contentTypeVersion="72" ma:contentTypeDescription="Create a new document." ma:contentTypeScope="" ma:versionID="a23e56308344d904b51738559c3d67c9">
   <xsd:schema xmlns:xsd="http://www.w3.org/2001/XMLSchema" xmlns:xs="http://www.w3.org/2001/XMLSchema" xmlns:p="http://schemas.microsoft.com/office/2006/metadata/properties" xmlns:ns2="4873beb7-5857-4685-be1f-d57550cc96cc" targetNamespace="http://schemas.microsoft.com/office/2006/metadata/properties" ma:root="true" ma:fieldsID="cd0908cc4600e77bf5da051303e00c8d" ns2:_="">
     <xsd:import namespace="4873beb7-5857-4685-be1f-d57550cc96cc"/>
@@ -7045,6 +7117,132 @@
 </ct:contentTypeSchema>
 </file>
 
+<file path=customXml/item3.xml><?xml version="1.0" encoding="utf-8"?>
+<p:properties xmlns:p="http://schemas.microsoft.com/office/2006/metadata/properties" xmlns:xsi="http://www.w3.org/2001/XMLSchema-instance" xmlns:pc="http://schemas.microsoft.com/office/infopath/2007/PartnerControls">
+  <documentManagement>
+    <DirectSourceMarket xmlns="4873beb7-5857-4685-be1f-d57550cc96cc" xsi:nil="true"/>
+    <ApprovalStatus xmlns="4873beb7-5857-4685-be1f-d57550cc96cc">InProgress</ApprovalStatus>
+    <MarketSpecific xmlns="4873beb7-5857-4685-be1f-d57550cc96cc">false</MarketSpecific>
+    <LocComments xmlns="4873beb7-5857-4685-be1f-d57550cc96cc" xsi:nil="true"/>
+    <ThumbnailAssetId xmlns="4873beb7-5857-4685-be1f-d57550cc96cc" xsi:nil="true"/>
+    <PrimaryImageGen xmlns="4873beb7-5857-4685-be1f-d57550cc96cc">true</PrimaryImageGen>
+    <LegacyData xmlns="4873beb7-5857-4685-be1f-d57550cc96cc" xsi:nil="true"/>
+    <LocRecommendedHandoff xmlns="4873beb7-5857-4685-be1f-d57550cc96cc" xsi:nil="true"/>
+    <BusinessGroup xmlns="4873beb7-5857-4685-be1f-d57550cc96cc" xsi:nil="true"/>
+    <BlockPublish xmlns="4873beb7-5857-4685-be1f-d57550cc96cc">false</BlockPublish>
+    <TPFriendlyName xmlns="4873beb7-5857-4685-be1f-d57550cc96cc" xsi:nil="true"/>
+    <NumericId xmlns="4873beb7-5857-4685-be1f-d57550cc96cc" xsi:nil="true"/>
+    <APEditor xmlns="4873beb7-5857-4685-be1f-d57550cc96cc">
+      <UserInfo>
+        <DisplayName/>
+        <AccountId xsi:nil="true"/>
+        <AccountType/>
+      </UserInfo>
+    </APEditor>
+    <SourceTitle xmlns="4873beb7-5857-4685-be1f-d57550cc96cc" xsi:nil="true"/>
+    <OpenTemplate xmlns="4873beb7-5857-4685-be1f-d57550cc96cc">true</OpenTemplate>
+    <UALocComments xmlns="4873beb7-5857-4685-be1f-d57550cc96cc" xsi:nil="true"/>
+    <ParentAssetId xmlns="4873beb7-5857-4685-be1f-d57550cc96cc" xsi:nil="true"/>
+    <IntlLangReviewDate xmlns="4873beb7-5857-4685-be1f-d57550cc96cc" xsi:nil="true"/>
+    <FeatureTagsTaxHTField0 xmlns="4873beb7-5857-4685-be1f-d57550cc96cc">
+      <Terms xmlns="http://schemas.microsoft.com/office/infopath/2007/PartnerControls"/>
+    </FeatureTagsTaxHTField0>
+    <PublishStatusLookup xmlns="4873beb7-5857-4685-be1f-d57550cc96cc">
+      <Value>1566889</Value>
+    </PublishStatusLookup>
+    <Providers xmlns="4873beb7-5857-4685-be1f-d57550cc96cc" xsi:nil="true"/>
+    <MachineTranslated xmlns="4873beb7-5857-4685-be1f-d57550cc96cc">false</MachineTranslated>
+    <OriginalSourceMarket xmlns="4873beb7-5857-4685-be1f-d57550cc96cc" xsi:nil="true"/>
+    <APDescription xmlns="4873beb7-5857-4685-be1f-d57550cc96cc" xsi:nil="true"/>
+    <ClipArtFilename xmlns="4873beb7-5857-4685-be1f-d57550cc96cc" xsi:nil="true"/>
+    <ContentItem xmlns="4873beb7-5857-4685-be1f-d57550cc96cc" xsi:nil="true"/>
+    <TPInstallLocation xmlns="4873beb7-5857-4685-be1f-d57550cc96cc" xsi:nil="true"/>
+    <PublishTargets xmlns="4873beb7-5857-4685-be1f-d57550cc96cc">OfficeOnlineVNext</PublishTargets>
+    <TimesCloned xmlns="4873beb7-5857-4685-be1f-d57550cc96cc" xsi:nil="true"/>
+    <AssetStart xmlns="4873beb7-5857-4685-be1f-d57550cc96cc">2012-05-23T08:44:00+00:00</AssetStart>
+    <Provider xmlns="4873beb7-5857-4685-be1f-d57550cc96cc" xsi:nil="true"/>
+    <AcquiredFrom xmlns="4873beb7-5857-4685-be1f-d57550cc96cc">Internal MS</AcquiredFrom>
+    <FriendlyTitle xmlns="4873beb7-5857-4685-be1f-d57550cc96cc" xsi:nil="true"/>
+    <LastHandOff xmlns="4873beb7-5857-4685-be1f-d57550cc96cc" xsi:nil="true"/>
+    <TPClientViewer xmlns="4873beb7-5857-4685-be1f-d57550cc96cc" xsi:nil="true"/>
+    <UACurrentWords xmlns="4873beb7-5857-4685-be1f-d57550cc96cc" xsi:nil="true"/>
+    <ArtSampleDocs xmlns="4873beb7-5857-4685-be1f-d57550cc96cc" xsi:nil="true"/>
+    <UALocRecommendation xmlns="4873beb7-5857-4685-be1f-d57550cc96cc">Localize</UALocRecommendation>
+    <Manager xmlns="4873beb7-5857-4685-be1f-d57550cc96cc" xsi:nil="true"/>
+    <ShowIn xmlns="4873beb7-5857-4685-be1f-d57550cc96cc">Show everywhere</ShowIn>
+    <UANotes xmlns="4873beb7-5857-4685-be1f-d57550cc96cc" xsi:nil="true"/>
+    <TemplateStatus xmlns="4873beb7-5857-4685-be1f-d57550cc96cc">Complete</TemplateStatus>
+    <InternalTagsTaxHTField0 xmlns="4873beb7-5857-4685-be1f-d57550cc96cc">
+      <Terms xmlns="http://schemas.microsoft.com/office/infopath/2007/PartnerControls"/>
+    </InternalTagsTaxHTField0>
+    <CSXHash xmlns="4873beb7-5857-4685-be1f-d57550cc96cc" xsi:nil="true"/>
+    <Downloads xmlns="4873beb7-5857-4685-be1f-d57550cc96cc">0</Downloads>
+    <VoteCount xmlns="4873beb7-5857-4685-be1f-d57550cc96cc" xsi:nil="true"/>
+    <OOCacheId xmlns="4873beb7-5857-4685-be1f-d57550cc96cc" xsi:nil="true"/>
+    <IsDeleted xmlns="4873beb7-5857-4685-be1f-d57550cc96cc">false</IsDeleted>
+    <AssetExpire xmlns="4873beb7-5857-4685-be1f-d57550cc96cc">2029-01-01T08:00:00+00:00</AssetExpire>
+    <DSATActionTaken xmlns="4873beb7-5857-4685-be1f-d57550cc96cc" xsi:nil="true"/>
+    <CSXSubmissionMarket xmlns="4873beb7-5857-4685-be1f-d57550cc96cc" xsi:nil="true"/>
+    <TPExecutable xmlns="4873beb7-5857-4685-be1f-d57550cc96cc" xsi:nil="true"/>
+    <SubmitterId xmlns="4873beb7-5857-4685-be1f-d57550cc96cc" xsi:nil="true"/>
+    <EditorialTags xmlns="4873beb7-5857-4685-be1f-d57550cc96cc" xsi:nil="true"/>
+    <ApprovalLog xmlns="4873beb7-5857-4685-be1f-d57550cc96cc" xsi:nil="true"/>
+    <AssetType xmlns="4873beb7-5857-4685-be1f-d57550cc96cc">TP</AssetType>
+    <BugNumber xmlns="4873beb7-5857-4685-be1f-d57550cc96cc" xsi:nil="true"/>
+    <CSXSubmissionDate xmlns="4873beb7-5857-4685-be1f-d57550cc96cc" xsi:nil="true"/>
+    <CSXUpdate xmlns="4873beb7-5857-4685-be1f-d57550cc96cc">false</CSXUpdate>
+    <Milestone xmlns="4873beb7-5857-4685-be1f-d57550cc96cc" xsi:nil="true"/>
+    <RecommendationsModifier xmlns="4873beb7-5857-4685-be1f-d57550cc96cc" xsi:nil="true"/>
+    <OriginAsset xmlns="4873beb7-5857-4685-be1f-d57550cc96cc" xsi:nil="true"/>
+    <TPComponent xmlns="4873beb7-5857-4685-be1f-d57550cc96cc" xsi:nil="true"/>
+    <AssetId xmlns="4873beb7-5857-4685-be1f-d57550cc96cc">TP102901017</AssetId>
+    <IntlLocPriority xmlns="4873beb7-5857-4685-be1f-d57550cc96cc" xsi:nil="true"/>
+    <PolicheckWords xmlns="4873beb7-5857-4685-be1f-d57550cc96cc" xsi:nil="true"/>
+    <TPLaunchHelpLink xmlns="4873beb7-5857-4685-be1f-d57550cc96cc" xsi:nil="true"/>
+    <TPApplication xmlns="4873beb7-5857-4685-be1f-d57550cc96cc" xsi:nil="true"/>
+    <CrawlForDependencies xmlns="4873beb7-5857-4685-be1f-d57550cc96cc">false</CrawlForDependencies>
+    <HandoffToMSDN xmlns="4873beb7-5857-4685-be1f-d57550cc96cc" xsi:nil="true"/>
+    <PlannedPubDate xmlns="4873beb7-5857-4685-be1f-d57550cc96cc" xsi:nil="true"/>
+    <IntlLangReviewer xmlns="4873beb7-5857-4685-be1f-d57550cc96cc" xsi:nil="true"/>
+    <TrustLevel xmlns="4873beb7-5857-4685-be1f-d57550cc96cc">1 Microsoft Managed Content</TrustLevel>
+    <LocLastLocAttemptVersionLookup xmlns="4873beb7-5857-4685-be1f-d57550cc96cc">836753</LocLastLocAttemptVersionLookup>
+    <IsSearchable xmlns="4873beb7-5857-4685-be1f-d57550cc96cc">true</IsSearchable>
+    <TemplateTemplateType xmlns="4873beb7-5857-4685-be1f-d57550cc96cc">PowerPoint Design Template</TemplateTemplateType>
+    <CampaignTagsTaxHTField0 xmlns="4873beb7-5857-4685-be1f-d57550cc96cc">
+      <Terms xmlns="http://schemas.microsoft.com/office/infopath/2007/PartnerControls"/>
+    </CampaignTagsTaxHTField0>
+    <TPNamespace xmlns="4873beb7-5857-4685-be1f-d57550cc96cc" xsi:nil="true"/>
+    <TaxCatchAll xmlns="4873beb7-5857-4685-be1f-d57550cc96cc"/>
+    <Markets xmlns="4873beb7-5857-4685-be1f-d57550cc96cc"/>
+    <UAProjectedTotalWords xmlns="4873beb7-5857-4685-be1f-d57550cc96cc" xsi:nil="true"/>
+    <IntlLangReview xmlns="4873beb7-5857-4685-be1f-d57550cc96cc">false</IntlLangReview>
+    <OutputCachingOn xmlns="4873beb7-5857-4685-be1f-d57550cc96cc">false</OutputCachingOn>
+    <AverageRating xmlns="4873beb7-5857-4685-be1f-d57550cc96cc" xsi:nil="true"/>
+    <APAuthor xmlns="4873beb7-5857-4685-be1f-d57550cc96cc">
+      <UserInfo>
+        <DisplayName>REDMOND\v-anij</DisplayName>
+        <AccountId>2469</AccountId>
+        <AccountType/>
+      </UserInfo>
+    </APAuthor>
+    <LocManualTestRequired xmlns="4873beb7-5857-4685-be1f-d57550cc96cc">false</LocManualTestRequired>
+    <TPCommandLine xmlns="4873beb7-5857-4685-be1f-d57550cc96cc" xsi:nil="true"/>
+    <TPAppVersion xmlns="4873beb7-5857-4685-be1f-d57550cc96cc" xsi:nil="true"/>
+    <EditorialStatus xmlns="4873beb7-5857-4685-be1f-d57550cc96cc">Complete</EditorialStatus>
+    <LastModifiedDateTime xmlns="4873beb7-5857-4685-be1f-d57550cc96cc" xsi:nil="true"/>
+    <ScenarioTagsTaxHTField0 xmlns="4873beb7-5857-4685-be1f-d57550cc96cc">
+      <Terms xmlns="http://schemas.microsoft.com/office/infopath/2007/PartnerControls"/>
+    </ScenarioTagsTaxHTField0>
+    <OriginalRelease xmlns="4873beb7-5857-4685-be1f-d57550cc96cc">15</OriginalRelease>
+    <TPLaunchHelpLinkType xmlns="4873beb7-5857-4685-be1f-d57550cc96cc">Template</TPLaunchHelpLinkType>
+    <LocalizationTagsTaxHTField0 xmlns="4873beb7-5857-4685-be1f-d57550cc96cc">
+      <Terms xmlns="http://schemas.microsoft.com/office/infopath/2007/PartnerControls"/>
+    </LocalizationTagsTaxHTField0>
+    <LocMarketGroupTiers2 xmlns="4873beb7-5857-4685-be1f-d57550cc96cc" xsi:nil="true"/>
+  </documentManagement>
+</p:properties>
+</file>
+
 <file path=customXml/itemProps1.xml><?xml version="1.0" encoding="utf-8"?>
 <ds:datastoreItem xmlns:ds="http://schemas.openxmlformats.org/officeDocument/2006/customXml" ds:itemID="{746CFF6F-D9AA-4BC0-911A-0A1356771912}">
   <ds:schemaRefs>
@@ -7054,22 +7252,6 @@
 </file>
 
 <file path=customXml/itemProps2.xml><?xml version="1.0" encoding="utf-8"?>
-<ds:datastoreItem xmlns:ds="http://schemas.openxmlformats.org/officeDocument/2006/customXml" ds:itemID="{04098515-0C12-46CF-BC7C-69B4A13CD5FA}">
-  <ds:schemaRefs>
-    <ds:schemaRef ds:uri="http://schemas.microsoft.com/office/infopath/2007/PartnerControls"/>
-    <ds:schemaRef ds:uri="http://purl.org/dc/elements/1.1/"/>
-    <ds:schemaRef ds:uri="http://purl.org/dc/terms/"/>
-    <ds:schemaRef ds:uri="http://schemas.microsoft.com/office/2006/documentManagement/types"/>
-    <ds:schemaRef ds:uri="http://purl.org/dc/dcmitype/"/>
-    <ds:schemaRef ds:uri="4873beb7-5857-4685-be1f-d57550cc96cc"/>
-    <ds:schemaRef ds:uri="http://schemas.openxmlformats.org/package/2006/metadata/core-properties"/>
-    <ds:schemaRef ds:uri="http://schemas.microsoft.com/office/2006/metadata/properties"/>
-    <ds:schemaRef ds:uri="http://www.w3.org/XML/1998/namespace"/>
-  </ds:schemaRefs>
-</ds:datastoreItem>
-</file>
-
-<file path=customXml/itemProps3.xml><?xml version="1.0" encoding="utf-8"?>
 <ds:datastoreItem xmlns:ds="http://schemas.openxmlformats.org/officeDocument/2006/customXml" ds:itemID="{0B5C6E15-39DC-470B-9445-F754B9458020}">
   <ds:schemaRefs>
     <ds:schemaRef ds:uri="http://schemas.microsoft.com/office/2006/metadata/contentType"/>
@@ -7085,4 +7267,20 @@
     <ds:schemaRef ds:uri="http://schemas.microsoft.com/internal/obd"/>
   </ds:schemaRefs>
 </ds:datastoreItem>
+</file>
+
+<file path=customXml/itemProps3.xml><?xml version="1.0" encoding="utf-8"?>
+<ds:datastoreItem xmlns:ds="http://schemas.openxmlformats.org/officeDocument/2006/customXml" ds:itemID="{04098515-0C12-46CF-BC7C-69B4A13CD5FA}">
+  <ds:schemaRefs>
+    <ds:schemaRef ds:uri="http://schemas.microsoft.com/office/infopath/2007/PartnerControls"/>
+    <ds:schemaRef ds:uri="http://purl.org/dc/elements/1.1/"/>
+    <ds:schemaRef ds:uri="http://purl.org/dc/terms/"/>
+    <ds:schemaRef ds:uri="http://schemas.microsoft.com/office/2006/documentManagement/types"/>
+    <ds:schemaRef ds:uri="http://purl.org/dc/dcmitype/"/>
+    <ds:schemaRef ds:uri="4873beb7-5857-4685-be1f-d57550cc96cc"/>
+    <ds:schemaRef ds:uri="http://schemas.openxmlformats.org/package/2006/metadata/core-properties"/>
+    <ds:schemaRef ds:uri="http://schemas.microsoft.com/office/2006/metadata/properties"/>
+    <ds:schemaRef ds:uri="http://www.w3.org/XML/1998/namespace"/>
+  </ds:schemaRefs>
+</ds:datastoreItem>
 </file>
--- a/GIT HUB Branching & Merging.pptx
+++ b/GIT HUB Branching & Merging.pptx
@@ -5,10 +5,10 @@
     <p:sldMasterId id="2147483648" r:id="rId4"/>
   </p:sldMasterIdLst>
   <p:notesMasterIdLst>
-    <p:notesMasterId r:id="rId14"/>
+    <p:notesMasterId r:id="rId16"/>
   </p:notesMasterIdLst>
   <p:handoutMasterIdLst>
-    <p:handoutMasterId r:id="rId15"/>
+    <p:handoutMasterId r:id="rId17"/>
   </p:handoutMasterIdLst>
   <p:sldIdLst>
     <p:sldId id="256" r:id="rId5"/>
@@ -20,6 +20,8 @@
     <p:sldId id="265" r:id="rId11"/>
     <p:sldId id="266" r:id="rId12"/>
     <p:sldId id="267" r:id="rId13"/>
+    <p:sldId id="268" r:id="rId14"/>
+    <p:sldId id="269" r:id="rId15"/>
   </p:sldIdLst>
   <p:sldSz cx="12192000" cy="6858000"/>
   <p:notesSz cx="6858000" cy="9144000"/>
@@ -3790,6 +3792,253 @@
       </p:transition>
     </mc:Fallback>
   </mc:AlternateContent>
+</p:sld>
+</file>
+
+<file path=ppt/slides/slide10.xml><?xml version="1.0" encoding="utf-8"?>
+<p:sld xmlns:a="http://schemas.openxmlformats.org/drawingml/2006/main" xmlns:r="http://schemas.openxmlformats.org/officeDocument/2006/relationships" xmlns:p="http://schemas.openxmlformats.org/presentationml/2006/main">
+  <p:cSld>
+    <p:spTree>
+      <p:nvGrpSpPr>
+        <p:cNvPr id="1" name=""/>
+        <p:cNvGrpSpPr/>
+        <p:nvPr/>
+      </p:nvGrpSpPr>
+      <p:grpSpPr>
+        <a:xfrm>
+          <a:off x="0" y="0"/>
+          <a:ext cx="0" cy="0"/>
+          <a:chOff x="0" y="0"/>
+          <a:chExt cx="0" cy="0"/>
+        </a:xfrm>
+      </p:grpSpPr>
+      <p:sp>
+        <p:nvSpPr>
+          <p:cNvPr id="5" name="Title 4">
+            <a:extLst>
+              <a:ext uri="{FF2B5EF4-FFF2-40B4-BE49-F238E27FC236}">
+                <a16:creationId xmlns:a16="http://schemas.microsoft.com/office/drawing/2014/main" id="{4268C492-29AE-4CDA-98EC-3F72CCF3ECCD}"/>
+              </a:ext>
+            </a:extLst>
+          </p:cNvPr>
+          <p:cNvSpPr>
+            <a:spLocks noGrp="1"/>
+          </p:cNvSpPr>
+          <p:nvPr>
+            <p:ph type="title"/>
+          </p:nvPr>
+        </p:nvSpPr>
+        <p:spPr>
+          <a:xfrm>
+            <a:off x="1524000" y="304800"/>
+            <a:ext cx="9144000" cy="1295400"/>
+          </a:xfrm>
+        </p:spPr>
+        <p:txBody>
+          <a:bodyPr>
+            <a:normAutofit fontScale="90000"/>
+          </a:bodyPr>
+          <a:lstStyle/>
+          <a:p>
+            <a:pPr algn="ctr"/>
+            <a:r>
+              <a:rPr lang="en-US" dirty="0" err="1">
+                <a:solidFill>
+                  <a:srgbClr val="92D050"/>
+                </a:solidFill>
+              </a:rPr>
+              <a:t>GitKraken</a:t>
+            </a:r>
+            <a:r>
+              <a:rPr lang="en-US" dirty="0">
+                <a:solidFill>
+                  <a:srgbClr val="92D050"/>
+                </a:solidFill>
+              </a:rPr>
+              <a:t> Graphical View</a:t>
+            </a:r>
+            <a:br>
+              <a:rPr lang="en-US" sz="3100" dirty="0">
+                <a:solidFill>
+                  <a:srgbClr val="92D050"/>
+                </a:solidFill>
+              </a:rPr>
+            </a:br>
+            <a:br>
+              <a:rPr lang="en-US" sz="3100" dirty="0">
+                <a:solidFill>
+                  <a:srgbClr val="92D050"/>
+                </a:solidFill>
+              </a:rPr>
+            </a:br>
+            <a:r>
+              <a:rPr lang="en-US" sz="2000" dirty="0">
+                <a:solidFill>
+                  <a:srgbClr val="92D050"/>
+                </a:solidFill>
+              </a:rPr>
+              <a:t>(What you are seeing is </a:t>
+            </a:r>
+            <a:r>
+              <a:rPr lang="en-US" sz="2000" dirty="0" err="1">
+                <a:solidFill>
+                  <a:srgbClr val="92D050"/>
+                </a:solidFill>
+              </a:rPr>
+              <a:t>Adam’sPPEdits</a:t>
+            </a:r>
+            <a:r>
+              <a:rPr lang="en-US" sz="2000" dirty="0">
+                <a:solidFill>
+                  <a:srgbClr val="92D050"/>
+                </a:solidFill>
+              </a:rPr>
+              <a:t> branch merging back into the master branch.)</a:t>
+            </a:r>
+            <a:endParaRPr lang="en-US" dirty="0"/>
+          </a:p>
+        </p:txBody>
+      </p:sp>
+      <p:pic>
+        <p:nvPicPr>
+          <p:cNvPr id="10" name="Content Placeholder 9">
+            <a:extLst>
+              <a:ext uri="{FF2B5EF4-FFF2-40B4-BE49-F238E27FC236}">
+                <a16:creationId xmlns:a16="http://schemas.microsoft.com/office/drawing/2014/main" id="{96B44A6E-FB94-4837-8F40-B22432DE83FD}"/>
+              </a:ext>
+            </a:extLst>
+          </p:cNvPr>
+          <p:cNvPicPr>
+            <a:picLocks noGrp="1" noChangeAspect="1"/>
+          </p:cNvPicPr>
+          <p:nvPr>
+            <p:ph idx="1"/>
+          </p:nvPr>
+        </p:nvPicPr>
+        <p:blipFill>
+          <a:blip r:embed="rId2">
+            <a:extLst>
+              <a:ext uri="{28A0092B-C50C-407E-A947-70E740481C1C}">
+                <a14:useLocalDpi xmlns:a14="http://schemas.microsoft.com/office/drawing/2010/main" val="0"/>
+              </a:ext>
+            </a:extLst>
+          </a:blip>
+          <a:stretch>
+            <a:fillRect/>
+          </a:stretch>
+        </p:blipFill>
+        <p:spPr>
+          <a:xfrm>
+            <a:off x="990600" y="2092002"/>
+            <a:ext cx="10134600" cy="4308798"/>
+          </a:xfrm>
+        </p:spPr>
+      </p:pic>
+    </p:spTree>
+    <p:extLst>
+      <p:ext uri="{BB962C8B-B14F-4D97-AF65-F5344CB8AC3E}">
+        <p14:creationId xmlns:p14="http://schemas.microsoft.com/office/powerpoint/2010/main" val="3140109940"/>
+      </p:ext>
+    </p:extLst>
+  </p:cSld>
+  <p:clrMapOvr>
+    <a:masterClrMapping/>
+  </p:clrMapOvr>
+</p:sld>
+</file>
+
+<file path=ppt/slides/slide11.xml><?xml version="1.0" encoding="utf-8"?>
+<p:sld xmlns:a="http://schemas.openxmlformats.org/drawingml/2006/main" xmlns:r="http://schemas.openxmlformats.org/officeDocument/2006/relationships" xmlns:p="http://schemas.openxmlformats.org/presentationml/2006/main">
+  <p:cSld>
+    <p:spTree>
+      <p:nvGrpSpPr>
+        <p:cNvPr id="1" name=""/>
+        <p:cNvGrpSpPr/>
+        <p:nvPr/>
+      </p:nvGrpSpPr>
+      <p:grpSpPr>
+        <a:xfrm>
+          <a:off x="0" y="0"/>
+          <a:ext cx="0" cy="0"/>
+          <a:chOff x="0" y="0"/>
+          <a:chExt cx="0" cy="0"/>
+        </a:xfrm>
+      </p:grpSpPr>
+      <p:sp>
+        <p:nvSpPr>
+          <p:cNvPr id="2" name="Title 1">
+            <a:extLst>
+              <a:ext uri="{FF2B5EF4-FFF2-40B4-BE49-F238E27FC236}">
+                <a16:creationId xmlns:a16="http://schemas.microsoft.com/office/drawing/2014/main" id="{C687B6E5-2CDA-4F64-AF56-998CC7C585F0}"/>
+              </a:ext>
+            </a:extLst>
+          </p:cNvPr>
+          <p:cNvSpPr>
+            <a:spLocks noGrp="1"/>
+          </p:cNvSpPr>
+          <p:nvPr>
+            <p:ph type="title"/>
+          </p:nvPr>
+        </p:nvSpPr>
+        <p:spPr>
+          <a:xfrm>
+            <a:off x="1524000" y="457200"/>
+            <a:ext cx="9144000" cy="2743200"/>
+          </a:xfrm>
+        </p:spPr>
+        <p:txBody>
+          <a:bodyPr/>
+          <a:lstStyle/>
+          <a:p>
+            <a:pPr algn="ctr"/>
+            <a:r>
+              <a:rPr lang="en-US" dirty="0"/>
+              <a:t>That’s all folks!</a:t>
+            </a:r>
+          </a:p>
+        </p:txBody>
+      </p:sp>
+      <p:sp>
+        <p:nvSpPr>
+          <p:cNvPr id="6" name="Text Placeholder 5">
+            <a:extLst>
+              <a:ext uri="{FF2B5EF4-FFF2-40B4-BE49-F238E27FC236}">
+                <a16:creationId xmlns:a16="http://schemas.microsoft.com/office/drawing/2014/main" id="{377C6317-A545-45BE-BAF0-A7D8413E60E3}"/>
+              </a:ext>
+            </a:extLst>
+          </p:cNvPr>
+          <p:cNvSpPr>
+            <a:spLocks noGrp="1"/>
+          </p:cNvSpPr>
+          <p:nvPr>
+            <p:ph type="body" idx="1"/>
+          </p:nvPr>
+        </p:nvSpPr>
+        <p:spPr/>
+        <p:txBody>
+          <a:bodyPr>
+            <a:normAutofit/>
+          </a:bodyPr>
+          <a:lstStyle/>
+          <a:p>
+            <a:pPr algn="ctr"/>
+            <a:r>
+              <a:rPr lang="en-US" sz="4000" dirty="0"/>
+              <a:t>Now lets all try it for ourselves.</a:t>
+            </a:r>
+          </a:p>
+        </p:txBody>
+      </p:sp>
+    </p:spTree>
+    <p:extLst>
+      <p:ext uri="{BB962C8B-B14F-4D97-AF65-F5344CB8AC3E}">
+        <p14:creationId xmlns:p14="http://schemas.microsoft.com/office/powerpoint/2010/main" val="3547668761"/>
+      </p:ext>
+    </p:extLst>
+  </p:cSld>
+  <p:clrMapOvr>
+    <a:masterClrMapping/>
+  </p:clrMapOvr>
 </p:sld>
 </file>
 
@@ -6078,6 +6327,132 @@
 </file>
 
 <file path=customXml/item2.xml><?xml version="1.0" encoding="utf-8"?>
+<p:properties xmlns:p="http://schemas.microsoft.com/office/2006/metadata/properties" xmlns:xsi="http://www.w3.org/2001/XMLSchema-instance" xmlns:pc="http://schemas.microsoft.com/office/infopath/2007/PartnerControls">
+  <documentManagement>
+    <DirectSourceMarket xmlns="4873beb7-5857-4685-be1f-d57550cc96cc" xsi:nil="true"/>
+    <ApprovalStatus xmlns="4873beb7-5857-4685-be1f-d57550cc96cc">InProgress</ApprovalStatus>
+    <MarketSpecific xmlns="4873beb7-5857-4685-be1f-d57550cc96cc">false</MarketSpecific>
+    <LocComments xmlns="4873beb7-5857-4685-be1f-d57550cc96cc" xsi:nil="true"/>
+    <ThumbnailAssetId xmlns="4873beb7-5857-4685-be1f-d57550cc96cc" xsi:nil="true"/>
+    <PrimaryImageGen xmlns="4873beb7-5857-4685-be1f-d57550cc96cc">true</PrimaryImageGen>
+    <LegacyData xmlns="4873beb7-5857-4685-be1f-d57550cc96cc" xsi:nil="true"/>
+    <LocRecommendedHandoff xmlns="4873beb7-5857-4685-be1f-d57550cc96cc" xsi:nil="true"/>
+    <BusinessGroup xmlns="4873beb7-5857-4685-be1f-d57550cc96cc" xsi:nil="true"/>
+    <BlockPublish xmlns="4873beb7-5857-4685-be1f-d57550cc96cc">false</BlockPublish>
+    <TPFriendlyName xmlns="4873beb7-5857-4685-be1f-d57550cc96cc" xsi:nil="true"/>
+    <NumericId xmlns="4873beb7-5857-4685-be1f-d57550cc96cc" xsi:nil="true"/>
+    <APEditor xmlns="4873beb7-5857-4685-be1f-d57550cc96cc">
+      <UserInfo>
+        <DisplayName/>
+        <AccountId xsi:nil="true"/>
+        <AccountType/>
+      </UserInfo>
+    </APEditor>
+    <SourceTitle xmlns="4873beb7-5857-4685-be1f-d57550cc96cc" xsi:nil="true"/>
+    <OpenTemplate xmlns="4873beb7-5857-4685-be1f-d57550cc96cc">true</OpenTemplate>
+    <UALocComments xmlns="4873beb7-5857-4685-be1f-d57550cc96cc" xsi:nil="true"/>
+    <ParentAssetId xmlns="4873beb7-5857-4685-be1f-d57550cc96cc" xsi:nil="true"/>
+    <IntlLangReviewDate xmlns="4873beb7-5857-4685-be1f-d57550cc96cc" xsi:nil="true"/>
+    <FeatureTagsTaxHTField0 xmlns="4873beb7-5857-4685-be1f-d57550cc96cc">
+      <Terms xmlns="http://schemas.microsoft.com/office/infopath/2007/PartnerControls"/>
+    </FeatureTagsTaxHTField0>
+    <PublishStatusLookup xmlns="4873beb7-5857-4685-be1f-d57550cc96cc">
+      <Value>1566889</Value>
+    </PublishStatusLookup>
+    <Providers xmlns="4873beb7-5857-4685-be1f-d57550cc96cc" xsi:nil="true"/>
+    <MachineTranslated xmlns="4873beb7-5857-4685-be1f-d57550cc96cc">false</MachineTranslated>
+    <OriginalSourceMarket xmlns="4873beb7-5857-4685-be1f-d57550cc96cc" xsi:nil="true"/>
+    <APDescription xmlns="4873beb7-5857-4685-be1f-d57550cc96cc" xsi:nil="true"/>
+    <ClipArtFilename xmlns="4873beb7-5857-4685-be1f-d57550cc96cc" xsi:nil="true"/>
+    <ContentItem xmlns="4873beb7-5857-4685-be1f-d57550cc96cc" xsi:nil="true"/>
+    <TPInstallLocation xmlns="4873beb7-5857-4685-be1f-d57550cc96cc" xsi:nil="true"/>
+    <PublishTargets xmlns="4873beb7-5857-4685-be1f-d57550cc96cc">OfficeOnlineVNext</PublishTargets>
+    <TimesCloned xmlns="4873beb7-5857-4685-be1f-d57550cc96cc" xsi:nil="true"/>
+    <AssetStart xmlns="4873beb7-5857-4685-be1f-d57550cc96cc">2012-05-23T08:44:00+00:00</AssetStart>
+    <Provider xmlns="4873beb7-5857-4685-be1f-d57550cc96cc" xsi:nil="true"/>
+    <AcquiredFrom xmlns="4873beb7-5857-4685-be1f-d57550cc96cc">Internal MS</AcquiredFrom>
+    <FriendlyTitle xmlns="4873beb7-5857-4685-be1f-d57550cc96cc" xsi:nil="true"/>
+    <LastHandOff xmlns="4873beb7-5857-4685-be1f-d57550cc96cc" xsi:nil="true"/>
+    <TPClientViewer xmlns="4873beb7-5857-4685-be1f-d57550cc96cc" xsi:nil="true"/>
+    <UACurrentWords xmlns="4873beb7-5857-4685-be1f-d57550cc96cc" xsi:nil="true"/>
+    <ArtSampleDocs xmlns="4873beb7-5857-4685-be1f-d57550cc96cc" xsi:nil="true"/>
+    <UALocRecommendation xmlns="4873beb7-5857-4685-be1f-d57550cc96cc">Localize</UALocRecommendation>
+    <Manager xmlns="4873beb7-5857-4685-be1f-d57550cc96cc" xsi:nil="true"/>
+    <ShowIn xmlns="4873beb7-5857-4685-be1f-d57550cc96cc">Show everywhere</ShowIn>
+    <UANotes xmlns="4873beb7-5857-4685-be1f-d57550cc96cc" xsi:nil="true"/>
+    <TemplateStatus xmlns="4873beb7-5857-4685-be1f-d57550cc96cc">Complete</TemplateStatus>
+    <InternalTagsTaxHTField0 xmlns="4873beb7-5857-4685-be1f-d57550cc96cc">
+      <Terms xmlns="http://schemas.microsoft.com/office/infopath/2007/PartnerControls"/>
+    </InternalTagsTaxHTField0>
+    <CSXHash xmlns="4873beb7-5857-4685-be1f-d57550cc96cc" xsi:nil="true"/>
+    <Downloads xmlns="4873beb7-5857-4685-be1f-d57550cc96cc">0</Downloads>
+    <VoteCount xmlns="4873beb7-5857-4685-be1f-d57550cc96cc" xsi:nil="true"/>
+    <OOCacheId xmlns="4873beb7-5857-4685-be1f-d57550cc96cc" xsi:nil="true"/>
+    <IsDeleted xmlns="4873beb7-5857-4685-be1f-d57550cc96cc">false</IsDeleted>
+    <AssetExpire xmlns="4873beb7-5857-4685-be1f-d57550cc96cc">2029-01-01T08:00:00+00:00</AssetExpire>
+    <DSATActionTaken xmlns="4873beb7-5857-4685-be1f-d57550cc96cc" xsi:nil="true"/>
+    <CSXSubmissionMarket xmlns="4873beb7-5857-4685-be1f-d57550cc96cc" xsi:nil="true"/>
+    <TPExecutable xmlns="4873beb7-5857-4685-be1f-d57550cc96cc" xsi:nil="true"/>
+    <SubmitterId xmlns="4873beb7-5857-4685-be1f-d57550cc96cc" xsi:nil="true"/>
+    <EditorialTags xmlns="4873beb7-5857-4685-be1f-d57550cc96cc" xsi:nil="true"/>
+    <ApprovalLog xmlns="4873beb7-5857-4685-be1f-d57550cc96cc" xsi:nil="true"/>
+    <AssetType xmlns="4873beb7-5857-4685-be1f-d57550cc96cc">TP</AssetType>
+    <BugNumber xmlns="4873beb7-5857-4685-be1f-d57550cc96cc" xsi:nil="true"/>
+    <CSXSubmissionDate xmlns="4873beb7-5857-4685-be1f-d57550cc96cc" xsi:nil="true"/>
+    <CSXUpdate xmlns="4873beb7-5857-4685-be1f-d57550cc96cc">false</CSXUpdate>
+    <Milestone xmlns="4873beb7-5857-4685-be1f-d57550cc96cc" xsi:nil="true"/>
+    <RecommendationsModifier xmlns="4873beb7-5857-4685-be1f-d57550cc96cc" xsi:nil="true"/>
+    <OriginAsset xmlns="4873beb7-5857-4685-be1f-d57550cc96cc" xsi:nil="true"/>
+    <TPComponent xmlns="4873beb7-5857-4685-be1f-d57550cc96cc" xsi:nil="true"/>
+    <AssetId xmlns="4873beb7-5857-4685-be1f-d57550cc96cc">TP102901017</AssetId>
+    <IntlLocPriority xmlns="4873beb7-5857-4685-be1f-d57550cc96cc" xsi:nil="true"/>
+    <PolicheckWords xmlns="4873beb7-5857-4685-be1f-d57550cc96cc" xsi:nil="true"/>
+    <TPLaunchHelpLink xmlns="4873beb7-5857-4685-be1f-d57550cc96cc" xsi:nil="true"/>
+    <TPApplication xmlns="4873beb7-5857-4685-be1f-d57550cc96cc" xsi:nil="true"/>
+    <CrawlForDependencies xmlns="4873beb7-5857-4685-be1f-d57550cc96cc">false</CrawlForDependencies>
+    <HandoffToMSDN xmlns="4873beb7-5857-4685-be1f-d57550cc96cc" xsi:nil="true"/>
+    <PlannedPubDate xmlns="4873beb7-5857-4685-be1f-d57550cc96cc" xsi:nil="true"/>
+    <IntlLangReviewer xmlns="4873beb7-5857-4685-be1f-d57550cc96cc" xsi:nil="true"/>
+    <TrustLevel xmlns="4873beb7-5857-4685-be1f-d57550cc96cc">1 Microsoft Managed Content</TrustLevel>
+    <LocLastLocAttemptVersionLookup xmlns="4873beb7-5857-4685-be1f-d57550cc96cc">836753</LocLastLocAttemptVersionLookup>
+    <IsSearchable xmlns="4873beb7-5857-4685-be1f-d57550cc96cc">true</IsSearchable>
+    <TemplateTemplateType xmlns="4873beb7-5857-4685-be1f-d57550cc96cc">PowerPoint Design Template</TemplateTemplateType>
+    <CampaignTagsTaxHTField0 xmlns="4873beb7-5857-4685-be1f-d57550cc96cc">
+      <Terms xmlns="http://schemas.microsoft.com/office/infopath/2007/PartnerControls"/>
+    </CampaignTagsTaxHTField0>
+    <TPNamespace xmlns="4873beb7-5857-4685-be1f-d57550cc96cc" xsi:nil="true"/>
+    <TaxCatchAll xmlns="4873beb7-5857-4685-be1f-d57550cc96cc"/>
+    <Markets xmlns="4873beb7-5857-4685-be1f-d57550cc96cc"/>
+    <UAProjectedTotalWords xmlns="4873beb7-5857-4685-be1f-d57550cc96cc" xsi:nil="true"/>
+    <IntlLangReview xmlns="4873beb7-5857-4685-be1f-d57550cc96cc">false</IntlLangReview>
+    <OutputCachingOn xmlns="4873beb7-5857-4685-be1f-d57550cc96cc">false</OutputCachingOn>
+    <AverageRating xmlns="4873beb7-5857-4685-be1f-d57550cc96cc" xsi:nil="true"/>
+    <APAuthor xmlns="4873beb7-5857-4685-be1f-d57550cc96cc">
+      <UserInfo>
+        <DisplayName>REDMOND\v-anij</DisplayName>
+        <AccountId>2469</AccountId>
+        <AccountType/>
+      </UserInfo>
+    </APAuthor>
+    <LocManualTestRequired xmlns="4873beb7-5857-4685-be1f-d57550cc96cc">false</LocManualTestRequired>
+    <TPCommandLine xmlns="4873beb7-5857-4685-be1f-d57550cc96cc" xsi:nil="true"/>
+    <TPAppVersion xmlns="4873beb7-5857-4685-be1f-d57550cc96cc" xsi:nil="true"/>
+    <EditorialStatus xmlns="4873beb7-5857-4685-be1f-d57550cc96cc">Complete</EditorialStatus>
+    <LastModifiedDateTime xmlns="4873beb7-5857-4685-be1f-d57550cc96cc" xsi:nil="true"/>
+    <ScenarioTagsTaxHTField0 xmlns="4873beb7-5857-4685-be1f-d57550cc96cc">
+      <Terms xmlns="http://schemas.microsoft.com/office/infopath/2007/PartnerControls"/>
+    </ScenarioTagsTaxHTField0>
+    <OriginalRelease xmlns="4873beb7-5857-4685-be1f-d57550cc96cc">15</OriginalRelease>
+    <TPLaunchHelpLinkType xmlns="4873beb7-5857-4685-be1f-d57550cc96cc">Template</TPLaunchHelpLinkType>
+    <LocalizationTagsTaxHTField0 xmlns="4873beb7-5857-4685-be1f-d57550cc96cc">
+      <Terms xmlns="http://schemas.microsoft.com/office/infopath/2007/PartnerControls"/>
+    </LocalizationTagsTaxHTField0>
+    <LocMarketGroupTiers2 xmlns="4873beb7-5857-4685-be1f-d57550cc96cc" xsi:nil="true"/>
+  </documentManagement>
+</p:properties>
+</file>
+
+<file path=customXml/item3.xml><?xml version="1.0" encoding="utf-8"?>
 <ct:contentTypeSchema xmlns:ct="http://schemas.microsoft.com/office/2006/metadata/contentType" xmlns:ma="http://schemas.microsoft.com/office/2006/metadata/properties/metaAttributes" ct:_="" ma:_="" ma:contentTypeName="TemplateFile" ma:contentTypeID="0x0101006EDDDB5EE6D98C44930B742096920B300400F5B6D36B3EF94B4E9A635CDF2A18F5B8" ma:contentTypeVersion="72" ma:contentTypeDescription="Create a new document." ma:contentTypeScope="" ma:versionID="a23e56308344d904b51738559c3d67c9">
   <xsd:schema xmlns:xsd="http://www.w3.org/2001/XMLSchema" xmlns:xs="http://www.w3.org/2001/XMLSchema" xmlns:p="http://schemas.microsoft.com/office/2006/metadata/properties" xmlns:ns2="4873beb7-5857-4685-be1f-d57550cc96cc" targetNamespace="http://schemas.microsoft.com/office/2006/metadata/properties" ma:root="true" ma:fieldsID="cd0908cc4600e77bf5da051303e00c8d" ns2:_="">
     <xsd:import namespace="4873beb7-5857-4685-be1f-d57550cc96cc"/>
@@ -7117,132 +7492,6 @@
 </ct:contentTypeSchema>
 </file>
 
-<file path=customXml/item3.xml><?xml version="1.0" encoding="utf-8"?>
-<p:properties xmlns:p="http://schemas.microsoft.com/office/2006/metadata/properties" xmlns:xsi="http://www.w3.org/2001/XMLSchema-instance" xmlns:pc="http://schemas.microsoft.com/office/infopath/2007/PartnerControls">
-  <documentManagement>
-    <DirectSourceMarket xmlns="4873beb7-5857-4685-be1f-d57550cc96cc" xsi:nil="true"/>
-    <ApprovalStatus xmlns="4873beb7-5857-4685-be1f-d57550cc96cc">InProgress</ApprovalStatus>
-    <MarketSpecific xmlns="4873beb7-5857-4685-be1f-d57550cc96cc">false</MarketSpecific>
-    <LocComments xmlns="4873beb7-5857-4685-be1f-d57550cc96cc" xsi:nil="true"/>
-    <ThumbnailAssetId xmlns="4873beb7-5857-4685-be1f-d57550cc96cc" xsi:nil="true"/>
-    <PrimaryImageGen xmlns="4873beb7-5857-4685-be1f-d57550cc96cc">true</PrimaryImageGen>
-    <LegacyData xmlns="4873beb7-5857-4685-be1f-d57550cc96cc" xsi:nil="true"/>
-    <LocRecommendedHandoff xmlns="4873beb7-5857-4685-be1f-d57550cc96cc" xsi:nil="true"/>
-    <BusinessGroup xmlns="4873beb7-5857-4685-be1f-d57550cc96cc" xsi:nil="true"/>
-    <BlockPublish xmlns="4873beb7-5857-4685-be1f-d57550cc96cc">false</BlockPublish>
-    <TPFriendlyName xmlns="4873beb7-5857-4685-be1f-d57550cc96cc" xsi:nil="true"/>
-    <NumericId xmlns="4873beb7-5857-4685-be1f-d57550cc96cc" xsi:nil="true"/>
-    <APEditor xmlns="4873beb7-5857-4685-be1f-d57550cc96cc">
-      <UserInfo>
-        <DisplayName/>
-        <AccountId xsi:nil="true"/>
-        <AccountType/>
-      </UserInfo>
-    </APEditor>
-    <SourceTitle xmlns="4873beb7-5857-4685-be1f-d57550cc96cc" xsi:nil="true"/>
-    <OpenTemplate xmlns="4873beb7-5857-4685-be1f-d57550cc96cc">true</OpenTemplate>
-    <UALocComments xmlns="4873beb7-5857-4685-be1f-d57550cc96cc" xsi:nil="true"/>
-    <ParentAssetId xmlns="4873beb7-5857-4685-be1f-d57550cc96cc" xsi:nil="true"/>
-    <IntlLangReviewDate xmlns="4873beb7-5857-4685-be1f-d57550cc96cc" xsi:nil="true"/>
-    <FeatureTagsTaxHTField0 xmlns="4873beb7-5857-4685-be1f-d57550cc96cc">
-      <Terms xmlns="http://schemas.microsoft.com/office/infopath/2007/PartnerControls"/>
-    </FeatureTagsTaxHTField0>
-    <PublishStatusLookup xmlns="4873beb7-5857-4685-be1f-d57550cc96cc">
-      <Value>1566889</Value>
-    </PublishStatusLookup>
-    <Providers xmlns="4873beb7-5857-4685-be1f-d57550cc96cc" xsi:nil="true"/>
-    <MachineTranslated xmlns="4873beb7-5857-4685-be1f-d57550cc96cc">false</MachineTranslated>
-    <OriginalSourceMarket xmlns="4873beb7-5857-4685-be1f-d57550cc96cc" xsi:nil="true"/>
-    <APDescription xmlns="4873beb7-5857-4685-be1f-d57550cc96cc" xsi:nil="true"/>
-    <ClipArtFilename xmlns="4873beb7-5857-4685-be1f-d57550cc96cc" xsi:nil="true"/>
-    <ContentItem xmlns="4873beb7-5857-4685-be1f-d57550cc96cc" xsi:nil="true"/>
-    <TPInstallLocation xmlns="4873beb7-5857-4685-be1f-d57550cc96cc" xsi:nil="true"/>
-    <PublishTargets xmlns="4873beb7-5857-4685-be1f-d57550cc96cc">OfficeOnlineVNext</PublishTargets>
-    <TimesCloned xmlns="4873beb7-5857-4685-be1f-d57550cc96cc" xsi:nil="true"/>
-    <AssetStart xmlns="4873beb7-5857-4685-be1f-d57550cc96cc">2012-05-23T08:44:00+00:00</AssetStart>
-    <Provider xmlns="4873beb7-5857-4685-be1f-d57550cc96cc" xsi:nil="true"/>
-    <AcquiredFrom xmlns="4873beb7-5857-4685-be1f-d57550cc96cc">Internal MS</AcquiredFrom>
-    <FriendlyTitle xmlns="4873beb7-5857-4685-be1f-d57550cc96cc" xsi:nil="true"/>
-    <LastHandOff xmlns="4873beb7-5857-4685-be1f-d57550cc96cc" xsi:nil="true"/>
-    <TPClientViewer xmlns="4873beb7-5857-4685-be1f-d57550cc96cc" xsi:nil="true"/>
-    <UACurrentWords xmlns="4873beb7-5857-4685-be1f-d57550cc96cc" xsi:nil="true"/>
-    <ArtSampleDocs xmlns="4873beb7-5857-4685-be1f-d57550cc96cc" xsi:nil="true"/>
-    <UALocRecommendation xmlns="4873beb7-5857-4685-be1f-d57550cc96cc">Localize</UALocRecommendation>
-    <Manager xmlns="4873beb7-5857-4685-be1f-d57550cc96cc" xsi:nil="true"/>
-    <ShowIn xmlns="4873beb7-5857-4685-be1f-d57550cc96cc">Show everywhere</ShowIn>
-    <UANotes xmlns="4873beb7-5857-4685-be1f-d57550cc96cc" xsi:nil="true"/>
-    <TemplateStatus xmlns="4873beb7-5857-4685-be1f-d57550cc96cc">Complete</TemplateStatus>
-    <InternalTagsTaxHTField0 xmlns="4873beb7-5857-4685-be1f-d57550cc96cc">
-      <Terms xmlns="http://schemas.microsoft.com/office/infopath/2007/PartnerControls"/>
-    </InternalTagsTaxHTField0>
-    <CSXHash xmlns="4873beb7-5857-4685-be1f-d57550cc96cc" xsi:nil="true"/>
-    <Downloads xmlns="4873beb7-5857-4685-be1f-d57550cc96cc">0</Downloads>
-    <VoteCount xmlns="4873beb7-5857-4685-be1f-d57550cc96cc" xsi:nil="true"/>
-    <OOCacheId xmlns="4873beb7-5857-4685-be1f-d57550cc96cc" xsi:nil="true"/>
-    <IsDeleted xmlns="4873beb7-5857-4685-be1f-d57550cc96cc">false</IsDeleted>
-    <AssetExpire xmlns="4873beb7-5857-4685-be1f-d57550cc96cc">2029-01-01T08:00:00+00:00</AssetExpire>
-    <DSATActionTaken xmlns="4873beb7-5857-4685-be1f-d57550cc96cc" xsi:nil="true"/>
-    <CSXSubmissionMarket xmlns="4873beb7-5857-4685-be1f-d57550cc96cc" xsi:nil="true"/>
-    <TPExecutable xmlns="4873beb7-5857-4685-be1f-d57550cc96cc" xsi:nil="true"/>
-    <SubmitterId xmlns="4873beb7-5857-4685-be1f-d57550cc96cc" xsi:nil="true"/>
-    <EditorialTags xmlns="4873beb7-5857-4685-be1f-d57550cc96cc" xsi:nil="true"/>
-    <ApprovalLog xmlns="4873beb7-5857-4685-be1f-d57550cc96cc" xsi:nil="true"/>
-    <AssetType xmlns="4873beb7-5857-4685-be1f-d57550cc96cc">TP</AssetType>
-    <BugNumber xmlns="4873beb7-5857-4685-be1f-d57550cc96cc" xsi:nil="true"/>
-    <CSXSubmissionDate xmlns="4873beb7-5857-4685-be1f-d57550cc96cc" xsi:nil="true"/>
-    <CSXUpdate xmlns="4873beb7-5857-4685-be1f-d57550cc96cc">false</CSXUpdate>
-    <Milestone xmlns="4873beb7-5857-4685-be1f-d57550cc96cc" xsi:nil="true"/>
-    <RecommendationsModifier xmlns="4873beb7-5857-4685-be1f-d57550cc96cc" xsi:nil="true"/>
-    <OriginAsset xmlns="4873beb7-5857-4685-be1f-d57550cc96cc" xsi:nil="true"/>
-    <TPComponent xmlns="4873beb7-5857-4685-be1f-d57550cc96cc" xsi:nil="true"/>
-    <AssetId xmlns="4873beb7-5857-4685-be1f-d57550cc96cc">TP102901017</AssetId>
-    <IntlLocPriority xmlns="4873beb7-5857-4685-be1f-d57550cc96cc" xsi:nil="true"/>
-    <PolicheckWords xmlns="4873beb7-5857-4685-be1f-d57550cc96cc" xsi:nil="true"/>
-    <TPLaunchHelpLink xmlns="4873beb7-5857-4685-be1f-d57550cc96cc" xsi:nil="true"/>
-    <TPApplication xmlns="4873beb7-5857-4685-be1f-d57550cc96cc" xsi:nil="true"/>
-    <CrawlForDependencies xmlns="4873beb7-5857-4685-be1f-d57550cc96cc">false</CrawlForDependencies>
-    <HandoffToMSDN xmlns="4873beb7-5857-4685-be1f-d57550cc96cc" xsi:nil="true"/>
-    <PlannedPubDate xmlns="4873beb7-5857-4685-be1f-d57550cc96cc" xsi:nil="true"/>
-    <IntlLangReviewer xmlns="4873beb7-5857-4685-be1f-d57550cc96cc" xsi:nil="true"/>
-    <TrustLevel xmlns="4873beb7-5857-4685-be1f-d57550cc96cc">1 Microsoft Managed Content</TrustLevel>
-    <LocLastLocAttemptVersionLookup xmlns="4873beb7-5857-4685-be1f-d57550cc96cc">836753</LocLastLocAttemptVersionLookup>
-    <IsSearchable xmlns="4873beb7-5857-4685-be1f-d57550cc96cc">true</IsSearchable>
-    <TemplateTemplateType xmlns="4873beb7-5857-4685-be1f-d57550cc96cc">PowerPoint Design Template</TemplateTemplateType>
-    <CampaignTagsTaxHTField0 xmlns="4873beb7-5857-4685-be1f-d57550cc96cc">
-      <Terms xmlns="http://schemas.microsoft.com/office/infopath/2007/PartnerControls"/>
-    </CampaignTagsTaxHTField0>
-    <TPNamespace xmlns="4873beb7-5857-4685-be1f-d57550cc96cc" xsi:nil="true"/>
-    <TaxCatchAll xmlns="4873beb7-5857-4685-be1f-d57550cc96cc"/>
-    <Markets xmlns="4873beb7-5857-4685-be1f-d57550cc96cc"/>
-    <UAProjectedTotalWords xmlns="4873beb7-5857-4685-be1f-d57550cc96cc" xsi:nil="true"/>
-    <IntlLangReview xmlns="4873beb7-5857-4685-be1f-d57550cc96cc">false</IntlLangReview>
-    <OutputCachingOn xmlns="4873beb7-5857-4685-be1f-d57550cc96cc">false</OutputCachingOn>
-    <AverageRating xmlns="4873beb7-5857-4685-be1f-d57550cc96cc" xsi:nil="true"/>
-    <APAuthor xmlns="4873beb7-5857-4685-be1f-d57550cc96cc">
-      <UserInfo>
-        <DisplayName>REDMOND\v-anij</DisplayName>
-        <AccountId>2469</AccountId>
-        <AccountType/>
-      </UserInfo>
-    </APAuthor>
-    <LocManualTestRequired xmlns="4873beb7-5857-4685-be1f-d57550cc96cc">false</LocManualTestRequired>
-    <TPCommandLine xmlns="4873beb7-5857-4685-be1f-d57550cc96cc" xsi:nil="true"/>
-    <TPAppVersion xmlns="4873beb7-5857-4685-be1f-d57550cc96cc" xsi:nil="true"/>
-    <EditorialStatus xmlns="4873beb7-5857-4685-be1f-d57550cc96cc">Complete</EditorialStatus>
-    <LastModifiedDateTime xmlns="4873beb7-5857-4685-be1f-d57550cc96cc" xsi:nil="true"/>
-    <ScenarioTagsTaxHTField0 xmlns="4873beb7-5857-4685-be1f-d57550cc96cc">
-      <Terms xmlns="http://schemas.microsoft.com/office/infopath/2007/PartnerControls"/>
-    </ScenarioTagsTaxHTField0>
-    <OriginalRelease xmlns="4873beb7-5857-4685-be1f-d57550cc96cc">15</OriginalRelease>
-    <TPLaunchHelpLinkType xmlns="4873beb7-5857-4685-be1f-d57550cc96cc">Template</TPLaunchHelpLinkType>
-    <LocalizationTagsTaxHTField0 xmlns="4873beb7-5857-4685-be1f-d57550cc96cc">
-      <Terms xmlns="http://schemas.microsoft.com/office/infopath/2007/PartnerControls"/>
-    </LocalizationTagsTaxHTField0>
-    <LocMarketGroupTiers2 xmlns="4873beb7-5857-4685-be1f-d57550cc96cc" xsi:nil="true"/>
-  </documentManagement>
-</p:properties>
-</file>
-
 <file path=customXml/itemProps1.xml><?xml version="1.0" encoding="utf-8"?>
 <ds:datastoreItem xmlns:ds="http://schemas.openxmlformats.org/officeDocument/2006/customXml" ds:itemID="{746CFF6F-D9AA-4BC0-911A-0A1356771912}">
   <ds:schemaRefs>
@@ -7252,6 +7501,22 @@
 </file>
 
 <file path=customXml/itemProps2.xml><?xml version="1.0" encoding="utf-8"?>
+<ds:datastoreItem xmlns:ds="http://schemas.openxmlformats.org/officeDocument/2006/customXml" ds:itemID="{04098515-0C12-46CF-BC7C-69B4A13CD5FA}">
+  <ds:schemaRefs>
+    <ds:schemaRef ds:uri="http://schemas.microsoft.com/office/infopath/2007/PartnerControls"/>
+    <ds:schemaRef ds:uri="http://purl.org/dc/elements/1.1/"/>
+    <ds:schemaRef ds:uri="http://purl.org/dc/terms/"/>
+    <ds:schemaRef ds:uri="http://schemas.microsoft.com/office/2006/documentManagement/types"/>
+    <ds:schemaRef ds:uri="http://purl.org/dc/dcmitype/"/>
+    <ds:schemaRef ds:uri="4873beb7-5857-4685-be1f-d57550cc96cc"/>
+    <ds:schemaRef ds:uri="http://schemas.openxmlformats.org/package/2006/metadata/core-properties"/>
+    <ds:schemaRef ds:uri="http://schemas.microsoft.com/office/2006/metadata/properties"/>
+    <ds:schemaRef ds:uri="http://www.w3.org/XML/1998/namespace"/>
+  </ds:schemaRefs>
+</ds:datastoreItem>
+</file>
+
+<file path=customXml/itemProps3.xml><?xml version="1.0" encoding="utf-8"?>
 <ds:datastoreItem xmlns:ds="http://schemas.openxmlformats.org/officeDocument/2006/customXml" ds:itemID="{0B5C6E15-39DC-470B-9445-F754B9458020}">
   <ds:schemaRefs>
     <ds:schemaRef ds:uri="http://schemas.microsoft.com/office/2006/metadata/contentType"/>
@@ -7267,20 +7532,4 @@
     <ds:schemaRef ds:uri="http://schemas.microsoft.com/internal/obd"/>
   </ds:schemaRefs>
 </ds:datastoreItem>
-</file>
-
-<file path=customXml/itemProps3.xml><?xml version="1.0" encoding="utf-8"?>
-<ds:datastoreItem xmlns:ds="http://schemas.openxmlformats.org/officeDocument/2006/customXml" ds:itemID="{04098515-0C12-46CF-BC7C-69B4A13CD5FA}">
-  <ds:schemaRefs>
-    <ds:schemaRef ds:uri="http://schemas.microsoft.com/office/infopath/2007/PartnerControls"/>
-    <ds:schemaRef ds:uri="http://purl.org/dc/elements/1.1/"/>
-    <ds:schemaRef ds:uri="http://purl.org/dc/terms/"/>
-    <ds:schemaRef ds:uri="http://schemas.microsoft.com/office/2006/documentManagement/types"/>
-    <ds:schemaRef ds:uri="http://purl.org/dc/dcmitype/"/>
-    <ds:schemaRef ds:uri="4873beb7-5857-4685-be1f-d57550cc96cc"/>
-    <ds:schemaRef ds:uri="http://schemas.openxmlformats.org/package/2006/metadata/core-properties"/>
-    <ds:schemaRef ds:uri="http://schemas.microsoft.com/office/2006/metadata/properties"/>
-    <ds:schemaRef ds:uri="http://www.w3.org/XML/1998/namespace"/>
-  </ds:schemaRefs>
-</ds:datastoreItem>
 </file>